--- a/mid_report.pptx
+++ b/mid_report.pptx
@@ -2,7 +2,7 @@
 <file path=ppt/presentation.xml><?xml version="1.0" encoding="utf-8"?>
 <p:presentation xmlns:a="http://schemas.openxmlformats.org/drawingml/2006/main" xmlns:r="http://schemas.openxmlformats.org/officeDocument/2006/relationships" xmlns:p="http://schemas.openxmlformats.org/presentationml/2006/main" saveSubsetFonts="1">
   <p:sldMasterIdLst>
-    <p:sldMasterId id="2147483648" r:id="rId1"/>
+    <p:sldMasterId id="2147483767" r:id="rId1"/>
   </p:sldMasterIdLst>
   <p:notesMasterIdLst>
     <p:notesMasterId r:id="rId23"/>
@@ -34,9 +34,9 @@
   <p:notesSz cx="6858000" cy="9144000"/>
   <p:defaultTextStyle>
     <a:defPPr>
-      <a:defRPr lang="zh-CN"/>
+      <a:defRPr lang="en-US"/>
     </a:defPPr>
-    <a:lvl1pPr marL="0" algn="l" defTabSz="914400" rtl="0" eaLnBrk="1" latinLnBrk="0" hangingPunct="1">
+    <a:lvl1pPr marL="0" algn="l" defTabSz="457200" rtl="0" eaLnBrk="1" latinLnBrk="0" hangingPunct="1">
       <a:defRPr sz="1800" kern="1200">
         <a:solidFill>
           <a:schemeClr val="tx1"/>
@@ -46,7 +46,7 @@
         <a:cs typeface="+mn-cs"/>
       </a:defRPr>
     </a:lvl1pPr>
-    <a:lvl2pPr marL="457200" algn="l" defTabSz="914400" rtl="0" eaLnBrk="1" latinLnBrk="0" hangingPunct="1">
+    <a:lvl2pPr marL="457200" algn="l" defTabSz="457200" rtl="0" eaLnBrk="1" latinLnBrk="0" hangingPunct="1">
       <a:defRPr sz="1800" kern="1200">
         <a:solidFill>
           <a:schemeClr val="tx1"/>
@@ -56,7 +56,7 @@
         <a:cs typeface="+mn-cs"/>
       </a:defRPr>
     </a:lvl2pPr>
-    <a:lvl3pPr marL="914400" algn="l" defTabSz="914400" rtl="0" eaLnBrk="1" latinLnBrk="0" hangingPunct="1">
+    <a:lvl3pPr marL="914400" algn="l" defTabSz="457200" rtl="0" eaLnBrk="1" latinLnBrk="0" hangingPunct="1">
       <a:defRPr sz="1800" kern="1200">
         <a:solidFill>
           <a:schemeClr val="tx1"/>
@@ -66,7 +66,7 @@
         <a:cs typeface="+mn-cs"/>
       </a:defRPr>
     </a:lvl3pPr>
-    <a:lvl4pPr marL="1371600" algn="l" defTabSz="914400" rtl="0" eaLnBrk="1" latinLnBrk="0" hangingPunct="1">
+    <a:lvl4pPr marL="1371600" algn="l" defTabSz="457200" rtl="0" eaLnBrk="1" latinLnBrk="0" hangingPunct="1">
       <a:defRPr sz="1800" kern="1200">
         <a:solidFill>
           <a:schemeClr val="tx1"/>
@@ -76,7 +76,7 @@
         <a:cs typeface="+mn-cs"/>
       </a:defRPr>
     </a:lvl4pPr>
-    <a:lvl5pPr marL="1828800" algn="l" defTabSz="914400" rtl="0" eaLnBrk="1" latinLnBrk="0" hangingPunct="1">
+    <a:lvl5pPr marL="1828800" algn="l" defTabSz="457200" rtl="0" eaLnBrk="1" latinLnBrk="0" hangingPunct="1">
       <a:defRPr sz="1800" kern="1200">
         <a:solidFill>
           <a:schemeClr val="tx1"/>
@@ -86,7 +86,7 @@
         <a:cs typeface="+mn-cs"/>
       </a:defRPr>
     </a:lvl5pPr>
-    <a:lvl6pPr marL="2286000" algn="l" defTabSz="914400" rtl="0" eaLnBrk="1" latinLnBrk="0" hangingPunct="1">
+    <a:lvl6pPr marL="2286000" algn="l" defTabSz="457200" rtl="0" eaLnBrk="1" latinLnBrk="0" hangingPunct="1">
       <a:defRPr sz="1800" kern="1200">
         <a:solidFill>
           <a:schemeClr val="tx1"/>
@@ -96,7 +96,7 @@
         <a:cs typeface="+mn-cs"/>
       </a:defRPr>
     </a:lvl6pPr>
-    <a:lvl7pPr marL="2743200" algn="l" defTabSz="914400" rtl="0" eaLnBrk="1" latinLnBrk="0" hangingPunct="1">
+    <a:lvl7pPr marL="2743200" algn="l" defTabSz="457200" rtl="0" eaLnBrk="1" latinLnBrk="0" hangingPunct="1">
       <a:defRPr sz="1800" kern="1200">
         <a:solidFill>
           <a:schemeClr val="tx1"/>
@@ -106,7 +106,7 @@
         <a:cs typeface="+mn-cs"/>
       </a:defRPr>
     </a:lvl7pPr>
-    <a:lvl8pPr marL="3200400" algn="l" defTabSz="914400" rtl="0" eaLnBrk="1" latinLnBrk="0" hangingPunct="1">
+    <a:lvl8pPr marL="3200400" algn="l" defTabSz="457200" rtl="0" eaLnBrk="1" latinLnBrk="0" hangingPunct="1">
       <a:defRPr sz="1800" kern="1200">
         <a:solidFill>
           <a:schemeClr val="tx1"/>
@@ -116,7 +116,7 @@
         <a:cs typeface="+mn-cs"/>
       </a:defRPr>
     </a:lvl8pPr>
-    <a:lvl9pPr marL="3657600" algn="l" defTabSz="914400" rtl="0" eaLnBrk="1" latinLnBrk="0" hangingPunct="1">
+    <a:lvl9pPr marL="3657600" algn="l" defTabSz="457200" rtl="0" eaLnBrk="1" latinLnBrk="0" hangingPunct="1">
       <a:defRPr sz="1800" kern="1200">
         <a:solidFill>
           <a:schemeClr val="tx1"/>
@@ -127,6 +127,11 @@
       </a:defRPr>
     </a:lvl9pPr>
   </p:defaultTextStyle>
+  <p:extLst>
+    <p:ext uri="{EFAFB233-063F-42B5-8137-9DF3F51BA10A}">
+      <p15:sldGuideLst xmlns:p15="http://schemas.microsoft.com/office/powerpoint/2012/main"/>
+    </p:ext>
+  </p:extLst>
 </p:presentation>
 </file>
 
@@ -1505,13 +1510,7 @@
       </p:grpSpPr>
       <p:sp>
         <p:nvSpPr>
-          <p:cNvPr id="2" name="标题 1">
-            <a:extLst>
-              <a:ext uri="{FF2B5EF4-FFF2-40B4-BE49-F238E27FC236}">
-                <a16:creationId xmlns:a16="http://schemas.microsoft.com/office/drawing/2014/main" id="{7958F6B6-E8BB-414B-BDD5-3C9FCCF79A3A}"/>
-              </a:ext>
-            </a:extLst>
-          </p:cNvPr>
+          <p:cNvPr id="2" name="Title 1"/>
           <p:cNvSpPr>
             <a:spLocks noGrp="1"/>
           </p:cNvSpPr>
@@ -1537,18 +1536,13 @@
               <a:rPr lang="zh-CN" altLang="en-US"/>
               <a:t>单击此处编辑母版标题样式</a:t>
             </a:r>
-          </a:p>
-        </p:txBody>
-      </p:sp>
-      <p:sp>
-        <p:nvSpPr>
-          <p:cNvPr id="3" name="副标题 2">
-            <a:extLst>
-              <a:ext uri="{FF2B5EF4-FFF2-40B4-BE49-F238E27FC236}">
-                <a16:creationId xmlns:a16="http://schemas.microsoft.com/office/drawing/2014/main" id="{4166A91C-76D0-4154-95DD-9230288BD63B}"/>
-              </a:ext>
-            </a:extLst>
-          </p:cNvPr>
+            <a:endParaRPr lang="en-US" dirty="0"/>
+          </a:p>
+        </p:txBody>
+      </p:sp>
+      <p:sp>
+        <p:nvSpPr>
+          <p:cNvPr id="3" name="Subtitle 2"/>
           <p:cNvSpPr>
             <a:spLocks noGrp="1"/>
           </p:cNvSpPr>
@@ -1607,18 +1601,13 @@
               <a:rPr lang="zh-CN" altLang="en-US"/>
               <a:t>单击此处编辑母版副标题样式</a:t>
             </a:r>
-          </a:p>
-        </p:txBody>
-      </p:sp>
-      <p:sp>
-        <p:nvSpPr>
-          <p:cNvPr id="4" name="日期占位符 3">
-            <a:extLst>
-              <a:ext uri="{FF2B5EF4-FFF2-40B4-BE49-F238E27FC236}">
-                <a16:creationId xmlns:a16="http://schemas.microsoft.com/office/drawing/2014/main" id="{BAF3FA4C-1A25-41F3-8F18-5426BA5C652F}"/>
-              </a:ext>
-            </a:extLst>
-          </p:cNvPr>
+            <a:endParaRPr lang="en-US" dirty="0"/>
+          </a:p>
+        </p:txBody>
+      </p:sp>
+      <p:sp>
+        <p:nvSpPr>
+          <p:cNvPr id="4" name="Date Placeholder 3"/>
           <p:cNvSpPr>
             <a:spLocks noGrp="1"/>
           </p:cNvSpPr>
@@ -1641,13 +1630,7 @@
       </p:sp>
       <p:sp>
         <p:nvSpPr>
-          <p:cNvPr id="5" name="页脚占位符 4">
-            <a:extLst>
-              <a:ext uri="{FF2B5EF4-FFF2-40B4-BE49-F238E27FC236}">
-                <a16:creationId xmlns:a16="http://schemas.microsoft.com/office/drawing/2014/main" id="{F500581D-22F2-433E-AD04-A3E58FD0FA4B}"/>
-              </a:ext>
-            </a:extLst>
-          </p:cNvPr>
+          <p:cNvPr id="5" name="Footer Placeholder 4"/>
           <p:cNvSpPr>
             <a:spLocks noGrp="1"/>
           </p:cNvSpPr>
@@ -1666,13 +1649,7 @@
       </p:sp>
       <p:sp>
         <p:nvSpPr>
-          <p:cNvPr id="6" name="灯片编号占位符 5">
-            <a:extLst>
-              <a:ext uri="{FF2B5EF4-FFF2-40B4-BE49-F238E27FC236}">
-                <a16:creationId xmlns:a16="http://schemas.microsoft.com/office/drawing/2014/main" id="{EFCD32EE-272B-4F23-B58C-9A2484C879ED}"/>
-              </a:ext>
-            </a:extLst>
-          </p:cNvPr>
+          <p:cNvPr id="6" name="Slide Number Placeholder 5"/>
           <p:cNvSpPr>
             <a:spLocks noGrp="1"/>
           </p:cNvSpPr>
@@ -1696,7 +1673,7 @@
     </p:spTree>
     <p:extLst>
       <p:ext uri="{BB962C8B-B14F-4D97-AF65-F5344CB8AC3E}">
-        <p14:creationId xmlns:p14="http://schemas.microsoft.com/office/powerpoint/2010/main" val="2478702211"/>
+        <p14:creationId xmlns:p14="http://schemas.microsoft.com/office/powerpoint/2010/main" val="714769724"/>
       </p:ext>
     </p:extLst>
   </p:cSld>
@@ -1725,13 +1702,7 @@
       </p:grpSpPr>
       <p:sp>
         <p:nvSpPr>
-          <p:cNvPr id="2" name="标题 1">
-            <a:extLst>
-              <a:ext uri="{FF2B5EF4-FFF2-40B4-BE49-F238E27FC236}">
-                <a16:creationId xmlns:a16="http://schemas.microsoft.com/office/drawing/2014/main" id="{3FE5B563-9D56-469B-A708-0641A9A47036}"/>
-              </a:ext>
-            </a:extLst>
-          </p:cNvPr>
+          <p:cNvPr id="2" name="Title 1"/>
           <p:cNvSpPr>
             <a:spLocks noGrp="1"/>
           </p:cNvSpPr>
@@ -1748,18 +1719,13 @@
               <a:rPr lang="zh-CN" altLang="en-US"/>
               <a:t>单击此处编辑母版标题样式</a:t>
             </a:r>
-          </a:p>
-        </p:txBody>
-      </p:sp>
-      <p:sp>
-        <p:nvSpPr>
-          <p:cNvPr id="3" name="竖排文字占位符 2">
-            <a:extLst>
-              <a:ext uri="{FF2B5EF4-FFF2-40B4-BE49-F238E27FC236}">
-                <a16:creationId xmlns:a16="http://schemas.microsoft.com/office/drawing/2014/main" id="{A29275BC-A5B8-4B1B-B686-68E67B7A5E66}"/>
-              </a:ext>
-            </a:extLst>
-          </p:cNvPr>
+            <a:endParaRPr lang="en-US" dirty="0"/>
+          </a:p>
+        </p:txBody>
+      </p:sp>
+      <p:sp>
+        <p:nvSpPr>
+          <p:cNvPr id="3" name="Vertical Text Placeholder 2"/>
           <p:cNvSpPr>
             <a:spLocks noGrp="1"/>
           </p:cNvSpPr>
@@ -1805,18 +1771,13 @@
               <a:rPr lang="zh-CN" altLang="en-US"/>
               <a:t>第五级</a:t>
             </a:r>
-          </a:p>
-        </p:txBody>
-      </p:sp>
-      <p:sp>
-        <p:nvSpPr>
-          <p:cNvPr id="4" name="日期占位符 3">
-            <a:extLst>
-              <a:ext uri="{FF2B5EF4-FFF2-40B4-BE49-F238E27FC236}">
-                <a16:creationId xmlns:a16="http://schemas.microsoft.com/office/drawing/2014/main" id="{96EADC65-2A17-47F8-819E-E21AB39F7697}"/>
-              </a:ext>
-            </a:extLst>
-          </p:cNvPr>
+            <a:endParaRPr lang="en-US" dirty="0"/>
+          </a:p>
+        </p:txBody>
+      </p:sp>
+      <p:sp>
+        <p:nvSpPr>
+          <p:cNvPr id="4" name="Date Placeholder 3"/>
           <p:cNvSpPr>
             <a:spLocks noGrp="1"/>
           </p:cNvSpPr>
@@ -1839,13 +1800,7 @@
       </p:sp>
       <p:sp>
         <p:nvSpPr>
-          <p:cNvPr id="5" name="页脚占位符 4">
-            <a:extLst>
-              <a:ext uri="{FF2B5EF4-FFF2-40B4-BE49-F238E27FC236}">
-                <a16:creationId xmlns:a16="http://schemas.microsoft.com/office/drawing/2014/main" id="{D0AE4DC6-FF56-4C6D-B377-A5C593203FB5}"/>
-              </a:ext>
-            </a:extLst>
-          </p:cNvPr>
+          <p:cNvPr id="5" name="Footer Placeholder 4"/>
           <p:cNvSpPr>
             <a:spLocks noGrp="1"/>
           </p:cNvSpPr>
@@ -1864,13 +1819,7 @@
       </p:sp>
       <p:sp>
         <p:nvSpPr>
-          <p:cNvPr id="6" name="灯片编号占位符 5">
-            <a:extLst>
-              <a:ext uri="{FF2B5EF4-FFF2-40B4-BE49-F238E27FC236}">
-                <a16:creationId xmlns:a16="http://schemas.microsoft.com/office/drawing/2014/main" id="{DF1114DA-36CD-4D94-8C23-A4A945AEB6FD}"/>
-              </a:ext>
-            </a:extLst>
-          </p:cNvPr>
+          <p:cNvPr id="6" name="Slide Number Placeholder 5"/>
           <p:cNvSpPr>
             <a:spLocks noGrp="1"/>
           </p:cNvSpPr>
@@ -1894,7 +1843,7 @@
     </p:spTree>
     <p:extLst>
       <p:ext uri="{BB962C8B-B14F-4D97-AF65-F5344CB8AC3E}">
-        <p14:creationId xmlns:p14="http://schemas.microsoft.com/office/powerpoint/2010/main" val="4065456150"/>
+        <p14:creationId xmlns:p14="http://schemas.microsoft.com/office/powerpoint/2010/main" val="1662543714"/>
       </p:ext>
     </p:extLst>
   </p:cSld>
@@ -1923,13 +1872,7 @@
       </p:grpSpPr>
       <p:sp>
         <p:nvSpPr>
-          <p:cNvPr id="2" name="竖排标题 1">
-            <a:extLst>
-              <a:ext uri="{FF2B5EF4-FFF2-40B4-BE49-F238E27FC236}">
-                <a16:creationId xmlns:a16="http://schemas.microsoft.com/office/drawing/2014/main" id="{E71E42F0-06D8-410D-8859-D71B5C3BD258}"/>
-              </a:ext>
-            </a:extLst>
-          </p:cNvPr>
+          <p:cNvPr id="2" name="Vertical Title 1"/>
           <p:cNvSpPr>
             <a:spLocks noGrp="1"/>
           </p:cNvSpPr>
@@ -1951,18 +1894,13 @@
               <a:rPr lang="zh-CN" altLang="en-US"/>
               <a:t>单击此处编辑母版标题样式</a:t>
             </a:r>
-          </a:p>
-        </p:txBody>
-      </p:sp>
-      <p:sp>
-        <p:nvSpPr>
-          <p:cNvPr id="3" name="竖排文字占位符 2">
-            <a:extLst>
-              <a:ext uri="{FF2B5EF4-FFF2-40B4-BE49-F238E27FC236}">
-                <a16:creationId xmlns:a16="http://schemas.microsoft.com/office/drawing/2014/main" id="{6A468923-6A22-49BA-BB12-55F3C9C3B79B}"/>
-              </a:ext>
-            </a:extLst>
-          </p:cNvPr>
+            <a:endParaRPr lang="en-US" dirty="0"/>
+          </a:p>
+        </p:txBody>
+      </p:sp>
+      <p:sp>
+        <p:nvSpPr>
+          <p:cNvPr id="3" name="Vertical Text Placeholder 2"/>
           <p:cNvSpPr>
             <a:spLocks noGrp="1"/>
           </p:cNvSpPr>
@@ -2013,18 +1951,13 @@
               <a:rPr lang="zh-CN" altLang="en-US"/>
               <a:t>第五级</a:t>
             </a:r>
-          </a:p>
-        </p:txBody>
-      </p:sp>
-      <p:sp>
-        <p:nvSpPr>
-          <p:cNvPr id="4" name="日期占位符 3">
-            <a:extLst>
-              <a:ext uri="{FF2B5EF4-FFF2-40B4-BE49-F238E27FC236}">
-                <a16:creationId xmlns:a16="http://schemas.microsoft.com/office/drawing/2014/main" id="{4E7A0F3C-C657-4D9E-82A8-02577F56144C}"/>
-              </a:ext>
-            </a:extLst>
-          </p:cNvPr>
+            <a:endParaRPr lang="en-US" dirty="0"/>
+          </a:p>
+        </p:txBody>
+      </p:sp>
+      <p:sp>
+        <p:nvSpPr>
+          <p:cNvPr id="4" name="Date Placeholder 3"/>
           <p:cNvSpPr>
             <a:spLocks noGrp="1"/>
           </p:cNvSpPr>
@@ -2047,13 +1980,7 @@
       </p:sp>
       <p:sp>
         <p:nvSpPr>
-          <p:cNvPr id="5" name="页脚占位符 4">
-            <a:extLst>
-              <a:ext uri="{FF2B5EF4-FFF2-40B4-BE49-F238E27FC236}">
-                <a16:creationId xmlns:a16="http://schemas.microsoft.com/office/drawing/2014/main" id="{61648697-38CF-4C85-B67C-0078803ACECA}"/>
-              </a:ext>
-            </a:extLst>
-          </p:cNvPr>
+          <p:cNvPr id="5" name="Footer Placeholder 4"/>
           <p:cNvSpPr>
             <a:spLocks noGrp="1"/>
           </p:cNvSpPr>
@@ -2072,13 +1999,7 @@
       </p:sp>
       <p:sp>
         <p:nvSpPr>
-          <p:cNvPr id="6" name="灯片编号占位符 5">
-            <a:extLst>
-              <a:ext uri="{FF2B5EF4-FFF2-40B4-BE49-F238E27FC236}">
-                <a16:creationId xmlns:a16="http://schemas.microsoft.com/office/drawing/2014/main" id="{6C68C253-3B59-4648-9B20-4AECBB99E498}"/>
-              </a:ext>
-            </a:extLst>
-          </p:cNvPr>
+          <p:cNvPr id="6" name="Slide Number Placeholder 5"/>
           <p:cNvSpPr>
             <a:spLocks noGrp="1"/>
           </p:cNvSpPr>
@@ -2102,7 +2023,7 @@
     </p:spTree>
     <p:extLst>
       <p:ext uri="{BB962C8B-B14F-4D97-AF65-F5344CB8AC3E}">
-        <p14:creationId xmlns:p14="http://schemas.microsoft.com/office/powerpoint/2010/main" val="968654330"/>
+        <p14:creationId xmlns:p14="http://schemas.microsoft.com/office/powerpoint/2010/main" val="2028954475"/>
       </p:ext>
     </p:extLst>
   </p:cSld>
@@ -2131,13 +2052,7 @@
       </p:grpSpPr>
       <p:sp>
         <p:nvSpPr>
-          <p:cNvPr id="2" name="标题 1">
-            <a:extLst>
-              <a:ext uri="{FF2B5EF4-FFF2-40B4-BE49-F238E27FC236}">
-                <a16:creationId xmlns:a16="http://schemas.microsoft.com/office/drawing/2014/main" id="{9DB4E23E-1336-4210-9213-0AC1E4A56479}"/>
-              </a:ext>
-            </a:extLst>
-          </p:cNvPr>
+          <p:cNvPr id="2" name="Title 1"/>
           <p:cNvSpPr>
             <a:spLocks noGrp="1"/>
           </p:cNvSpPr>
@@ -2154,18 +2069,13 @@
               <a:rPr lang="zh-CN" altLang="en-US"/>
               <a:t>单击此处编辑母版标题样式</a:t>
             </a:r>
-          </a:p>
-        </p:txBody>
-      </p:sp>
-      <p:sp>
-        <p:nvSpPr>
-          <p:cNvPr id="3" name="内容占位符 2">
-            <a:extLst>
-              <a:ext uri="{FF2B5EF4-FFF2-40B4-BE49-F238E27FC236}">
-                <a16:creationId xmlns:a16="http://schemas.microsoft.com/office/drawing/2014/main" id="{8F92668A-2BF8-4D54-87EA-2F55700E1551}"/>
-              </a:ext>
-            </a:extLst>
-          </p:cNvPr>
+            <a:endParaRPr lang="en-US" dirty="0"/>
+          </a:p>
+        </p:txBody>
+      </p:sp>
+      <p:sp>
+        <p:nvSpPr>
+          <p:cNvPr id="3" name="Content Placeholder 2"/>
           <p:cNvSpPr>
             <a:spLocks noGrp="1"/>
           </p:cNvSpPr>
@@ -2211,18 +2121,13 @@
               <a:rPr lang="zh-CN" altLang="en-US"/>
               <a:t>第五级</a:t>
             </a:r>
-          </a:p>
-        </p:txBody>
-      </p:sp>
-      <p:sp>
-        <p:nvSpPr>
-          <p:cNvPr id="4" name="日期占位符 3">
-            <a:extLst>
-              <a:ext uri="{FF2B5EF4-FFF2-40B4-BE49-F238E27FC236}">
-                <a16:creationId xmlns:a16="http://schemas.microsoft.com/office/drawing/2014/main" id="{73CF5B48-60F3-499F-B88E-800DC2FCE983}"/>
-              </a:ext>
-            </a:extLst>
-          </p:cNvPr>
+            <a:endParaRPr lang="en-US" dirty="0"/>
+          </a:p>
+        </p:txBody>
+      </p:sp>
+      <p:sp>
+        <p:nvSpPr>
+          <p:cNvPr id="4" name="Date Placeholder 3"/>
           <p:cNvSpPr>
             <a:spLocks noGrp="1"/>
           </p:cNvSpPr>
@@ -2245,13 +2150,7 @@
       </p:sp>
       <p:sp>
         <p:nvSpPr>
-          <p:cNvPr id="5" name="页脚占位符 4">
-            <a:extLst>
-              <a:ext uri="{FF2B5EF4-FFF2-40B4-BE49-F238E27FC236}">
-                <a16:creationId xmlns:a16="http://schemas.microsoft.com/office/drawing/2014/main" id="{6C294EFA-964B-4DD9-86AC-04080F1DDD85}"/>
-              </a:ext>
-            </a:extLst>
-          </p:cNvPr>
+          <p:cNvPr id="5" name="Footer Placeholder 4"/>
           <p:cNvSpPr>
             <a:spLocks noGrp="1"/>
           </p:cNvSpPr>
@@ -2270,13 +2169,7 @@
       </p:sp>
       <p:sp>
         <p:nvSpPr>
-          <p:cNvPr id="6" name="灯片编号占位符 5">
-            <a:extLst>
-              <a:ext uri="{FF2B5EF4-FFF2-40B4-BE49-F238E27FC236}">
-                <a16:creationId xmlns:a16="http://schemas.microsoft.com/office/drawing/2014/main" id="{8529F8F5-6FE7-4CBF-88EA-6161B0C2C863}"/>
-              </a:ext>
-            </a:extLst>
-          </p:cNvPr>
+          <p:cNvPr id="6" name="Slide Number Placeholder 5"/>
           <p:cNvSpPr>
             <a:spLocks noGrp="1"/>
           </p:cNvSpPr>
@@ -2300,7 +2193,7 @@
     </p:spTree>
     <p:extLst>
       <p:ext uri="{BB962C8B-B14F-4D97-AF65-F5344CB8AC3E}">
-        <p14:creationId xmlns:p14="http://schemas.microsoft.com/office/powerpoint/2010/main" val="915218971"/>
+        <p14:creationId xmlns:p14="http://schemas.microsoft.com/office/powerpoint/2010/main" val="2259004259"/>
       </p:ext>
     </p:extLst>
   </p:cSld>
@@ -2329,13 +2222,7 @@
       </p:grpSpPr>
       <p:sp>
         <p:nvSpPr>
-          <p:cNvPr id="2" name="标题 1">
-            <a:extLst>
-              <a:ext uri="{FF2B5EF4-FFF2-40B4-BE49-F238E27FC236}">
-                <a16:creationId xmlns:a16="http://schemas.microsoft.com/office/drawing/2014/main" id="{F5B0BD0F-A7DA-4E13-B54C-118005C79BA0}"/>
-              </a:ext>
-            </a:extLst>
-          </p:cNvPr>
+          <p:cNvPr id="2" name="Title 1"/>
           <p:cNvSpPr>
             <a:spLocks noGrp="1"/>
           </p:cNvSpPr>
@@ -2361,18 +2248,13 @@
               <a:rPr lang="zh-CN" altLang="en-US"/>
               <a:t>单击此处编辑母版标题样式</a:t>
             </a:r>
-          </a:p>
-        </p:txBody>
-      </p:sp>
-      <p:sp>
-        <p:nvSpPr>
-          <p:cNvPr id="3" name="文本占位符 2">
-            <a:extLst>
-              <a:ext uri="{FF2B5EF4-FFF2-40B4-BE49-F238E27FC236}">
-                <a16:creationId xmlns:a16="http://schemas.microsoft.com/office/drawing/2014/main" id="{493C03AC-3EFF-4166-9E15-3A93883E0E90}"/>
-              </a:ext>
-            </a:extLst>
-          </p:cNvPr>
+            <a:endParaRPr lang="en-US" dirty="0"/>
+          </a:p>
+        </p:txBody>
+      </p:sp>
+      <p:sp>
+        <p:nvSpPr>
+          <p:cNvPr id="3" name="Text Placeholder 2"/>
           <p:cNvSpPr>
             <a:spLocks noGrp="1"/>
           </p:cNvSpPr>
@@ -2491,13 +2373,7 @@
       </p:sp>
       <p:sp>
         <p:nvSpPr>
-          <p:cNvPr id="4" name="日期占位符 3">
-            <a:extLst>
-              <a:ext uri="{FF2B5EF4-FFF2-40B4-BE49-F238E27FC236}">
-                <a16:creationId xmlns:a16="http://schemas.microsoft.com/office/drawing/2014/main" id="{6027CB64-D4D3-4748-92FD-CDD96703C217}"/>
-              </a:ext>
-            </a:extLst>
-          </p:cNvPr>
+          <p:cNvPr id="4" name="Date Placeholder 3"/>
           <p:cNvSpPr>
             <a:spLocks noGrp="1"/>
           </p:cNvSpPr>
@@ -2520,13 +2396,7 @@
       </p:sp>
       <p:sp>
         <p:nvSpPr>
-          <p:cNvPr id="5" name="页脚占位符 4">
-            <a:extLst>
-              <a:ext uri="{FF2B5EF4-FFF2-40B4-BE49-F238E27FC236}">
-                <a16:creationId xmlns:a16="http://schemas.microsoft.com/office/drawing/2014/main" id="{929E6F0D-A95B-4D1A-969D-4B29DC771D48}"/>
-              </a:ext>
-            </a:extLst>
-          </p:cNvPr>
+          <p:cNvPr id="5" name="Footer Placeholder 4"/>
           <p:cNvSpPr>
             <a:spLocks noGrp="1"/>
           </p:cNvSpPr>
@@ -2545,13 +2415,7 @@
       </p:sp>
       <p:sp>
         <p:nvSpPr>
-          <p:cNvPr id="6" name="灯片编号占位符 5">
-            <a:extLst>
-              <a:ext uri="{FF2B5EF4-FFF2-40B4-BE49-F238E27FC236}">
-                <a16:creationId xmlns:a16="http://schemas.microsoft.com/office/drawing/2014/main" id="{7648DC13-B357-4046-B79C-EBBD3E9486E7}"/>
-              </a:ext>
-            </a:extLst>
-          </p:cNvPr>
+          <p:cNvPr id="6" name="Slide Number Placeholder 5"/>
           <p:cNvSpPr>
             <a:spLocks noGrp="1"/>
           </p:cNvSpPr>
@@ -2575,7 +2439,7 @@
     </p:spTree>
     <p:extLst>
       <p:ext uri="{BB962C8B-B14F-4D97-AF65-F5344CB8AC3E}">
-        <p14:creationId xmlns:p14="http://schemas.microsoft.com/office/powerpoint/2010/main" val="3937970733"/>
+        <p14:creationId xmlns:p14="http://schemas.microsoft.com/office/powerpoint/2010/main" val="681665338"/>
       </p:ext>
     </p:extLst>
   </p:cSld>
@@ -2604,13 +2468,7 @@
       </p:grpSpPr>
       <p:sp>
         <p:nvSpPr>
-          <p:cNvPr id="2" name="标题 1">
-            <a:extLst>
-              <a:ext uri="{FF2B5EF4-FFF2-40B4-BE49-F238E27FC236}">
-                <a16:creationId xmlns:a16="http://schemas.microsoft.com/office/drawing/2014/main" id="{1B362940-17DA-4B94-8182-81726EF3923E}"/>
-              </a:ext>
-            </a:extLst>
-          </p:cNvPr>
+          <p:cNvPr id="2" name="Title 1"/>
           <p:cNvSpPr>
             <a:spLocks noGrp="1"/>
           </p:cNvSpPr>
@@ -2627,18 +2485,13 @@
               <a:rPr lang="zh-CN" altLang="en-US"/>
               <a:t>单击此处编辑母版标题样式</a:t>
             </a:r>
-          </a:p>
-        </p:txBody>
-      </p:sp>
-      <p:sp>
-        <p:nvSpPr>
-          <p:cNvPr id="3" name="内容占位符 2">
-            <a:extLst>
-              <a:ext uri="{FF2B5EF4-FFF2-40B4-BE49-F238E27FC236}">
-                <a16:creationId xmlns:a16="http://schemas.microsoft.com/office/drawing/2014/main" id="{7A6E14EF-8A33-4D68-98CB-029279EC7B46}"/>
-              </a:ext>
-            </a:extLst>
-          </p:cNvPr>
+            <a:endParaRPr lang="en-US" dirty="0"/>
+          </a:p>
+        </p:txBody>
+      </p:sp>
+      <p:sp>
+        <p:nvSpPr>
+          <p:cNvPr id="3" name="Content Placeholder 2"/>
           <p:cNvSpPr>
             <a:spLocks noGrp="1"/>
           </p:cNvSpPr>
@@ -2689,18 +2542,13 @@
               <a:rPr lang="zh-CN" altLang="en-US"/>
               <a:t>第五级</a:t>
             </a:r>
-          </a:p>
-        </p:txBody>
-      </p:sp>
-      <p:sp>
-        <p:nvSpPr>
-          <p:cNvPr id="4" name="内容占位符 3">
-            <a:extLst>
-              <a:ext uri="{FF2B5EF4-FFF2-40B4-BE49-F238E27FC236}">
-                <a16:creationId xmlns:a16="http://schemas.microsoft.com/office/drawing/2014/main" id="{B2C822A7-1659-470E-9AF1-CB8317DCD11B}"/>
-              </a:ext>
-            </a:extLst>
-          </p:cNvPr>
+            <a:endParaRPr lang="en-US" dirty="0"/>
+          </a:p>
+        </p:txBody>
+      </p:sp>
+      <p:sp>
+        <p:nvSpPr>
+          <p:cNvPr id="4" name="Content Placeholder 3"/>
           <p:cNvSpPr>
             <a:spLocks noGrp="1"/>
           </p:cNvSpPr>
@@ -2751,18 +2599,13 @@
               <a:rPr lang="zh-CN" altLang="en-US"/>
               <a:t>第五级</a:t>
             </a:r>
-          </a:p>
-        </p:txBody>
-      </p:sp>
-      <p:sp>
-        <p:nvSpPr>
-          <p:cNvPr id="5" name="日期占位符 4">
-            <a:extLst>
-              <a:ext uri="{FF2B5EF4-FFF2-40B4-BE49-F238E27FC236}">
-                <a16:creationId xmlns:a16="http://schemas.microsoft.com/office/drawing/2014/main" id="{0439FFA9-6595-4E91-BF94-B9C33199ABE5}"/>
-              </a:ext>
-            </a:extLst>
-          </p:cNvPr>
+            <a:endParaRPr lang="en-US" dirty="0"/>
+          </a:p>
+        </p:txBody>
+      </p:sp>
+      <p:sp>
+        <p:nvSpPr>
+          <p:cNvPr id="5" name="Date Placeholder 4"/>
           <p:cNvSpPr>
             <a:spLocks noGrp="1"/>
           </p:cNvSpPr>
@@ -2785,13 +2628,7 @@
       </p:sp>
       <p:sp>
         <p:nvSpPr>
-          <p:cNvPr id="6" name="页脚占位符 5">
-            <a:extLst>
-              <a:ext uri="{FF2B5EF4-FFF2-40B4-BE49-F238E27FC236}">
-                <a16:creationId xmlns:a16="http://schemas.microsoft.com/office/drawing/2014/main" id="{1774A38E-B16E-4B74-A952-5FA67C7ABA2F}"/>
-              </a:ext>
-            </a:extLst>
-          </p:cNvPr>
+          <p:cNvPr id="6" name="Footer Placeholder 5"/>
           <p:cNvSpPr>
             <a:spLocks noGrp="1"/>
           </p:cNvSpPr>
@@ -2810,13 +2647,7 @@
       </p:sp>
       <p:sp>
         <p:nvSpPr>
-          <p:cNvPr id="7" name="灯片编号占位符 6">
-            <a:extLst>
-              <a:ext uri="{FF2B5EF4-FFF2-40B4-BE49-F238E27FC236}">
-                <a16:creationId xmlns:a16="http://schemas.microsoft.com/office/drawing/2014/main" id="{FC8E36E6-6FA8-4E8C-9DE8-161F52F9018A}"/>
-              </a:ext>
-            </a:extLst>
-          </p:cNvPr>
+          <p:cNvPr id="7" name="Slide Number Placeholder 6"/>
           <p:cNvSpPr>
             <a:spLocks noGrp="1"/>
           </p:cNvSpPr>
@@ -2840,7 +2671,7 @@
     </p:spTree>
     <p:extLst>
       <p:ext uri="{BB962C8B-B14F-4D97-AF65-F5344CB8AC3E}">
-        <p14:creationId xmlns:p14="http://schemas.microsoft.com/office/powerpoint/2010/main" val="1959155023"/>
+        <p14:creationId xmlns:p14="http://schemas.microsoft.com/office/powerpoint/2010/main" val="874071853"/>
       </p:ext>
     </p:extLst>
   </p:cSld>
@@ -2869,13 +2700,7 @@
       </p:grpSpPr>
       <p:sp>
         <p:nvSpPr>
-          <p:cNvPr id="2" name="标题 1">
-            <a:extLst>
-              <a:ext uri="{FF2B5EF4-FFF2-40B4-BE49-F238E27FC236}">
-                <a16:creationId xmlns:a16="http://schemas.microsoft.com/office/drawing/2014/main" id="{0364908D-BBB6-4874-B6D3-3FE7D4E9D87E}"/>
-              </a:ext>
-            </a:extLst>
-          </p:cNvPr>
+          <p:cNvPr id="2" name="Title 1"/>
           <p:cNvSpPr>
             <a:spLocks noGrp="1"/>
           </p:cNvSpPr>
@@ -2897,18 +2722,13 @@
               <a:rPr lang="zh-CN" altLang="en-US"/>
               <a:t>单击此处编辑母版标题样式</a:t>
             </a:r>
-          </a:p>
-        </p:txBody>
-      </p:sp>
-      <p:sp>
-        <p:nvSpPr>
-          <p:cNvPr id="3" name="文本占位符 2">
-            <a:extLst>
-              <a:ext uri="{FF2B5EF4-FFF2-40B4-BE49-F238E27FC236}">
-                <a16:creationId xmlns:a16="http://schemas.microsoft.com/office/drawing/2014/main" id="{AE322EDA-0E7E-499C-BD4C-C51866021F3F}"/>
-              </a:ext>
-            </a:extLst>
-          </p:cNvPr>
+            <a:endParaRPr lang="en-US" dirty="0"/>
+          </a:p>
+        </p:txBody>
+      </p:sp>
+      <p:sp>
+        <p:nvSpPr>
+          <p:cNvPr id="3" name="Text Placeholder 2"/>
           <p:cNvSpPr>
             <a:spLocks noGrp="1"/>
           </p:cNvSpPr>
@@ -2973,13 +2793,7 @@
       </p:sp>
       <p:sp>
         <p:nvSpPr>
-          <p:cNvPr id="4" name="内容占位符 3">
-            <a:extLst>
-              <a:ext uri="{FF2B5EF4-FFF2-40B4-BE49-F238E27FC236}">
-                <a16:creationId xmlns:a16="http://schemas.microsoft.com/office/drawing/2014/main" id="{84FC83B7-5964-43EA-87CF-0F7A2BA87C34}"/>
-              </a:ext>
-            </a:extLst>
-          </p:cNvPr>
+          <p:cNvPr id="4" name="Content Placeholder 3"/>
           <p:cNvSpPr>
             <a:spLocks noGrp="1"/>
           </p:cNvSpPr>
@@ -3030,18 +2844,13 @@
               <a:rPr lang="zh-CN" altLang="en-US"/>
               <a:t>第五级</a:t>
             </a:r>
-          </a:p>
-        </p:txBody>
-      </p:sp>
-      <p:sp>
-        <p:nvSpPr>
-          <p:cNvPr id="5" name="文本占位符 4">
-            <a:extLst>
-              <a:ext uri="{FF2B5EF4-FFF2-40B4-BE49-F238E27FC236}">
-                <a16:creationId xmlns:a16="http://schemas.microsoft.com/office/drawing/2014/main" id="{0D8F9695-B5C1-4D51-9335-67C4B5ED74B0}"/>
-              </a:ext>
-            </a:extLst>
-          </p:cNvPr>
+            <a:endParaRPr lang="en-US" dirty="0"/>
+          </a:p>
+        </p:txBody>
+      </p:sp>
+      <p:sp>
+        <p:nvSpPr>
+          <p:cNvPr id="5" name="Text Placeholder 4"/>
           <p:cNvSpPr>
             <a:spLocks noGrp="1"/>
           </p:cNvSpPr>
@@ -3106,13 +2915,7 @@
       </p:sp>
       <p:sp>
         <p:nvSpPr>
-          <p:cNvPr id="6" name="内容占位符 5">
-            <a:extLst>
-              <a:ext uri="{FF2B5EF4-FFF2-40B4-BE49-F238E27FC236}">
-                <a16:creationId xmlns:a16="http://schemas.microsoft.com/office/drawing/2014/main" id="{B0357A1A-CF75-4502-BA59-6CC5A390AEF8}"/>
-              </a:ext>
-            </a:extLst>
-          </p:cNvPr>
+          <p:cNvPr id="6" name="Content Placeholder 5"/>
           <p:cNvSpPr>
             <a:spLocks noGrp="1"/>
           </p:cNvSpPr>
@@ -3163,18 +2966,13 @@
               <a:rPr lang="zh-CN" altLang="en-US"/>
               <a:t>第五级</a:t>
             </a:r>
-          </a:p>
-        </p:txBody>
-      </p:sp>
-      <p:sp>
-        <p:nvSpPr>
-          <p:cNvPr id="7" name="日期占位符 6">
-            <a:extLst>
-              <a:ext uri="{FF2B5EF4-FFF2-40B4-BE49-F238E27FC236}">
-                <a16:creationId xmlns:a16="http://schemas.microsoft.com/office/drawing/2014/main" id="{B31A3C5A-DF35-4872-AA40-1BD74C2E7689}"/>
-              </a:ext>
-            </a:extLst>
-          </p:cNvPr>
+            <a:endParaRPr lang="en-US" dirty="0"/>
+          </a:p>
+        </p:txBody>
+      </p:sp>
+      <p:sp>
+        <p:nvSpPr>
+          <p:cNvPr id="7" name="Date Placeholder 6"/>
           <p:cNvSpPr>
             <a:spLocks noGrp="1"/>
           </p:cNvSpPr>
@@ -3197,13 +2995,7 @@
       </p:sp>
       <p:sp>
         <p:nvSpPr>
-          <p:cNvPr id="8" name="页脚占位符 7">
-            <a:extLst>
-              <a:ext uri="{FF2B5EF4-FFF2-40B4-BE49-F238E27FC236}">
-                <a16:creationId xmlns:a16="http://schemas.microsoft.com/office/drawing/2014/main" id="{DE7839C2-A64D-4551-9499-6AF37D9EFCCB}"/>
-              </a:ext>
-            </a:extLst>
-          </p:cNvPr>
+          <p:cNvPr id="8" name="Footer Placeholder 7"/>
           <p:cNvSpPr>
             <a:spLocks noGrp="1"/>
           </p:cNvSpPr>
@@ -3222,13 +3014,7 @@
       </p:sp>
       <p:sp>
         <p:nvSpPr>
-          <p:cNvPr id="9" name="灯片编号占位符 8">
-            <a:extLst>
-              <a:ext uri="{FF2B5EF4-FFF2-40B4-BE49-F238E27FC236}">
-                <a16:creationId xmlns:a16="http://schemas.microsoft.com/office/drawing/2014/main" id="{0BF5FD5F-A2A4-4B53-89BF-7940960AE2F5}"/>
-              </a:ext>
-            </a:extLst>
-          </p:cNvPr>
+          <p:cNvPr id="9" name="Slide Number Placeholder 8"/>
           <p:cNvSpPr>
             <a:spLocks noGrp="1"/>
           </p:cNvSpPr>
@@ -3252,7 +3038,7 @@
     </p:spTree>
     <p:extLst>
       <p:ext uri="{BB962C8B-B14F-4D97-AF65-F5344CB8AC3E}">
-        <p14:creationId xmlns:p14="http://schemas.microsoft.com/office/powerpoint/2010/main" val="1750561388"/>
+        <p14:creationId xmlns:p14="http://schemas.microsoft.com/office/powerpoint/2010/main" val="349448602"/>
       </p:ext>
     </p:extLst>
   </p:cSld>
@@ -3281,13 +3067,7 @@
       </p:grpSpPr>
       <p:sp>
         <p:nvSpPr>
-          <p:cNvPr id="2" name="标题 1">
-            <a:extLst>
-              <a:ext uri="{FF2B5EF4-FFF2-40B4-BE49-F238E27FC236}">
-                <a16:creationId xmlns:a16="http://schemas.microsoft.com/office/drawing/2014/main" id="{1E1EBE11-B329-4FDB-A737-1E83A046F452}"/>
-              </a:ext>
-            </a:extLst>
-          </p:cNvPr>
+          <p:cNvPr id="2" name="Title 1"/>
           <p:cNvSpPr>
             <a:spLocks noGrp="1"/>
           </p:cNvSpPr>
@@ -3304,18 +3084,13 @@
               <a:rPr lang="zh-CN" altLang="en-US"/>
               <a:t>单击此处编辑母版标题样式</a:t>
             </a:r>
-          </a:p>
-        </p:txBody>
-      </p:sp>
-      <p:sp>
-        <p:nvSpPr>
-          <p:cNvPr id="3" name="日期占位符 2">
-            <a:extLst>
-              <a:ext uri="{FF2B5EF4-FFF2-40B4-BE49-F238E27FC236}">
-                <a16:creationId xmlns:a16="http://schemas.microsoft.com/office/drawing/2014/main" id="{F8005020-5454-4D80-8980-D737D35C9BD5}"/>
-              </a:ext>
-            </a:extLst>
-          </p:cNvPr>
+            <a:endParaRPr lang="en-US" dirty="0"/>
+          </a:p>
+        </p:txBody>
+      </p:sp>
+      <p:sp>
+        <p:nvSpPr>
+          <p:cNvPr id="3" name="Date Placeholder 2"/>
           <p:cNvSpPr>
             <a:spLocks noGrp="1"/>
           </p:cNvSpPr>
@@ -3338,13 +3113,7 @@
       </p:sp>
       <p:sp>
         <p:nvSpPr>
-          <p:cNvPr id="4" name="页脚占位符 3">
-            <a:extLst>
-              <a:ext uri="{FF2B5EF4-FFF2-40B4-BE49-F238E27FC236}">
-                <a16:creationId xmlns:a16="http://schemas.microsoft.com/office/drawing/2014/main" id="{4E82FCEB-FC76-41DA-A20E-D944475B513A}"/>
-              </a:ext>
-            </a:extLst>
-          </p:cNvPr>
+          <p:cNvPr id="4" name="Footer Placeholder 3"/>
           <p:cNvSpPr>
             <a:spLocks noGrp="1"/>
           </p:cNvSpPr>
@@ -3363,13 +3132,7 @@
       </p:sp>
       <p:sp>
         <p:nvSpPr>
-          <p:cNvPr id="5" name="灯片编号占位符 4">
-            <a:extLst>
-              <a:ext uri="{FF2B5EF4-FFF2-40B4-BE49-F238E27FC236}">
-                <a16:creationId xmlns:a16="http://schemas.microsoft.com/office/drawing/2014/main" id="{B5AF8C0D-88BD-4B80-B194-5D7F612446CF}"/>
-              </a:ext>
-            </a:extLst>
-          </p:cNvPr>
+          <p:cNvPr id="5" name="Slide Number Placeholder 4"/>
           <p:cNvSpPr>
             <a:spLocks noGrp="1"/>
           </p:cNvSpPr>
@@ -3393,7 +3156,7 @@
     </p:spTree>
     <p:extLst>
       <p:ext uri="{BB962C8B-B14F-4D97-AF65-F5344CB8AC3E}">
-        <p14:creationId xmlns:p14="http://schemas.microsoft.com/office/powerpoint/2010/main" val="2570611807"/>
+        <p14:creationId xmlns:p14="http://schemas.microsoft.com/office/powerpoint/2010/main" val="3000195110"/>
       </p:ext>
     </p:extLst>
   </p:cSld>
@@ -3422,13 +3185,7 @@
       </p:grpSpPr>
       <p:sp>
         <p:nvSpPr>
-          <p:cNvPr id="2" name="日期占位符 1">
-            <a:extLst>
-              <a:ext uri="{FF2B5EF4-FFF2-40B4-BE49-F238E27FC236}">
-                <a16:creationId xmlns:a16="http://schemas.microsoft.com/office/drawing/2014/main" id="{A89A4E6E-63E1-4C99-8E10-5241A4A869DB}"/>
-              </a:ext>
-            </a:extLst>
-          </p:cNvPr>
+          <p:cNvPr id="2" name="Date Placeholder 1"/>
           <p:cNvSpPr>
             <a:spLocks noGrp="1"/>
           </p:cNvSpPr>
@@ -3451,13 +3208,7 @@
       </p:sp>
       <p:sp>
         <p:nvSpPr>
-          <p:cNvPr id="3" name="页脚占位符 2">
-            <a:extLst>
-              <a:ext uri="{FF2B5EF4-FFF2-40B4-BE49-F238E27FC236}">
-                <a16:creationId xmlns:a16="http://schemas.microsoft.com/office/drawing/2014/main" id="{CAE8F0F3-377F-440C-8CF3-9EDC14CF77CF}"/>
-              </a:ext>
-            </a:extLst>
-          </p:cNvPr>
+          <p:cNvPr id="3" name="Footer Placeholder 2"/>
           <p:cNvSpPr>
             <a:spLocks noGrp="1"/>
           </p:cNvSpPr>
@@ -3476,13 +3227,7 @@
       </p:sp>
       <p:sp>
         <p:nvSpPr>
-          <p:cNvPr id="4" name="灯片编号占位符 3">
-            <a:extLst>
-              <a:ext uri="{FF2B5EF4-FFF2-40B4-BE49-F238E27FC236}">
-                <a16:creationId xmlns:a16="http://schemas.microsoft.com/office/drawing/2014/main" id="{7C755B79-0165-4706-ABCF-F50116AB3E7D}"/>
-              </a:ext>
-            </a:extLst>
-          </p:cNvPr>
+          <p:cNvPr id="4" name="Slide Number Placeholder 3"/>
           <p:cNvSpPr>
             <a:spLocks noGrp="1"/>
           </p:cNvSpPr>
@@ -3506,7 +3251,7 @@
     </p:spTree>
     <p:extLst>
       <p:ext uri="{BB962C8B-B14F-4D97-AF65-F5344CB8AC3E}">
-        <p14:creationId xmlns:p14="http://schemas.microsoft.com/office/powerpoint/2010/main" val="2750232479"/>
+        <p14:creationId xmlns:p14="http://schemas.microsoft.com/office/powerpoint/2010/main" val="3776068845"/>
       </p:ext>
     </p:extLst>
   </p:cSld>
@@ -3535,13 +3280,7 @@
       </p:grpSpPr>
       <p:sp>
         <p:nvSpPr>
-          <p:cNvPr id="2" name="标题 1">
-            <a:extLst>
-              <a:ext uri="{FF2B5EF4-FFF2-40B4-BE49-F238E27FC236}">
-                <a16:creationId xmlns:a16="http://schemas.microsoft.com/office/drawing/2014/main" id="{746C9C3B-8004-4F64-8D91-7040D4C00F33}"/>
-              </a:ext>
-            </a:extLst>
-          </p:cNvPr>
+          <p:cNvPr id="2" name="Title 1"/>
           <p:cNvSpPr>
             <a:spLocks noGrp="1"/>
           </p:cNvSpPr>
@@ -3567,18 +3306,13 @@
               <a:rPr lang="zh-CN" altLang="en-US"/>
               <a:t>单击此处编辑母版标题样式</a:t>
             </a:r>
-          </a:p>
-        </p:txBody>
-      </p:sp>
-      <p:sp>
-        <p:nvSpPr>
-          <p:cNvPr id="3" name="内容占位符 2">
-            <a:extLst>
-              <a:ext uri="{FF2B5EF4-FFF2-40B4-BE49-F238E27FC236}">
-                <a16:creationId xmlns:a16="http://schemas.microsoft.com/office/drawing/2014/main" id="{64F495D4-72C0-439C-877F-6C55F1C060B7}"/>
-              </a:ext>
-            </a:extLst>
-          </p:cNvPr>
+            <a:endParaRPr lang="en-US" dirty="0"/>
+          </a:p>
+        </p:txBody>
+      </p:sp>
+      <p:sp>
+        <p:nvSpPr>
+          <p:cNvPr id="3" name="Content Placeholder 2"/>
           <p:cNvSpPr>
             <a:spLocks noGrp="1"/>
           </p:cNvSpPr>
@@ -3657,18 +3391,13 @@
               <a:rPr lang="zh-CN" altLang="en-US"/>
               <a:t>第五级</a:t>
             </a:r>
-          </a:p>
-        </p:txBody>
-      </p:sp>
-      <p:sp>
-        <p:nvSpPr>
-          <p:cNvPr id="4" name="文本占位符 3">
-            <a:extLst>
-              <a:ext uri="{FF2B5EF4-FFF2-40B4-BE49-F238E27FC236}">
-                <a16:creationId xmlns:a16="http://schemas.microsoft.com/office/drawing/2014/main" id="{3D665A01-F404-421A-9939-7F7774E0D2EA}"/>
-              </a:ext>
-            </a:extLst>
-          </p:cNvPr>
+            <a:endParaRPr lang="en-US" dirty="0"/>
+          </a:p>
+        </p:txBody>
+      </p:sp>
+      <p:sp>
+        <p:nvSpPr>
+          <p:cNvPr id="4" name="Text Placeholder 3"/>
           <p:cNvSpPr>
             <a:spLocks noGrp="1"/>
           </p:cNvSpPr>
@@ -3733,13 +3462,7 @@
       </p:sp>
       <p:sp>
         <p:nvSpPr>
-          <p:cNvPr id="5" name="日期占位符 4">
-            <a:extLst>
-              <a:ext uri="{FF2B5EF4-FFF2-40B4-BE49-F238E27FC236}">
-                <a16:creationId xmlns:a16="http://schemas.microsoft.com/office/drawing/2014/main" id="{D0C5937A-C7E5-4358-89F2-84898025813E}"/>
-              </a:ext>
-            </a:extLst>
-          </p:cNvPr>
+          <p:cNvPr id="5" name="Date Placeholder 4"/>
           <p:cNvSpPr>
             <a:spLocks noGrp="1"/>
           </p:cNvSpPr>
@@ -3762,13 +3485,7 @@
       </p:sp>
       <p:sp>
         <p:nvSpPr>
-          <p:cNvPr id="6" name="页脚占位符 5">
-            <a:extLst>
-              <a:ext uri="{FF2B5EF4-FFF2-40B4-BE49-F238E27FC236}">
-                <a16:creationId xmlns:a16="http://schemas.microsoft.com/office/drawing/2014/main" id="{53B8C40B-7496-43F0-950E-A4FF2E2D8BDF}"/>
-              </a:ext>
-            </a:extLst>
-          </p:cNvPr>
+          <p:cNvPr id="6" name="Footer Placeholder 5"/>
           <p:cNvSpPr>
             <a:spLocks noGrp="1"/>
           </p:cNvSpPr>
@@ -3787,13 +3504,7 @@
       </p:sp>
       <p:sp>
         <p:nvSpPr>
-          <p:cNvPr id="7" name="灯片编号占位符 6">
-            <a:extLst>
-              <a:ext uri="{FF2B5EF4-FFF2-40B4-BE49-F238E27FC236}">
-                <a16:creationId xmlns:a16="http://schemas.microsoft.com/office/drawing/2014/main" id="{933FA706-CFFF-4FDB-83E9-B3EC03A7A706}"/>
-              </a:ext>
-            </a:extLst>
-          </p:cNvPr>
+          <p:cNvPr id="7" name="Slide Number Placeholder 6"/>
           <p:cNvSpPr>
             <a:spLocks noGrp="1"/>
           </p:cNvSpPr>
@@ -3817,7 +3528,7 @@
     </p:spTree>
     <p:extLst>
       <p:ext uri="{BB962C8B-B14F-4D97-AF65-F5344CB8AC3E}">
-        <p14:creationId xmlns:p14="http://schemas.microsoft.com/office/powerpoint/2010/main" val="3558108452"/>
+        <p14:creationId xmlns:p14="http://schemas.microsoft.com/office/powerpoint/2010/main" val="2816026951"/>
       </p:ext>
     </p:extLst>
   </p:cSld>
@@ -3846,13 +3557,7 @@
       </p:grpSpPr>
       <p:sp>
         <p:nvSpPr>
-          <p:cNvPr id="2" name="标题 1">
-            <a:extLst>
-              <a:ext uri="{FF2B5EF4-FFF2-40B4-BE49-F238E27FC236}">
-                <a16:creationId xmlns:a16="http://schemas.microsoft.com/office/drawing/2014/main" id="{6F7FA180-549E-439C-BF36-3DDD7F31050C}"/>
-              </a:ext>
-            </a:extLst>
-          </p:cNvPr>
+          <p:cNvPr id="2" name="Title 1"/>
           <p:cNvSpPr>
             <a:spLocks noGrp="1"/>
           </p:cNvSpPr>
@@ -3878,20 +3583,15 @@
               <a:rPr lang="zh-CN" altLang="en-US"/>
               <a:t>单击此处编辑母版标题样式</a:t>
             </a:r>
-          </a:p>
-        </p:txBody>
-      </p:sp>
-      <p:sp>
-        <p:nvSpPr>
-          <p:cNvPr id="3" name="图片占位符 2">
-            <a:extLst>
-              <a:ext uri="{FF2B5EF4-FFF2-40B4-BE49-F238E27FC236}">
-                <a16:creationId xmlns:a16="http://schemas.microsoft.com/office/drawing/2014/main" id="{019F3F72-6015-4A10-9D1F-B85D4C8F2641}"/>
-              </a:ext>
-            </a:extLst>
-          </p:cNvPr>
-          <p:cNvSpPr>
-            <a:spLocks noGrp="1"/>
+            <a:endParaRPr lang="en-US" dirty="0"/>
+          </a:p>
+        </p:txBody>
+      </p:sp>
+      <p:sp>
+        <p:nvSpPr>
+          <p:cNvPr id="3" name="Picture Placeholder 2"/>
+          <p:cNvSpPr>
+            <a:spLocks noGrp="1" noChangeAspect="1"/>
           </p:cNvSpPr>
           <p:nvPr>
             <p:ph type="pic" idx="1"/>
@@ -3904,7 +3604,7 @@
           </a:xfrm>
         </p:spPr>
         <p:txBody>
-          <a:bodyPr/>
+          <a:bodyPr anchor="t"/>
           <a:lstStyle>
             <a:lvl1pPr marL="0" indent="0">
               <a:buNone/>
@@ -3944,19 +3644,17 @@
             </a:lvl9pPr>
           </a:lstStyle>
           <a:p>
-            <a:endParaRPr lang="zh-CN" altLang="en-US"/>
-          </a:p>
-        </p:txBody>
-      </p:sp>
-      <p:sp>
-        <p:nvSpPr>
-          <p:cNvPr id="4" name="文本占位符 3">
-            <a:extLst>
-              <a:ext uri="{FF2B5EF4-FFF2-40B4-BE49-F238E27FC236}">
-                <a16:creationId xmlns:a16="http://schemas.microsoft.com/office/drawing/2014/main" id="{FFE08FBF-3A0A-4943-978E-DF3E0EE56766}"/>
-              </a:ext>
-            </a:extLst>
-          </p:cNvPr>
+            <a:r>
+              <a:rPr lang="zh-CN" altLang="en-US"/>
+              <a:t>单击图标添加图片</a:t>
+            </a:r>
+            <a:endParaRPr lang="en-US" dirty="0"/>
+          </a:p>
+        </p:txBody>
+      </p:sp>
+      <p:sp>
+        <p:nvSpPr>
+          <p:cNvPr id="4" name="Text Placeholder 3"/>
           <p:cNvSpPr>
             <a:spLocks noGrp="1"/>
           </p:cNvSpPr>
@@ -4021,13 +3719,7 @@
       </p:sp>
       <p:sp>
         <p:nvSpPr>
-          <p:cNvPr id="5" name="日期占位符 4">
-            <a:extLst>
-              <a:ext uri="{FF2B5EF4-FFF2-40B4-BE49-F238E27FC236}">
-                <a16:creationId xmlns:a16="http://schemas.microsoft.com/office/drawing/2014/main" id="{71883ADC-AC76-4C7A-9E3B-6D596F27DBFD}"/>
-              </a:ext>
-            </a:extLst>
-          </p:cNvPr>
+          <p:cNvPr id="5" name="Date Placeholder 4"/>
           <p:cNvSpPr>
             <a:spLocks noGrp="1"/>
           </p:cNvSpPr>
@@ -4050,13 +3742,7 @@
       </p:sp>
       <p:sp>
         <p:nvSpPr>
-          <p:cNvPr id="6" name="页脚占位符 5">
-            <a:extLst>
-              <a:ext uri="{FF2B5EF4-FFF2-40B4-BE49-F238E27FC236}">
-                <a16:creationId xmlns:a16="http://schemas.microsoft.com/office/drawing/2014/main" id="{EE3D5831-9D29-45D2-A97E-88DAE0A73D5B}"/>
-              </a:ext>
-            </a:extLst>
-          </p:cNvPr>
+          <p:cNvPr id="6" name="Footer Placeholder 5"/>
           <p:cNvSpPr>
             <a:spLocks noGrp="1"/>
           </p:cNvSpPr>
@@ -4075,13 +3761,7 @@
       </p:sp>
       <p:sp>
         <p:nvSpPr>
-          <p:cNvPr id="7" name="灯片编号占位符 6">
-            <a:extLst>
-              <a:ext uri="{FF2B5EF4-FFF2-40B4-BE49-F238E27FC236}">
-                <a16:creationId xmlns:a16="http://schemas.microsoft.com/office/drawing/2014/main" id="{D3C6A50C-BE5A-4B83-845F-F8E7668C0ECB}"/>
-              </a:ext>
-            </a:extLst>
-          </p:cNvPr>
+          <p:cNvPr id="7" name="Slide Number Placeholder 6"/>
           <p:cNvSpPr>
             <a:spLocks noGrp="1"/>
           </p:cNvSpPr>
@@ -4105,7 +3785,7 @@
     </p:spTree>
     <p:extLst>
       <p:ext uri="{BB962C8B-B14F-4D97-AF65-F5344CB8AC3E}">
-        <p14:creationId xmlns:p14="http://schemas.microsoft.com/office/powerpoint/2010/main" val="1708864706"/>
+        <p14:creationId xmlns:p14="http://schemas.microsoft.com/office/powerpoint/2010/main" val="182548126"/>
       </p:ext>
     </p:extLst>
   </p:cSld>
@@ -4139,13 +3819,7 @@
       </p:grpSpPr>
       <p:sp>
         <p:nvSpPr>
-          <p:cNvPr id="2" name="标题占位符 1">
-            <a:extLst>
-              <a:ext uri="{FF2B5EF4-FFF2-40B4-BE49-F238E27FC236}">
-                <a16:creationId xmlns:a16="http://schemas.microsoft.com/office/drawing/2014/main" id="{FA266805-FAE3-4BF9-87C8-8CAABB819696}"/>
-              </a:ext>
-            </a:extLst>
-          </p:cNvPr>
+          <p:cNvPr id="2" name="Title Placeholder 1"/>
           <p:cNvSpPr>
             <a:spLocks noGrp="1"/>
           </p:cNvSpPr>
@@ -4172,18 +3846,13 @@
               <a:rPr lang="zh-CN" altLang="en-US"/>
               <a:t>单击此处编辑母版标题样式</a:t>
             </a:r>
-          </a:p>
-        </p:txBody>
-      </p:sp>
-      <p:sp>
-        <p:nvSpPr>
-          <p:cNvPr id="3" name="文本占位符 2">
-            <a:extLst>
-              <a:ext uri="{FF2B5EF4-FFF2-40B4-BE49-F238E27FC236}">
-                <a16:creationId xmlns:a16="http://schemas.microsoft.com/office/drawing/2014/main" id="{84E0184F-03E1-4B38-92C9-AC5F4A6C796A}"/>
-              </a:ext>
-            </a:extLst>
-          </p:cNvPr>
+            <a:endParaRPr lang="en-US" dirty="0"/>
+          </a:p>
+        </p:txBody>
+      </p:sp>
+      <p:sp>
+        <p:nvSpPr>
+          <p:cNvPr id="3" name="Text Placeholder 2"/>
           <p:cNvSpPr>
             <a:spLocks noGrp="1"/>
           </p:cNvSpPr>
@@ -4239,18 +3908,13 @@
               <a:rPr lang="zh-CN" altLang="en-US"/>
               <a:t>第五级</a:t>
             </a:r>
-          </a:p>
-        </p:txBody>
-      </p:sp>
-      <p:sp>
-        <p:nvSpPr>
-          <p:cNvPr id="4" name="日期占位符 3">
-            <a:extLst>
-              <a:ext uri="{FF2B5EF4-FFF2-40B4-BE49-F238E27FC236}">
-                <a16:creationId xmlns:a16="http://schemas.microsoft.com/office/drawing/2014/main" id="{B3FD74C1-E83B-4110-B681-EBEEF3CDA45B}"/>
-              </a:ext>
-            </a:extLst>
-          </p:cNvPr>
+            <a:endParaRPr lang="en-US" dirty="0"/>
+          </a:p>
+        </p:txBody>
+      </p:sp>
+      <p:sp>
+        <p:nvSpPr>
+          <p:cNvPr id="4" name="Date Placeholder 3"/>
           <p:cNvSpPr>
             <a:spLocks noGrp="1"/>
           </p:cNvSpPr>
@@ -4291,13 +3955,7 @@
       </p:sp>
       <p:sp>
         <p:nvSpPr>
-          <p:cNvPr id="5" name="页脚占位符 4">
-            <a:extLst>
-              <a:ext uri="{FF2B5EF4-FFF2-40B4-BE49-F238E27FC236}">
-                <a16:creationId xmlns:a16="http://schemas.microsoft.com/office/drawing/2014/main" id="{84BDB5C6-8D0F-4A6B-9BE2-9BCC985F8077}"/>
-              </a:ext>
-            </a:extLst>
-          </p:cNvPr>
+          <p:cNvPr id="5" name="Footer Placeholder 4"/>
           <p:cNvSpPr>
             <a:spLocks noGrp="1"/>
           </p:cNvSpPr>
@@ -4334,13 +3992,7 @@
       </p:sp>
       <p:sp>
         <p:nvSpPr>
-          <p:cNvPr id="6" name="灯片编号占位符 5">
-            <a:extLst>
-              <a:ext uri="{FF2B5EF4-FFF2-40B4-BE49-F238E27FC236}">
-                <a16:creationId xmlns:a16="http://schemas.microsoft.com/office/drawing/2014/main" id="{E3020BBA-F628-48D9-97B2-0461E97541D6}"/>
-              </a:ext>
-            </a:extLst>
-          </p:cNvPr>
+          <p:cNvPr id="6" name="Slide Number Placeholder 5"/>
           <p:cNvSpPr>
             <a:spLocks noGrp="1"/>
           </p:cNvSpPr>
@@ -4382,23 +4034,23 @@
     </p:spTree>
     <p:extLst>
       <p:ext uri="{BB962C8B-B14F-4D97-AF65-F5344CB8AC3E}">
-        <p14:creationId xmlns:p14="http://schemas.microsoft.com/office/powerpoint/2010/main" val="619463305"/>
+        <p14:creationId xmlns:p14="http://schemas.microsoft.com/office/powerpoint/2010/main" val="3909939867"/>
       </p:ext>
     </p:extLst>
   </p:cSld>
   <p:clrMap bg1="lt1" tx1="dk1" bg2="lt2" tx2="dk2" accent1="accent1" accent2="accent2" accent3="accent3" accent4="accent4" accent5="accent5" accent6="accent6" hlink="hlink" folHlink="folHlink"/>
   <p:sldLayoutIdLst>
-    <p:sldLayoutId id="2147483649" r:id="rId1"/>
-    <p:sldLayoutId id="2147483650" r:id="rId2"/>
-    <p:sldLayoutId id="2147483651" r:id="rId3"/>
-    <p:sldLayoutId id="2147483652" r:id="rId4"/>
-    <p:sldLayoutId id="2147483653" r:id="rId5"/>
-    <p:sldLayoutId id="2147483654" r:id="rId6"/>
-    <p:sldLayoutId id="2147483655" r:id="rId7"/>
-    <p:sldLayoutId id="2147483656" r:id="rId8"/>
-    <p:sldLayoutId id="2147483657" r:id="rId9"/>
-    <p:sldLayoutId id="2147483658" r:id="rId10"/>
-    <p:sldLayoutId id="2147483659" r:id="rId11"/>
+    <p:sldLayoutId id="2147483768" r:id="rId1"/>
+    <p:sldLayoutId id="2147483769" r:id="rId2"/>
+    <p:sldLayoutId id="2147483770" r:id="rId3"/>
+    <p:sldLayoutId id="2147483771" r:id="rId4"/>
+    <p:sldLayoutId id="2147483772" r:id="rId5"/>
+    <p:sldLayoutId id="2147483773" r:id="rId6"/>
+    <p:sldLayoutId id="2147483774" r:id="rId7"/>
+    <p:sldLayoutId id="2147483775" r:id="rId8"/>
+    <p:sldLayoutId id="2147483776" r:id="rId9"/>
+    <p:sldLayoutId id="2147483777" r:id="rId10"/>
+    <p:sldLayoutId id="2147483778" r:id="rId11"/>
   </p:sldLayoutIdLst>
   <p:txStyles>
     <p:titleStyle>
@@ -4586,7 +4238,7 @@
     </p:bodyStyle>
     <p:otherStyle>
       <a:defPPr>
-        <a:defRPr lang="zh-CN"/>
+        <a:defRPr lang="en-US"/>
       </a:defPPr>
       <a:lvl1pPr marL="0" algn="l" defTabSz="914400" rtl="0" eaLnBrk="1" latinLnBrk="0" hangingPunct="1">
         <a:defRPr sz="1800" kern="1200">
@@ -4819,7 +4471,9 @@
         </p:nvSpPr>
         <p:spPr/>
         <p:txBody>
-          <a:bodyPr/>
+          <a:bodyPr>
+            <a:normAutofit/>
+          </a:bodyPr>
           <a:lstStyle/>
           <a:p>
             <a:r>
@@ -4964,7 +4618,9 @@
         </p:nvSpPr>
         <p:spPr/>
         <p:txBody>
-          <a:bodyPr/>
+          <a:bodyPr>
+            <a:normAutofit/>
+          </a:bodyPr>
           <a:lstStyle/>
           <a:p>
             <a:r>
@@ -5093,7 +4749,9 @@
         </p:nvSpPr>
         <p:spPr/>
         <p:txBody>
-          <a:bodyPr/>
+          <a:bodyPr>
+            <a:normAutofit/>
+          </a:bodyPr>
           <a:lstStyle/>
           <a:p>
             <a:r>
@@ -5255,7 +4913,9 @@
         </p:nvSpPr>
         <p:spPr/>
         <p:txBody>
-          <a:bodyPr/>
+          <a:bodyPr>
+            <a:normAutofit/>
+          </a:bodyPr>
           <a:lstStyle/>
           <a:p>
             <a:r>
@@ -5426,7 +5086,16 @@
           <a:p>
             <a:r>
               <a:rPr lang="en-US" altLang="zh-CN" dirty="0"/>
-              <a:t>[1] Freedom U540-C000 Manualhttps://www.sifive.com/documentation/chips/freedom-u540-c000-manual/</a:t>
+              <a:t>[1] Freedom U540-C000 Manual</a:t>
+            </a:r>
+          </a:p>
+          <a:p>
+            <a:pPr marL="457200" lvl="1" indent="0">
+              <a:buNone/>
+            </a:pPr>
+            <a:r>
+              <a:rPr lang="en-US" altLang="zh-CN" dirty="0"/>
+              <a:t>https://www.sifive.com/documentation/chips/freedom-u540-c000-manual/</a:t>
             </a:r>
             <a:endParaRPr lang="zh-CN" altLang="en-US" dirty="0"/>
           </a:p>
@@ -5480,7 +5149,9 @@
         </p:nvSpPr>
         <p:spPr/>
         <p:txBody>
-          <a:bodyPr/>
+          <a:bodyPr>
+            <a:normAutofit/>
+          </a:bodyPr>
           <a:lstStyle/>
           <a:p>
             <a:r>
@@ -6492,7 +6163,9 @@
         </p:nvSpPr>
         <p:spPr/>
         <p:txBody>
-          <a:bodyPr/>
+          <a:bodyPr>
+            <a:normAutofit/>
+          </a:bodyPr>
           <a:lstStyle/>
           <a:p>
             <a:r>
@@ -6593,7 +6266,9 @@
         </p:nvSpPr>
         <p:spPr/>
         <p:txBody>
-          <a:bodyPr/>
+          <a:bodyPr>
+            <a:normAutofit/>
+          </a:bodyPr>
           <a:lstStyle/>
           <a:p>
             <a:r>
@@ -6758,12 +6433,9 @@
           <a:p>
             <a:r>
               <a:rPr lang="en-US" altLang="zh-CN" dirty="0"/>
-              <a:t>Thanks</a:t>
-            </a:r>
-            <a:r>
-              <a:rPr lang="zh-CN" altLang="en-US" dirty="0"/>
-              <a:t>！</a:t>
-            </a:r>
+              <a:t>Thanks!</a:t>
+            </a:r>
+            <a:endParaRPr lang="zh-CN" altLang="en-US" dirty="0"/>
           </a:p>
         </p:txBody>
       </p:sp>
@@ -7733,9 +7405,9 @@
 </file>
 
 <file path=ppt/theme/theme1.xml><?xml version="1.0" encoding="utf-8"?>
-<a:theme xmlns:a="http://schemas.openxmlformats.org/drawingml/2006/main" name="Office 主题​​">
+<a:theme xmlns:a="http://schemas.openxmlformats.org/drawingml/2006/main" name="Office Theme">
   <a:themeElements>
-    <a:clrScheme name="Office">
+    <a:clrScheme name="Office 主题​​">
       <a:dk1>
         <a:sysClr val="windowText" lastClr="000000"/>
       </a:dk1>
@@ -7749,22 +7421,22 @@
         <a:srgbClr val="E7E6E6"/>
       </a:lt2>
       <a:accent1>
-        <a:srgbClr val="4472C4"/>
+        <a:srgbClr val="1D9A78"/>
       </a:accent1>
       <a:accent2>
-        <a:srgbClr val="ED7D31"/>
+        <a:srgbClr val="8BC145"/>
       </a:accent2>
       <a:accent3>
-        <a:srgbClr val="A5A5A5"/>
+        <a:srgbClr val="36AFCE"/>
       </a:accent3>
       <a:accent4>
-        <a:srgbClr val="FFC000"/>
+        <a:srgbClr val="1D6FA9"/>
       </a:accent4>
       <a:accent5>
-        <a:srgbClr val="5B9BD5"/>
+        <a:srgbClr val="B74919"/>
       </a:accent5>
       <a:accent6>
-        <a:srgbClr val="70AD47"/>
+        <a:srgbClr val="F19D19"/>
       </a:accent6>
       <a:hlink>
         <a:srgbClr val="0563C1"/>
@@ -7773,9 +7445,9 @@
         <a:srgbClr val="954F72"/>
       </a:folHlink>
     </a:clrScheme>
-    <a:fontScheme name="Office">
+    <a:fontScheme name="Office 主题​​">
       <a:majorFont>
-        <a:latin typeface="等线 Light" panose="020F0302020204030204"/>
+        <a:latin typeface="Calibri Light" panose="020F0302020204030204"/>
         <a:ea typeface=""/>
         <a:cs typeface=""/>
         <a:font script="Jpan" typeface="游ゴシック Light"/>
@@ -7808,26 +7480,9 @@
         <a:font script="Viet" typeface="Times New Roman"/>
         <a:font script="Uigh" typeface="Microsoft Uighur"/>
         <a:font script="Geor" typeface="Sylfaen"/>
-        <a:font script="Armn" typeface="Arial"/>
-        <a:font script="Bugi" typeface="Leelawadee UI"/>
-        <a:font script="Bopo" typeface="Microsoft JhengHei"/>
-        <a:font script="Java" typeface="Javanese Text"/>
-        <a:font script="Lisu" typeface="Segoe UI"/>
-        <a:font script="Mymr" typeface="Myanmar Text"/>
-        <a:font script="Nkoo" typeface="Ebrima"/>
-        <a:font script="Olck" typeface="Nirmala UI"/>
-        <a:font script="Osma" typeface="Ebrima"/>
-        <a:font script="Phag" typeface="Phagspa"/>
-        <a:font script="Syrn" typeface="Estrangelo Edessa"/>
-        <a:font script="Syrj" typeface="Estrangelo Edessa"/>
-        <a:font script="Syre" typeface="Estrangelo Edessa"/>
-        <a:font script="Sora" typeface="Nirmala UI"/>
-        <a:font script="Tale" typeface="Microsoft Tai Le"/>
-        <a:font script="Talu" typeface="Microsoft New Tai Lue"/>
-        <a:font script="Tfng" typeface="Ebrima"/>
       </a:majorFont>
       <a:minorFont>
-        <a:latin typeface="等线" panose="020F0502020204030204"/>
+        <a:latin typeface="Calibri" panose="020F0502020204030204"/>
         <a:ea typeface=""/>
         <a:cs typeface=""/>
         <a:font script="Jpan" typeface="游ゴシック"/>
@@ -7860,26 +7515,9 @@
         <a:font script="Viet" typeface="Arial"/>
         <a:font script="Uigh" typeface="Microsoft Uighur"/>
         <a:font script="Geor" typeface="Sylfaen"/>
-        <a:font script="Armn" typeface="Arial"/>
-        <a:font script="Bugi" typeface="Leelawadee UI"/>
-        <a:font script="Bopo" typeface="Microsoft JhengHei"/>
-        <a:font script="Java" typeface="Javanese Text"/>
-        <a:font script="Lisu" typeface="Segoe UI"/>
-        <a:font script="Mymr" typeface="Myanmar Text"/>
-        <a:font script="Nkoo" typeface="Ebrima"/>
-        <a:font script="Olck" typeface="Nirmala UI"/>
-        <a:font script="Osma" typeface="Ebrima"/>
-        <a:font script="Phag" typeface="Phagspa"/>
-        <a:font script="Syrn" typeface="Estrangelo Edessa"/>
-        <a:font script="Syrj" typeface="Estrangelo Edessa"/>
-        <a:font script="Syre" typeface="Estrangelo Edessa"/>
-        <a:font script="Sora" typeface="Nirmala UI"/>
-        <a:font script="Tale" typeface="Microsoft Tai Le"/>
-        <a:font script="Talu" typeface="Microsoft New Tai Lue"/>
-        <a:font script="Tfng" typeface="Ebrima"/>
       </a:minorFont>
     </a:fontScheme>
-    <a:fmtScheme name="Office">
+    <a:fmtScheme name="Office 主题​​">
       <a:fillStyleLst>
         <a:solidFill>
           <a:schemeClr val="phClr"/>
@@ -8021,7 +7659,7 @@
   <a:extraClrSchemeLst/>
   <a:extLst>
     <a:ext uri="{05A4C25C-085E-4340-85A3-A5531E510DB2}">
-      <thm15:themeFamily xmlns:thm15="http://schemas.microsoft.com/office/thememl/2012/main" name="Office Theme" id="{62F939B6-93AF-4DB8-9C6B-D6C7DFDC589F}" vid="{4A3C46E8-61CC-4603-A589-7422A47A8E4A}"/>
+      <thm15:themeFamily xmlns:thm15="http://schemas.microsoft.com/office/thememl/2012/main" name="Office Theme" id="{62F939B6-93AF-4DB8-9C6B-D6C7DFDC589F}" vid="{AE6F2518-B084-4896-AF52-66CC2144AA26}"/>
     </a:ext>
   </a:extLst>
 </a:theme>

--- a/mid_report.pptx
+++ b/mid_report.pptx
@@ -2,10 +2,10 @@
 <file path=ppt/presentation.xml><?xml version="1.0" encoding="utf-8"?>
 <p:presentation xmlns:a="http://schemas.openxmlformats.org/drawingml/2006/main" xmlns:r="http://schemas.openxmlformats.org/officeDocument/2006/relationships" xmlns:p="http://schemas.openxmlformats.org/presentationml/2006/main" saveSubsetFonts="1">
   <p:sldMasterIdLst>
-    <p:sldMasterId id="2147483648" r:id="rId1"/>
+    <p:sldMasterId id="2147483734" r:id="rId1"/>
   </p:sldMasterIdLst>
   <p:notesMasterIdLst>
-    <p:notesMasterId r:id="rId23"/>
+    <p:notesMasterId r:id="rId22"/>
   </p:notesMasterIdLst>
   <p:sldIdLst>
     <p:sldId id="256" r:id="rId2"/>
@@ -13,22 +13,21 @@
     <p:sldId id="258" r:id="rId4"/>
     <p:sldId id="259" r:id="rId5"/>
     <p:sldId id="260" r:id="rId6"/>
-    <p:sldId id="261" r:id="rId7"/>
-    <p:sldId id="262" r:id="rId8"/>
-    <p:sldId id="263" r:id="rId9"/>
-    <p:sldId id="264" r:id="rId10"/>
-    <p:sldId id="265" r:id="rId11"/>
-    <p:sldId id="266" r:id="rId12"/>
-    <p:sldId id="267" r:id="rId13"/>
-    <p:sldId id="268" r:id="rId14"/>
-    <p:sldId id="269" r:id="rId15"/>
-    <p:sldId id="270" r:id="rId16"/>
-    <p:sldId id="271" r:id="rId17"/>
-    <p:sldId id="272" r:id="rId18"/>
-    <p:sldId id="273" r:id="rId19"/>
-    <p:sldId id="274" r:id="rId20"/>
-    <p:sldId id="275" r:id="rId21"/>
-    <p:sldId id="276" r:id="rId22"/>
+    <p:sldId id="271" r:id="rId7"/>
+    <p:sldId id="261" r:id="rId8"/>
+    <p:sldId id="262" r:id="rId9"/>
+    <p:sldId id="263" r:id="rId10"/>
+    <p:sldId id="264" r:id="rId11"/>
+    <p:sldId id="265" r:id="rId12"/>
+    <p:sldId id="266" r:id="rId13"/>
+    <p:sldId id="267" r:id="rId14"/>
+    <p:sldId id="268" r:id="rId15"/>
+    <p:sldId id="269" r:id="rId16"/>
+    <p:sldId id="270" r:id="rId17"/>
+    <p:sldId id="273" r:id="rId18"/>
+    <p:sldId id="274" r:id="rId19"/>
+    <p:sldId id="275" r:id="rId20"/>
+    <p:sldId id="276" r:id="rId21"/>
   </p:sldIdLst>
   <p:sldSz cx="12192000" cy="6858000"/>
   <p:notesSz cx="6858000" cy="9144000"/>
@@ -127,6 +126,11 @@
       </a:defRPr>
     </a:lvl9pPr>
   </p:defaultTextStyle>
+  <p:extLst>
+    <p:ext uri="{EFAFB233-063F-42B5-8137-9DF3F51BA10A}">
+      <p15:sldGuideLst xmlns:p15="http://schemas.microsoft.com/office/powerpoint/2012/main"/>
+    </p:ext>
+  </p:extLst>
 </p:presentation>
 </file>
 
@@ -212,7 +216,7 @@
           <a:p>
             <a:fld id="{7966F250-E1E1-474A-BDFF-A985A8EE7376}" type="datetimeFigureOut">
               <a:rPr lang="zh-CN" altLang="en-US" smtClean="0"/>
-              <a:t>2018/4/12</a:t>
+              <a:t>18/4/12</a:t>
             </a:fld>
             <a:endParaRPr lang="zh-CN" altLang="en-US"/>
           </a:p>
@@ -1028,7 +1032,7 @@
           <a:lstStyle/>
           <a:p>
             <a:r>
-              <a:rPr lang="zh-CN" altLang="en-US" sz="1200" b="0" i="0" kern="1200" dirty="0">
+              <a:rPr lang="zh-CN" altLang="en-US" sz="1200" b="0" i="0" kern="1200" dirty="0" smtClean="0">
                 <a:solidFill>
                   <a:schemeClr val="tx1"/>
                 </a:solidFill>
@@ -1040,7 +1044,7 @@
               <a:t>这一小节简要介绍本课程设计会用到的前人的一些已有工作。</a:t>
             </a:r>
             <a:r>
-              <a:rPr lang="en-US" altLang="zh-CN" sz="1200" b="0" i="0" kern="1200" dirty="0">
+              <a:rPr lang="en-US" altLang="zh-CN" sz="1200" b="0" i="0" kern="1200" dirty="0" smtClean="0">
                 <a:solidFill>
                   <a:schemeClr val="tx1"/>
                 </a:solidFill>
@@ -1052,7 +1056,7 @@
               <a:t>RISC-V [3, 4]</a:t>
             </a:r>
             <a:r>
-              <a:rPr lang="zh-CN" altLang="en-US" sz="1200" b="0" i="0" kern="1200" dirty="0">
+              <a:rPr lang="zh-CN" altLang="en-US" sz="1200" b="0" i="0" kern="1200" dirty="0" smtClean="0">
                 <a:solidFill>
                   <a:schemeClr val="tx1"/>
                 </a:solidFill>
@@ -1064,7 +1068,7 @@
               <a:t>是一个新的指令集架构，它更开放、灵活性更好、硬件设计更简洁。</a:t>
             </a:r>
             <a:r>
-              <a:rPr lang="en-US" altLang="zh-CN" sz="1200" b="0" i="0" kern="1200" dirty="0">
+              <a:rPr lang="en-US" altLang="zh-CN" sz="1200" b="0" i="0" kern="1200" dirty="0" smtClean="0">
                 <a:solidFill>
                   <a:schemeClr val="tx1"/>
                 </a:solidFill>
@@ -1076,7 +1080,7 @@
               <a:t>sv6</a:t>
             </a:r>
             <a:r>
-              <a:rPr lang="zh-CN" altLang="en-US" sz="1200" b="0" i="0" kern="1200" dirty="0">
+              <a:rPr lang="zh-CN" altLang="en-US" sz="1200" b="0" i="0" kern="1200" dirty="0" smtClean="0">
                 <a:solidFill>
                   <a:schemeClr val="tx1"/>
                 </a:solidFill>
@@ -1088,7 +1092,7 @@
               <a:t>操作系统</a:t>
             </a:r>
             <a:r>
-              <a:rPr lang="en-US" altLang="zh-CN" sz="1200" b="0" i="0" kern="1200" dirty="0">
+              <a:rPr lang="en-US" altLang="zh-CN" sz="1200" b="0" i="0" kern="1200" dirty="0" smtClean="0">
                 <a:solidFill>
                   <a:schemeClr val="tx1"/>
                 </a:solidFill>
@@ -1100,7 +1104,7 @@
               <a:t>[1]</a:t>
             </a:r>
             <a:r>
-              <a:rPr lang="zh-CN" altLang="en-US" sz="1200" b="0" i="0" kern="1200" dirty="0">
+              <a:rPr lang="zh-CN" altLang="en-US" sz="1200" b="0" i="0" kern="1200" dirty="0" smtClean="0">
                 <a:solidFill>
                   <a:schemeClr val="tx1"/>
                 </a:solidFill>
@@ -1112,7 +1116,7 @@
               <a:t>则是一款基于</a:t>
             </a:r>
             <a:r>
-              <a:rPr lang="en-US" altLang="zh-CN" sz="1200" b="0" i="0" kern="1200" dirty="0">
+              <a:rPr lang="en-US" altLang="zh-CN" sz="1200" b="0" i="0" kern="1200" dirty="0" smtClean="0">
                 <a:solidFill>
                   <a:schemeClr val="tx1"/>
                 </a:solidFill>
@@ -1124,7 +1128,7 @@
               <a:t>xv6</a:t>
             </a:r>
             <a:r>
-              <a:rPr lang="zh-CN" altLang="en-US" sz="1200" b="0" i="0" kern="1200" dirty="0">
+              <a:rPr lang="zh-CN" altLang="en-US" sz="1200" b="0" i="0" kern="1200" dirty="0" smtClean="0">
                 <a:solidFill>
                   <a:schemeClr val="tx1"/>
                 </a:solidFill>
@@ -1136,7 +1140,7 @@
               <a:t>，并行度很好的精简的类</a:t>
             </a:r>
             <a:r>
-              <a:rPr lang="en-US" altLang="zh-CN" sz="1200" b="0" i="0" kern="1200" dirty="0">
+              <a:rPr lang="en-US" altLang="zh-CN" sz="1200" b="0" i="0" kern="1200" dirty="0" smtClean="0">
                 <a:solidFill>
                   <a:schemeClr val="tx1"/>
                 </a:solidFill>
@@ -1148,7 +1152,7 @@
               <a:t>POSIX</a:t>
             </a:r>
             <a:r>
-              <a:rPr lang="zh-CN" altLang="en-US" sz="1200" b="0" i="0" kern="1200" dirty="0">
+              <a:rPr lang="zh-CN" altLang="en-US" sz="1200" b="0" i="0" kern="1200" dirty="0" smtClean="0">
                 <a:solidFill>
                   <a:schemeClr val="tx1"/>
                 </a:solidFill>
@@ -1160,7 +1164,7 @@
               <a:t>的研究性质的操作系统。通过符号化执行的方法</a:t>
             </a:r>
             <a:r>
-              <a:rPr lang="en-US" altLang="zh-CN" sz="1200" b="0" i="0" kern="1200" dirty="0">
+              <a:rPr lang="en-US" altLang="zh-CN" sz="1200" b="0" i="0" kern="1200" dirty="0" smtClean="0">
                 <a:solidFill>
                   <a:schemeClr val="tx1"/>
                 </a:solidFill>
@@ -1172,7 +1176,7 @@
               <a:t>[10, 11]</a:t>
             </a:r>
             <a:r>
-              <a:rPr lang="zh-CN" altLang="en-US" sz="1200" b="0" i="0" kern="1200" dirty="0">
+              <a:rPr lang="zh-CN" altLang="en-US" sz="1200" b="0" i="0" kern="1200" dirty="0" smtClean="0">
                 <a:solidFill>
                   <a:schemeClr val="tx1"/>
                 </a:solidFill>
@@ -1184,7 +1188,7 @@
               <a:t>，可以将一个函数的输入参数指定为符号值，函数的每一个路径可以产生一个先决条件逻辑表达式，通过</a:t>
             </a:r>
             <a:r>
-              <a:rPr lang="en-US" altLang="zh-CN" sz="1200" b="0" i="0" kern="1200" dirty="0">
+              <a:rPr lang="en-US" altLang="zh-CN" sz="1200" b="0" i="0" kern="1200" dirty="0" smtClean="0">
                 <a:solidFill>
                   <a:schemeClr val="tx1"/>
                 </a:solidFill>
@@ -1196,7 +1200,7 @@
               <a:t>Z3</a:t>
             </a:r>
             <a:r>
-              <a:rPr lang="zh-CN" altLang="en-US" sz="1200" b="0" i="0" kern="1200" dirty="0">
+              <a:rPr lang="zh-CN" altLang="en-US" sz="1200" b="0" i="0" kern="1200" dirty="0" smtClean="0">
                 <a:solidFill>
                   <a:schemeClr val="tx1"/>
                 </a:solidFill>
@@ -1208,7 +1212,7 @@
               <a:t>等</a:t>
             </a:r>
             <a:r>
-              <a:rPr lang="en-US" altLang="zh-CN" sz="1200" b="0" i="0" kern="1200" dirty="0">
+              <a:rPr lang="en-US" altLang="zh-CN" sz="1200" b="0" i="0" kern="1200" dirty="0" smtClean="0">
                 <a:solidFill>
                   <a:schemeClr val="tx1"/>
                 </a:solidFill>
@@ -1220,7 +1224,7 @@
               <a:t>SMT</a:t>
             </a:r>
             <a:r>
-              <a:rPr lang="zh-CN" altLang="en-US" sz="1200" b="0" i="0" kern="1200" dirty="0">
+              <a:rPr lang="zh-CN" altLang="en-US" sz="1200" b="0" i="0" kern="1200" dirty="0" smtClean="0">
                 <a:solidFill>
                   <a:schemeClr val="tx1"/>
                 </a:solidFill>
@@ -1232,7 +1236,7 @@
               <a:t>求解器</a:t>
             </a:r>
             <a:r>
-              <a:rPr lang="en-US" altLang="zh-CN" sz="1200" b="0" i="0" kern="1200" dirty="0">
+              <a:rPr lang="en-US" altLang="zh-CN" sz="1200" b="0" i="0" kern="1200" dirty="0" smtClean="0">
                 <a:solidFill>
                   <a:schemeClr val="tx1"/>
                 </a:solidFill>
@@ -1244,7 +1248,7 @@
               <a:t>[12]</a:t>
             </a:r>
             <a:r>
-              <a:rPr lang="zh-CN" altLang="en-US" sz="1200" b="0" i="0" kern="1200" dirty="0">
+              <a:rPr lang="zh-CN" altLang="en-US" sz="1200" b="0" i="0" kern="1200" dirty="0" smtClean="0">
                 <a:solidFill>
                   <a:schemeClr val="tx1"/>
                 </a:solidFill>
@@ -1256,7 +1260,7 @@
               <a:t>进行求解，就可以知道这个路径是否可达，是否会产生特定的情况（大多数情况是断言失败）。</a:t>
             </a:r>
             <a:r>
-              <a:rPr lang="en-US" altLang="zh-CN" sz="1200" b="0" i="0" kern="1200" dirty="0">
+              <a:rPr lang="en-US" altLang="zh-CN" sz="1200" b="0" i="0" kern="1200" dirty="0" smtClean="0">
                 <a:solidFill>
                   <a:schemeClr val="tx1"/>
                 </a:solidFill>
@@ -1268,7 +1272,7 @@
               <a:t>Austin T. Clements</a:t>
             </a:r>
             <a:r>
-              <a:rPr lang="zh-CN" altLang="en-US" sz="1200" b="0" i="0" kern="1200" dirty="0">
+              <a:rPr lang="zh-CN" altLang="en-US" sz="1200" b="0" i="0" kern="1200" dirty="0" smtClean="0">
                 <a:solidFill>
                   <a:schemeClr val="tx1"/>
                 </a:solidFill>
@@ -1280,7 +1284,7 @@
               <a:t>等人在</a:t>
             </a:r>
             <a:r>
-              <a:rPr lang="en-US" altLang="zh-CN" sz="1200" b="0" i="0" kern="1200" dirty="0">
+              <a:rPr lang="en-US" altLang="zh-CN" sz="1200" b="0" i="0" kern="1200" dirty="0" smtClean="0">
                 <a:solidFill>
                   <a:schemeClr val="tx1"/>
                 </a:solidFill>
@@ -1292,7 +1296,7 @@
               <a:t>2013</a:t>
             </a:r>
             <a:r>
-              <a:rPr lang="zh-CN" altLang="en-US" sz="1200" b="0" i="0" kern="1200" dirty="0">
+              <a:rPr lang="zh-CN" altLang="en-US" sz="1200" b="0" i="0" kern="1200" dirty="0" smtClean="0">
                 <a:solidFill>
                   <a:schemeClr val="tx1"/>
                 </a:solidFill>
@@ -1304,7 +1308,7 @@
               <a:t>年提出的</a:t>
             </a:r>
             <a:r>
-              <a:rPr lang="en-US" altLang="zh-CN" sz="1200" b="0" i="0" kern="1200" dirty="0">
+              <a:rPr lang="en-US" altLang="zh-CN" sz="1200" b="0" i="0" kern="1200" dirty="0" smtClean="0">
                 <a:solidFill>
                   <a:schemeClr val="tx1"/>
                 </a:solidFill>
@@ -1316,7 +1320,7 @@
               <a:t>Commuter [2]</a:t>
             </a:r>
             <a:r>
-              <a:rPr lang="zh-CN" altLang="en-US" sz="1200" b="0" i="0" kern="1200" dirty="0">
+              <a:rPr lang="zh-CN" altLang="en-US" sz="1200" b="0" i="0" kern="1200" dirty="0" smtClean="0">
                 <a:solidFill>
                   <a:schemeClr val="tx1"/>
                 </a:solidFill>
@@ -1328,7 +1332,7 @@
               <a:t>能够利用上面提到的符号化执行技术以及</a:t>
             </a:r>
             <a:r>
-              <a:rPr lang="en-US" altLang="zh-CN" sz="1200" b="0" i="0" kern="1200" dirty="0">
+              <a:rPr lang="en-US" altLang="zh-CN" sz="1200" b="0" i="0" kern="1200" dirty="0" smtClean="0">
                 <a:solidFill>
                   <a:schemeClr val="tx1"/>
                 </a:solidFill>
@@ -1340,7 +1344,7 @@
               <a:t>Z3</a:t>
             </a:r>
             <a:r>
-              <a:rPr lang="zh-CN" altLang="en-US" sz="1200" b="0" i="0" kern="1200" dirty="0">
+              <a:rPr lang="zh-CN" altLang="en-US" sz="1200" b="0" i="0" kern="1200" dirty="0" smtClean="0">
                 <a:solidFill>
                   <a:schemeClr val="tx1"/>
                 </a:solidFill>
@@ -1467,7 +1471,7 @@
           <a:p>
             <a:fld id="{7F489343-4191-49DA-9D85-6F731C7C87F7}" type="slidenum">
               <a:rPr lang="zh-CN" altLang="en-US" smtClean="0"/>
-              <a:t>11</a:t>
+              <a:t>12</a:t>
             </a:fld>
             <a:endParaRPr lang="zh-CN" altLang="en-US"/>
           </a:p>
@@ -1505,13 +1509,7 @@
       </p:grpSpPr>
       <p:sp>
         <p:nvSpPr>
-          <p:cNvPr id="2" name="标题 1">
-            <a:extLst>
-              <a:ext uri="{FF2B5EF4-FFF2-40B4-BE49-F238E27FC236}">
-                <a16:creationId xmlns:a16="http://schemas.microsoft.com/office/drawing/2014/main" id="{7958F6B6-E8BB-414B-BDD5-3C9FCCF79A3A}"/>
-              </a:ext>
-            </a:extLst>
-          </p:cNvPr>
+          <p:cNvPr id="2" name="标题 1"/>
           <p:cNvSpPr>
             <a:spLocks noGrp="1"/>
           </p:cNvSpPr>
@@ -1534,21 +1532,16 @@
           </a:lstStyle>
           <a:p>
             <a:r>
-              <a:rPr lang="zh-CN" altLang="en-US"/>
+              <a:rPr kumimoji="1" lang="zh-CN" altLang="en-US" smtClean="0"/>
               <a:t>单击此处编辑母版标题样式</a:t>
             </a:r>
-          </a:p>
-        </p:txBody>
-      </p:sp>
-      <p:sp>
-        <p:nvSpPr>
-          <p:cNvPr id="3" name="副标题 2">
-            <a:extLst>
-              <a:ext uri="{FF2B5EF4-FFF2-40B4-BE49-F238E27FC236}">
-                <a16:creationId xmlns:a16="http://schemas.microsoft.com/office/drawing/2014/main" id="{4166A91C-76D0-4154-95DD-9230288BD63B}"/>
-              </a:ext>
-            </a:extLst>
-          </p:cNvPr>
+            <a:endParaRPr kumimoji="1" lang="zh-CN" altLang="en-US"/>
+          </a:p>
+        </p:txBody>
+      </p:sp>
+      <p:sp>
+        <p:nvSpPr>
+          <p:cNvPr id="3" name="副标题 2"/>
           <p:cNvSpPr>
             <a:spLocks noGrp="1"/>
           </p:cNvSpPr>
@@ -1558,8 +1551,8 @@
         </p:nvSpPr>
         <p:spPr>
           <a:xfrm>
-            <a:off x="1524000" y="3602038"/>
-            <a:ext cx="9144000" cy="1655762"/>
+            <a:off x="1524000" y="3602037"/>
+            <a:ext cx="9144000" cy="1655763"/>
           </a:xfrm>
         </p:spPr>
         <p:txBody>
@@ -1569,56 +1562,51 @@
               <a:buNone/>
               <a:defRPr sz="2400"/>
             </a:lvl1pPr>
-            <a:lvl2pPr marL="457200" indent="0" algn="ctr">
+            <a:lvl2pPr marL="457189" indent="0" algn="ctr">
               <a:buNone/>
               <a:defRPr sz="2000"/>
             </a:lvl2pPr>
-            <a:lvl3pPr marL="914400" indent="0" algn="ctr">
+            <a:lvl3pPr marL="914377" indent="0" algn="ctr">
               <a:buNone/>
               <a:defRPr sz="1800"/>
             </a:lvl3pPr>
-            <a:lvl4pPr marL="1371600" indent="0" algn="ctr">
+            <a:lvl4pPr marL="1371566" indent="0" algn="ctr">
               <a:buNone/>
               <a:defRPr sz="1600"/>
             </a:lvl4pPr>
-            <a:lvl5pPr marL="1828800" indent="0" algn="ctr">
+            <a:lvl5pPr marL="1828754" indent="0" algn="ctr">
               <a:buNone/>
               <a:defRPr sz="1600"/>
             </a:lvl5pPr>
-            <a:lvl6pPr marL="2286000" indent="0" algn="ctr">
+            <a:lvl6pPr marL="2285943" indent="0" algn="ctr">
               <a:buNone/>
               <a:defRPr sz="1600"/>
             </a:lvl6pPr>
-            <a:lvl7pPr marL="2743200" indent="0" algn="ctr">
+            <a:lvl7pPr marL="2743131" indent="0" algn="ctr">
               <a:buNone/>
               <a:defRPr sz="1600"/>
             </a:lvl7pPr>
-            <a:lvl8pPr marL="3200400" indent="0" algn="ctr">
+            <a:lvl8pPr marL="3200320" indent="0" algn="ctr">
               <a:buNone/>
               <a:defRPr sz="1600"/>
             </a:lvl8pPr>
-            <a:lvl9pPr marL="3657600" indent="0" algn="ctr">
+            <a:lvl9pPr marL="3657509" indent="0" algn="ctr">
               <a:buNone/>
               <a:defRPr sz="1600"/>
             </a:lvl9pPr>
           </a:lstStyle>
           <a:p>
             <a:r>
-              <a:rPr lang="zh-CN" altLang="en-US"/>
+              <a:rPr kumimoji="1" lang="zh-CN" altLang="en-US" smtClean="0"/>
               <a:t>单击此处编辑母版副标题样式</a:t>
             </a:r>
-          </a:p>
-        </p:txBody>
-      </p:sp>
-      <p:sp>
-        <p:nvSpPr>
-          <p:cNvPr id="4" name="日期占位符 3">
-            <a:extLst>
-              <a:ext uri="{FF2B5EF4-FFF2-40B4-BE49-F238E27FC236}">
-                <a16:creationId xmlns:a16="http://schemas.microsoft.com/office/drawing/2014/main" id="{BAF3FA4C-1A25-41F3-8F18-5426BA5C652F}"/>
-              </a:ext>
-            </a:extLst>
-          </p:cNvPr>
+            <a:endParaRPr kumimoji="1" lang="zh-CN" altLang="en-US"/>
+          </a:p>
+        </p:txBody>
+      </p:sp>
+      <p:sp>
+        <p:nvSpPr>
+          <p:cNvPr id="4" name="日期占位符 3"/>
           <p:cNvSpPr>
             <a:spLocks noGrp="1"/>
           </p:cNvSpPr>
@@ -1633,7 +1621,7 @@
           <a:p>
             <a:fld id="{9ED90016-FE2B-4C93-AEF3-0E4E12969ECA}" type="datetimeFigureOut">
               <a:rPr lang="zh-CN" altLang="en-US" smtClean="0"/>
-              <a:t>2018/4/12</a:t>
+              <a:t>18/4/12</a:t>
             </a:fld>
             <a:endParaRPr lang="zh-CN" altLang="en-US"/>
           </a:p>
@@ -1641,13 +1629,7 @@
       </p:sp>
       <p:sp>
         <p:nvSpPr>
-          <p:cNvPr id="5" name="页脚占位符 4">
-            <a:extLst>
-              <a:ext uri="{FF2B5EF4-FFF2-40B4-BE49-F238E27FC236}">
-                <a16:creationId xmlns:a16="http://schemas.microsoft.com/office/drawing/2014/main" id="{F500581D-22F2-433E-AD04-A3E58FD0FA4B}"/>
-              </a:ext>
-            </a:extLst>
-          </p:cNvPr>
+          <p:cNvPr id="5" name="页脚占位符 4"/>
           <p:cNvSpPr>
             <a:spLocks noGrp="1"/>
           </p:cNvSpPr>
@@ -1666,13 +1648,7 @@
       </p:sp>
       <p:sp>
         <p:nvSpPr>
-          <p:cNvPr id="6" name="灯片编号占位符 5">
-            <a:extLst>
-              <a:ext uri="{FF2B5EF4-FFF2-40B4-BE49-F238E27FC236}">
-                <a16:creationId xmlns:a16="http://schemas.microsoft.com/office/drawing/2014/main" id="{EFCD32EE-272B-4F23-B58C-9A2484C879ED}"/>
-              </a:ext>
-            </a:extLst>
-          </p:cNvPr>
+          <p:cNvPr id="6" name="幻灯片编号占位符 5"/>
           <p:cNvSpPr>
             <a:spLocks noGrp="1"/>
           </p:cNvSpPr>
@@ -1696,19 +1672,26 @@
     </p:spTree>
     <p:extLst>
       <p:ext uri="{BB962C8B-B14F-4D97-AF65-F5344CB8AC3E}">
-        <p14:creationId xmlns:p14="http://schemas.microsoft.com/office/powerpoint/2010/main" val="2478702211"/>
+        <p14:creationId xmlns:p14="http://schemas.microsoft.com/office/powerpoint/2010/main" val="498898669"/>
       </p:ext>
     </p:extLst>
   </p:cSld>
   <p:clrMapOvr>
     <a:masterClrMapping/>
   </p:clrMapOvr>
+  <p:timing>
+    <p:tnLst>
+      <p:par>
+        <p:cTn id="1" dur="indefinite" restart="never" nodeType="tmRoot"/>
+      </p:par>
+    </p:tnLst>
+  </p:timing>
 </p:sldLayout>
 </file>
 
 <file path=ppt/slideLayouts/slideLayout10.xml><?xml version="1.0" encoding="utf-8"?>
 <p:sldLayout xmlns:a="http://schemas.openxmlformats.org/drawingml/2006/main" xmlns:r="http://schemas.openxmlformats.org/officeDocument/2006/relationships" xmlns:p="http://schemas.openxmlformats.org/presentationml/2006/main" type="vertTx" preserve="1">
-  <p:cSld name="标题和竖排文字">
+  <p:cSld name="标题和竖排文本">
     <p:spTree>
       <p:nvGrpSpPr>
         <p:cNvPr id="1" name=""/>
@@ -1725,13 +1708,7 @@
       </p:grpSpPr>
       <p:sp>
         <p:nvSpPr>
-          <p:cNvPr id="2" name="标题 1">
-            <a:extLst>
-              <a:ext uri="{FF2B5EF4-FFF2-40B4-BE49-F238E27FC236}">
-                <a16:creationId xmlns:a16="http://schemas.microsoft.com/office/drawing/2014/main" id="{3FE5B563-9D56-469B-A708-0641A9A47036}"/>
-              </a:ext>
-            </a:extLst>
-          </p:cNvPr>
+          <p:cNvPr id="2" name="标题 1"/>
           <p:cNvSpPr>
             <a:spLocks noGrp="1"/>
           </p:cNvSpPr>
@@ -1745,21 +1722,16 @@
           <a:lstStyle/>
           <a:p>
             <a:r>
-              <a:rPr lang="zh-CN" altLang="en-US"/>
+              <a:rPr kumimoji="1" lang="zh-CN" altLang="en-US" smtClean="0"/>
               <a:t>单击此处编辑母版标题样式</a:t>
             </a:r>
-          </a:p>
-        </p:txBody>
-      </p:sp>
-      <p:sp>
-        <p:nvSpPr>
-          <p:cNvPr id="3" name="竖排文字占位符 2">
-            <a:extLst>
-              <a:ext uri="{FF2B5EF4-FFF2-40B4-BE49-F238E27FC236}">
-                <a16:creationId xmlns:a16="http://schemas.microsoft.com/office/drawing/2014/main" id="{A29275BC-A5B8-4B1B-B686-68E67B7A5E66}"/>
-              </a:ext>
-            </a:extLst>
-          </p:cNvPr>
+            <a:endParaRPr kumimoji="1" lang="zh-CN" altLang="en-US"/>
+          </a:p>
+        </p:txBody>
+      </p:sp>
+      <p:sp>
+        <p:nvSpPr>
+          <p:cNvPr id="3" name="竖排文本占位符 2"/>
           <p:cNvSpPr>
             <a:spLocks noGrp="1"/>
           </p:cNvSpPr>
@@ -1774,49 +1746,44 @@
           <a:p>
             <a:pPr lvl="0"/>
             <a:r>
-              <a:rPr lang="zh-CN" altLang="en-US"/>
-              <a:t>编辑母版文本样式</a:t>
+              <a:rPr kumimoji="1" lang="zh-CN" altLang="en-US" smtClean="0"/>
+              <a:t>单击此处编辑母版文本样式</a:t>
             </a:r>
           </a:p>
           <a:p>
             <a:pPr lvl="1"/>
             <a:r>
-              <a:rPr lang="zh-CN" altLang="en-US"/>
-              <a:t>第二级</a:t>
+              <a:rPr kumimoji="1" lang="zh-CN" altLang="en-US" smtClean="0"/>
+              <a:t>二级</a:t>
             </a:r>
           </a:p>
           <a:p>
             <a:pPr lvl="2"/>
             <a:r>
-              <a:rPr lang="zh-CN" altLang="en-US"/>
-              <a:t>第三级</a:t>
+              <a:rPr kumimoji="1" lang="zh-CN" altLang="en-US" smtClean="0"/>
+              <a:t>三级</a:t>
             </a:r>
           </a:p>
           <a:p>
             <a:pPr lvl="3"/>
             <a:r>
-              <a:rPr lang="zh-CN" altLang="en-US"/>
-              <a:t>第四级</a:t>
+              <a:rPr kumimoji="1" lang="zh-CN" altLang="en-US" smtClean="0"/>
+              <a:t>四级</a:t>
             </a:r>
           </a:p>
           <a:p>
             <a:pPr lvl="4"/>
             <a:r>
-              <a:rPr lang="zh-CN" altLang="en-US"/>
-              <a:t>第五级</a:t>
-            </a:r>
-          </a:p>
-        </p:txBody>
-      </p:sp>
-      <p:sp>
-        <p:nvSpPr>
-          <p:cNvPr id="4" name="日期占位符 3">
-            <a:extLst>
-              <a:ext uri="{FF2B5EF4-FFF2-40B4-BE49-F238E27FC236}">
-                <a16:creationId xmlns:a16="http://schemas.microsoft.com/office/drawing/2014/main" id="{96EADC65-2A17-47F8-819E-E21AB39F7697}"/>
-              </a:ext>
-            </a:extLst>
-          </p:cNvPr>
+              <a:rPr kumimoji="1" lang="zh-CN" altLang="en-US" smtClean="0"/>
+              <a:t>五级</a:t>
+            </a:r>
+            <a:endParaRPr kumimoji="1" lang="zh-CN" altLang="en-US"/>
+          </a:p>
+        </p:txBody>
+      </p:sp>
+      <p:sp>
+        <p:nvSpPr>
+          <p:cNvPr id="4" name="日期占位符 3"/>
           <p:cNvSpPr>
             <a:spLocks noGrp="1"/>
           </p:cNvSpPr>
@@ -1831,7 +1798,7 @@
           <a:p>
             <a:fld id="{9ED90016-FE2B-4C93-AEF3-0E4E12969ECA}" type="datetimeFigureOut">
               <a:rPr lang="zh-CN" altLang="en-US" smtClean="0"/>
-              <a:t>2018/4/12</a:t>
+              <a:t>18/4/12</a:t>
             </a:fld>
             <a:endParaRPr lang="zh-CN" altLang="en-US"/>
           </a:p>
@@ -1839,13 +1806,7 @@
       </p:sp>
       <p:sp>
         <p:nvSpPr>
-          <p:cNvPr id="5" name="页脚占位符 4">
-            <a:extLst>
-              <a:ext uri="{FF2B5EF4-FFF2-40B4-BE49-F238E27FC236}">
-                <a16:creationId xmlns:a16="http://schemas.microsoft.com/office/drawing/2014/main" id="{D0AE4DC6-FF56-4C6D-B377-A5C593203FB5}"/>
-              </a:ext>
-            </a:extLst>
-          </p:cNvPr>
+          <p:cNvPr id="5" name="页脚占位符 4"/>
           <p:cNvSpPr>
             <a:spLocks noGrp="1"/>
           </p:cNvSpPr>
@@ -1864,13 +1825,7 @@
       </p:sp>
       <p:sp>
         <p:nvSpPr>
-          <p:cNvPr id="6" name="灯片编号占位符 5">
-            <a:extLst>
-              <a:ext uri="{FF2B5EF4-FFF2-40B4-BE49-F238E27FC236}">
-                <a16:creationId xmlns:a16="http://schemas.microsoft.com/office/drawing/2014/main" id="{DF1114DA-36CD-4D94-8C23-A4A945AEB6FD}"/>
-              </a:ext>
-            </a:extLst>
-          </p:cNvPr>
+          <p:cNvPr id="6" name="幻灯片编号占位符 5"/>
           <p:cNvSpPr>
             <a:spLocks noGrp="1"/>
           </p:cNvSpPr>
@@ -1894,19 +1849,26 @@
     </p:spTree>
     <p:extLst>
       <p:ext uri="{BB962C8B-B14F-4D97-AF65-F5344CB8AC3E}">
-        <p14:creationId xmlns:p14="http://schemas.microsoft.com/office/powerpoint/2010/main" val="4065456150"/>
+        <p14:creationId xmlns:p14="http://schemas.microsoft.com/office/powerpoint/2010/main" val="1564161903"/>
       </p:ext>
     </p:extLst>
   </p:cSld>
   <p:clrMapOvr>
     <a:masterClrMapping/>
   </p:clrMapOvr>
+  <p:timing>
+    <p:tnLst>
+      <p:par>
+        <p:cTn id="1" dur="indefinite" restart="never" nodeType="tmRoot"/>
+      </p:par>
+    </p:tnLst>
+  </p:timing>
 </p:sldLayout>
 </file>
 
 <file path=ppt/slideLayouts/slideLayout11.xml><?xml version="1.0" encoding="utf-8"?>
 <p:sldLayout xmlns:a="http://schemas.openxmlformats.org/drawingml/2006/main" xmlns:r="http://schemas.openxmlformats.org/officeDocument/2006/relationships" xmlns:p="http://schemas.openxmlformats.org/presentationml/2006/main" type="vertTitleAndTx" preserve="1">
-  <p:cSld name="竖排标题与文本">
+  <p:cSld name="竖排标题和文本">
     <p:spTree>
       <p:nvGrpSpPr>
         <p:cNvPr id="1" name=""/>
@@ -1923,13 +1885,7 @@
       </p:grpSpPr>
       <p:sp>
         <p:nvSpPr>
-          <p:cNvPr id="2" name="竖排标题 1">
-            <a:extLst>
-              <a:ext uri="{FF2B5EF4-FFF2-40B4-BE49-F238E27FC236}">
-                <a16:creationId xmlns:a16="http://schemas.microsoft.com/office/drawing/2014/main" id="{E71E42F0-06D8-410D-8859-D71B5C3BD258}"/>
-              </a:ext>
-            </a:extLst>
-          </p:cNvPr>
+          <p:cNvPr id="2" name="竖排标题 1"/>
           <p:cNvSpPr>
             <a:spLocks noGrp="1"/>
           </p:cNvSpPr>
@@ -1939,8 +1895,8 @@
         </p:nvSpPr>
         <p:spPr>
           <a:xfrm>
-            <a:off x="8724900" y="365125"/>
-            <a:ext cx="2628900" cy="5811838"/>
+            <a:off x="8724901" y="365126"/>
+            <a:ext cx="2628900" cy="5811839"/>
           </a:xfrm>
         </p:spPr>
         <p:txBody>
@@ -1948,21 +1904,16 @@
           <a:lstStyle/>
           <a:p>
             <a:r>
-              <a:rPr lang="zh-CN" altLang="en-US"/>
+              <a:rPr kumimoji="1" lang="zh-CN" altLang="en-US" smtClean="0"/>
               <a:t>单击此处编辑母版标题样式</a:t>
             </a:r>
-          </a:p>
-        </p:txBody>
-      </p:sp>
-      <p:sp>
-        <p:nvSpPr>
-          <p:cNvPr id="3" name="竖排文字占位符 2">
-            <a:extLst>
-              <a:ext uri="{FF2B5EF4-FFF2-40B4-BE49-F238E27FC236}">
-                <a16:creationId xmlns:a16="http://schemas.microsoft.com/office/drawing/2014/main" id="{6A468923-6A22-49BA-BB12-55F3C9C3B79B}"/>
-              </a:ext>
-            </a:extLst>
-          </p:cNvPr>
+            <a:endParaRPr kumimoji="1" lang="zh-CN" altLang="en-US"/>
+          </a:p>
+        </p:txBody>
+      </p:sp>
+      <p:sp>
+        <p:nvSpPr>
+          <p:cNvPr id="3" name="竖排文本占位符 2"/>
           <p:cNvSpPr>
             <a:spLocks noGrp="1"/>
           </p:cNvSpPr>
@@ -1972,8 +1923,8 @@
         </p:nvSpPr>
         <p:spPr>
           <a:xfrm>
-            <a:off x="838200" y="365125"/>
-            <a:ext cx="7734300" cy="5811838"/>
+            <a:off x="838201" y="365126"/>
+            <a:ext cx="7734300" cy="5811839"/>
           </a:xfrm>
         </p:spPr>
         <p:txBody>
@@ -1982,49 +1933,44 @@
           <a:p>
             <a:pPr lvl="0"/>
             <a:r>
-              <a:rPr lang="zh-CN" altLang="en-US"/>
-              <a:t>编辑母版文本样式</a:t>
+              <a:rPr kumimoji="1" lang="zh-CN" altLang="en-US" smtClean="0"/>
+              <a:t>单击此处编辑母版文本样式</a:t>
             </a:r>
           </a:p>
           <a:p>
             <a:pPr lvl="1"/>
             <a:r>
-              <a:rPr lang="zh-CN" altLang="en-US"/>
-              <a:t>第二级</a:t>
+              <a:rPr kumimoji="1" lang="zh-CN" altLang="en-US" smtClean="0"/>
+              <a:t>二级</a:t>
             </a:r>
           </a:p>
           <a:p>
             <a:pPr lvl="2"/>
             <a:r>
-              <a:rPr lang="zh-CN" altLang="en-US"/>
-              <a:t>第三级</a:t>
+              <a:rPr kumimoji="1" lang="zh-CN" altLang="en-US" smtClean="0"/>
+              <a:t>三级</a:t>
             </a:r>
           </a:p>
           <a:p>
             <a:pPr lvl="3"/>
             <a:r>
-              <a:rPr lang="zh-CN" altLang="en-US"/>
-              <a:t>第四级</a:t>
+              <a:rPr kumimoji="1" lang="zh-CN" altLang="en-US" smtClean="0"/>
+              <a:t>四级</a:t>
             </a:r>
           </a:p>
           <a:p>
             <a:pPr lvl="4"/>
             <a:r>
-              <a:rPr lang="zh-CN" altLang="en-US"/>
-              <a:t>第五级</a:t>
-            </a:r>
-          </a:p>
-        </p:txBody>
-      </p:sp>
-      <p:sp>
-        <p:nvSpPr>
-          <p:cNvPr id="4" name="日期占位符 3">
-            <a:extLst>
-              <a:ext uri="{FF2B5EF4-FFF2-40B4-BE49-F238E27FC236}">
-                <a16:creationId xmlns:a16="http://schemas.microsoft.com/office/drawing/2014/main" id="{4E7A0F3C-C657-4D9E-82A8-02577F56144C}"/>
-              </a:ext>
-            </a:extLst>
-          </p:cNvPr>
+              <a:rPr kumimoji="1" lang="zh-CN" altLang="en-US" smtClean="0"/>
+              <a:t>五级</a:t>
+            </a:r>
+            <a:endParaRPr kumimoji="1" lang="zh-CN" altLang="en-US"/>
+          </a:p>
+        </p:txBody>
+      </p:sp>
+      <p:sp>
+        <p:nvSpPr>
+          <p:cNvPr id="4" name="日期占位符 3"/>
           <p:cNvSpPr>
             <a:spLocks noGrp="1"/>
           </p:cNvSpPr>
@@ -2039,7 +1985,7 @@
           <a:p>
             <a:fld id="{9ED90016-FE2B-4C93-AEF3-0E4E12969ECA}" type="datetimeFigureOut">
               <a:rPr lang="zh-CN" altLang="en-US" smtClean="0"/>
-              <a:t>2018/4/12</a:t>
+              <a:t>18/4/12</a:t>
             </a:fld>
             <a:endParaRPr lang="zh-CN" altLang="en-US"/>
           </a:p>
@@ -2047,13 +1993,7 @@
       </p:sp>
       <p:sp>
         <p:nvSpPr>
-          <p:cNvPr id="5" name="页脚占位符 4">
-            <a:extLst>
-              <a:ext uri="{FF2B5EF4-FFF2-40B4-BE49-F238E27FC236}">
-                <a16:creationId xmlns:a16="http://schemas.microsoft.com/office/drawing/2014/main" id="{61648697-38CF-4C85-B67C-0078803ACECA}"/>
-              </a:ext>
-            </a:extLst>
-          </p:cNvPr>
+          <p:cNvPr id="5" name="页脚占位符 4"/>
           <p:cNvSpPr>
             <a:spLocks noGrp="1"/>
           </p:cNvSpPr>
@@ -2072,13 +2012,7 @@
       </p:sp>
       <p:sp>
         <p:nvSpPr>
-          <p:cNvPr id="6" name="灯片编号占位符 5">
-            <a:extLst>
-              <a:ext uri="{FF2B5EF4-FFF2-40B4-BE49-F238E27FC236}">
-                <a16:creationId xmlns:a16="http://schemas.microsoft.com/office/drawing/2014/main" id="{6C68C253-3B59-4648-9B20-4AECBB99E498}"/>
-              </a:ext>
-            </a:extLst>
-          </p:cNvPr>
+          <p:cNvPr id="6" name="幻灯片编号占位符 5"/>
           <p:cNvSpPr>
             <a:spLocks noGrp="1"/>
           </p:cNvSpPr>
@@ -2102,13 +2036,141 @@
     </p:spTree>
     <p:extLst>
       <p:ext uri="{BB962C8B-B14F-4D97-AF65-F5344CB8AC3E}">
-        <p14:creationId xmlns:p14="http://schemas.microsoft.com/office/powerpoint/2010/main" val="968654330"/>
+        <p14:creationId xmlns:p14="http://schemas.microsoft.com/office/powerpoint/2010/main" val="1521780794"/>
       </p:ext>
     </p:extLst>
   </p:cSld>
   <p:clrMapOvr>
     <a:masterClrMapping/>
   </p:clrMapOvr>
+  <p:timing>
+    <p:tnLst>
+      <p:par>
+        <p:cTn id="1" dur="indefinite" restart="never" nodeType="tmRoot"/>
+      </p:par>
+    </p:tnLst>
+  </p:timing>
+</p:sldLayout>
+</file>
+
+<file path=ppt/slideLayouts/slideLayout12.xml><?xml version="1.0" encoding="utf-8"?>
+<p:sldLayout xmlns:a="http://schemas.openxmlformats.org/drawingml/2006/main" xmlns:r="http://schemas.openxmlformats.org/officeDocument/2006/relationships" xmlns:p="http://schemas.openxmlformats.org/presentationml/2006/main">
+  <p:cSld name="123级标题">
+    <p:spTree>
+      <p:nvGrpSpPr>
+        <p:cNvPr id="1" name=""/>
+        <p:cNvGrpSpPr/>
+        <p:nvPr/>
+      </p:nvGrpSpPr>
+      <p:grpSpPr>
+        <a:xfrm>
+          <a:off x="0" y="0"/>
+          <a:ext cx="0" cy="0"/>
+          <a:chOff x="0" y="0"/>
+          <a:chExt cx="0" cy="0"/>
+        </a:xfrm>
+      </p:grpSpPr>
+      <p:sp>
+        <p:nvSpPr>
+          <p:cNvPr id="2" name="标题 1"/>
+          <p:cNvSpPr>
+            <a:spLocks noGrp="1"/>
+          </p:cNvSpPr>
+          <p:nvPr>
+            <p:ph type="title"/>
+          </p:nvPr>
+        </p:nvSpPr>
+        <p:spPr>
+          <a:xfrm>
+            <a:off x="609600" y="274639"/>
+            <a:ext cx="10972800" cy="677844"/>
+          </a:xfrm>
+          <a:prstGeom prst="rect">
+            <a:avLst/>
+          </a:prstGeom>
+        </p:spPr>
+        <p:txBody>
+          <a:bodyPr/>
+          <a:lstStyle>
+            <a:lvl1pPr>
+              <a:defRPr sz="4000" b="1">
+                <a:solidFill>
+                  <a:srgbClr val="11576A"/>
+                </a:solidFill>
+                <a:latin typeface="微软雅黑" pitchFamily="34" charset="-122"/>
+                <a:ea typeface="微软雅黑" pitchFamily="34" charset="-122"/>
+              </a:defRPr>
+            </a:lvl1pPr>
+          </a:lstStyle>
+          <a:p>
+            <a:r>
+              <a:rPr lang="zh-CN" altLang="en-US" smtClean="0"/>
+              <a:t>单击此处编辑母版标题样式</a:t>
+            </a:r>
+            <a:endParaRPr lang="zh-CN" altLang="en-US" dirty="0"/>
+          </a:p>
+        </p:txBody>
+      </p:sp>
+    </p:spTree>
+    <p:extLst>
+      <p:ext uri="{BB962C8B-B14F-4D97-AF65-F5344CB8AC3E}">
+        <p14:creationId xmlns:p14="http://schemas.microsoft.com/office/powerpoint/2010/main" val="39568988"/>
+      </p:ext>
+    </p:extLst>
+  </p:cSld>
+  <p:clrMapOvr>
+    <a:masterClrMapping/>
+  </p:clrMapOvr>
+  <p:transition>
+    <p:wipe dir="r"/>
+  </p:transition>
+  <p:timing>
+    <p:tnLst>
+      <p:par>
+        <p:cTn id="1" dur="indefinite" restart="never" nodeType="tmRoot"/>
+      </p:par>
+    </p:tnLst>
+  </p:timing>
+</p:sldLayout>
+</file>
+
+<file path=ppt/slideLayouts/slideLayout13.xml><?xml version="1.0" encoding="utf-8"?>
+<p:sldLayout xmlns:a="http://schemas.openxmlformats.org/drawingml/2006/main" xmlns:r="http://schemas.openxmlformats.org/officeDocument/2006/relationships" xmlns:p="http://schemas.openxmlformats.org/presentationml/2006/main" preserve="1">
+  <p:cSld name="自定义版式">
+    <p:spTree>
+      <p:nvGrpSpPr>
+        <p:cNvPr id="1" name=""/>
+        <p:cNvGrpSpPr/>
+        <p:nvPr/>
+      </p:nvGrpSpPr>
+      <p:grpSpPr>
+        <a:xfrm>
+          <a:off x="0" y="0"/>
+          <a:ext cx="0" cy="0"/>
+          <a:chOff x="0" y="0"/>
+          <a:chExt cx="0" cy="0"/>
+        </a:xfrm>
+      </p:grpSpPr>
+    </p:spTree>
+    <p:extLst>
+      <p:ext uri="{BB962C8B-B14F-4D97-AF65-F5344CB8AC3E}">
+        <p14:creationId xmlns:p14="http://schemas.microsoft.com/office/powerpoint/2010/main" val="1463534393"/>
+      </p:ext>
+    </p:extLst>
+  </p:cSld>
+  <p:clrMapOvr>
+    <a:masterClrMapping/>
+  </p:clrMapOvr>
+  <p:transition>
+    <p:wipe dir="r"/>
+  </p:transition>
+  <p:timing>
+    <p:tnLst>
+      <p:par>
+        <p:cTn id="1" dur="indefinite" restart="never" nodeType="tmRoot"/>
+      </p:par>
+    </p:tnLst>
+  </p:timing>
 </p:sldLayout>
 </file>
 
@@ -2131,18 +2193,188 @@
       </p:grpSpPr>
       <p:sp>
         <p:nvSpPr>
-          <p:cNvPr id="2" name="标题 1">
-            <a:extLst>
-              <a:ext uri="{FF2B5EF4-FFF2-40B4-BE49-F238E27FC236}">
-                <a16:creationId xmlns:a16="http://schemas.microsoft.com/office/drawing/2014/main" id="{9DB4E23E-1336-4210-9213-0AC1E4A56479}"/>
-              </a:ext>
-            </a:extLst>
-          </p:cNvPr>
+          <p:cNvPr id="2" name="标题 1"/>
           <p:cNvSpPr>
             <a:spLocks noGrp="1"/>
           </p:cNvSpPr>
           <p:nvPr>
             <p:ph type="title"/>
+          </p:nvPr>
+        </p:nvSpPr>
+        <p:spPr>
+          <a:xfrm>
+            <a:off x="838200" y="365126"/>
+            <a:ext cx="10515600" cy="645528"/>
+          </a:xfrm>
+        </p:spPr>
+        <p:txBody>
+          <a:bodyPr>
+            <a:normAutofit/>
+          </a:bodyPr>
+          <a:lstStyle>
+            <a:lvl1pPr algn="ctr">
+              <a:defRPr lang="zh-CN" altLang="en-US" sz="4000" b="1" kern="1200" dirty="0">
+                <a:solidFill>
+                  <a:srgbClr val="11576A"/>
+                </a:solidFill>
+                <a:latin typeface="微软雅黑" pitchFamily="34" charset="-122"/>
+                <a:ea typeface="微软雅黑" pitchFamily="34" charset="-122"/>
+                <a:cs typeface="+mn-cs"/>
+              </a:defRPr>
+            </a:lvl1pPr>
+          </a:lstStyle>
+          <a:p>
+            <a:r>
+              <a:rPr kumimoji="1" lang="zh-CN" altLang="en-US" dirty="0" smtClean="0"/>
+              <a:t>单击此处编辑母版标题样式</a:t>
+            </a:r>
+            <a:endParaRPr kumimoji="1" lang="zh-CN" altLang="en-US" dirty="0"/>
+          </a:p>
+        </p:txBody>
+      </p:sp>
+      <p:sp>
+        <p:nvSpPr>
+          <p:cNvPr id="3" name="内容占位符 2"/>
+          <p:cNvSpPr>
+            <a:spLocks noGrp="1"/>
+          </p:cNvSpPr>
+          <p:nvPr>
+            <p:ph idx="1"/>
+          </p:nvPr>
+        </p:nvSpPr>
+        <p:spPr>
+          <a:xfrm>
+            <a:off x="838200" y="1392491"/>
+            <a:ext cx="10515600" cy="4743614"/>
+          </a:xfrm>
+        </p:spPr>
+        <p:txBody>
+          <a:bodyPr>
+            <a:normAutofit/>
+          </a:bodyPr>
+          <a:lstStyle>
+            <a:lvl1pPr marL="228594" indent="-228594">
+              <a:lnSpc>
+                <a:spcPct val="125000"/>
+              </a:lnSpc>
+              <a:buFont typeface="Wingdings" charset="2"/>
+              <a:buChar char="n"/>
+              <a:defRPr lang="zh-CN" altLang="en-US" sz="3600" b="1" kern="1200" baseline="0" dirty="0" smtClean="0">
+                <a:solidFill>
+                  <a:srgbClr val="11576A"/>
+                </a:solidFill>
+                <a:latin typeface="微软雅黑" pitchFamily="34" charset="-122"/>
+                <a:ea typeface="微软雅黑" pitchFamily="34" charset="-122"/>
+                <a:cs typeface="+mn-cs"/>
+              </a:defRPr>
+            </a:lvl1pPr>
+            <a:lvl2pPr marL="685783" indent="-228594">
+              <a:lnSpc>
+                <a:spcPct val="125000"/>
+              </a:lnSpc>
+              <a:buFont typeface="Wingdings" charset="2"/>
+              <a:buChar char="n"/>
+              <a:defRPr lang="zh-CN" altLang="en-US" sz="3200" b="1" kern="1200" baseline="0" dirty="0" smtClean="0">
+                <a:solidFill>
+                  <a:srgbClr val="11576A"/>
+                </a:solidFill>
+                <a:latin typeface="微软雅黑" pitchFamily="34" charset="-122"/>
+                <a:ea typeface="微软雅黑" pitchFamily="34" charset="-122"/>
+                <a:cs typeface="+mn-cs"/>
+              </a:defRPr>
+            </a:lvl2pPr>
+            <a:lvl3pPr marL="1142971" indent="-228594">
+              <a:lnSpc>
+                <a:spcPct val="125000"/>
+              </a:lnSpc>
+              <a:buFont typeface="Wingdings" charset="2"/>
+              <a:buChar char="n"/>
+              <a:defRPr lang="zh-CN" altLang="en-US" sz="2800" b="1" kern="1200" baseline="0" dirty="0" smtClean="0">
+                <a:solidFill>
+                  <a:srgbClr val="11576A"/>
+                </a:solidFill>
+                <a:latin typeface="微软雅黑" pitchFamily="34" charset="-122"/>
+                <a:ea typeface="微软雅黑" pitchFamily="34" charset="-122"/>
+                <a:cs typeface="+mn-cs"/>
+              </a:defRPr>
+            </a:lvl3pPr>
+            <a:lvl4pPr marL="1600160" indent="-228594">
+              <a:lnSpc>
+                <a:spcPct val="125000"/>
+              </a:lnSpc>
+              <a:buFont typeface="Wingdings" charset="2"/>
+              <a:buChar char="n"/>
+              <a:defRPr lang="zh-CN" altLang="en-US" sz="2400" b="1" kern="1200" baseline="0" dirty="0" smtClean="0">
+                <a:solidFill>
+                  <a:srgbClr val="11576A"/>
+                </a:solidFill>
+                <a:latin typeface="微软雅黑" pitchFamily="34" charset="-122"/>
+                <a:ea typeface="微软雅黑" pitchFamily="34" charset="-122"/>
+                <a:cs typeface="+mn-cs"/>
+              </a:defRPr>
+            </a:lvl4pPr>
+            <a:lvl5pPr marL="2057349" indent="-228594">
+              <a:lnSpc>
+                <a:spcPct val="125000"/>
+              </a:lnSpc>
+              <a:buFont typeface="Wingdings" charset="2"/>
+              <a:buChar char="n"/>
+              <a:defRPr lang="zh-CN" altLang="en-US" sz="2000" b="1" kern="1200" baseline="0" dirty="0">
+                <a:solidFill>
+                  <a:srgbClr val="11576A"/>
+                </a:solidFill>
+                <a:latin typeface="微软雅黑" pitchFamily="34" charset="-122"/>
+                <a:ea typeface="微软雅黑" pitchFamily="34" charset="-122"/>
+                <a:cs typeface="+mn-cs"/>
+              </a:defRPr>
+            </a:lvl5pPr>
+          </a:lstStyle>
+          <a:p>
+            <a:pPr lvl="0"/>
+            <a:r>
+              <a:rPr kumimoji="1" lang="zh-CN" altLang="en-US" dirty="0" smtClean="0"/>
+              <a:t>单击此处编辑母版文本样式</a:t>
+            </a:r>
+          </a:p>
+          <a:p>
+            <a:pPr lvl="1"/>
+            <a:r>
+              <a:rPr kumimoji="1" lang="zh-CN" altLang="en-US" dirty="0" smtClean="0"/>
+              <a:t>二级</a:t>
+            </a:r>
+          </a:p>
+          <a:p>
+            <a:pPr lvl="2"/>
+            <a:r>
+              <a:rPr kumimoji="1" lang="zh-CN" altLang="en-US" dirty="0" smtClean="0"/>
+              <a:t>三级</a:t>
+            </a:r>
+          </a:p>
+          <a:p>
+            <a:pPr lvl="3"/>
+            <a:r>
+              <a:rPr kumimoji="1" lang="zh-CN" altLang="en-US" dirty="0" smtClean="0"/>
+              <a:t>四级</a:t>
+            </a:r>
+          </a:p>
+          <a:p>
+            <a:pPr lvl="4"/>
+            <a:r>
+              <a:rPr kumimoji="1" lang="zh-CN" altLang="en-US" dirty="0" smtClean="0"/>
+              <a:t>五级</a:t>
+            </a:r>
+            <a:endParaRPr kumimoji="1" lang="zh-CN" altLang="en-US" dirty="0"/>
+          </a:p>
+        </p:txBody>
+      </p:sp>
+      <p:sp>
+        <p:nvSpPr>
+          <p:cNvPr id="4" name="日期占位符 3"/>
+          <p:cNvSpPr>
+            <a:spLocks noGrp="1"/>
+          </p:cNvSpPr>
+          <p:nvPr>
+            <p:ph type="dt" sz="half" idx="10"/>
           </p:nvPr>
         </p:nvSpPr>
         <p:spPr/>
@@ -2150,27 +2382,22 @@
           <a:bodyPr/>
           <a:lstStyle/>
           <a:p>
-            <a:r>
-              <a:rPr lang="zh-CN" altLang="en-US"/>
-              <a:t>单击此处编辑母版标题样式</a:t>
-            </a:r>
-          </a:p>
-        </p:txBody>
-      </p:sp>
-      <p:sp>
-        <p:nvSpPr>
-          <p:cNvPr id="3" name="内容占位符 2">
-            <a:extLst>
-              <a:ext uri="{FF2B5EF4-FFF2-40B4-BE49-F238E27FC236}">
-                <a16:creationId xmlns:a16="http://schemas.microsoft.com/office/drawing/2014/main" id="{8F92668A-2BF8-4D54-87EA-2F55700E1551}"/>
-              </a:ext>
-            </a:extLst>
-          </p:cNvPr>
-          <p:cNvSpPr>
-            <a:spLocks noGrp="1"/>
-          </p:cNvSpPr>
-          <p:nvPr>
-            <p:ph idx="1"/>
+            <a:fld id="{9ED90016-FE2B-4C93-AEF3-0E4E12969ECA}" type="datetimeFigureOut">
+              <a:rPr lang="zh-CN" altLang="en-US" smtClean="0"/>
+              <a:t>18/4/12</a:t>
+            </a:fld>
+            <a:endParaRPr lang="zh-CN" altLang="en-US"/>
+          </a:p>
+        </p:txBody>
+      </p:sp>
+      <p:sp>
+        <p:nvSpPr>
+          <p:cNvPr id="5" name="页脚占位符 4"/>
+          <p:cNvSpPr>
+            <a:spLocks noGrp="1"/>
+          </p:cNvSpPr>
+          <p:nvPr>
+            <p:ph type="ftr" sz="quarter" idx="11"/>
           </p:nvPr>
         </p:nvSpPr>
         <p:spPr/>
@@ -2178,105 +2405,13 @@
           <a:bodyPr/>
           <a:lstStyle/>
           <a:p>
-            <a:pPr lvl="0"/>
-            <a:r>
-              <a:rPr lang="zh-CN" altLang="en-US"/>
-              <a:t>编辑母版文本样式</a:t>
-            </a:r>
-          </a:p>
-          <a:p>
-            <a:pPr lvl="1"/>
-            <a:r>
-              <a:rPr lang="zh-CN" altLang="en-US"/>
-              <a:t>第二级</a:t>
-            </a:r>
-          </a:p>
-          <a:p>
-            <a:pPr lvl="2"/>
-            <a:r>
-              <a:rPr lang="zh-CN" altLang="en-US"/>
-              <a:t>第三级</a:t>
-            </a:r>
-          </a:p>
-          <a:p>
-            <a:pPr lvl="3"/>
-            <a:r>
-              <a:rPr lang="zh-CN" altLang="en-US"/>
-              <a:t>第四级</a:t>
-            </a:r>
-          </a:p>
-          <a:p>
-            <a:pPr lvl="4"/>
-            <a:r>
-              <a:rPr lang="zh-CN" altLang="en-US"/>
-              <a:t>第五级</a:t>
-            </a:r>
-          </a:p>
-        </p:txBody>
-      </p:sp>
-      <p:sp>
-        <p:nvSpPr>
-          <p:cNvPr id="4" name="日期占位符 3">
-            <a:extLst>
-              <a:ext uri="{FF2B5EF4-FFF2-40B4-BE49-F238E27FC236}">
-                <a16:creationId xmlns:a16="http://schemas.microsoft.com/office/drawing/2014/main" id="{73CF5B48-60F3-499F-B88E-800DC2FCE983}"/>
-              </a:ext>
-            </a:extLst>
-          </p:cNvPr>
-          <p:cNvSpPr>
-            <a:spLocks noGrp="1"/>
-          </p:cNvSpPr>
-          <p:nvPr>
-            <p:ph type="dt" sz="half" idx="10"/>
-          </p:nvPr>
-        </p:nvSpPr>
-        <p:spPr/>
-        <p:txBody>
-          <a:bodyPr/>
-          <a:lstStyle/>
-          <a:p>
-            <a:fld id="{9ED90016-FE2B-4C93-AEF3-0E4E12969ECA}" type="datetimeFigureOut">
-              <a:rPr lang="zh-CN" altLang="en-US" smtClean="0"/>
-              <a:t>2018/4/12</a:t>
-            </a:fld>
             <a:endParaRPr lang="zh-CN" altLang="en-US"/>
           </a:p>
         </p:txBody>
       </p:sp>
       <p:sp>
         <p:nvSpPr>
-          <p:cNvPr id="5" name="页脚占位符 4">
-            <a:extLst>
-              <a:ext uri="{FF2B5EF4-FFF2-40B4-BE49-F238E27FC236}">
-                <a16:creationId xmlns:a16="http://schemas.microsoft.com/office/drawing/2014/main" id="{6C294EFA-964B-4DD9-86AC-04080F1DDD85}"/>
-              </a:ext>
-            </a:extLst>
-          </p:cNvPr>
-          <p:cNvSpPr>
-            <a:spLocks noGrp="1"/>
-          </p:cNvSpPr>
-          <p:nvPr>
-            <p:ph type="ftr" sz="quarter" idx="11"/>
-          </p:nvPr>
-        </p:nvSpPr>
-        <p:spPr/>
-        <p:txBody>
-          <a:bodyPr/>
-          <a:lstStyle/>
-          <a:p>
-            <a:endParaRPr lang="zh-CN" altLang="en-US"/>
-          </a:p>
-        </p:txBody>
-      </p:sp>
-      <p:sp>
-        <p:nvSpPr>
-          <p:cNvPr id="6" name="灯片编号占位符 5">
-            <a:extLst>
-              <a:ext uri="{FF2B5EF4-FFF2-40B4-BE49-F238E27FC236}">
-                <a16:creationId xmlns:a16="http://schemas.microsoft.com/office/drawing/2014/main" id="{8529F8F5-6FE7-4CBF-88EA-6161B0C2C863}"/>
-              </a:ext>
-            </a:extLst>
-          </p:cNvPr>
+          <p:cNvPr id="6" name="幻灯片编号占位符 5"/>
           <p:cNvSpPr>
             <a:spLocks noGrp="1"/>
           </p:cNvSpPr>
@@ -2300,13 +2435,20 @@
     </p:spTree>
     <p:extLst>
       <p:ext uri="{BB962C8B-B14F-4D97-AF65-F5344CB8AC3E}">
-        <p14:creationId xmlns:p14="http://schemas.microsoft.com/office/powerpoint/2010/main" val="915218971"/>
+        <p14:creationId xmlns:p14="http://schemas.microsoft.com/office/powerpoint/2010/main" val="1213771995"/>
       </p:ext>
     </p:extLst>
   </p:cSld>
   <p:clrMapOvr>
     <a:masterClrMapping/>
   </p:clrMapOvr>
+  <p:timing>
+    <p:tnLst>
+      <p:par>
+        <p:cTn id="1" dur="indefinite" restart="never" nodeType="tmRoot"/>
+      </p:par>
+    </p:tnLst>
+  </p:timing>
 </p:sldLayout>
 </file>
 
@@ -2329,13 +2471,7 @@
       </p:grpSpPr>
       <p:sp>
         <p:nvSpPr>
-          <p:cNvPr id="2" name="标题 1">
-            <a:extLst>
-              <a:ext uri="{FF2B5EF4-FFF2-40B4-BE49-F238E27FC236}">
-                <a16:creationId xmlns:a16="http://schemas.microsoft.com/office/drawing/2014/main" id="{F5B0BD0F-A7DA-4E13-B54C-118005C79BA0}"/>
-              </a:ext>
-            </a:extLst>
-          </p:cNvPr>
+          <p:cNvPr id="2" name="标题 1"/>
           <p:cNvSpPr>
             <a:spLocks noGrp="1"/>
           </p:cNvSpPr>
@@ -2345,7 +2481,7 @@
         </p:nvSpPr>
         <p:spPr>
           <a:xfrm>
-            <a:off x="831850" y="1709738"/>
+            <a:off x="831851" y="1709740"/>
             <a:ext cx="10515600" cy="2852737"/>
           </a:xfrm>
         </p:spPr>
@@ -2358,21 +2494,16 @@
           </a:lstStyle>
           <a:p>
             <a:r>
-              <a:rPr lang="zh-CN" altLang="en-US"/>
+              <a:rPr kumimoji="1" lang="zh-CN" altLang="en-US" smtClean="0"/>
               <a:t>单击此处编辑母版标题样式</a:t>
             </a:r>
-          </a:p>
-        </p:txBody>
-      </p:sp>
-      <p:sp>
-        <p:nvSpPr>
-          <p:cNvPr id="3" name="文本占位符 2">
-            <a:extLst>
-              <a:ext uri="{FF2B5EF4-FFF2-40B4-BE49-F238E27FC236}">
-                <a16:creationId xmlns:a16="http://schemas.microsoft.com/office/drawing/2014/main" id="{493C03AC-3EFF-4166-9E15-3A93883E0E90}"/>
-              </a:ext>
-            </a:extLst>
-          </p:cNvPr>
+            <a:endParaRPr kumimoji="1" lang="zh-CN" altLang="en-US"/>
+          </a:p>
+        </p:txBody>
+      </p:sp>
+      <p:sp>
+        <p:nvSpPr>
+          <p:cNvPr id="3" name="文本占位符 2"/>
           <p:cNvSpPr>
             <a:spLocks noGrp="1"/>
           </p:cNvSpPr>
@@ -2382,7 +2513,7 @@
         </p:nvSpPr>
         <p:spPr>
           <a:xfrm>
-            <a:off x="831850" y="4589463"/>
+            <a:off x="831851" y="4589464"/>
             <a:ext cx="10515600" cy="1500187"/>
           </a:xfrm>
         </p:spPr>
@@ -2399,7 +2530,7 @@
                 </a:solidFill>
               </a:defRPr>
             </a:lvl1pPr>
-            <a:lvl2pPr marL="457200" indent="0">
+            <a:lvl2pPr marL="457189" indent="0">
               <a:buNone/>
               <a:defRPr sz="2000">
                 <a:solidFill>
@@ -2409,7 +2540,7 @@
                 </a:solidFill>
               </a:defRPr>
             </a:lvl2pPr>
-            <a:lvl3pPr marL="914400" indent="0">
+            <a:lvl3pPr marL="914377" indent="0">
               <a:buNone/>
               <a:defRPr sz="1800">
                 <a:solidFill>
@@ -2419,7 +2550,7 @@
                 </a:solidFill>
               </a:defRPr>
             </a:lvl3pPr>
-            <a:lvl4pPr marL="1371600" indent="0">
+            <a:lvl4pPr marL="1371566" indent="0">
               <a:buNone/>
               <a:defRPr sz="1600">
                 <a:solidFill>
@@ -2429,7 +2560,7 @@
                 </a:solidFill>
               </a:defRPr>
             </a:lvl4pPr>
-            <a:lvl5pPr marL="1828800" indent="0">
+            <a:lvl5pPr marL="1828754" indent="0">
               <a:buNone/>
               <a:defRPr sz="1600">
                 <a:solidFill>
@@ -2439,7 +2570,7 @@
                 </a:solidFill>
               </a:defRPr>
             </a:lvl5pPr>
-            <a:lvl6pPr marL="2286000" indent="0">
+            <a:lvl6pPr marL="2285943" indent="0">
               <a:buNone/>
               <a:defRPr sz="1600">
                 <a:solidFill>
@@ -2449,7 +2580,7 @@
                 </a:solidFill>
               </a:defRPr>
             </a:lvl6pPr>
-            <a:lvl7pPr marL="2743200" indent="0">
+            <a:lvl7pPr marL="2743131" indent="0">
               <a:buNone/>
               <a:defRPr sz="1600">
                 <a:solidFill>
@@ -2459,7 +2590,7 @@
                 </a:solidFill>
               </a:defRPr>
             </a:lvl7pPr>
-            <a:lvl8pPr marL="3200400" indent="0">
+            <a:lvl8pPr marL="3200320" indent="0">
               <a:buNone/>
               <a:defRPr sz="1600">
                 <a:solidFill>
@@ -2469,7 +2600,7 @@
                 </a:solidFill>
               </a:defRPr>
             </a:lvl8pPr>
-            <a:lvl9pPr marL="3657600" indent="0">
+            <a:lvl9pPr marL="3657509" indent="0">
               <a:buNone/>
               <a:defRPr sz="1600">
                 <a:solidFill>
@@ -2483,21 +2614,15 @@
           <a:p>
             <a:pPr lvl="0"/>
             <a:r>
-              <a:rPr lang="zh-CN" altLang="en-US"/>
-              <a:t>编辑母版文本样式</a:t>
-            </a:r>
-          </a:p>
-        </p:txBody>
-      </p:sp>
-      <p:sp>
-        <p:nvSpPr>
-          <p:cNvPr id="4" name="日期占位符 3">
-            <a:extLst>
-              <a:ext uri="{FF2B5EF4-FFF2-40B4-BE49-F238E27FC236}">
-                <a16:creationId xmlns:a16="http://schemas.microsoft.com/office/drawing/2014/main" id="{6027CB64-D4D3-4748-92FD-CDD96703C217}"/>
-              </a:ext>
-            </a:extLst>
-          </p:cNvPr>
+              <a:rPr kumimoji="1" lang="zh-CN" altLang="en-US" smtClean="0"/>
+              <a:t>单击此处编辑母版文本样式</a:t>
+            </a:r>
+          </a:p>
+        </p:txBody>
+      </p:sp>
+      <p:sp>
+        <p:nvSpPr>
+          <p:cNvPr id="4" name="日期占位符 3"/>
           <p:cNvSpPr>
             <a:spLocks noGrp="1"/>
           </p:cNvSpPr>
@@ -2512,7 +2637,7 @@
           <a:p>
             <a:fld id="{9ED90016-FE2B-4C93-AEF3-0E4E12969ECA}" type="datetimeFigureOut">
               <a:rPr lang="zh-CN" altLang="en-US" smtClean="0"/>
-              <a:t>2018/4/12</a:t>
+              <a:t>18/4/12</a:t>
             </a:fld>
             <a:endParaRPr lang="zh-CN" altLang="en-US"/>
           </a:p>
@@ -2520,13 +2645,7 @@
       </p:sp>
       <p:sp>
         <p:nvSpPr>
-          <p:cNvPr id="5" name="页脚占位符 4">
-            <a:extLst>
-              <a:ext uri="{FF2B5EF4-FFF2-40B4-BE49-F238E27FC236}">
-                <a16:creationId xmlns:a16="http://schemas.microsoft.com/office/drawing/2014/main" id="{929E6F0D-A95B-4D1A-969D-4B29DC771D48}"/>
-              </a:ext>
-            </a:extLst>
-          </p:cNvPr>
+          <p:cNvPr id="5" name="页脚占位符 4"/>
           <p:cNvSpPr>
             <a:spLocks noGrp="1"/>
           </p:cNvSpPr>
@@ -2545,13 +2664,7 @@
       </p:sp>
       <p:sp>
         <p:nvSpPr>
-          <p:cNvPr id="6" name="灯片编号占位符 5">
-            <a:extLst>
-              <a:ext uri="{FF2B5EF4-FFF2-40B4-BE49-F238E27FC236}">
-                <a16:creationId xmlns:a16="http://schemas.microsoft.com/office/drawing/2014/main" id="{7648DC13-B357-4046-B79C-EBBD3E9486E7}"/>
-              </a:ext>
-            </a:extLst>
-          </p:cNvPr>
+          <p:cNvPr id="6" name="幻灯片编号占位符 5"/>
           <p:cNvSpPr>
             <a:spLocks noGrp="1"/>
           </p:cNvSpPr>
@@ -2575,19 +2688,26 @@
     </p:spTree>
     <p:extLst>
       <p:ext uri="{BB962C8B-B14F-4D97-AF65-F5344CB8AC3E}">
-        <p14:creationId xmlns:p14="http://schemas.microsoft.com/office/powerpoint/2010/main" val="3937970733"/>
+        <p14:creationId xmlns:p14="http://schemas.microsoft.com/office/powerpoint/2010/main" val="918757112"/>
       </p:ext>
     </p:extLst>
   </p:cSld>
   <p:clrMapOvr>
     <a:masterClrMapping/>
   </p:clrMapOvr>
+  <p:timing>
+    <p:tnLst>
+      <p:par>
+        <p:cTn id="1" dur="indefinite" restart="never" nodeType="tmRoot"/>
+      </p:par>
+    </p:tnLst>
+  </p:timing>
 </p:sldLayout>
 </file>
 
 <file path=ppt/slideLayouts/slideLayout4.xml><?xml version="1.0" encoding="utf-8"?>
 <p:sldLayout xmlns:a="http://schemas.openxmlformats.org/drawingml/2006/main" xmlns:r="http://schemas.openxmlformats.org/officeDocument/2006/relationships" xmlns:p="http://schemas.openxmlformats.org/presentationml/2006/main" type="twoObj" preserve="1">
-  <p:cSld name="两栏内容">
+  <p:cSld name="两项内容">
     <p:spTree>
       <p:nvGrpSpPr>
         <p:cNvPr id="1" name=""/>
@@ -2604,13 +2724,7 @@
       </p:grpSpPr>
       <p:sp>
         <p:nvSpPr>
-          <p:cNvPr id="2" name="标题 1">
-            <a:extLst>
-              <a:ext uri="{FF2B5EF4-FFF2-40B4-BE49-F238E27FC236}">
-                <a16:creationId xmlns:a16="http://schemas.microsoft.com/office/drawing/2014/main" id="{1B362940-17DA-4B94-8182-81726EF3923E}"/>
-              </a:ext>
-            </a:extLst>
-          </p:cNvPr>
+          <p:cNvPr id="2" name="标题 1"/>
           <p:cNvSpPr>
             <a:spLocks noGrp="1"/>
           </p:cNvSpPr>
@@ -2624,21 +2738,16 @@
           <a:lstStyle/>
           <a:p>
             <a:r>
-              <a:rPr lang="zh-CN" altLang="en-US"/>
+              <a:rPr kumimoji="1" lang="zh-CN" altLang="en-US" smtClean="0"/>
               <a:t>单击此处编辑母版标题样式</a:t>
             </a:r>
-          </a:p>
-        </p:txBody>
-      </p:sp>
-      <p:sp>
-        <p:nvSpPr>
-          <p:cNvPr id="3" name="内容占位符 2">
-            <a:extLst>
-              <a:ext uri="{FF2B5EF4-FFF2-40B4-BE49-F238E27FC236}">
-                <a16:creationId xmlns:a16="http://schemas.microsoft.com/office/drawing/2014/main" id="{7A6E14EF-8A33-4D68-98CB-029279EC7B46}"/>
-              </a:ext>
-            </a:extLst>
-          </p:cNvPr>
+            <a:endParaRPr kumimoji="1" lang="zh-CN" altLang="en-US"/>
+          </a:p>
+        </p:txBody>
+      </p:sp>
+      <p:sp>
+        <p:nvSpPr>
+          <p:cNvPr id="3" name="内容占位符 2"/>
           <p:cNvSpPr>
             <a:spLocks noGrp="1"/>
           </p:cNvSpPr>
@@ -2649,7 +2758,7 @@
         <p:spPr>
           <a:xfrm>
             <a:off x="838200" y="1825625"/>
-            <a:ext cx="5181600" cy="4351338"/>
+            <a:ext cx="5181600" cy="4351339"/>
           </a:xfrm>
         </p:spPr>
         <p:txBody>
@@ -2658,49 +2767,44 @@
           <a:p>
             <a:pPr lvl="0"/>
             <a:r>
-              <a:rPr lang="zh-CN" altLang="en-US"/>
-              <a:t>编辑母版文本样式</a:t>
+              <a:rPr kumimoji="1" lang="zh-CN" altLang="en-US" smtClean="0"/>
+              <a:t>单击此处编辑母版文本样式</a:t>
             </a:r>
           </a:p>
           <a:p>
             <a:pPr lvl="1"/>
             <a:r>
-              <a:rPr lang="zh-CN" altLang="en-US"/>
-              <a:t>第二级</a:t>
+              <a:rPr kumimoji="1" lang="zh-CN" altLang="en-US" smtClean="0"/>
+              <a:t>二级</a:t>
             </a:r>
           </a:p>
           <a:p>
             <a:pPr lvl="2"/>
             <a:r>
-              <a:rPr lang="zh-CN" altLang="en-US"/>
-              <a:t>第三级</a:t>
+              <a:rPr kumimoji="1" lang="zh-CN" altLang="en-US" smtClean="0"/>
+              <a:t>三级</a:t>
             </a:r>
           </a:p>
           <a:p>
             <a:pPr lvl="3"/>
             <a:r>
-              <a:rPr lang="zh-CN" altLang="en-US"/>
-              <a:t>第四级</a:t>
+              <a:rPr kumimoji="1" lang="zh-CN" altLang="en-US" smtClean="0"/>
+              <a:t>四级</a:t>
             </a:r>
           </a:p>
           <a:p>
             <a:pPr lvl="4"/>
             <a:r>
-              <a:rPr lang="zh-CN" altLang="en-US"/>
-              <a:t>第五级</a:t>
-            </a:r>
-          </a:p>
-        </p:txBody>
-      </p:sp>
-      <p:sp>
-        <p:nvSpPr>
-          <p:cNvPr id="4" name="内容占位符 3">
-            <a:extLst>
-              <a:ext uri="{FF2B5EF4-FFF2-40B4-BE49-F238E27FC236}">
-                <a16:creationId xmlns:a16="http://schemas.microsoft.com/office/drawing/2014/main" id="{B2C822A7-1659-470E-9AF1-CB8317DCD11B}"/>
-              </a:ext>
-            </a:extLst>
-          </p:cNvPr>
+              <a:rPr kumimoji="1" lang="zh-CN" altLang="en-US" smtClean="0"/>
+              <a:t>五级</a:t>
+            </a:r>
+            <a:endParaRPr kumimoji="1" lang="zh-CN" altLang="en-US"/>
+          </a:p>
+        </p:txBody>
+      </p:sp>
+      <p:sp>
+        <p:nvSpPr>
+          <p:cNvPr id="4" name="内容占位符 3"/>
           <p:cNvSpPr>
             <a:spLocks noGrp="1"/>
           </p:cNvSpPr>
@@ -2711,7 +2815,7 @@
         <p:spPr>
           <a:xfrm>
             <a:off x="6172200" y="1825625"/>
-            <a:ext cx="5181600" cy="4351338"/>
+            <a:ext cx="5181600" cy="4351339"/>
           </a:xfrm>
         </p:spPr>
         <p:txBody>
@@ -2720,49 +2824,44 @@
           <a:p>
             <a:pPr lvl="0"/>
             <a:r>
-              <a:rPr lang="zh-CN" altLang="en-US"/>
-              <a:t>编辑母版文本样式</a:t>
+              <a:rPr kumimoji="1" lang="zh-CN" altLang="en-US" smtClean="0"/>
+              <a:t>单击此处编辑母版文本样式</a:t>
             </a:r>
           </a:p>
           <a:p>
             <a:pPr lvl="1"/>
             <a:r>
-              <a:rPr lang="zh-CN" altLang="en-US"/>
-              <a:t>第二级</a:t>
+              <a:rPr kumimoji="1" lang="zh-CN" altLang="en-US" smtClean="0"/>
+              <a:t>二级</a:t>
             </a:r>
           </a:p>
           <a:p>
             <a:pPr lvl="2"/>
             <a:r>
-              <a:rPr lang="zh-CN" altLang="en-US"/>
-              <a:t>第三级</a:t>
+              <a:rPr kumimoji="1" lang="zh-CN" altLang="en-US" smtClean="0"/>
+              <a:t>三级</a:t>
             </a:r>
           </a:p>
           <a:p>
             <a:pPr lvl="3"/>
             <a:r>
-              <a:rPr lang="zh-CN" altLang="en-US"/>
-              <a:t>第四级</a:t>
+              <a:rPr kumimoji="1" lang="zh-CN" altLang="en-US" smtClean="0"/>
+              <a:t>四级</a:t>
             </a:r>
           </a:p>
           <a:p>
             <a:pPr lvl="4"/>
             <a:r>
-              <a:rPr lang="zh-CN" altLang="en-US"/>
-              <a:t>第五级</a:t>
-            </a:r>
-          </a:p>
-        </p:txBody>
-      </p:sp>
-      <p:sp>
-        <p:nvSpPr>
-          <p:cNvPr id="5" name="日期占位符 4">
-            <a:extLst>
-              <a:ext uri="{FF2B5EF4-FFF2-40B4-BE49-F238E27FC236}">
-                <a16:creationId xmlns:a16="http://schemas.microsoft.com/office/drawing/2014/main" id="{0439FFA9-6595-4E91-BF94-B9C33199ABE5}"/>
-              </a:ext>
-            </a:extLst>
-          </p:cNvPr>
+              <a:rPr kumimoji="1" lang="zh-CN" altLang="en-US" smtClean="0"/>
+              <a:t>五级</a:t>
+            </a:r>
+            <a:endParaRPr kumimoji="1" lang="zh-CN" altLang="en-US"/>
+          </a:p>
+        </p:txBody>
+      </p:sp>
+      <p:sp>
+        <p:nvSpPr>
+          <p:cNvPr id="5" name="日期占位符 4"/>
           <p:cNvSpPr>
             <a:spLocks noGrp="1"/>
           </p:cNvSpPr>
@@ -2777,7 +2876,7 @@
           <a:p>
             <a:fld id="{9ED90016-FE2B-4C93-AEF3-0E4E12969ECA}" type="datetimeFigureOut">
               <a:rPr lang="zh-CN" altLang="en-US" smtClean="0"/>
-              <a:t>2018/4/12</a:t>
+              <a:t>18/4/12</a:t>
             </a:fld>
             <a:endParaRPr lang="zh-CN" altLang="en-US"/>
           </a:p>
@@ -2785,13 +2884,7 @@
       </p:sp>
       <p:sp>
         <p:nvSpPr>
-          <p:cNvPr id="6" name="页脚占位符 5">
-            <a:extLst>
-              <a:ext uri="{FF2B5EF4-FFF2-40B4-BE49-F238E27FC236}">
-                <a16:creationId xmlns:a16="http://schemas.microsoft.com/office/drawing/2014/main" id="{1774A38E-B16E-4B74-A952-5FA67C7ABA2F}"/>
-              </a:ext>
-            </a:extLst>
-          </p:cNvPr>
+          <p:cNvPr id="6" name="页脚占位符 5"/>
           <p:cNvSpPr>
             <a:spLocks noGrp="1"/>
           </p:cNvSpPr>
@@ -2810,13 +2903,7 @@
       </p:sp>
       <p:sp>
         <p:nvSpPr>
-          <p:cNvPr id="7" name="灯片编号占位符 6">
-            <a:extLst>
-              <a:ext uri="{FF2B5EF4-FFF2-40B4-BE49-F238E27FC236}">
-                <a16:creationId xmlns:a16="http://schemas.microsoft.com/office/drawing/2014/main" id="{FC8E36E6-6FA8-4E8C-9DE8-161F52F9018A}"/>
-              </a:ext>
-            </a:extLst>
-          </p:cNvPr>
+          <p:cNvPr id="7" name="幻灯片编号占位符 6"/>
           <p:cNvSpPr>
             <a:spLocks noGrp="1"/>
           </p:cNvSpPr>
@@ -2840,13 +2927,20 @@
     </p:spTree>
     <p:extLst>
       <p:ext uri="{BB962C8B-B14F-4D97-AF65-F5344CB8AC3E}">
-        <p14:creationId xmlns:p14="http://schemas.microsoft.com/office/powerpoint/2010/main" val="1959155023"/>
+        <p14:creationId xmlns:p14="http://schemas.microsoft.com/office/powerpoint/2010/main" val="1143359454"/>
       </p:ext>
     </p:extLst>
   </p:cSld>
   <p:clrMapOvr>
     <a:masterClrMapping/>
   </p:clrMapOvr>
+  <p:timing>
+    <p:tnLst>
+      <p:par>
+        <p:cTn id="1" dur="indefinite" restart="never" nodeType="tmRoot"/>
+      </p:par>
+    </p:tnLst>
+  </p:timing>
 </p:sldLayout>
 </file>
 
@@ -2869,13 +2963,7 @@
       </p:grpSpPr>
       <p:sp>
         <p:nvSpPr>
-          <p:cNvPr id="2" name="标题 1">
-            <a:extLst>
-              <a:ext uri="{FF2B5EF4-FFF2-40B4-BE49-F238E27FC236}">
-                <a16:creationId xmlns:a16="http://schemas.microsoft.com/office/drawing/2014/main" id="{0364908D-BBB6-4874-B6D3-3FE7D4E9D87E}"/>
-              </a:ext>
-            </a:extLst>
-          </p:cNvPr>
+          <p:cNvPr id="2" name="标题 1"/>
           <p:cNvSpPr>
             <a:spLocks noGrp="1"/>
           </p:cNvSpPr>
@@ -2894,21 +2982,16 @@
           <a:lstStyle/>
           <a:p>
             <a:r>
-              <a:rPr lang="zh-CN" altLang="en-US"/>
+              <a:rPr kumimoji="1" lang="zh-CN" altLang="en-US" smtClean="0"/>
               <a:t>单击此处编辑母版标题样式</a:t>
             </a:r>
-          </a:p>
-        </p:txBody>
-      </p:sp>
-      <p:sp>
-        <p:nvSpPr>
-          <p:cNvPr id="3" name="文本占位符 2">
-            <a:extLst>
-              <a:ext uri="{FF2B5EF4-FFF2-40B4-BE49-F238E27FC236}">
-                <a16:creationId xmlns:a16="http://schemas.microsoft.com/office/drawing/2014/main" id="{AE322EDA-0E7E-499C-BD4C-C51866021F3F}"/>
-              </a:ext>
-            </a:extLst>
-          </p:cNvPr>
+            <a:endParaRPr kumimoji="1" lang="zh-CN" altLang="en-US" dirty="0"/>
+          </a:p>
+        </p:txBody>
+      </p:sp>
+      <p:sp>
+        <p:nvSpPr>
+          <p:cNvPr id="3" name="文本占位符 2"/>
           <p:cNvSpPr>
             <a:spLocks noGrp="1"/>
           </p:cNvSpPr>
@@ -2918,7 +3001,7 @@
         </p:nvSpPr>
         <p:spPr>
           <a:xfrm>
-            <a:off x="839788" y="1681163"/>
+            <a:off x="839789" y="1681163"/>
             <a:ext cx="5157787" cy="823912"/>
           </a:xfrm>
         </p:spPr>
@@ -2929,35 +3012,35 @@
               <a:buNone/>
               <a:defRPr sz="2400" b="1"/>
             </a:lvl1pPr>
-            <a:lvl2pPr marL="457200" indent="0">
+            <a:lvl2pPr marL="457189" indent="0">
               <a:buNone/>
               <a:defRPr sz="2000" b="1"/>
             </a:lvl2pPr>
-            <a:lvl3pPr marL="914400" indent="0">
+            <a:lvl3pPr marL="914377" indent="0">
               <a:buNone/>
               <a:defRPr sz="1800" b="1"/>
             </a:lvl3pPr>
-            <a:lvl4pPr marL="1371600" indent="0">
+            <a:lvl4pPr marL="1371566" indent="0">
               <a:buNone/>
               <a:defRPr sz="1600" b="1"/>
             </a:lvl4pPr>
-            <a:lvl5pPr marL="1828800" indent="0">
+            <a:lvl5pPr marL="1828754" indent="0">
               <a:buNone/>
               <a:defRPr sz="1600" b="1"/>
             </a:lvl5pPr>
-            <a:lvl6pPr marL="2286000" indent="0">
+            <a:lvl6pPr marL="2285943" indent="0">
               <a:buNone/>
               <a:defRPr sz="1600" b="1"/>
             </a:lvl6pPr>
-            <a:lvl7pPr marL="2743200" indent="0">
+            <a:lvl7pPr marL="2743131" indent="0">
               <a:buNone/>
               <a:defRPr sz="1600" b="1"/>
             </a:lvl7pPr>
-            <a:lvl8pPr marL="3200400" indent="0">
+            <a:lvl8pPr marL="3200320" indent="0">
               <a:buNone/>
               <a:defRPr sz="1600" b="1"/>
             </a:lvl8pPr>
-            <a:lvl9pPr marL="3657600" indent="0">
+            <a:lvl9pPr marL="3657509" indent="0">
               <a:buNone/>
               <a:defRPr sz="1600" b="1"/>
             </a:lvl9pPr>
@@ -2965,21 +3048,15 @@
           <a:p>
             <a:pPr lvl="0"/>
             <a:r>
-              <a:rPr lang="zh-CN" altLang="en-US"/>
-              <a:t>编辑母版文本样式</a:t>
-            </a:r>
-          </a:p>
-        </p:txBody>
-      </p:sp>
-      <p:sp>
-        <p:nvSpPr>
-          <p:cNvPr id="4" name="内容占位符 3">
-            <a:extLst>
-              <a:ext uri="{FF2B5EF4-FFF2-40B4-BE49-F238E27FC236}">
-                <a16:creationId xmlns:a16="http://schemas.microsoft.com/office/drawing/2014/main" id="{84FC83B7-5964-43EA-87CF-0F7A2BA87C34}"/>
-              </a:ext>
-            </a:extLst>
-          </p:cNvPr>
+              <a:rPr kumimoji="1" lang="zh-CN" altLang="en-US" smtClean="0"/>
+              <a:t>单击此处编辑母版文本样式</a:t>
+            </a:r>
+          </a:p>
+        </p:txBody>
+      </p:sp>
+      <p:sp>
+        <p:nvSpPr>
+          <p:cNvPr id="4" name="内容占位符 3"/>
           <p:cNvSpPr>
             <a:spLocks noGrp="1"/>
           </p:cNvSpPr>
@@ -2989,7 +3066,7 @@
         </p:nvSpPr>
         <p:spPr>
           <a:xfrm>
-            <a:off x="839788" y="2505075"/>
+            <a:off x="839789" y="2505075"/>
             <a:ext cx="5157787" cy="3684588"/>
           </a:xfrm>
         </p:spPr>
@@ -2999,49 +3076,44 @@
           <a:p>
             <a:pPr lvl="0"/>
             <a:r>
-              <a:rPr lang="zh-CN" altLang="en-US"/>
-              <a:t>编辑母版文本样式</a:t>
+              <a:rPr kumimoji="1" lang="zh-CN" altLang="en-US" smtClean="0"/>
+              <a:t>单击此处编辑母版文本样式</a:t>
             </a:r>
           </a:p>
           <a:p>
             <a:pPr lvl="1"/>
             <a:r>
-              <a:rPr lang="zh-CN" altLang="en-US"/>
-              <a:t>第二级</a:t>
+              <a:rPr kumimoji="1" lang="zh-CN" altLang="en-US" smtClean="0"/>
+              <a:t>二级</a:t>
             </a:r>
           </a:p>
           <a:p>
             <a:pPr lvl="2"/>
             <a:r>
-              <a:rPr lang="zh-CN" altLang="en-US"/>
-              <a:t>第三级</a:t>
+              <a:rPr kumimoji="1" lang="zh-CN" altLang="en-US" smtClean="0"/>
+              <a:t>三级</a:t>
             </a:r>
           </a:p>
           <a:p>
             <a:pPr lvl="3"/>
             <a:r>
-              <a:rPr lang="zh-CN" altLang="en-US"/>
-              <a:t>第四级</a:t>
+              <a:rPr kumimoji="1" lang="zh-CN" altLang="en-US" smtClean="0"/>
+              <a:t>四级</a:t>
             </a:r>
           </a:p>
           <a:p>
             <a:pPr lvl="4"/>
             <a:r>
-              <a:rPr lang="zh-CN" altLang="en-US"/>
-              <a:t>第五级</a:t>
-            </a:r>
-          </a:p>
-        </p:txBody>
-      </p:sp>
-      <p:sp>
-        <p:nvSpPr>
-          <p:cNvPr id="5" name="文本占位符 4">
-            <a:extLst>
-              <a:ext uri="{FF2B5EF4-FFF2-40B4-BE49-F238E27FC236}">
-                <a16:creationId xmlns:a16="http://schemas.microsoft.com/office/drawing/2014/main" id="{0D8F9695-B5C1-4D51-9335-67C4B5ED74B0}"/>
-              </a:ext>
-            </a:extLst>
-          </p:cNvPr>
+              <a:rPr kumimoji="1" lang="zh-CN" altLang="en-US" smtClean="0"/>
+              <a:t>五级</a:t>
+            </a:r>
+            <a:endParaRPr kumimoji="1" lang="zh-CN" altLang="en-US"/>
+          </a:p>
+        </p:txBody>
+      </p:sp>
+      <p:sp>
+        <p:nvSpPr>
+          <p:cNvPr id="5" name="文本占位符 4"/>
           <p:cNvSpPr>
             <a:spLocks noGrp="1"/>
           </p:cNvSpPr>
@@ -3051,7 +3123,7 @@
         </p:nvSpPr>
         <p:spPr>
           <a:xfrm>
-            <a:off x="6172200" y="1681163"/>
+            <a:off x="6172201" y="1681163"/>
             <a:ext cx="5183188" cy="823912"/>
           </a:xfrm>
         </p:spPr>
@@ -3062,35 +3134,35 @@
               <a:buNone/>
               <a:defRPr sz="2400" b="1"/>
             </a:lvl1pPr>
-            <a:lvl2pPr marL="457200" indent="0">
+            <a:lvl2pPr marL="457189" indent="0">
               <a:buNone/>
               <a:defRPr sz="2000" b="1"/>
             </a:lvl2pPr>
-            <a:lvl3pPr marL="914400" indent="0">
+            <a:lvl3pPr marL="914377" indent="0">
               <a:buNone/>
               <a:defRPr sz="1800" b="1"/>
             </a:lvl3pPr>
-            <a:lvl4pPr marL="1371600" indent="0">
+            <a:lvl4pPr marL="1371566" indent="0">
               <a:buNone/>
               <a:defRPr sz="1600" b="1"/>
             </a:lvl4pPr>
-            <a:lvl5pPr marL="1828800" indent="0">
+            <a:lvl5pPr marL="1828754" indent="0">
               <a:buNone/>
               <a:defRPr sz="1600" b="1"/>
             </a:lvl5pPr>
-            <a:lvl6pPr marL="2286000" indent="0">
+            <a:lvl6pPr marL="2285943" indent="0">
               <a:buNone/>
               <a:defRPr sz="1600" b="1"/>
             </a:lvl6pPr>
-            <a:lvl7pPr marL="2743200" indent="0">
+            <a:lvl7pPr marL="2743131" indent="0">
               <a:buNone/>
               <a:defRPr sz="1600" b="1"/>
             </a:lvl7pPr>
-            <a:lvl8pPr marL="3200400" indent="0">
+            <a:lvl8pPr marL="3200320" indent="0">
               <a:buNone/>
               <a:defRPr sz="1600" b="1"/>
             </a:lvl8pPr>
-            <a:lvl9pPr marL="3657600" indent="0">
+            <a:lvl9pPr marL="3657509" indent="0">
               <a:buNone/>
               <a:defRPr sz="1600" b="1"/>
             </a:lvl9pPr>
@@ -3098,21 +3170,15 @@
           <a:p>
             <a:pPr lvl="0"/>
             <a:r>
-              <a:rPr lang="zh-CN" altLang="en-US"/>
-              <a:t>编辑母版文本样式</a:t>
-            </a:r>
-          </a:p>
-        </p:txBody>
-      </p:sp>
-      <p:sp>
-        <p:nvSpPr>
-          <p:cNvPr id="6" name="内容占位符 5">
-            <a:extLst>
-              <a:ext uri="{FF2B5EF4-FFF2-40B4-BE49-F238E27FC236}">
-                <a16:creationId xmlns:a16="http://schemas.microsoft.com/office/drawing/2014/main" id="{B0357A1A-CF75-4502-BA59-6CC5A390AEF8}"/>
-              </a:ext>
-            </a:extLst>
-          </p:cNvPr>
+              <a:rPr kumimoji="1" lang="zh-CN" altLang="en-US" smtClean="0"/>
+              <a:t>单击此处编辑母版文本样式</a:t>
+            </a:r>
+          </a:p>
+        </p:txBody>
+      </p:sp>
+      <p:sp>
+        <p:nvSpPr>
+          <p:cNvPr id="6" name="内容占位符 5"/>
           <p:cNvSpPr>
             <a:spLocks noGrp="1"/>
           </p:cNvSpPr>
@@ -3122,7 +3188,7 @@
         </p:nvSpPr>
         <p:spPr>
           <a:xfrm>
-            <a:off x="6172200" y="2505075"/>
+            <a:off x="6172201" y="2505075"/>
             <a:ext cx="5183188" cy="3684588"/>
           </a:xfrm>
         </p:spPr>
@@ -3132,49 +3198,44 @@
           <a:p>
             <a:pPr lvl="0"/>
             <a:r>
-              <a:rPr lang="zh-CN" altLang="en-US"/>
-              <a:t>编辑母版文本样式</a:t>
+              <a:rPr kumimoji="1" lang="zh-CN" altLang="en-US" smtClean="0"/>
+              <a:t>单击此处编辑母版文本样式</a:t>
             </a:r>
           </a:p>
           <a:p>
             <a:pPr lvl="1"/>
             <a:r>
-              <a:rPr lang="zh-CN" altLang="en-US"/>
-              <a:t>第二级</a:t>
+              <a:rPr kumimoji="1" lang="zh-CN" altLang="en-US" smtClean="0"/>
+              <a:t>二级</a:t>
             </a:r>
           </a:p>
           <a:p>
             <a:pPr lvl="2"/>
             <a:r>
-              <a:rPr lang="zh-CN" altLang="en-US"/>
-              <a:t>第三级</a:t>
+              <a:rPr kumimoji="1" lang="zh-CN" altLang="en-US" smtClean="0"/>
+              <a:t>三级</a:t>
             </a:r>
           </a:p>
           <a:p>
             <a:pPr lvl="3"/>
             <a:r>
-              <a:rPr lang="zh-CN" altLang="en-US"/>
-              <a:t>第四级</a:t>
+              <a:rPr kumimoji="1" lang="zh-CN" altLang="en-US" smtClean="0"/>
+              <a:t>四级</a:t>
             </a:r>
           </a:p>
           <a:p>
             <a:pPr lvl="4"/>
             <a:r>
-              <a:rPr lang="zh-CN" altLang="en-US"/>
-              <a:t>第五级</a:t>
-            </a:r>
-          </a:p>
-        </p:txBody>
-      </p:sp>
-      <p:sp>
-        <p:nvSpPr>
-          <p:cNvPr id="7" name="日期占位符 6">
-            <a:extLst>
-              <a:ext uri="{FF2B5EF4-FFF2-40B4-BE49-F238E27FC236}">
-                <a16:creationId xmlns:a16="http://schemas.microsoft.com/office/drawing/2014/main" id="{B31A3C5A-DF35-4872-AA40-1BD74C2E7689}"/>
-              </a:ext>
-            </a:extLst>
-          </p:cNvPr>
+              <a:rPr kumimoji="1" lang="zh-CN" altLang="en-US" smtClean="0"/>
+              <a:t>五级</a:t>
+            </a:r>
+            <a:endParaRPr kumimoji="1" lang="zh-CN" altLang="en-US"/>
+          </a:p>
+        </p:txBody>
+      </p:sp>
+      <p:sp>
+        <p:nvSpPr>
+          <p:cNvPr id="7" name="日期占位符 6"/>
           <p:cNvSpPr>
             <a:spLocks noGrp="1"/>
           </p:cNvSpPr>
@@ -3189,7 +3250,7 @@
           <a:p>
             <a:fld id="{9ED90016-FE2B-4C93-AEF3-0E4E12969ECA}" type="datetimeFigureOut">
               <a:rPr lang="zh-CN" altLang="en-US" smtClean="0"/>
-              <a:t>2018/4/12</a:t>
+              <a:t>18/4/12</a:t>
             </a:fld>
             <a:endParaRPr lang="zh-CN" altLang="en-US"/>
           </a:p>
@@ -3197,13 +3258,7 @@
       </p:sp>
       <p:sp>
         <p:nvSpPr>
-          <p:cNvPr id="8" name="页脚占位符 7">
-            <a:extLst>
-              <a:ext uri="{FF2B5EF4-FFF2-40B4-BE49-F238E27FC236}">
-                <a16:creationId xmlns:a16="http://schemas.microsoft.com/office/drawing/2014/main" id="{DE7839C2-A64D-4551-9499-6AF37D9EFCCB}"/>
-              </a:ext>
-            </a:extLst>
-          </p:cNvPr>
+          <p:cNvPr id="8" name="页脚占位符 7"/>
           <p:cNvSpPr>
             <a:spLocks noGrp="1"/>
           </p:cNvSpPr>
@@ -3222,13 +3277,7 @@
       </p:sp>
       <p:sp>
         <p:nvSpPr>
-          <p:cNvPr id="9" name="灯片编号占位符 8">
-            <a:extLst>
-              <a:ext uri="{FF2B5EF4-FFF2-40B4-BE49-F238E27FC236}">
-                <a16:creationId xmlns:a16="http://schemas.microsoft.com/office/drawing/2014/main" id="{0BF5FD5F-A2A4-4B53-89BF-7940960AE2F5}"/>
-              </a:ext>
-            </a:extLst>
-          </p:cNvPr>
+          <p:cNvPr id="9" name="幻灯片编号占位符 8"/>
           <p:cNvSpPr>
             <a:spLocks noGrp="1"/>
           </p:cNvSpPr>
@@ -3252,13 +3301,20 @@
     </p:spTree>
     <p:extLst>
       <p:ext uri="{BB962C8B-B14F-4D97-AF65-F5344CB8AC3E}">
-        <p14:creationId xmlns:p14="http://schemas.microsoft.com/office/powerpoint/2010/main" val="1750561388"/>
+        <p14:creationId xmlns:p14="http://schemas.microsoft.com/office/powerpoint/2010/main" val="758670022"/>
       </p:ext>
     </p:extLst>
   </p:cSld>
   <p:clrMapOvr>
     <a:masterClrMapping/>
   </p:clrMapOvr>
+  <p:timing>
+    <p:tnLst>
+      <p:par>
+        <p:cTn id="1" dur="indefinite" restart="never" nodeType="tmRoot"/>
+      </p:par>
+    </p:tnLst>
+  </p:timing>
 </p:sldLayout>
 </file>
 
@@ -3281,13 +3337,7 @@
       </p:grpSpPr>
       <p:sp>
         <p:nvSpPr>
-          <p:cNvPr id="2" name="标题 1">
-            <a:extLst>
-              <a:ext uri="{FF2B5EF4-FFF2-40B4-BE49-F238E27FC236}">
-                <a16:creationId xmlns:a16="http://schemas.microsoft.com/office/drawing/2014/main" id="{1E1EBE11-B329-4FDB-A737-1E83A046F452}"/>
-              </a:ext>
-            </a:extLst>
-          </p:cNvPr>
+          <p:cNvPr id="2" name="标题 1"/>
           <p:cNvSpPr>
             <a:spLocks noGrp="1"/>
           </p:cNvSpPr>
@@ -3301,21 +3351,16 @@
           <a:lstStyle/>
           <a:p>
             <a:r>
-              <a:rPr lang="zh-CN" altLang="en-US"/>
+              <a:rPr kumimoji="1" lang="zh-CN" altLang="en-US" smtClean="0"/>
               <a:t>单击此处编辑母版标题样式</a:t>
             </a:r>
-          </a:p>
-        </p:txBody>
-      </p:sp>
-      <p:sp>
-        <p:nvSpPr>
-          <p:cNvPr id="3" name="日期占位符 2">
-            <a:extLst>
-              <a:ext uri="{FF2B5EF4-FFF2-40B4-BE49-F238E27FC236}">
-                <a16:creationId xmlns:a16="http://schemas.microsoft.com/office/drawing/2014/main" id="{F8005020-5454-4D80-8980-D737D35C9BD5}"/>
-              </a:ext>
-            </a:extLst>
-          </p:cNvPr>
+            <a:endParaRPr kumimoji="1" lang="zh-CN" altLang="en-US"/>
+          </a:p>
+        </p:txBody>
+      </p:sp>
+      <p:sp>
+        <p:nvSpPr>
+          <p:cNvPr id="3" name="日期占位符 2"/>
           <p:cNvSpPr>
             <a:spLocks noGrp="1"/>
           </p:cNvSpPr>
@@ -3330,7 +3375,7 @@
           <a:p>
             <a:fld id="{9ED90016-FE2B-4C93-AEF3-0E4E12969ECA}" type="datetimeFigureOut">
               <a:rPr lang="zh-CN" altLang="en-US" smtClean="0"/>
-              <a:t>2018/4/12</a:t>
+              <a:t>18/4/12</a:t>
             </a:fld>
             <a:endParaRPr lang="zh-CN" altLang="en-US"/>
           </a:p>
@@ -3338,13 +3383,7 @@
       </p:sp>
       <p:sp>
         <p:nvSpPr>
-          <p:cNvPr id="4" name="页脚占位符 3">
-            <a:extLst>
-              <a:ext uri="{FF2B5EF4-FFF2-40B4-BE49-F238E27FC236}">
-                <a16:creationId xmlns:a16="http://schemas.microsoft.com/office/drawing/2014/main" id="{4E82FCEB-FC76-41DA-A20E-D944475B513A}"/>
-              </a:ext>
-            </a:extLst>
-          </p:cNvPr>
+          <p:cNvPr id="4" name="页脚占位符 3"/>
           <p:cNvSpPr>
             <a:spLocks noGrp="1"/>
           </p:cNvSpPr>
@@ -3363,13 +3402,7 @@
       </p:sp>
       <p:sp>
         <p:nvSpPr>
-          <p:cNvPr id="5" name="灯片编号占位符 4">
-            <a:extLst>
-              <a:ext uri="{FF2B5EF4-FFF2-40B4-BE49-F238E27FC236}">
-                <a16:creationId xmlns:a16="http://schemas.microsoft.com/office/drawing/2014/main" id="{B5AF8C0D-88BD-4B80-B194-5D7F612446CF}"/>
-              </a:ext>
-            </a:extLst>
-          </p:cNvPr>
+          <p:cNvPr id="5" name="幻灯片编号占位符 4"/>
           <p:cNvSpPr>
             <a:spLocks noGrp="1"/>
           </p:cNvSpPr>
@@ -3393,13 +3426,20 @@
     </p:spTree>
     <p:extLst>
       <p:ext uri="{BB962C8B-B14F-4D97-AF65-F5344CB8AC3E}">
-        <p14:creationId xmlns:p14="http://schemas.microsoft.com/office/powerpoint/2010/main" val="2570611807"/>
+        <p14:creationId xmlns:p14="http://schemas.microsoft.com/office/powerpoint/2010/main" val="1356647515"/>
       </p:ext>
     </p:extLst>
   </p:cSld>
   <p:clrMapOvr>
     <a:masterClrMapping/>
   </p:clrMapOvr>
+  <p:timing>
+    <p:tnLst>
+      <p:par>
+        <p:cTn id="1" dur="indefinite" restart="never" nodeType="tmRoot"/>
+      </p:par>
+    </p:tnLst>
+  </p:timing>
 </p:sldLayout>
 </file>
 
@@ -3422,13 +3462,7 @@
       </p:grpSpPr>
       <p:sp>
         <p:nvSpPr>
-          <p:cNvPr id="2" name="日期占位符 1">
-            <a:extLst>
-              <a:ext uri="{FF2B5EF4-FFF2-40B4-BE49-F238E27FC236}">
-                <a16:creationId xmlns:a16="http://schemas.microsoft.com/office/drawing/2014/main" id="{A89A4E6E-63E1-4C99-8E10-5241A4A869DB}"/>
-              </a:ext>
-            </a:extLst>
-          </p:cNvPr>
+          <p:cNvPr id="2" name="日期占位符 1"/>
           <p:cNvSpPr>
             <a:spLocks noGrp="1"/>
           </p:cNvSpPr>
@@ -3443,7 +3477,7 @@
           <a:p>
             <a:fld id="{9ED90016-FE2B-4C93-AEF3-0E4E12969ECA}" type="datetimeFigureOut">
               <a:rPr lang="zh-CN" altLang="en-US" smtClean="0"/>
-              <a:t>2018/4/12</a:t>
+              <a:t>18/4/12</a:t>
             </a:fld>
             <a:endParaRPr lang="zh-CN" altLang="en-US"/>
           </a:p>
@@ -3451,13 +3485,7 @@
       </p:sp>
       <p:sp>
         <p:nvSpPr>
-          <p:cNvPr id="3" name="页脚占位符 2">
-            <a:extLst>
-              <a:ext uri="{FF2B5EF4-FFF2-40B4-BE49-F238E27FC236}">
-                <a16:creationId xmlns:a16="http://schemas.microsoft.com/office/drawing/2014/main" id="{CAE8F0F3-377F-440C-8CF3-9EDC14CF77CF}"/>
-              </a:ext>
-            </a:extLst>
-          </p:cNvPr>
+          <p:cNvPr id="3" name="页脚占位符 2"/>
           <p:cNvSpPr>
             <a:spLocks noGrp="1"/>
           </p:cNvSpPr>
@@ -3476,13 +3504,7 @@
       </p:sp>
       <p:sp>
         <p:nvSpPr>
-          <p:cNvPr id="4" name="灯片编号占位符 3">
-            <a:extLst>
-              <a:ext uri="{FF2B5EF4-FFF2-40B4-BE49-F238E27FC236}">
-                <a16:creationId xmlns:a16="http://schemas.microsoft.com/office/drawing/2014/main" id="{7C755B79-0165-4706-ABCF-F50116AB3E7D}"/>
-              </a:ext>
-            </a:extLst>
-          </p:cNvPr>
+          <p:cNvPr id="4" name="幻灯片编号占位符 3"/>
           <p:cNvSpPr>
             <a:spLocks noGrp="1"/>
           </p:cNvSpPr>
@@ -3506,13 +3528,23 @@
     </p:spTree>
     <p:extLst>
       <p:ext uri="{BB962C8B-B14F-4D97-AF65-F5344CB8AC3E}">
-        <p14:creationId xmlns:p14="http://schemas.microsoft.com/office/powerpoint/2010/main" val="2750232479"/>
+        <p14:creationId xmlns:p14="http://schemas.microsoft.com/office/powerpoint/2010/main" val="1340904406"/>
       </p:ext>
     </p:extLst>
   </p:cSld>
   <p:clrMapOvr>
     <a:masterClrMapping/>
   </p:clrMapOvr>
+  <p:transition>
+    <p:wipe dir="r"/>
+  </p:transition>
+  <p:timing>
+    <p:tnLst>
+      <p:par>
+        <p:cTn id="1" dur="indefinite" restart="never" nodeType="tmRoot"/>
+      </p:par>
+    </p:tnLst>
+  </p:timing>
 </p:sldLayout>
 </file>
 
@@ -3535,13 +3567,7 @@
       </p:grpSpPr>
       <p:sp>
         <p:nvSpPr>
-          <p:cNvPr id="2" name="标题 1">
-            <a:extLst>
-              <a:ext uri="{FF2B5EF4-FFF2-40B4-BE49-F238E27FC236}">
-                <a16:creationId xmlns:a16="http://schemas.microsoft.com/office/drawing/2014/main" id="{746C9C3B-8004-4F64-8D91-7040D4C00F33}"/>
-              </a:ext>
-            </a:extLst>
-          </p:cNvPr>
+          <p:cNvPr id="2" name="标题 1"/>
           <p:cNvSpPr>
             <a:spLocks noGrp="1"/>
           </p:cNvSpPr>
@@ -3564,21 +3590,16 @@
           </a:lstStyle>
           <a:p>
             <a:r>
-              <a:rPr lang="zh-CN" altLang="en-US"/>
+              <a:rPr kumimoji="1" lang="zh-CN" altLang="en-US" smtClean="0"/>
               <a:t>单击此处编辑母版标题样式</a:t>
             </a:r>
-          </a:p>
-        </p:txBody>
-      </p:sp>
-      <p:sp>
-        <p:nvSpPr>
-          <p:cNvPr id="3" name="内容占位符 2">
-            <a:extLst>
-              <a:ext uri="{FF2B5EF4-FFF2-40B4-BE49-F238E27FC236}">
-                <a16:creationId xmlns:a16="http://schemas.microsoft.com/office/drawing/2014/main" id="{64F495D4-72C0-439C-877F-6C55F1C060B7}"/>
-              </a:ext>
-            </a:extLst>
-          </p:cNvPr>
+            <a:endParaRPr kumimoji="1" lang="zh-CN" altLang="en-US"/>
+          </a:p>
+        </p:txBody>
+      </p:sp>
+      <p:sp>
+        <p:nvSpPr>
+          <p:cNvPr id="3" name="内容占位符 2"/>
           <p:cNvSpPr>
             <a:spLocks noGrp="1"/>
           </p:cNvSpPr>
@@ -3588,7 +3609,7 @@
         </p:nvSpPr>
         <p:spPr>
           <a:xfrm>
-            <a:off x="5183188" y="987425"/>
+            <a:off x="5183188" y="987426"/>
             <a:ext cx="6172200" cy="4873625"/>
           </a:xfrm>
         </p:spPr>
@@ -3626,49 +3647,44 @@
           <a:p>
             <a:pPr lvl="0"/>
             <a:r>
-              <a:rPr lang="zh-CN" altLang="en-US"/>
-              <a:t>编辑母版文本样式</a:t>
+              <a:rPr kumimoji="1" lang="zh-CN" altLang="en-US" smtClean="0"/>
+              <a:t>单击此处编辑母版文本样式</a:t>
             </a:r>
           </a:p>
           <a:p>
             <a:pPr lvl="1"/>
             <a:r>
-              <a:rPr lang="zh-CN" altLang="en-US"/>
-              <a:t>第二级</a:t>
+              <a:rPr kumimoji="1" lang="zh-CN" altLang="en-US" smtClean="0"/>
+              <a:t>二级</a:t>
             </a:r>
           </a:p>
           <a:p>
             <a:pPr lvl="2"/>
             <a:r>
-              <a:rPr lang="zh-CN" altLang="en-US"/>
-              <a:t>第三级</a:t>
+              <a:rPr kumimoji="1" lang="zh-CN" altLang="en-US" smtClean="0"/>
+              <a:t>三级</a:t>
             </a:r>
           </a:p>
           <a:p>
             <a:pPr lvl="3"/>
             <a:r>
-              <a:rPr lang="zh-CN" altLang="en-US"/>
-              <a:t>第四级</a:t>
+              <a:rPr kumimoji="1" lang="zh-CN" altLang="en-US" smtClean="0"/>
+              <a:t>四级</a:t>
             </a:r>
           </a:p>
           <a:p>
             <a:pPr lvl="4"/>
             <a:r>
-              <a:rPr lang="zh-CN" altLang="en-US"/>
-              <a:t>第五级</a:t>
-            </a:r>
-          </a:p>
-        </p:txBody>
-      </p:sp>
-      <p:sp>
-        <p:nvSpPr>
-          <p:cNvPr id="4" name="文本占位符 3">
-            <a:extLst>
-              <a:ext uri="{FF2B5EF4-FFF2-40B4-BE49-F238E27FC236}">
-                <a16:creationId xmlns:a16="http://schemas.microsoft.com/office/drawing/2014/main" id="{3D665A01-F404-421A-9939-7F7774E0D2EA}"/>
-              </a:ext>
-            </a:extLst>
-          </p:cNvPr>
+              <a:rPr kumimoji="1" lang="zh-CN" altLang="en-US" smtClean="0"/>
+              <a:t>五级</a:t>
+            </a:r>
+            <a:endParaRPr kumimoji="1" lang="zh-CN" altLang="en-US"/>
+          </a:p>
+        </p:txBody>
+      </p:sp>
+      <p:sp>
+        <p:nvSpPr>
+          <p:cNvPr id="4" name="文本占位符 3"/>
           <p:cNvSpPr>
             <a:spLocks noGrp="1"/>
           </p:cNvSpPr>
@@ -3678,7 +3694,7 @@
         </p:nvSpPr>
         <p:spPr>
           <a:xfrm>
-            <a:off x="839788" y="2057400"/>
+            <a:off x="839788" y="2057401"/>
             <a:ext cx="3932237" cy="3811588"/>
           </a:xfrm>
         </p:spPr>
@@ -3689,35 +3705,35 @@
               <a:buNone/>
               <a:defRPr sz="1600"/>
             </a:lvl1pPr>
-            <a:lvl2pPr marL="457200" indent="0">
+            <a:lvl2pPr marL="457189" indent="0">
               <a:buNone/>
               <a:defRPr sz="1400"/>
             </a:lvl2pPr>
-            <a:lvl3pPr marL="914400" indent="0">
+            <a:lvl3pPr marL="914377" indent="0">
               <a:buNone/>
               <a:defRPr sz="1200"/>
             </a:lvl3pPr>
-            <a:lvl4pPr marL="1371600" indent="0">
+            <a:lvl4pPr marL="1371566" indent="0">
               <a:buNone/>
               <a:defRPr sz="1000"/>
             </a:lvl4pPr>
-            <a:lvl5pPr marL="1828800" indent="0">
+            <a:lvl5pPr marL="1828754" indent="0">
               <a:buNone/>
               <a:defRPr sz="1000"/>
             </a:lvl5pPr>
-            <a:lvl6pPr marL="2286000" indent="0">
+            <a:lvl6pPr marL="2285943" indent="0">
               <a:buNone/>
               <a:defRPr sz="1000"/>
             </a:lvl6pPr>
-            <a:lvl7pPr marL="2743200" indent="0">
+            <a:lvl7pPr marL="2743131" indent="0">
               <a:buNone/>
               <a:defRPr sz="1000"/>
             </a:lvl7pPr>
-            <a:lvl8pPr marL="3200400" indent="0">
+            <a:lvl8pPr marL="3200320" indent="0">
               <a:buNone/>
               <a:defRPr sz="1000"/>
             </a:lvl8pPr>
-            <a:lvl9pPr marL="3657600" indent="0">
+            <a:lvl9pPr marL="3657509" indent="0">
               <a:buNone/>
               <a:defRPr sz="1000"/>
             </a:lvl9pPr>
@@ -3725,21 +3741,15 @@
           <a:p>
             <a:pPr lvl="0"/>
             <a:r>
-              <a:rPr lang="zh-CN" altLang="en-US"/>
-              <a:t>编辑母版文本样式</a:t>
-            </a:r>
-          </a:p>
-        </p:txBody>
-      </p:sp>
-      <p:sp>
-        <p:nvSpPr>
-          <p:cNvPr id="5" name="日期占位符 4">
-            <a:extLst>
-              <a:ext uri="{FF2B5EF4-FFF2-40B4-BE49-F238E27FC236}">
-                <a16:creationId xmlns:a16="http://schemas.microsoft.com/office/drawing/2014/main" id="{D0C5937A-C7E5-4358-89F2-84898025813E}"/>
-              </a:ext>
-            </a:extLst>
-          </p:cNvPr>
+              <a:rPr kumimoji="1" lang="zh-CN" altLang="en-US" smtClean="0"/>
+              <a:t>单击此处编辑母版文本样式</a:t>
+            </a:r>
+          </a:p>
+        </p:txBody>
+      </p:sp>
+      <p:sp>
+        <p:nvSpPr>
+          <p:cNvPr id="5" name="日期占位符 4"/>
           <p:cNvSpPr>
             <a:spLocks noGrp="1"/>
           </p:cNvSpPr>
@@ -3754,7 +3764,7 @@
           <a:p>
             <a:fld id="{9ED90016-FE2B-4C93-AEF3-0E4E12969ECA}" type="datetimeFigureOut">
               <a:rPr lang="zh-CN" altLang="en-US" smtClean="0"/>
-              <a:t>2018/4/12</a:t>
+              <a:t>18/4/12</a:t>
             </a:fld>
             <a:endParaRPr lang="zh-CN" altLang="en-US"/>
           </a:p>
@@ -3762,13 +3772,7 @@
       </p:sp>
       <p:sp>
         <p:nvSpPr>
-          <p:cNvPr id="6" name="页脚占位符 5">
-            <a:extLst>
-              <a:ext uri="{FF2B5EF4-FFF2-40B4-BE49-F238E27FC236}">
-                <a16:creationId xmlns:a16="http://schemas.microsoft.com/office/drawing/2014/main" id="{53B8C40B-7496-43F0-950E-A4FF2E2D8BDF}"/>
-              </a:ext>
-            </a:extLst>
-          </p:cNvPr>
+          <p:cNvPr id="6" name="页脚占位符 5"/>
           <p:cNvSpPr>
             <a:spLocks noGrp="1"/>
           </p:cNvSpPr>
@@ -3787,13 +3791,7 @@
       </p:sp>
       <p:sp>
         <p:nvSpPr>
-          <p:cNvPr id="7" name="灯片编号占位符 6">
-            <a:extLst>
-              <a:ext uri="{FF2B5EF4-FFF2-40B4-BE49-F238E27FC236}">
-                <a16:creationId xmlns:a16="http://schemas.microsoft.com/office/drawing/2014/main" id="{933FA706-CFFF-4FDB-83E9-B3EC03A7A706}"/>
-              </a:ext>
-            </a:extLst>
-          </p:cNvPr>
+          <p:cNvPr id="7" name="幻灯片编号占位符 6"/>
           <p:cNvSpPr>
             <a:spLocks noGrp="1"/>
           </p:cNvSpPr>
@@ -3817,13 +3815,20 @@
     </p:spTree>
     <p:extLst>
       <p:ext uri="{BB962C8B-B14F-4D97-AF65-F5344CB8AC3E}">
-        <p14:creationId xmlns:p14="http://schemas.microsoft.com/office/powerpoint/2010/main" val="3558108452"/>
+        <p14:creationId xmlns:p14="http://schemas.microsoft.com/office/powerpoint/2010/main" val="886960024"/>
       </p:ext>
     </p:extLst>
   </p:cSld>
   <p:clrMapOvr>
     <a:masterClrMapping/>
   </p:clrMapOvr>
+  <p:timing>
+    <p:tnLst>
+      <p:par>
+        <p:cTn id="1" dur="indefinite" restart="never" nodeType="tmRoot"/>
+      </p:par>
+    </p:tnLst>
+  </p:timing>
 </p:sldLayout>
 </file>
 
@@ -3846,13 +3851,7 @@
       </p:grpSpPr>
       <p:sp>
         <p:nvSpPr>
-          <p:cNvPr id="2" name="标题 1">
-            <a:extLst>
-              <a:ext uri="{FF2B5EF4-FFF2-40B4-BE49-F238E27FC236}">
-                <a16:creationId xmlns:a16="http://schemas.microsoft.com/office/drawing/2014/main" id="{6F7FA180-549E-439C-BF36-3DDD7F31050C}"/>
-              </a:ext>
-            </a:extLst>
-          </p:cNvPr>
+          <p:cNvPr id="2" name="标题 1"/>
           <p:cNvSpPr>
             <a:spLocks noGrp="1"/>
           </p:cNvSpPr>
@@ -3875,21 +3874,16 @@
           </a:lstStyle>
           <a:p>
             <a:r>
-              <a:rPr lang="zh-CN" altLang="en-US"/>
+              <a:rPr kumimoji="1" lang="zh-CN" altLang="en-US" smtClean="0"/>
               <a:t>单击此处编辑母版标题样式</a:t>
             </a:r>
-          </a:p>
-        </p:txBody>
-      </p:sp>
-      <p:sp>
-        <p:nvSpPr>
-          <p:cNvPr id="3" name="图片占位符 2">
-            <a:extLst>
-              <a:ext uri="{FF2B5EF4-FFF2-40B4-BE49-F238E27FC236}">
-                <a16:creationId xmlns:a16="http://schemas.microsoft.com/office/drawing/2014/main" id="{019F3F72-6015-4A10-9D1F-B85D4C8F2641}"/>
-              </a:ext>
-            </a:extLst>
-          </p:cNvPr>
+            <a:endParaRPr kumimoji="1" lang="zh-CN" altLang="en-US"/>
+          </a:p>
+        </p:txBody>
+      </p:sp>
+      <p:sp>
+        <p:nvSpPr>
+          <p:cNvPr id="3" name="图片占位符 2"/>
           <p:cNvSpPr>
             <a:spLocks noGrp="1"/>
           </p:cNvSpPr>
@@ -3899,7 +3893,7 @@
         </p:nvSpPr>
         <p:spPr>
           <a:xfrm>
-            <a:off x="5183188" y="987425"/>
+            <a:off x="5183188" y="987426"/>
             <a:ext cx="6172200" cy="4873625"/>
           </a:xfrm>
         </p:spPr>
@@ -3910,53 +3904,51 @@
               <a:buNone/>
               <a:defRPr sz="3200"/>
             </a:lvl1pPr>
-            <a:lvl2pPr marL="457200" indent="0">
+            <a:lvl2pPr marL="457189" indent="0">
               <a:buNone/>
               <a:defRPr sz="2800"/>
             </a:lvl2pPr>
-            <a:lvl3pPr marL="914400" indent="0">
+            <a:lvl3pPr marL="914377" indent="0">
               <a:buNone/>
               <a:defRPr sz="2400"/>
             </a:lvl3pPr>
-            <a:lvl4pPr marL="1371600" indent="0">
+            <a:lvl4pPr marL="1371566" indent="0">
               <a:buNone/>
               <a:defRPr sz="2000"/>
             </a:lvl4pPr>
-            <a:lvl5pPr marL="1828800" indent="0">
+            <a:lvl5pPr marL="1828754" indent="0">
               <a:buNone/>
               <a:defRPr sz="2000"/>
             </a:lvl5pPr>
-            <a:lvl6pPr marL="2286000" indent="0">
+            <a:lvl6pPr marL="2285943" indent="0">
               <a:buNone/>
               <a:defRPr sz="2000"/>
             </a:lvl6pPr>
-            <a:lvl7pPr marL="2743200" indent="0">
+            <a:lvl7pPr marL="2743131" indent="0">
               <a:buNone/>
               <a:defRPr sz="2000"/>
             </a:lvl7pPr>
-            <a:lvl8pPr marL="3200400" indent="0">
+            <a:lvl8pPr marL="3200320" indent="0">
               <a:buNone/>
               <a:defRPr sz="2000"/>
             </a:lvl8pPr>
-            <a:lvl9pPr marL="3657600" indent="0">
+            <a:lvl9pPr marL="3657509" indent="0">
               <a:buNone/>
               <a:defRPr sz="2000"/>
             </a:lvl9pPr>
           </a:lstStyle>
           <a:p>
-            <a:endParaRPr lang="zh-CN" altLang="en-US"/>
-          </a:p>
-        </p:txBody>
-      </p:sp>
-      <p:sp>
-        <p:nvSpPr>
-          <p:cNvPr id="4" name="文本占位符 3">
-            <a:extLst>
-              <a:ext uri="{FF2B5EF4-FFF2-40B4-BE49-F238E27FC236}">
-                <a16:creationId xmlns:a16="http://schemas.microsoft.com/office/drawing/2014/main" id="{FFE08FBF-3A0A-4943-978E-DF3E0EE56766}"/>
-              </a:ext>
-            </a:extLst>
-          </p:cNvPr>
+            <a:r>
+              <a:rPr kumimoji="1" lang="zh-CN" altLang="en-US" smtClean="0"/>
+              <a:t>将图片拖动到占位符，或单击添加图标</a:t>
+            </a:r>
+            <a:endParaRPr kumimoji="1" lang="zh-CN" altLang="en-US"/>
+          </a:p>
+        </p:txBody>
+      </p:sp>
+      <p:sp>
+        <p:nvSpPr>
+          <p:cNvPr id="4" name="文本占位符 3"/>
           <p:cNvSpPr>
             <a:spLocks noGrp="1"/>
           </p:cNvSpPr>
@@ -3966,7 +3958,7 @@
         </p:nvSpPr>
         <p:spPr>
           <a:xfrm>
-            <a:off x="839788" y="2057400"/>
+            <a:off x="839788" y="2057401"/>
             <a:ext cx="3932237" cy="3811588"/>
           </a:xfrm>
         </p:spPr>
@@ -3977,35 +3969,35 @@
               <a:buNone/>
               <a:defRPr sz="1600"/>
             </a:lvl1pPr>
-            <a:lvl2pPr marL="457200" indent="0">
+            <a:lvl2pPr marL="457189" indent="0">
               <a:buNone/>
               <a:defRPr sz="1400"/>
             </a:lvl2pPr>
-            <a:lvl3pPr marL="914400" indent="0">
+            <a:lvl3pPr marL="914377" indent="0">
               <a:buNone/>
               <a:defRPr sz="1200"/>
             </a:lvl3pPr>
-            <a:lvl4pPr marL="1371600" indent="0">
+            <a:lvl4pPr marL="1371566" indent="0">
               <a:buNone/>
               <a:defRPr sz="1000"/>
             </a:lvl4pPr>
-            <a:lvl5pPr marL="1828800" indent="0">
+            <a:lvl5pPr marL="1828754" indent="0">
               <a:buNone/>
               <a:defRPr sz="1000"/>
             </a:lvl5pPr>
-            <a:lvl6pPr marL="2286000" indent="0">
+            <a:lvl6pPr marL="2285943" indent="0">
               <a:buNone/>
               <a:defRPr sz="1000"/>
             </a:lvl6pPr>
-            <a:lvl7pPr marL="2743200" indent="0">
+            <a:lvl7pPr marL="2743131" indent="0">
               <a:buNone/>
               <a:defRPr sz="1000"/>
             </a:lvl7pPr>
-            <a:lvl8pPr marL="3200400" indent="0">
+            <a:lvl8pPr marL="3200320" indent="0">
               <a:buNone/>
               <a:defRPr sz="1000"/>
             </a:lvl8pPr>
-            <a:lvl9pPr marL="3657600" indent="0">
+            <a:lvl9pPr marL="3657509" indent="0">
               <a:buNone/>
               <a:defRPr sz="1000"/>
             </a:lvl9pPr>
@@ -4013,21 +4005,15 @@
           <a:p>
             <a:pPr lvl="0"/>
             <a:r>
-              <a:rPr lang="zh-CN" altLang="en-US"/>
-              <a:t>编辑母版文本样式</a:t>
-            </a:r>
-          </a:p>
-        </p:txBody>
-      </p:sp>
-      <p:sp>
-        <p:nvSpPr>
-          <p:cNvPr id="5" name="日期占位符 4">
-            <a:extLst>
-              <a:ext uri="{FF2B5EF4-FFF2-40B4-BE49-F238E27FC236}">
-                <a16:creationId xmlns:a16="http://schemas.microsoft.com/office/drawing/2014/main" id="{71883ADC-AC76-4C7A-9E3B-6D596F27DBFD}"/>
-              </a:ext>
-            </a:extLst>
-          </p:cNvPr>
+              <a:rPr kumimoji="1" lang="zh-CN" altLang="en-US" smtClean="0"/>
+              <a:t>单击此处编辑母版文本样式</a:t>
+            </a:r>
+          </a:p>
+        </p:txBody>
+      </p:sp>
+      <p:sp>
+        <p:nvSpPr>
+          <p:cNvPr id="5" name="日期占位符 4"/>
           <p:cNvSpPr>
             <a:spLocks noGrp="1"/>
           </p:cNvSpPr>
@@ -4042,7 +4028,7 @@
           <a:p>
             <a:fld id="{9ED90016-FE2B-4C93-AEF3-0E4E12969ECA}" type="datetimeFigureOut">
               <a:rPr lang="zh-CN" altLang="en-US" smtClean="0"/>
-              <a:t>2018/4/12</a:t>
+              <a:t>18/4/12</a:t>
             </a:fld>
             <a:endParaRPr lang="zh-CN" altLang="en-US"/>
           </a:p>
@@ -4050,13 +4036,7 @@
       </p:sp>
       <p:sp>
         <p:nvSpPr>
-          <p:cNvPr id="6" name="页脚占位符 5">
-            <a:extLst>
-              <a:ext uri="{FF2B5EF4-FFF2-40B4-BE49-F238E27FC236}">
-                <a16:creationId xmlns:a16="http://schemas.microsoft.com/office/drawing/2014/main" id="{EE3D5831-9D29-45D2-A97E-88DAE0A73D5B}"/>
-              </a:ext>
-            </a:extLst>
-          </p:cNvPr>
+          <p:cNvPr id="6" name="页脚占位符 5"/>
           <p:cNvSpPr>
             <a:spLocks noGrp="1"/>
           </p:cNvSpPr>
@@ -4075,13 +4055,7 @@
       </p:sp>
       <p:sp>
         <p:nvSpPr>
-          <p:cNvPr id="7" name="灯片编号占位符 6">
-            <a:extLst>
-              <a:ext uri="{FF2B5EF4-FFF2-40B4-BE49-F238E27FC236}">
-                <a16:creationId xmlns:a16="http://schemas.microsoft.com/office/drawing/2014/main" id="{D3C6A50C-BE5A-4B83-845F-F8E7668C0ECB}"/>
-              </a:ext>
-            </a:extLst>
-          </p:cNvPr>
+          <p:cNvPr id="7" name="幻灯片编号占位符 6"/>
           <p:cNvSpPr>
             <a:spLocks noGrp="1"/>
           </p:cNvSpPr>
@@ -4105,13 +4079,20 @@
     </p:spTree>
     <p:extLst>
       <p:ext uri="{BB962C8B-B14F-4D97-AF65-F5344CB8AC3E}">
-        <p14:creationId xmlns:p14="http://schemas.microsoft.com/office/powerpoint/2010/main" val="1708864706"/>
+        <p14:creationId xmlns:p14="http://schemas.microsoft.com/office/powerpoint/2010/main" val="1453129541"/>
       </p:ext>
     </p:extLst>
   </p:cSld>
   <p:clrMapOvr>
     <a:masterClrMapping/>
   </p:clrMapOvr>
+  <p:timing>
+    <p:tnLst>
+      <p:par>
+        <p:cTn id="1" dur="indefinite" restart="never" nodeType="tmRoot"/>
+      </p:par>
+    </p:tnLst>
+  </p:timing>
 </p:sldLayout>
 </file>
 
@@ -4139,13 +4120,7 @@
       </p:grpSpPr>
       <p:sp>
         <p:nvSpPr>
-          <p:cNvPr id="2" name="标题占位符 1">
-            <a:extLst>
-              <a:ext uri="{FF2B5EF4-FFF2-40B4-BE49-F238E27FC236}">
-                <a16:creationId xmlns:a16="http://schemas.microsoft.com/office/drawing/2014/main" id="{FA266805-FAE3-4BF9-87C8-8CAABB819696}"/>
-              </a:ext>
-            </a:extLst>
-          </p:cNvPr>
+          <p:cNvPr id="2" name="标题占位符 1"/>
           <p:cNvSpPr>
             <a:spLocks noGrp="1"/>
           </p:cNvSpPr>
@@ -4169,21 +4144,16 @@
           <a:lstStyle/>
           <a:p>
             <a:r>
-              <a:rPr lang="zh-CN" altLang="en-US"/>
+              <a:rPr kumimoji="1" lang="zh-CN" altLang="en-US" smtClean="0"/>
               <a:t>单击此处编辑母版标题样式</a:t>
             </a:r>
-          </a:p>
-        </p:txBody>
-      </p:sp>
-      <p:sp>
-        <p:nvSpPr>
-          <p:cNvPr id="3" name="文本占位符 2">
-            <a:extLst>
-              <a:ext uri="{FF2B5EF4-FFF2-40B4-BE49-F238E27FC236}">
-                <a16:creationId xmlns:a16="http://schemas.microsoft.com/office/drawing/2014/main" id="{84E0184F-03E1-4B38-92C9-AC5F4A6C796A}"/>
-              </a:ext>
-            </a:extLst>
-          </p:cNvPr>
+            <a:endParaRPr kumimoji="1" lang="zh-CN" altLang="en-US"/>
+          </a:p>
+        </p:txBody>
+      </p:sp>
+      <p:sp>
+        <p:nvSpPr>
+          <p:cNvPr id="3" name="文本占位符 2"/>
           <p:cNvSpPr>
             <a:spLocks noGrp="1"/>
           </p:cNvSpPr>
@@ -4194,7 +4164,7 @@
         <p:spPr>
           <a:xfrm>
             <a:off x="838200" y="1825625"/>
-            <a:ext cx="10515600" cy="4351338"/>
+            <a:ext cx="10515600" cy="4351339"/>
           </a:xfrm>
           <a:prstGeom prst="rect">
             <a:avLst/>
@@ -4208,49 +4178,44 @@
           <a:p>
             <a:pPr lvl="0"/>
             <a:r>
-              <a:rPr lang="zh-CN" altLang="en-US"/>
-              <a:t>编辑母版文本样式</a:t>
+              <a:rPr kumimoji="1" lang="zh-CN" altLang="en-US" smtClean="0"/>
+              <a:t>单击此处编辑母版文本样式</a:t>
             </a:r>
           </a:p>
           <a:p>
             <a:pPr lvl="1"/>
             <a:r>
-              <a:rPr lang="zh-CN" altLang="en-US"/>
-              <a:t>第二级</a:t>
+              <a:rPr kumimoji="1" lang="zh-CN" altLang="en-US" smtClean="0"/>
+              <a:t>二级</a:t>
             </a:r>
           </a:p>
           <a:p>
             <a:pPr lvl="2"/>
             <a:r>
-              <a:rPr lang="zh-CN" altLang="en-US"/>
-              <a:t>第三级</a:t>
+              <a:rPr kumimoji="1" lang="zh-CN" altLang="en-US" smtClean="0"/>
+              <a:t>三级</a:t>
             </a:r>
           </a:p>
           <a:p>
             <a:pPr lvl="3"/>
             <a:r>
-              <a:rPr lang="zh-CN" altLang="en-US"/>
-              <a:t>第四级</a:t>
+              <a:rPr kumimoji="1" lang="zh-CN" altLang="en-US" smtClean="0"/>
+              <a:t>四级</a:t>
             </a:r>
           </a:p>
           <a:p>
             <a:pPr lvl="4"/>
             <a:r>
-              <a:rPr lang="zh-CN" altLang="en-US"/>
-              <a:t>第五级</a:t>
-            </a:r>
-          </a:p>
-        </p:txBody>
-      </p:sp>
-      <p:sp>
-        <p:nvSpPr>
-          <p:cNvPr id="4" name="日期占位符 3">
-            <a:extLst>
-              <a:ext uri="{FF2B5EF4-FFF2-40B4-BE49-F238E27FC236}">
-                <a16:creationId xmlns:a16="http://schemas.microsoft.com/office/drawing/2014/main" id="{B3FD74C1-E83B-4110-B681-EBEEF3CDA45B}"/>
-              </a:ext>
-            </a:extLst>
-          </p:cNvPr>
+              <a:rPr kumimoji="1" lang="zh-CN" altLang="en-US" smtClean="0"/>
+              <a:t>五级</a:t>
+            </a:r>
+            <a:endParaRPr kumimoji="1" lang="zh-CN" altLang="en-US"/>
+          </a:p>
+        </p:txBody>
+      </p:sp>
+      <p:sp>
+        <p:nvSpPr>
+          <p:cNvPr id="4" name="日期占位符 3"/>
           <p:cNvSpPr>
             <a:spLocks noGrp="1"/>
           </p:cNvSpPr>
@@ -4260,7 +4225,7 @@
         </p:nvSpPr>
         <p:spPr>
           <a:xfrm>
-            <a:off x="838200" y="6356350"/>
+            <a:off x="838200" y="6356351"/>
             <a:ext cx="2743200" cy="365125"/>
           </a:xfrm>
           <a:prstGeom prst="rect">
@@ -4283,7 +4248,7 @@
           <a:p>
             <a:fld id="{9ED90016-FE2B-4C93-AEF3-0E4E12969ECA}" type="datetimeFigureOut">
               <a:rPr lang="zh-CN" altLang="en-US" smtClean="0"/>
-              <a:t>2018/4/12</a:t>
+              <a:t>18/4/12</a:t>
             </a:fld>
             <a:endParaRPr lang="zh-CN" altLang="en-US"/>
           </a:p>
@@ -4291,13 +4256,7 @@
       </p:sp>
       <p:sp>
         <p:nvSpPr>
-          <p:cNvPr id="5" name="页脚占位符 4">
-            <a:extLst>
-              <a:ext uri="{FF2B5EF4-FFF2-40B4-BE49-F238E27FC236}">
-                <a16:creationId xmlns:a16="http://schemas.microsoft.com/office/drawing/2014/main" id="{84BDB5C6-8D0F-4A6B-9BE2-9BCC985F8077}"/>
-              </a:ext>
-            </a:extLst>
-          </p:cNvPr>
+          <p:cNvPr id="5" name="页脚占位符 4"/>
           <p:cNvSpPr>
             <a:spLocks noGrp="1"/>
           </p:cNvSpPr>
@@ -4307,7 +4266,7 @@
         </p:nvSpPr>
         <p:spPr>
           <a:xfrm>
-            <a:off x="4038600" y="6356350"/>
+            <a:off x="4038600" y="6356351"/>
             <a:ext cx="4114800" cy="365125"/>
           </a:xfrm>
           <a:prstGeom prst="rect">
@@ -4334,13 +4293,7 @@
       </p:sp>
       <p:sp>
         <p:nvSpPr>
-          <p:cNvPr id="6" name="灯片编号占位符 5">
-            <a:extLst>
-              <a:ext uri="{FF2B5EF4-FFF2-40B4-BE49-F238E27FC236}">
-                <a16:creationId xmlns:a16="http://schemas.microsoft.com/office/drawing/2014/main" id="{E3020BBA-F628-48D9-97B2-0461E97541D6}"/>
-              </a:ext>
-            </a:extLst>
-          </p:cNvPr>
+          <p:cNvPr id="6" name="幻灯片编号占位符 5"/>
           <p:cNvSpPr>
             <a:spLocks noGrp="1"/>
           </p:cNvSpPr>
@@ -4350,7 +4303,7 @@
         </p:nvSpPr>
         <p:spPr>
           <a:xfrm>
-            <a:off x="8610600" y="6356350"/>
+            <a:off x="8610600" y="6356351"/>
             <a:ext cx="2743200" cy="365125"/>
           </a:xfrm>
           <a:prstGeom prst="rect">
@@ -4379,30 +4332,66 @@
           </a:p>
         </p:txBody>
       </p:sp>
+      <p:pic>
+        <p:nvPicPr>
+          <p:cNvPr id="7" name="图片 6" descr="背景1.jpg"/>
+          <p:cNvPicPr>
+            <a:picLocks noChangeAspect="1"/>
+          </p:cNvPicPr>
+          <p:nvPr/>
+        </p:nvPicPr>
+        <p:blipFill>
+          <a:blip r:embed="rId15" cstate="print"/>
+          <a:stretch>
+            <a:fillRect/>
+          </a:stretch>
+        </p:blipFill>
+        <p:spPr>
+          <a:xfrm>
+            <a:off x="325" y="0"/>
+            <a:ext cx="12191675" cy="6855912"/>
+          </a:xfrm>
+          <a:prstGeom prst="rect">
+            <a:avLst/>
+          </a:prstGeom>
+        </p:spPr>
+      </p:pic>
     </p:spTree>
     <p:extLst>
       <p:ext uri="{BB962C8B-B14F-4D97-AF65-F5344CB8AC3E}">
-        <p14:creationId xmlns:p14="http://schemas.microsoft.com/office/powerpoint/2010/main" val="619463305"/>
+        <p14:creationId xmlns:p14="http://schemas.microsoft.com/office/powerpoint/2010/main" val="1922632554"/>
       </p:ext>
     </p:extLst>
   </p:cSld>
   <p:clrMap bg1="lt1" tx1="dk1" bg2="lt2" tx2="dk2" accent1="accent1" accent2="accent2" accent3="accent3" accent4="accent4" accent5="accent5" accent6="accent6" hlink="hlink" folHlink="folHlink"/>
   <p:sldLayoutIdLst>
-    <p:sldLayoutId id="2147483649" r:id="rId1"/>
-    <p:sldLayoutId id="2147483650" r:id="rId2"/>
-    <p:sldLayoutId id="2147483651" r:id="rId3"/>
-    <p:sldLayoutId id="2147483652" r:id="rId4"/>
-    <p:sldLayoutId id="2147483653" r:id="rId5"/>
-    <p:sldLayoutId id="2147483654" r:id="rId6"/>
-    <p:sldLayoutId id="2147483655" r:id="rId7"/>
-    <p:sldLayoutId id="2147483656" r:id="rId8"/>
-    <p:sldLayoutId id="2147483657" r:id="rId9"/>
-    <p:sldLayoutId id="2147483658" r:id="rId10"/>
-    <p:sldLayoutId id="2147483659" r:id="rId11"/>
+    <p:sldLayoutId id="2147483735" r:id="rId1"/>
+    <p:sldLayoutId id="2147483736" r:id="rId2"/>
+    <p:sldLayoutId id="2147483737" r:id="rId3"/>
+    <p:sldLayoutId id="2147483738" r:id="rId4"/>
+    <p:sldLayoutId id="2147483739" r:id="rId5"/>
+    <p:sldLayoutId id="2147483740" r:id="rId6"/>
+    <p:sldLayoutId id="2147483741" r:id="rId7"/>
+    <p:sldLayoutId id="2147483742" r:id="rId8"/>
+    <p:sldLayoutId id="2147483743" r:id="rId9"/>
+    <p:sldLayoutId id="2147483744" r:id="rId10"/>
+    <p:sldLayoutId id="2147483745" r:id="rId11"/>
+    <p:sldLayoutId id="2147483746" r:id="rId12"/>
+    <p:sldLayoutId id="2147483747" r:id="rId13"/>
   </p:sldLayoutIdLst>
+  <p:transition>
+    <p:wipe dir="r"/>
+  </p:transition>
+  <p:timing>
+    <p:tnLst>
+      <p:par>
+        <p:cTn id="1" dur="indefinite" restart="never" nodeType="tmRoot"/>
+      </p:par>
+    </p:tnLst>
+  </p:timing>
   <p:txStyles>
     <p:titleStyle>
-      <a:lvl1pPr algn="l" defTabSz="914400" rtl="0" eaLnBrk="1" latinLnBrk="0" hangingPunct="1">
+      <a:lvl1pPr algn="l" defTabSz="914377" rtl="0" eaLnBrk="1" latinLnBrk="0" hangingPunct="1">
         <a:lnSpc>
           <a:spcPct val="90000"/>
         </a:lnSpc>
@@ -4421,14 +4410,14 @@
       </a:lvl1pPr>
     </p:titleStyle>
     <p:bodyStyle>
-      <a:lvl1pPr marL="228600" indent="-228600" algn="l" defTabSz="914400" rtl="0" eaLnBrk="1" latinLnBrk="0" hangingPunct="1">
+      <a:lvl1pPr marL="228594" indent="-228594" algn="l" defTabSz="914377" rtl="0" eaLnBrk="1" latinLnBrk="0" hangingPunct="1">
         <a:lnSpc>
           <a:spcPct val="90000"/>
         </a:lnSpc>
         <a:spcBef>
           <a:spcPts val="1000"/>
         </a:spcBef>
-        <a:buFont typeface="Arial" panose="020B0604020202020204" pitchFamily="34" charset="0"/>
+        <a:buFont typeface="Arial"/>
         <a:buChar char="•"/>
         <a:defRPr sz="2800" kern="1200">
           <a:solidFill>
@@ -4439,14 +4428,14 @@
           <a:cs typeface="+mn-cs"/>
         </a:defRPr>
       </a:lvl1pPr>
-      <a:lvl2pPr marL="685800" indent="-228600" algn="l" defTabSz="914400" rtl="0" eaLnBrk="1" latinLnBrk="0" hangingPunct="1">
+      <a:lvl2pPr marL="685783" indent="-228594" algn="l" defTabSz="914377" rtl="0" eaLnBrk="1" latinLnBrk="0" hangingPunct="1">
         <a:lnSpc>
           <a:spcPct val="90000"/>
         </a:lnSpc>
         <a:spcBef>
           <a:spcPts val="500"/>
         </a:spcBef>
-        <a:buFont typeface="Arial" panose="020B0604020202020204" pitchFamily="34" charset="0"/>
+        <a:buFont typeface="Arial"/>
         <a:buChar char="•"/>
         <a:defRPr sz="2400" kern="1200">
           <a:solidFill>
@@ -4457,14 +4446,14 @@
           <a:cs typeface="+mn-cs"/>
         </a:defRPr>
       </a:lvl2pPr>
-      <a:lvl3pPr marL="1143000" indent="-228600" algn="l" defTabSz="914400" rtl="0" eaLnBrk="1" latinLnBrk="0" hangingPunct="1">
+      <a:lvl3pPr marL="1142971" indent="-228594" algn="l" defTabSz="914377" rtl="0" eaLnBrk="1" latinLnBrk="0" hangingPunct="1">
         <a:lnSpc>
           <a:spcPct val="90000"/>
         </a:lnSpc>
         <a:spcBef>
           <a:spcPts val="500"/>
         </a:spcBef>
-        <a:buFont typeface="Arial" panose="020B0604020202020204" pitchFamily="34" charset="0"/>
+        <a:buFont typeface="Arial"/>
         <a:buChar char="•"/>
         <a:defRPr sz="2000" kern="1200">
           <a:solidFill>
@@ -4475,14 +4464,14 @@
           <a:cs typeface="+mn-cs"/>
         </a:defRPr>
       </a:lvl3pPr>
-      <a:lvl4pPr marL="1600200" indent="-228600" algn="l" defTabSz="914400" rtl="0" eaLnBrk="1" latinLnBrk="0" hangingPunct="1">
+      <a:lvl4pPr marL="1600160" indent="-228594" algn="l" defTabSz="914377" rtl="0" eaLnBrk="1" latinLnBrk="0" hangingPunct="1">
         <a:lnSpc>
           <a:spcPct val="90000"/>
         </a:lnSpc>
         <a:spcBef>
           <a:spcPts val="500"/>
         </a:spcBef>
-        <a:buFont typeface="Arial" panose="020B0604020202020204" pitchFamily="34" charset="0"/>
+        <a:buFont typeface="Arial"/>
         <a:buChar char="•"/>
         <a:defRPr sz="1800" kern="1200">
           <a:solidFill>
@@ -4493,14 +4482,14 @@
           <a:cs typeface="+mn-cs"/>
         </a:defRPr>
       </a:lvl4pPr>
-      <a:lvl5pPr marL="2057400" indent="-228600" algn="l" defTabSz="914400" rtl="0" eaLnBrk="1" latinLnBrk="0" hangingPunct="1">
+      <a:lvl5pPr marL="2057349" indent="-228594" algn="l" defTabSz="914377" rtl="0" eaLnBrk="1" latinLnBrk="0" hangingPunct="1">
         <a:lnSpc>
           <a:spcPct val="90000"/>
         </a:lnSpc>
         <a:spcBef>
           <a:spcPts val="500"/>
         </a:spcBef>
-        <a:buFont typeface="Arial" panose="020B0604020202020204" pitchFamily="34" charset="0"/>
+        <a:buFont typeface="Arial"/>
         <a:buChar char="•"/>
         <a:defRPr sz="1800" kern="1200">
           <a:solidFill>
@@ -4511,14 +4500,14 @@
           <a:cs typeface="+mn-cs"/>
         </a:defRPr>
       </a:lvl5pPr>
-      <a:lvl6pPr marL="2514600" indent="-228600" algn="l" defTabSz="914400" rtl="0" eaLnBrk="1" latinLnBrk="0" hangingPunct="1">
+      <a:lvl6pPr marL="2514537" indent="-228594" algn="l" defTabSz="914377" rtl="0" eaLnBrk="1" latinLnBrk="0" hangingPunct="1">
         <a:lnSpc>
           <a:spcPct val="90000"/>
         </a:lnSpc>
         <a:spcBef>
           <a:spcPts val="500"/>
         </a:spcBef>
-        <a:buFont typeface="Arial" panose="020B0604020202020204" pitchFamily="34" charset="0"/>
+        <a:buFont typeface="Arial"/>
         <a:buChar char="•"/>
         <a:defRPr sz="1800" kern="1200">
           <a:solidFill>
@@ -4529,14 +4518,14 @@
           <a:cs typeface="+mn-cs"/>
         </a:defRPr>
       </a:lvl6pPr>
-      <a:lvl7pPr marL="2971800" indent="-228600" algn="l" defTabSz="914400" rtl="0" eaLnBrk="1" latinLnBrk="0" hangingPunct="1">
+      <a:lvl7pPr marL="2971726" indent="-228594" algn="l" defTabSz="914377" rtl="0" eaLnBrk="1" latinLnBrk="0" hangingPunct="1">
         <a:lnSpc>
           <a:spcPct val="90000"/>
         </a:lnSpc>
         <a:spcBef>
           <a:spcPts val="500"/>
         </a:spcBef>
-        <a:buFont typeface="Arial" panose="020B0604020202020204" pitchFamily="34" charset="0"/>
+        <a:buFont typeface="Arial"/>
         <a:buChar char="•"/>
         <a:defRPr sz="1800" kern="1200">
           <a:solidFill>
@@ -4547,14 +4536,14 @@
           <a:cs typeface="+mn-cs"/>
         </a:defRPr>
       </a:lvl7pPr>
-      <a:lvl8pPr marL="3429000" indent="-228600" algn="l" defTabSz="914400" rtl="0" eaLnBrk="1" latinLnBrk="0" hangingPunct="1">
+      <a:lvl8pPr marL="3428914" indent="-228594" algn="l" defTabSz="914377" rtl="0" eaLnBrk="1" latinLnBrk="0" hangingPunct="1">
         <a:lnSpc>
           <a:spcPct val="90000"/>
         </a:lnSpc>
         <a:spcBef>
           <a:spcPts val="500"/>
         </a:spcBef>
-        <a:buFont typeface="Arial" panose="020B0604020202020204" pitchFamily="34" charset="0"/>
+        <a:buFont typeface="Arial"/>
         <a:buChar char="•"/>
         <a:defRPr sz="1800" kern="1200">
           <a:solidFill>
@@ -4565,14 +4554,14 @@
           <a:cs typeface="+mn-cs"/>
         </a:defRPr>
       </a:lvl8pPr>
-      <a:lvl9pPr marL="3886200" indent="-228600" algn="l" defTabSz="914400" rtl="0" eaLnBrk="1" latinLnBrk="0" hangingPunct="1">
+      <a:lvl9pPr marL="3886103" indent="-228594" algn="l" defTabSz="914377" rtl="0" eaLnBrk="1" latinLnBrk="0" hangingPunct="1">
         <a:lnSpc>
           <a:spcPct val="90000"/>
         </a:lnSpc>
         <a:spcBef>
           <a:spcPts val="500"/>
         </a:spcBef>
-        <a:buFont typeface="Arial" panose="020B0604020202020204" pitchFamily="34" charset="0"/>
+        <a:buFont typeface="Arial"/>
         <a:buChar char="•"/>
         <a:defRPr sz="1800" kern="1200">
           <a:solidFill>
@@ -4588,7 +4577,7 @@
       <a:defPPr>
         <a:defRPr lang="zh-CN"/>
       </a:defPPr>
-      <a:lvl1pPr marL="0" algn="l" defTabSz="914400" rtl="0" eaLnBrk="1" latinLnBrk="0" hangingPunct="1">
+      <a:lvl1pPr marL="0" algn="l" defTabSz="914377" rtl="0" eaLnBrk="1" latinLnBrk="0" hangingPunct="1">
         <a:defRPr sz="1800" kern="1200">
           <a:solidFill>
             <a:schemeClr val="tx1"/>
@@ -4598,7 +4587,7 @@
           <a:cs typeface="+mn-cs"/>
         </a:defRPr>
       </a:lvl1pPr>
-      <a:lvl2pPr marL="457200" algn="l" defTabSz="914400" rtl="0" eaLnBrk="1" latinLnBrk="0" hangingPunct="1">
+      <a:lvl2pPr marL="457189" algn="l" defTabSz="914377" rtl="0" eaLnBrk="1" latinLnBrk="0" hangingPunct="1">
         <a:defRPr sz="1800" kern="1200">
           <a:solidFill>
             <a:schemeClr val="tx1"/>
@@ -4608,7 +4597,7 @@
           <a:cs typeface="+mn-cs"/>
         </a:defRPr>
       </a:lvl2pPr>
-      <a:lvl3pPr marL="914400" algn="l" defTabSz="914400" rtl="0" eaLnBrk="1" latinLnBrk="0" hangingPunct="1">
+      <a:lvl3pPr marL="914377" algn="l" defTabSz="914377" rtl="0" eaLnBrk="1" latinLnBrk="0" hangingPunct="1">
         <a:defRPr sz="1800" kern="1200">
           <a:solidFill>
             <a:schemeClr val="tx1"/>
@@ -4618,7 +4607,7 @@
           <a:cs typeface="+mn-cs"/>
         </a:defRPr>
       </a:lvl3pPr>
-      <a:lvl4pPr marL="1371600" algn="l" defTabSz="914400" rtl="0" eaLnBrk="1" latinLnBrk="0" hangingPunct="1">
+      <a:lvl4pPr marL="1371566" algn="l" defTabSz="914377" rtl="0" eaLnBrk="1" latinLnBrk="0" hangingPunct="1">
         <a:defRPr sz="1800" kern="1200">
           <a:solidFill>
             <a:schemeClr val="tx1"/>
@@ -4628,7 +4617,7 @@
           <a:cs typeface="+mn-cs"/>
         </a:defRPr>
       </a:lvl4pPr>
-      <a:lvl5pPr marL="1828800" algn="l" defTabSz="914400" rtl="0" eaLnBrk="1" latinLnBrk="0" hangingPunct="1">
+      <a:lvl5pPr marL="1828754" algn="l" defTabSz="914377" rtl="0" eaLnBrk="1" latinLnBrk="0" hangingPunct="1">
         <a:defRPr sz="1800" kern="1200">
           <a:solidFill>
             <a:schemeClr val="tx1"/>
@@ -4638,7 +4627,7 @@
           <a:cs typeface="+mn-cs"/>
         </a:defRPr>
       </a:lvl5pPr>
-      <a:lvl6pPr marL="2286000" algn="l" defTabSz="914400" rtl="0" eaLnBrk="1" latinLnBrk="0" hangingPunct="1">
+      <a:lvl6pPr marL="2285943" algn="l" defTabSz="914377" rtl="0" eaLnBrk="1" latinLnBrk="0" hangingPunct="1">
         <a:defRPr sz="1800" kern="1200">
           <a:solidFill>
             <a:schemeClr val="tx1"/>
@@ -4648,7 +4637,7 @@
           <a:cs typeface="+mn-cs"/>
         </a:defRPr>
       </a:lvl6pPr>
-      <a:lvl7pPr marL="2743200" algn="l" defTabSz="914400" rtl="0" eaLnBrk="1" latinLnBrk="0" hangingPunct="1">
+      <a:lvl7pPr marL="2743131" algn="l" defTabSz="914377" rtl="0" eaLnBrk="1" latinLnBrk="0" hangingPunct="1">
         <a:defRPr sz="1800" kern="1200">
           <a:solidFill>
             <a:schemeClr val="tx1"/>
@@ -4658,7 +4647,7 @@
           <a:cs typeface="+mn-cs"/>
         </a:defRPr>
       </a:lvl7pPr>
-      <a:lvl8pPr marL="3200400" algn="l" defTabSz="914400" rtl="0" eaLnBrk="1" latinLnBrk="0" hangingPunct="1">
+      <a:lvl8pPr marL="3200320" algn="l" defTabSz="914377" rtl="0" eaLnBrk="1" latinLnBrk="0" hangingPunct="1">
         <a:defRPr sz="1800" kern="1200">
           <a:solidFill>
             <a:schemeClr val="tx1"/>
@@ -4668,7 +4657,7 @@
           <a:cs typeface="+mn-cs"/>
         </a:defRPr>
       </a:lvl8pPr>
-      <a:lvl9pPr marL="3657600" algn="l" defTabSz="914400" rtl="0" eaLnBrk="1" latinLnBrk="0" hangingPunct="1">
+      <a:lvl9pPr marL="3657509" algn="l" defTabSz="914377" rtl="0" eaLnBrk="1" latinLnBrk="0" hangingPunct="1">
         <a:defRPr sz="1800" kern="1200">
           <a:solidFill>
             <a:schemeClr val="tx1"/>
@@ -4680,6 +4669,11 @@
       </a:lvl9pPr>
     </p:otherStyle>
   </p:txStyles>
+  <p:extLst>
+    <p:ext uri="{27BBF7A9-308A-43DC-89C8-2F10F3537804}">
+      <p15:sldGuideLst xmlns:p15="http://schemas.microsoft.com/office/powerpoint/2012/main"/>
+    </p:ext>
+  </p:extLst>
 </p:sldMaster>
 </file>
 
@@ -4700,12 +4694,36 @@
           <a:chExt cx="0" cy="0"/>
         </a:xfrm>
       </p:grpSpPr>
+      <p:pic>
+        <p:nvPicPr>
+          <p:cNvPr id="4" name="图片 3" descr="封面.jpg"/>
+          <p:cNvPicPr>
+            <a:picLocks noChangeAspect="1"/>
+          </p:cNvPicPr>
+          <p:nvPr/>
+        </p:nvPicPr>
+        <p:blipFill>
+          <a:blip r:embed="rId2" cstate="print"/>
+          <a:stretch>
+            <a:fillRect/>
+          </a:stretch>
+        </p:blipFill>
+        <p:spPr>
+          <a:xfrm>
+            <a:off x="0" y="1566"/>
+            <a:ext cx="12192000" cy="6858182"/>
+          </a:xfrm>
+          <a:prstGeom prst="rect">
+            <a:avLst/>
+          </a:prstGeom>
+        </p:spPr>
+      </p:pic>
       <p:sp>
         <p:nvSpPr>
           <p:cNvPr id="2" name="标题 1">
             <a:extLst>
               <a:ext uri="{FF2B5EF4-FFF2-40B4-BE49-F238E27FC236}">
-                <a16:creationId xmlns:a16="http://schemas.microsoft.com/office/drawing/2014/main" id="{585A6C5C-78A9-42A3-B504-FA4747B8A7AC}"/>
+                <a16:creationId xmlns:a16="http://schemas.microsoft.com/office/drawing/2014/main" xmlns="" id="{585A6C5C-78A9-42A3-B504-FA4747B8A7AC}"/>
               </a:ext>
             </a:extLst>
           </p:cNvPr>
@@ -4716,20 +4734,85 @@
             <p:ph type="ctrTitle"/>
           </p:nvPr>
         </p:nvSpPr>
-        <p:spPr/>
-        <p:txBody>
-          <a:bodyPr/>
+        <p:spPr>
+          <a:xfrm>
+            <a:off x="1524000" y="1587586"/>
+            <a:ext cx="9144000" cy="2387600"/>
+          </a:xfrm>
+        </p:spPr>
+        <p:txBody>
+          <a:bodyPr>
+            <a:normAutofit/>
+          </a:bodyPr>
           <a:lstStyle/>
           <a:p>
             <a:r>
-              <a:rPr lang="en-US" altLang="zh-CN" dirty="0"/>
-              <a:t>sv6 for RV64 SMP</a:t>
+              <a:rPr lang="en-US" altLang="zh-CN" sz="4800" b="1" dirty="0">
+                <a:solidFill>
+                  <a:srgbClr val="11576A"/>
+                </a:solidFill>
+                <a:latin typeface="微软雅黑" pitchFamily="34" charset="-122"/>
+                <a:ea typeface="微软雅黑" pitchFamily="34" charset="-122"/>
+                <a:cs typeface="+mn-cs"/>
+              </a:rPr>
+              <a:t>sv6</a:t>
+            </a:r>
+            <a:r>
+              <a:rPr lang="en-US" altLang="zh-CN" sz="9600" dirty="0"/>
+              <a:t> </a:t>
+            </a:r>
+            <a:r>
+              <a:rPr lang="en-US" altLang="zh-CN" sz="4800" b="1" dirty="0">
+                <a:solidFill>
+                  <a:srgbClr val="11576A"/>
+                </a:solidFill>
+                <a:latin typeface="微软雅黑" pitchFamily="34" charset="-122"/>
+                <a:ea typeface="微软雅黑" pitchFamily="34" charset="-122"/>
+                <a:cs typeface="+mn-cs"/>
+              </a:rPr>
+              <a:t>for RV64 </a:t>
+            </a:r>
+            <a:r>
+              <a:rPr lang="en-US" altLang="zh-CN" sz="4800" b="1" dirty="0">
+                <a:solidFill>
+                  <a:srgbClr val="11576A"/>
+                </a:solidFill>
+                <a:latin typeface="微软雅黑" pitchFamily="34" charset="-122"/>
+                <a:ea typeface="微软雅黑" pitchFamily="34" charset="-122"/>
+                <a:cs typeface="+mn-cs"/>
+              </a:rPr>
+              <a:t>SMP</a:t>
+            </a:r>
+            <a:r>
+              <a:rPr lang="en-US" altLang="zh-CN" sz="4800" b="1" dirty="0">
+                <a:solidFill>
+                  <a:srgbClr val="11576A"/>
+                </a:solidFill>
+                <a:latin typeface="微软雅黑" pitchFamily="34" charset="-122"/>
+                <a:ea typeface="微软雅黑" pitchFamily="34" charset="-122"/>
+                <a:cs typeface="+mn-cs"/>
+              </a:rPr>
+              <a:t/>
             </a:r>
             <a:br>
-              <a:rPr lang="en-US" altLang="zh-CN" dirty="0"/>
+              <a:rPr lang="en-US" altLang="zh-CN" sz="4800" b="1" dirty="0">
+                <a:solidFill>
+                  <a:srgbClr val="11576A"/>
+                </a:solidFill>
+                <a:latin typeface="微软雅黑" pitchFamily="34" charset="-122"/>
+                <a:ea typeface="微软雅黑" pitchFamily="34" charset="-122"/>
+                <a:cs typeface="+mn-cs"/>
+              </a:rPr>
             </a:br>
             <a:r>
-              <a:rPr lang="zh-CN" altLang="en-US" dirty="0"/>
+              <a:rPr lang="zh-CN" altLang="en-US" sz="4800" b="1" dirty="0">
+                <a:solidFill>
+                  <a:srgbClr val="11576A"/>
+                </a:solidFill>
+                <a:latin typeface="微软雅黑" pitchFamily="34" charset="-122"/>
+                <a:ea typeface="微软雅黑" pitchFamily="34" charset="-122"/>
+                <a:cs typeface="+mn-cs"/>
+              </a:rPr>
               <a:t>课程设计中期报告</a:t>
             </a:r>
           </a:p>
@@ -4740,7 +4823,7 @@
           <p:cNvPr id="3" name="副标题 2">
             <a:extLst>
               <a:ext uri="{FF2B5EF4-FFF2-40B4-BE49-F238E27FC236}">
-                <a16:creationId xmlns:a16="http://schemas.microsoft.com/office/drawing/2014/main" id="{FE645471-E7C3-4B41-B02C-E4467F26772C}"/>
+                <a16:creationId xmlns:a16="http://schemas.microsoft.com/office/drawing/2014/main" xmlns="" id="{FE645471-E7C3-4B41-B02C-E4467F26772C}"/>
               </a:ext>
             </a:extLst>
           </p:cNvPr>
@@ -4751,26 +4834,75 @@
             <p:ph type="subTitle" idx="1"/>
           </p:nvPr>
         </p:nvSpPr>
-        <p:spPr/>
-        <p:txBody>
-          <a:bodyPr/>
+        <p:spPr>
+          <a:xfrm>
+            <a:off x="1524000" y="4372058"/>
+            <a:ext cx="9144000" cy="1655763"/>
+          </a:xfrm>
+        </p:spPr>
+        <p:txBody>
+          <a:bodyPr>
+            <a:normAutofit/>
+          </a:bodyPr>
           <a:lstStyle/>
           <a:p>
             <a:r>
-              <a:rPr lang="zh-CN" altLang="en-US" dirty="0"/>
+              <a:rPr lang="zh-CN" altLang="en-US" sz="3000" b="1" dirty="0">
+                <a:solidFill>
+                  <a:srgbClr val="11576A"/>
+                </a:solidFill>
+                <a:latin typeface="微软雅黑" pitchFamily="34" charset="-122"/>
+                <a:ea typeface="微软雅黑" pitchFamily="34" charset="-122"/>
+              </a:rPr>
               <a:t>计</a:t>
             </a:r>
             <a:r>
-              <a:rPr lang="en-US" altLang="zh-CN" dirty="0"/>
+              <a:rPr lang="en-US" altLang="zh-CN" sz="3000" b="1" dirty="0">
+                <a:solidFill>
+                  <a:srgbClr val="11576A"/>
+                </a:solidFill>
+                <a:latin typeface="微软雅黑" pitchFamily="34" charset="-122"/>
+                <a:ea typeface="微软雅黑" pitchFamily="34" charset="-122"/>
+              </a:rPr>
               <a:t>53 </a:t>
             </a:r>
             <a:r>
-              <a:rPr lang="zh-CN" altLang="en-US" dirty="0"/>
+              <a:rPr lang="zh-CN" altLang="en-US" sz="3000" b="1" dirty="0">
+                <a:solidFill>
+                  <a:srgbClr val="11576A"/>
+                </a:solidFill>
+                <a:latin typeface="微软雅黑" pitchFamily="34" charset="-122"/>
+                <a:ea typeface="微软雅黑" pitchFamily="34" charset="-122"/>
+              </a:rPr>
               <a:t>谭闻德 尹宇峰</a:t>
             </a:r>
           </a:p>
         </p:txBody>
       </p:sp>
+      <p:pic>
+        <p:nvPicPr>
+          <p:cNvPr id="5" name="图片 4" descr="封面.jpg"/>
+          <p:cNvPicPr>
+            <a:picLocks noChangeAspect="1"/>
+          </p:cNvPicPr>
+          <p:nvPr/>
+        </p:nvPicPr>
+        <p:blipFill>
+          <a:blip r:embed="rId3" cstate="print"/>
+          <a:stretch>
+            <a:fillRect/>
+          </a:stretch>
+        </p:blipFill>
+        <p:spPr>
+          <a:xfrm>
+            <a:off x="463552" y="423066"/>
+            <a:ext cx="4591364" cy="1214446"/>
+          </a:xfrm>
+          <a:prstGeom prst="rect">
+            <a:avLst/>
+          </a:prstGeom>
+        </p:spPr>
+      </p:pic>
     </p:spTree>
     <p:extLst>
       <p:ext uri="{BB962C8B-B14F-4D97-AF65-F5344CB8AC3E}">
@@ -4781,6 +4913,218 @@
   <p:clrMapOvr>
     <a:masterClrMapping/>
   </p:clrMapOvr>
+  <p:timing>
+    <p:tnLst>
+      <p:par>
+        <p:cTn id="1" dur="indefinite" restart="never" nodeType="tmRoot">
+          <p:childTnLst>
+            <p:seq concurrent="1" nextAc="seek">
+              <p:cTn id="2" dur="indefinite" nodeType="mainSeq">
+                <p:childTnLst>
+                  <p:par>
+                    <p:cTn id="3" fill="hold">
+                      <p:stCondLst>
+                        <p:cond delay="indefinite"/>
+                        <p:cond evt="onBegin" delay="0">
+                          <p:tn val="2"/>
+                        </p:cond>
+                      </p:stCondLst>
+                      <p:childTnLst>
+                        <p:par>
+                          <p:cTn id="4" fill="hold">
+                            <p:stCondLst>
+                              <p:cond delay="0"/>
+                            </p:stCondLst>
+                            <p:childTnLst>
+                              <p:par>
+                                <p:cTn id="5" presetID="10" presetClass="exit" presetSubtype="0" fill="hold" nodeType="withEffect">
+                                  <p:stCondLst>
+                                    <p:cond delay="0"/>
+                                  </p:stCondLst>
+                                  <p:childTnLst>
+                                    <p:animEffect transition="out" filter="fade">
+                                      <p:cBhvr>
+                                        <p:cTn id="6" dur="500"/>
+                                        <p:tgtEl>
+                                          <p:spTgt spid="4"/>
+                                        </p:tgtEl>
+                                      </p:cBhvr>
+                                    </p:animEffect>
+                                    <p:set>
+                                      <p:cBhvr>
+                                        <p:cTn id="7" dur="1" fill="hold">
+                                          <p:stCondLst>
+                                            <p:cond delay="499"/>
+                                          </p:stCondLst>
+                                        </p:cTn>
+                                        <p:tgtEl>
+                                          <p:spTgt spid="4"/>
+                                        </p:tgtEl>
+                                        <p:attrNameLst>
+                                          <p:attrName>style.visibility</p:attrName>
+                                        </p:attrNameLst>
+                                      </p:cBhvr>
+                                      <p:to>
+                                        <p:strVal val="hidden"/>
+                                      </p:to>
+                                    </p:set>
+                                  </p:childTnLst>
+                                </p:cTn>
+                              </p:par>
+                            </p:childTnLst>
+                          </p:cTn>
+                        </p:par>
+                      </p:childTnLst>
+                    </p:cTn>
+                  </p:par>
+                  <p:par>
+                    <p:cTn id="8" fill="hold">
+                      <p:stCondLst>
+                        <p:cond delay="indefinite"/>
+                      </p:stCondLst>
+                      <p:childTnLst>
+                        <p:par>
+                          <p:cTn id="9" fill="hold">
+                            <p:stCondLst>
+                              <p:cond delay="0"/>
+                            </p:stCondLst>
+                            <p:childTnLst>
+                              <p:par>
+                                <p:cTn id="10" presetID="23" presetClass="exit" presetSubtype="16" fill="hold" nodeType="clickEffect">
+                                  <p:stCondLst>
+                                    <p:cond delay="0"/>
+                                  </p:stCondLst>
+                                  <p:childTnLst>
+                                    <p:anim calcmode="lin" valueType="num">
+                                      <p:cBhvr>
+                                        <p:cTn id="11" dur="500"/>
+                                        <p:tgtEl>
+                                          <p:spTgt spid="5"/>
+                                        </p:tgtEl>
+                                        <p:attrNameLst>
+                                          <p:attrName>ppt_w</p:attrName>
+                                        </p:attrNameLst>
+                                      </p:cBhvr>
+                                      <p:tavLst>
+                                        <p:tav tm="0">
+                                          <p:val>
+                                            <p:strVal val="ppt_w"/>
+                                          </p:val>
+                                        </p:tav>
+                                        <p:tav tm="100000">
+                                          <p:val>
+                                            <p:strVal val="4*ppt_w"/>
+                                          </p:val>
+                                        </p:tav>
+                                      </p:tavLst>
+                                    </p:anim>
+                                    <p:anim calcmode="lin" valueType="num">
+                                      <p:cBhvr>
+                                        <p:cTn id="12" dur="500"/>
+                                        <p:tgtEl>
+                                          <p:spTgt spid="5"/>
+                                        </p:tgtEl>
+                                        <p:attrNameLst>
+                                          <p:attrName>ppt_h</p:attrName>
+                                        </p:attrNameLst>
+                                      </p:cBhvr>
+                                      <p:tavLst>
+                                        <p:tav tm="0">
+                                          <p:val>
+                                            <p:strVal val="ppt_h"/>
+                                          </p:val>
+                                        </p:tav>
+                                        <p:tav tm="100000">
+                                          <p:val>
+                                            <p:strVal val="4*ppt_h"/>
+                                          </p:val>
+                                        </p:tav>
+                                      </p:tavLst>
+                                    </p:anim>
+                                    <p:set>
+                                      <p:cBhvr>
+                                        <p:cTn id="13" dur="1" fill="hold">
+                                          <p:stCondLst>
+                                            <p:cond delay="499"/>
+                                          </p:stCondLst>
+                                        </p:cTn>
+                                        <p:tgtEl>
+                                          <p:spTgt spid="5"/>
+                                        </p:tgtEl>
+                                        <p:attrNameLst>
+                                          <p:attrName>style.visibility</p:attrName>
+                                        </p:attrNameLst>
+                                      </p:cBhvr>
+                                      <p:to>
+                                        <p:strVal val="hidden"/>
+                                      </p:to>
+                                    </p:set>
+                                  </p:childTnLst>
+                                </p:cTn>
+                              </p:par>
+                              <p:par>
+                                <p:cTn id="14" presetID="10" presetClass="exit" presetSubtype="0" fill="hold" nodeType="withEffect">
+                                  <p:stCondLst>
+                                    <p:cond delay="0"/>
+                                  </p:stCondLst>
+                                  <p:childTnLst>
+                                    <p:animEffect transition="out" filter="fade">
+                                      <p:cBhvr>
+                                        <p:cTn id="15" dur="500"/>
+                                        <p:tgtEl>
+                                          <p:spTgt spid="5"/>
+                                        </p:tgtEl>
+                                      </p:cBhvr>
+                                    </p:animEffect>
+                                    <p:set>
+                                      <p:cBhvr>
+                                        <p:cTn id="16" dur="1" fill="hold">
+                                          <p:stCondLst>
+                                            <p:cond delay="499"/>
+                                          </p:stCondLst>
+                                        </p:cTn>
+                                        <p:tgtEl>
+                                          <p:spTgt spid="5"/>
+                                        </p:tgtEl>
+                                        <p:attrNameLst>
+                                          <p:attrName>style.visibility</p:attrName>
+                                        </p:attrNameLst>
+                                      </p:cBhvr>
+                                      <p:to>
+                                        <p:strVal val="hidden"/>
+                                      </p:to>
+                                    </p:set>
+                                  </p:childTnLst>
+                                </p:cTn>
+                              </p:par>
+                            </p:childTnLst>
+                          </p:cTn>
+                        </p:par>
+                      </p:childTnLst>
+                    </p:cTn>
+                  </p:par>
+                </p:childTnLst>
+              </p:cTn>
+              <p:prevCondLst>
+                <p:cond evt="onPrev" delay="0">
+                  <p:tgtEl>
+                    <p:sldTgt/>
+                  </p:tgtEl>
+                </p:cond>
+              </p:prevCondLst>
+              <p:nextCondLst>
+                <p:cond evt="onNext" delay="0">
+                  <p:tgtEl>
+                    <p:sldTgt/>
+                  </p:tgtEl>
+                </p:cond>
+              </p:nextCondLst>
+            </p:seq>
+          </p:childTnLst>
+        </p:cTn>
+      </p:par>
+    </p:tnLst>
+  </p:timing>
 </p:sld>
 </file>
 
@@ -4806,7 +5150,7 @@
           <p:cNvPr id="2" name="标题 1">
             <a:extLst>
               <a:ext uri="{FF2B5EF4-FFF2-40B4-BE49-F238E27FC236}">
-                <a16:creationId xmlns:a16="http://schemas.microsoft.com/office/drawing/2014/main" id="{4CD68B50-4262-4C21-9035-513481634954}"/>
+                <a16:creationId xmlns:a16="http://schemas.microsoft.com/office/drawing/2014/main" xmlns="" id="{6574E422-76EE-4C88-BB7D-937A4B1A9138}"/>
               </a:ext>
             </a:extLst>
           </p:cNvPr>
@@ -4824,27 +5168,19 @@
           <a:p>
             <a:r>
               <a:rPr lang="en-US" altLang="zh-CN" dirty="0"/>
-              <a:t>4. </a:t>
-            </a:r>
-            <a:r>
-              <a:rPr lang="zh-CN" altLang="en-US" dirty="0"/>
-              <a:t>开始移植 </a:t>
+              <a:t>3. </a:t>
+            </a:r>
+            <a:r>
+              <a:rPr lang="zh-CN" altLang="en-US" dirty="0"/>
+              <a:t>动手实践</a:t>
             </a:r>
             <a:r>
               <a:rPr lang="en-US" altLang="zh-CN" dirty="0"/>
-              <a:t>— </a:t>
-            </a:r>
-            <a:r>
-              <a:rPr lang="zh-CN" altLang="en-US" dirty="0"/>
-              <a:t>正在进行中， 预计第</a:t>
-            </a:r>
-            <a:r>
-              <a:rPr lang="en-US" altLang="zh-CN" dirty="0"/>
-              <a:t>10</a:t>
-            </a:r>
-            <a:r>
-              <a:rPr lang="zh-CN" altLang="en-US" dirty="0"/>
-              <a:t>周周末完成</a:t>
+              <a:t>RV64 SMP — </a:t>
+            </a:r>
+            <a:r>
+              <a:rPr lang="zh-CN" altLang="en-US" dirty="0"/>
+              <a:t>已完成</a:t>
             </a:r>
           </a:p>
         </p:txBody>
@@ -4854,7 +5190,7 @@
           <p:cNvPr id="3" name="内容占位符 2">
             <a:extLst>
               <a:ext uri="{FF2B5EF4-FFF2-40B4-BE49-F238E27FC236}">
-                <a16:creationId xmlns:a16="http://schemas.microsoft.com/office/drawing/2014/main" id="{0E20CE13-36E1-4457-B1B1-0CE61F1566C9}"/>
+                <a16:creationId xmlns:a16="http://schemas.microsoft.com/office/drawing/2014/main" xmlns="" id="{4DF120F4-6DFD-46FF-87F2-3C0FF4DEA595}"/>
               </a:ext>
             </a:extLst>
           </p:cNvPr>
@@ -4867,65 +5203,158 @@
         </p:nvSpPr>
         <p:spPr/>
         <p:txBody>
-          <a:bodyPr/>
+          <a:bodyPr>
+            <a:normAutofit fontScale="85000" lnSpcReduction="20000"/>
+          </a:bodyPr>
           <a:lstStyle/>
           <a:p>
             <a:r>
               <a:rPr lang="zh-CN" altLang="en-US" dirty="0"/>
-              <a:t>开始将</a:t>
+              <a:t>基于</a:t>
+            </a:r>
+            <a:r>
+              <a:rPr lang="en-US" altLang="zh-CN" dirty="0" err="1"/>
+              <a:t>bbl</a:t>
+            </a:r>
+            <a:r>
+              <a:rPr lang="zh-CN" altLang="en-US" dirty="0"/>
+              <a:t>编写几个</a:t>
             </a:r>
             <a:r>
               <a:rPr lang="en-US" altLang="zh-CN" dirty="0"/>
-              <a:t>sv6</a:t>
-            </a:r>
-            <a:r>
-              <a:rPr lang="zh-CN" altLang="en-US" dirty="0"/>
-              <a:t>移植到</a:t>
+              <a:t>RV64 SMP</a:t>
+            </a:r>
+            <a:r>
+              <a:rPr lang="zh-CN" altLang="en-US" dirty="0"/>
+              <a:t>的小例子，注重</a:t>
             </a:r>
             <a:r>
               <a:rPr lang="en-US" altLang="zh-CN" dirty="0"/>
-              <a:t>RV64</a:t>
-            </a:r>
-            <a:r>
-              <a:rPr lang="zh-CN" altLang="en-US" dirty="0"/>
-              <a:t>单核环境。</a:t>
+              <a:t>SMP</a:t>
+            </a:r>
+            <a:r>
+              <a:rPr lang="zh-CN" altLang="en-US" dirty="0"/>
+              <a:t>的启动</a:t>
+            </a:r>
+            <a:r>
+              <a:rPr lang="zh-CN" altLang="en-US" dirty="0" smtClean="0"/>
+              <a:t>以及</a:t>
+            </a:r>
+            <a:r>
+              <a:rPr lang="zh-CN" altLang="en-US" dirty="0" smtClean="0"/>
+              <a:t>同步</a:t>
+            </a:r>
+            <a:r>
+              <a:rPr lang="zh-CN" altLang="en-US" dirty="0" smtClean="0"/>
+              <a:t>。</a:t>
+            </a:r>
+          </a:p>
+          <a:p>
+            <a:r>
+              <a:rPr lang="zh-CN" altLang="en-US" b="0" dirty="0" smtClean="0"/>
+              <a:t>这个</a:t>
+            </a:r>
+            <a:r>
+              <a:rPr lang="zh-CN" altLang="en-US" b="0" dirty="0"/>
+              <a:t>环节旨在熟悉</a:t>
+            </a:r>
+            <a:r>
+              <a:rPr lang="en-US" altLang="zh-CN" b="0" dirty="0"/>
+              <a:t>RV64 SMP</a:t>
+            </a:r>
+            <a:r>
+              <a:rPr lang="zh-CN" altLang="en-US" b="0" dirty="0"/>
+              <a:t>的一些关键性问题，例如谁负责启动</a:t>
+            </a:r>
+            <a:r>
+              <a:rPr lang="en-US" altLang="zh-CN" b="0" dirty="0"/>
+              <a:t>AP</a:t>
+            </a:r>
+            <a:r>
+              <a:rPr lang="zh-CN" altLang="en-US" b="0" dirty="0"/>
+              <a:t>（除了启动处理器之外的处理器</a:t>
+            </a:r>
+            <a:r>
+              <a:rPr lang="zh-CN" altLang="en-US" b="0" dirty="0" smtClean="0"/>
+              <a:t>核心</a:t>
+            </a:r>
+            <a:r>
+              <a:rPr lang="zh-CN" altLang="en-US" b="0" dirty="0" smtClean="0"/>
+              <a:t>称为</a:t>
+            </a:r>
+            <a:r>
+              <a:rPr lang="en-US" altLang="zh-CN" b="0" dirty="0" smtClean="0"/>
+              <a:t>AP</a:t>
+            </a:r>
+            <a:r>
+              <a:rPr lang="zh-CN" altLang="en-US" b="0" dirty="0" smtClean="0"/>
+              <a:t>）</a:t>
+            </a:r>
+            <a:r>
+              <a:rPr lang="zh-CN" altLang="en-US" b="0" dirty="0"/>
+              <a:t>，启动</a:t>
+            </a:r>
+            <a:r>
+              <a:rPr lang="en-US" altLang="zh-CN" b="0" dirty="0"/>
+              <a:t>AP</a:t>
+            </a:r>
+            <a:r>
+              <a:rPr lang="zh-CN" altLang="en-US" b="0" dirty="0"/>
+              <a:t>后的状态如何设置等</a:t>
+            </a:r>
+            <a:r>
+              <a:rPr lang="zh-CN" altLang="en-US" b="0" dirty="0" smtClean="0"/>
+              <a:t>。</a:t>
+            </a:r>
+          </a:p>
+          <a:p>
+            <a:endParaRPr lang="zh-CN" altLang="en-US" dirty="0"/>
+          </a:p>
+          <a:p>
+            <a:r>
+              <a:rPr lang="zh-CN" altLang="en-US" dirty="0"/>
+              <a:t>编写了</a:t>
+            </a:r>
+            <a:r>
+              <a:rPr lang="en-US" altLang="zh-CN" dirty="0"/>
+              <a:t>RV64 SMP</a:t>
+            </a:r>
+            <a:r>
+              <a:rPr lang="zh-CN" altLang="en-US" dirty="0"/>
+              <a:t>操作系统的例子，包括</a:t>
+            </a:r>
+            <a:r>
+              <a:rPr lang="en-US" altLang="zh-CN" dirty="0" err="1"/>
+              <a:t>VirtIO</a:t>
+            </a:r>
+            <a:r>
+              <a:rPr lang="zh-CN" altLang="en-US" dirty="0"/>
+              <a:t>驱动的简单例子。</a:t>
             </a:r>
             <a:endParaRPr lang="en-US" altLang="zh-CN" dirty="0"/>
           </a:p>
           <a:p>
-            <a:r>
-              <a:rPr lang="zh-CN" altLang="en-US" dirty="0"/>
-              <a:t>这个阶段的重点以及难点都在于将原有的</a:t>
-            </a:r>
-            <a:r>
-              <a:rPr lang="en-US" altLang="zh-CN" dirty="0"/>
-              <a:t>x86-64</a:t>
-            </a:r>
-            <a:r>
-              <a:rPr lang="zh-CN" altLang="en-US" dirty="0"/>
-              <a:t>相关的部分在</a:t>
-            </a:r>
-            <a:r>
-              <a:rPr lang="en-US" altLang="zh-CN" dirty="0"/>
-              <a:t>RV64</a:t>
-            </a:r>
-            <a:r>
-              <a:rPr lang="zh-CN" altLang="en-US" dirty="0"/>
-              <a:t>架构下重新实现，包括虚拟内存管理、中断和异常（包括系统调用）、寄存器上下文、内核栈设置、外设中断配置、设备驱动程序等。</a:t>
-            </a:r>
+            <a:endParaRPr lang="zh-CN" altLang="en-US" dirty="0"/>
           </a:p>
         </p:txBody>
       </p:sp>
     </p:spTree>
     <p:extLst>
       <p:ext uri="{BB962C8B-B14F-4D97-AF65-F5344CB8AC3E}">
-        <p14:creationId xmlns:p14="http://schemas.microsoft.com/office/powerpoint/2010/main" val="785319177"/>
+        <p14:creationId xmlns:p14="http://schemas.microsoft.com/office/powerpoint/2010/main" val="3921915252"/>
       </p:ext>
     </p:extLst>
   </p:cSld>
   <p:clrMapOvr>
     <a:masterClrMapping/>
   </p:clrMapOvr>
+  <p:timing>
+    <p:tnLst>
+      <p:par>
+        <p:cTn id="1" dur="indefinite" restart="never" nodeType="tmRoot"/>
+      </p:par>
+    </p:tnLst>
+  </p:timing>
 </p:sld>
 </file>
 
@@ -4951,7 +5380,7 @@
           <p:cNvPr id="2" name="标题 1">
             <a:extLst>
               <a:ext uri="{FF2B5EF4-FFF2-40B4-BE49-F238E27FC236}">
-                <a16:creationId xmlns:a16="http://schemas.microsoft.com/office/drawing/2014/main" id="{BCBA9B95-E0F2-4B04-AB71-E4F0ED3EF815}"/>
+                <a16:creationId xmlns:a16="http://schemas.microsoft.com/office/drawing/2014/main" xmlns="" id="{4CD68B50-4262-4C21-9035-513481634954}"/>
               </a:ext>
             </a:extLst>
           </p:cNvPr>
@@ -4964,16 +5393,18 @@
         </p:nvSpPr>
         <p:spPr/>
         <p:txBody>
-          <a:bodyPr/>
+          <a:bodyPr>
+            <a:normAutofit fontScale="90000"/>
+          </a:bodyPr>
           <a:lstStyle/>
           <a:p>
             <a:r>
               <a:rPr lang="en-US" altLang="zh-CN" dirty="0"/>
-              <a:t>5.</a:t>
-            </a:r>
-            <a:r>
-              <a:rPr lang="zh-CN" altLang="en-US" dirty="0"/>
-              <a:t>多核移植 </a:t>
+              <a:t>4. </a:t>
+            </a:r>
+            <a:r>
+              <a:rPr lang="zh-CN" altLang="en-US" dirty="0"/>
+              <a:t>开始移植 </a:t>
             </a:r>
             <a:r>
               <a:rPr lang="en-US" altLang="zh-CN" dirty="0"/>
@@ -4981,7 +5412,7 @@
             </a:r>
             <a:r>
               <a:rPr lang="zh-CN" altLang="en-US" dirty="0"/>
-              <a:t>预计第</a:t>
+              <a:t>正在进行中， 预计第</a:t>
             </a:r>
             <a:r>
               <a:rPr lang="en-US" altLang="zh-CN" dirty="0"/>
@@ -4999,7 +5430,7 @@
           <p:cNvPr id="3" name="内容占位符 2">
             <a:extLst>
               <a:ext uri="{FF2B5EF4-FFF2-40B4-BE49-F238E27FC236}">
-                <a16:creationId xmlns:a16="http://schemas.microsoft.com/office/drawing/2014/main" id="{FF188E51-D75D-4640-B521-EBCD71ABFF61}"/>
+                <a16:creationId xmlns:a16="http://schemas.microsoft.com/office/drawing/2014/main" xmlns="" id="{0E20CE13-36E1-4457-B1B1-0CE61F1566C9}"/>
               </a:ext>
             </a:extLst>
           </p:cNvPr>
@@ -5012,12 +5443,14 @@
         </p:nvSpPr>
         <p:spPr/>
         <p:txBody>
-          <a:bodyPr/>
+          <a:bodyPr>
+            <a:normAutofit fontScale="85000" lnSpcReduction="20000"/>
+          </a:bodyPr>
           <a:lstStyle/>
           <a:p>
             <a:r>
               <a:rPr lang="zh-CN" altLang="en-US" dirty="0"/>
-              <a:t>进一步将</a:t>
+              <a:t>开始将</a:t>
             </a:r>
             <a:r>
               <a:rPr lang="en-US" altLang="zh-CN" dirty="0"/>
@@ -5033,28 +5466,133 @@
             </a:r>
             <a:r>
               <a:rPr lang="zh-CN" altLang="en-US" dirty="0"/>
-              <a:t>多核系统。</a:t>
+              <a:t>单核环境。</a:t>
             </a:r>
             <a:endParaRPr lang="en-US" altLang="zh-CN" dirty="0"/>
           </a:p>
           <a:p>
             <a:r>
-              <a:rPr lang="zh-CN" altLang="en-US" dirty="0"/>
-              <a:t>注：根据实际情况，单核和多核的移植可以分开或者同时进行。</a:t>
-            </a:r>
+              <a:rPr lang="zh-CN" altLang="en-US" dirty="0" smtClean="0"/>
+              <a:t>重点</a:t>
+            </a:r>
+            <a:r>
+              <a:rPr lang="zh-CN" altLang="en-US" dirty="0"/>
+              <a:t>以及</a:t>
+            </a:r>
+            <a:r>
+              <a:rPr lang="zh-CN" altLang="en-US" dirty="0" smtClean="0"/>
+              <a:t>难点在于将</a:t>
+            </a:r>
+            <a:r>
+              <a:rPr lang="en-US" altLang="zh-CN" dirty="0" smtClean="0"/>
+              <a:t>ISA</a:t>
+            </a:r>
+            <a:r>
+              <a:rPr lang="zh-CN" altLang="en-US" dirty="0" smtClean="0"/>
+              <a:t>相关的代码</a:t>
+            </a:r>
+            <a:r>
+              <a:rPr lang="zh-CN" altLang="en-US" dirty="0" smtClean="0"/>
+              <a:t>重新</a:t>
+            </a:r>
+            <a:r>
+              <a:rPr lang="zh-CN" altLang="en-US" dirty="0"/>
+              <a:t>实现，</a:t>
+            </a:r>
+            <a:r>
+              <a:rPr lang="zh-CN" altLang="en-US" dirty="0" smtClean="0"/>
+              <a:t>包括：</a:t>
+            </a:r>
+          </a:p>
+          <a:p>
+            <a:pPr lvl="1"/>
+            <a:r>
+              <a:rPr lang="zh-CN" altLang="en-US" b="0" dirty="0" smtClean="0"/>
+              <a:t>虚拟</a:t>
+            </a:r>
+            <a:r>
+              <a:rPr lang="zh-CN" altLang="en-US" b="0" dirty="0"/>
+              <a:t>内存管理、中断和异常（包括系统调用</a:t>
+            </a:r>
+            <a:r>
+              <a:rPr lang="zh-CN" altLang="en-US" b="0" dirty="0" smtClean="0"/>
+              <a:t>）、</a:t>
+            </a:r>
+            <a:r>
+              <a:rPr lang="zh-CN" altLang="en-US" b="0" dirty="0" smtClean="0"/>
+              <a:t>原子操作指令</a:t>
+            </a:r>
+            <a:r>
+              <a:rPr lang="zh-CN" altLang="en-US" b="0" dirty="0" smtClean="0"/>
+              <a:t>、</a:t>
+            </a:r>
+            <a:r>
+              <a:rPr lang="zh-CN" altLang="en-US" b="0" dirty="0"/>
+              <a:t>寄存器上下文、内核栈设置、外设中断配置、设备驱动程序等</a:t>
+            </a:r>
+            <a:r>
+              <a:rPr lang="zh-CN" altLang="en-US" b="0" dirty="0" smtClean="0"/>
+              <a:t>。</a:t>
+            </a:r>
+          </a:p>
+          <a:p>
+            <a:endParaRPr lang="zh-CN" altLang="en-US" dirty="0"/>
+          </a:p>
+          <a:p>
+            <a:r>
+              <a:rPr lang="zh-CN" altLang="en-US" dirty="0"/>
+              <a:t>修复了</a:t>
+            </a:r>
+            <a:r>
+              <a:rPr lang="en-US" altLang="zh-CN" dirty="0"/>
+              <a:t>x86-64</a:t>
+            </a:r>
+            <a:r>
+              <a:rPr lang="zh-CN" altLang="en-US" dirty="0"/>
+              <a:t>平台上原始的</a:t>
+            </a:r>
+            <a:r>
+              <a:rPr lang="en-US" altLang="zh-CN" dirty="0"/>
+              <a:t>sv6</a:t>
+            </a:r>
+            <a:r>
+              <a:rPr lang="zh-CN" altLang="en-US" dirty="0"/>
+              <a:t>，使其可以正常编译及运行。目前不确定现在的修复方案是否有潜在风险。</a:t>
+            </a:r>
+            <a:endParaRPr lang="en-US" altLang="zh-CN" dirty="0"/>
+          </a:p>
+          <a:p>
+            <a:r>
+              <a:rPr lang="zh-CN" altLang="en-US" dirty="0" smtClean="0"/>
+              <a:t>移植时遇到问题，正在解决。</a:t>
+            </a:r>
+            <a:endParaRPr lang="zh-CN" altLang="en-US" dirty="0" smtClean="0"/>
+          </a:p>
+          <a:p>
+            <a:endParaRPr lang="zh-CN" altLang="en-US" dirty="0"/>
+          </a:p>
+          <a:p>
+            <a:endParaRPr lang="zh-CN" altLang="en-US" dirty="0"/>
           </a:p>
         </p:txBody>
       </p:sp>
     </p:spTree>
     <p:extLst>
       <p:ext uri="{BB962C8B-B14F-4D97-AF65-F5344CB8AC3E}">
-        <p14:creationId xmlns:p14="http://schemas.microsoft.com/office/powerpoint/2010/main" val="3211046114"/>
+        <p14:creationId xmlns:p14="http://schemas.microsoft.com/office/powerpoint/2010/main" val="785319177"/>
       </p:ext>
     </p:extLst>
   </p:cSld>
   <p:clrMapOvr>
     <a:masterClrMapping/>
   </p:clrMapOvr>
+  <p:timing>
+    <p:tnLst>
+      <p:par>
+        <p:cTn id="1" dur="indefinite" restart="never" nodeType="tmRoot"/>
+      </p:par>
+    </p:tnLst>
+  </p:timing>
 </p:sld>
 </file>
 
@@ -5080,7 +5618,7 @@
           <p:cNvPr id="2" name="标题 1">
             <a:extLst>
               <a:ext uri="{FF2B5EF4-FFF2-40B4-BE49-F238E27FC236}">
-                <a16:creationId xmlns:a16="http://schemas.microsoft.com/office/drawing/2014/main" id="{043686EC-D06D-4F2D-BB38-38581B87A4DD}"/>
+                <a16:creationId xmlns:a16="http://schemas.microsoft.com/office/drawing/2014/main" xmlns="" id="{BCBA9B95-E0F2-4B04-AB71-E4F0ED3EF815}"/>
               </a:ext>
             </a:extLst>
           </p:cNvPr>
@@ -5098,11 +5636,11 @@
           <a:p>
             <a:r>
               <a:rPr lang="en-US" altLang="zh-CN" dirty="0"/>
-              <a:t>6. </a:t>
-            </a:r>
-            <a:r>
-              <a:rPr lang="zh-CN" altLang="en-US" dirty="0"/>
-              <a:t>完善驱动程序 </a:t>
+              <a:t>5.</a:t>
+            </a:r>
+            <a:r>
+              <a:rPr lang="zh-CN" altLang="en-US" dirty="0"/>
+              <a:t>多核移植 </a:t>
             </a:r>
             <a:r>
               <a:rPr lang="en-US" altLang="zh-CN" dirty="0"/>
@@ -5128,7 +5666,7 @@
           <p:cNvPr id="3" name="内容占位符 2">
             <a:extLst>
               <a:ext uri="{FF2B5EF4-FFF2-40B4-BE49-F238E27FC236}">
-                <a16:creationId xmlns:a16="http://schemas.microsoft.com/office/drawing/2014/main" id="{F4A744A2-5C7A-4C4F-A7BD-5D4587DF3A4A}"/>
+                <a16:creationId xmlns:a16="http://schemas.microsoft.com/office/drawing/2014/main" xmlns="" id="{FF188E51-D75D-4640-B521-EBCD71ABFF61}"/>
               </a:ext>
             </a:extLst>
           </p:cNvPr>
@@ -5146,7 +5684,15 @@
           <a:p>
             <a:r>
               <a:rPr lang="zh-CN" altLang="en-US" dirty="0"/>
-              <a:t>由于</a:t>
+              <a:t>进一步将</a:t>
+            </a:r>
+            <a:r>
+              <a:rPr lang="en-US" altLang="zh-CN" dirty="0"/>
+              <a:t>sv6</a:t>
+            </a:r>
+            <a:r>
+              <a:rPr lang="zh-CN" altLang="en-US" dirty="0"/>
+              <a:t>移植到</a:t>
             </a:r>
             <a:r>
               <a:rPr lang="en-US" altLang="zh-CN" dirty="0"/>
@@ -5154,55 +5700,18 @@
             </a:r>
             <a:r>
               <a:rPr lang="zh-CN" altLang="en-US" dirty="0"/>
-              <a:t>与</a:t>
-            </a:r>
-            <a:r>
-              <a:rPr lang="en-US" altLang="zh-CN" dirty="0"/>
-              <a:t>x86-64</a:t>
-            </a:r>
-            <a:r>
-              <a:rPr lang="zh-CN" altLang="en-US" dirty="0"/>
-              <a:t>架构有所不同，外设差异也相当大，驱动程序无法兼容。为此，需要针对</a:t>
-            </a:r>
-            <a:r>
-              <a:rPr lang="en-US" altLang="zh-CN" dirty="0"/>
-              <a:t>RV64</a:t>
-            </a:r>
-            <a:r>
-              <a:rPr lang="zh-CN" altLang="en-US" dirty="0"/>
-              <a:t>的情况，自行实现或者从已有的</a:t>
-            </a:r>
-            <a:r>
-              <a:rPr lang="en-US" altLang="zh-CN" dirty="0"/>
-              <a:t>RV64</a:t>
-            </a:r>
-            <a:r>
-              <a:rPr lang="zh-CN" altLang="en-US" dirty="0"/>
-              <a:t>操作系统（如</a:t>
-            </a:r>
-            <a:r>
-              <a:rPr lang="en-US" altLang="zh-CN" dirty="0"/>
-              <a:t>Linux</a:t>
-            </a:r>
-            <a:r>
-              <a:rPr lang="zh-CN" altLang="en-US" dirty="0"/>
-              <a:t>）移植驱动程序，特别是磁盘驱动程序以及网卡驱动程序。磁盘起到信息持久化存储的作用，而网络起到与外界交换数据的作用。如果使用</a:t>
-            </a:r>
-            <a:r>
-              <a:rPr lang="en-US" altLang="zh-CN" dirty="0"/>
-              <a:t>QEMU</a:t>
-            </a:r>
-            <a:r>
-              <a:rPr lang="zh-CN" altLang="en-US" dirty="0"/>
-              <a:t>进行模拟，则需要实现</a:t>
-            </a:r>
-            <a:r>
-              <a:rPr lang="en-US" altLang="zh-CN" dirty="0" err="1"/>
-              <a:t>VirtIO</a:t>
-            </a:r>
-            <a:r>
-              <a:rPr lang="zh-CN" altLang="en-US" dirty="0"/>
-              <a:t>驱动程序；若要运行在真实硬件上，则需要根据硬件说明文档编写或移植相应的驱动程序。</a:t>
+              <a:t>多核系统。</a:t>
+            </a:r>
+            <a:endParaRPr lang="en-US" altLang="zh-CN" dirty="0"/>
+          </a:p>
+          <a:p>
+            <a:r>
+              <a:rPr lang="zh-CN" altLang="en-US" b="0" dirty="0" smtClean="0"/>
+              <a:t>根据</a:t>
+            </a:r>
+            <a:r>
+              <a:rPr lang="zh-CN" altLang="en-US" b="0" dirty="0"/>
+              <a:t>实际情况，单核和多核的移植可以分开或者同时进行。</a:t>
             </a:r>
           </a:p>
         </p:txBody>
@@ -5210,13 +5719,20 @@
     </p:spTree>
     <p:extLst>
       <p:ext uri="{BB962C8B-B14F-4D97-AF65-F5344CB8AC3E}">
-        <p14:creationId xmlns:p14="http://schemas.microsoft.com/office/powerpoint/2010/main" val="1633317973"/>
+        <p14:creationId xmlns:p14="http://schemas.microsoft.com/office/powerpoint/2010/main" val="3211046114"/>
       </p:ext>
     </p:extLst>
   </p:cSld>
   <p:clrMapOvr>
     <a:masterClrMapping/>
   </p:clrMapOvr>
+  <p:timing>
+    <p:tnLst>
+      <p:par>
+        <p:cTn id="1" dur="indefinite" restart="never" nodeType="tmRoot"/>
+      </p:par>
+    </p:tnLst>
+  </p:timing>
 </p:sld>
 </file>
 
@@ -5242,7 +5758,7 @@
           <p:cNvPr id="2" name="标题 1">
             <a:extLst>
               <a:ext uri="{FF2B5EF4-FFF2-40B4-BE49-F238E27FC236}">
-                <a16:creationId xmlns:a16="http://schemas.microsoft.com/office/drawing/2014/main" id="{6C8CB7DE-C399-4741-8D9D-62410CFB7759}"/>
+                <a16:creationId xmlns:a16="http://schemas.microsoft.com/office/drawing/2014/main" xmlns="" id="{043686EC-D06D-4F2D-BB38-38581B87A4DD}"/>
               </a:ext>
             </a:extLst>
           </p:cNvPr>
@@ -5260,11 +5776,11 @@
           <a:p>
             <a:r>
               <a:rPr lang="en-US" altLang="zh-CN" dirty="0"/>
-              <a:t>7.</a:t>
-            </a:r>
-            <a:r>
-              <a:rPr lang="zh-CN" altLang="en-US" dirty="0"/>
-              <a:t>进行性能测试 </a:t>
+              <a:t>6. </a:t>
+            </a:r>
+            <a:r>
+              <a:rPr lang="zh-CN" altLang="en-US" dirty="0"/>
+              <a:t>完善驱动程序 </a:t>
             </a:r>
             <a:r>
               <a:rPr lang="en-US" altLang="zh-CN" dirty="0"/>
@@ -5290,7 +5806,7 @@
           <p:cNvPr id="3" name="内容占位符 2">
             <a:extLst>
               <a:ext uri="{FF2B5EF4-FFF2-40B4-BE49-F238E27FC236}">
-                <a16:creationId xmlns:a16="http://schemas.microsoft.com/office/drawing/2014/main" id="{8C486641-64D1-482F-8FC8-D18699CB87D5}"/>
+                <a16:creationId xmlns:a16="http://schemas.microsoft.com/office/drawing/2014/main" xmlns="" id="{F4A744A2-5C7A-4C4F-A7BD-5D4587DF3A4A}"/>
               </a:ext>
             </a:extLst>
           </p:cNvPr>
@@ -5304,37 +5820,13 @@
         <p:spPr/>
         <p:txBody>
           <a:bodyPr>
-            <a:normAutofit/>
+            <a:normAutofit fontScale="92500"/>
           </a:bodyPr>
           <a:lstStyle/>
           <a:p>
             <a:r>
               <a:rPr lang="zh-CN" altLang="en-US" dirty="0"/>
-              <a:t>根据</a:t>
-            </a:r>
-            <a:r>
-              <a:rPr lang="en-US" altLang="zh-CN" dirty="0"/>
-              <a:t>sv6</a:t>
-            </a:r>
-            <a:r>
-              <a:rPr lang="zh-CN" altLang="en-US" dirty="0"/>
-              <a:t>论文提出的方法，尝试用</a:t>
-            </a:r>
-            <a:r>
-              <a:rPr lang="en-US" altLang="zh-CN" dirty="0"/>
-              <a:t>sv6</a:t>
-            </a:r>
-            <a:r>
-              <a:rPr lang="zh-CN" altLang="en-US" dirty="0"/>
-              <a:t>与</a:t>
-            </a:r>
-            <a:r>
-              <a:rPr lang="en-US" altLang="zh-CN" dirty="0"/>
-              <a:t>Linux</a:t>
-            </a:r>
-            <a:r>
-              <a:rPr lang="zh-CN" altLang="en-US" dirty="0"/>
-              <a:t>进行性能测试对比。为保证结果真实性，需要使用硬件</a:t>
+              <a:t>由于</a:t>
             </a:r>
             <a:r>
               <a:rPr lang="en-US" altLang="zh-CN" dirty="0"/>
@@ -5342,106 +5834,98 @@
             </a:r>
             <a:r>
               <a:rPr lang="zh-CN" altLang="en-US" dirty="0"/>
+              <a:t>与</a:t>
+            </a:r>
+            <a:r>
+              <a:rPr lang="en-US" altLang="zh-CN" dirty="0"/>
+              <a:t>x86-64</a:t>
+            </a:r>
+            <a:r>
+              <a:rPr lang="zh-CN" altLang="en-US" dirty="0"/>
+              <a:t>架构有所不同，外设差异也相当大，驱动程序无法兼容</a:t>
+            </a:r>
+            <a:r>
+              <a:rPr lang="zh-CN" altLang="en-US" dirty="0" smtClean="0"/>
               <a:t>。</a:t>
             </a:r>
-            <a:r>
-              <a:rPr lang="en-US" altLang="zh-CN" dirty="0" err="1"/>
-              <a:t>HiFive</a:t>
-            </a:r>
-            <a:r>
-              <a:rPr lang="en-US" altLang="zh-CN" dirty="0"/>
-              <a:t> Unleashed</a:t>
-            </a:r>
-            <a:r>
-              <a:rPr lang="zh-CN" altLang="en-US" dirty="0"/>
-              <a:t>是一个全新的</a:t>
-            </a:r>
-            <a:r>
-              <a:rPr lang="en-US" altLang="zh-CN" dirty="0"/>
-              <a:t>RV64 SMP</a:t>
-            </a:r>
-            <a:r>
-              <a:rPr lang="zh-CN" altLang="en-US" dirty="0"/>
-              <a:t>开发板，配置四核</a:t>
-            </a:r>
-            <a:r>
-              <a:rPr lang="en-US" altLang="zh-CN" dirty="0"/>
+          </a:p>
+          <a:p>
+            <a:r>
+              <a:rPr lang="zh-CN" altLang="en-US" b="0" dirty="0" smtClean="0"/>
+              <a:t>为此</a:t>
+            </a:r>
+            <a:r>
+              <a:rPr lang="zh-CN" altLang="en-US" b="0" dirty="0"/>
+              <a:t>，需要针对</a:t>
+            </a:r>
+            <a:r>
+              <a:rPr lang="en-US" altLang="zh-CN" b="0" dirty="0"/>
               <a:t>RV64</a:t>
             </a:r>
             <a:r>
-              <a:rPr lang="zh-CN" altLang="en-US" dirty="0"/>
-              <a:t>处理器，最高主频</a:t>
-            </a:r>
-            <a:r>
-              <a:rPr lang="en-US" altLang="zh-CN" dirty="0"/>
-              <a:t>1.5GHz</a:t>
-            </a:r>
-            <a:r>
-              <a:rPr lang="zh-CN" altLang="en-US" dirty="0"/>
-              <a:t>，配有</a:t>
-            </a:r>
-            <a:r>
-              <a:rPr lang="en-US" altLang="zh-CN" dirty="0"/>
-              <a:t>1Gbps</a:t>
-            </a:r>
-            <a:r>
-              <a:rPr lang="zh-CN" altLang="en-US" dirty="0"/>
-              <a:t>网卡和其他多种实用外设，</a:t>
-            </a:r>
-            <a:r>
-              <a:rPr lang="en-US" altLang="zh-CN" dirty="0"/>
-              <a:t>[1]</a:t>
-            </a:r>
-            <a:r>
-              <a:rPr lang="zh-CN" altLang="en-US" dirty="0"/>
-              <a:t>指出其特权指令集架构版本为</a:t>
-            </a:r>
-            <a:r>
-              <a:rPr lang="en-US" altLang="zh-CN" dirty="0"/>
-              <a:t>1.10</a:t>
-            </a:r>
-            <a:r>
-              <a:rPr lang="zh-CN" altLang="en-US" dirty="0"/>
-              <a:t>。此开发板售价为</a:t>
-            </a:r>
-            <a:r>
-              <a:rPr lang="en-US" altLang="zh-CN" dirty="0"/>
-              <a:t>999</a:t>
-            </a:r>
-            <a:r>
-              <a:rPr lang="zh-CN" altLang="en-US" dirty="0"/>
-              <a:t>美元，现已隆重发售。</a:t>
-            </a:r>
-            <a:endParaRPr lang="en-US" altLang="zh-CN" dirty="0"/>
-          </a:p>
-          <a:p>
-            <a:endParaRPr lang="en-US" altLang="zh-CN" dirty="0"/>
-          </a:p>
-          <a:p>
-            <a:pPr marL="0" indent="0">
-              <a:buNone/>
-            </a:pPr>
-            <a:endParaRPr lang="en-US" altLang="zh-CN" dirty="0"/>
-          </a:p>
-          <a:p>
-            <a:r>
-              <a:rPr lang="en-US" altLang="zh-CN" dirty="0"/>
-              <a:t>[1] Freedom U540-C000 Manualhttps://www.sifive.com/documentation/chips/freedom-u540-c000-manual/</a:t>
-            </a:r>
-            <a:endParaRPr lang="zh-CN" altLang="en-US" dirty="0"/>
+              <a:rPr lang="zh-CN" altLang="en-US" b="0" dirty="0"/>
+              <a:t>的情况，自行实现或者从已有的</a:t>
+            </a:r>
+            <a:r>
+              <a:rPr lang="en-US" altLang="zh-CN" b="0" dirty="0"/>
+              <a:t>RV64</a:t>
+            </a:r>
+            <a:r>
+              <a:rPr lang="zh-CN" altLang="en-US" b="0" dirty="0"/>
+              <a:t>操作系统（如</a:t>
+            </a:r>
+            <a:r>
+              <a:rPr lang="en-US" altLang="zh-CN" b="0" dirty="0"/>
+              <a:t>Linux</a:t>
+            </a:r>
+            <a:r>
+              <a:rPr lang="zh-CN" altLang="en-US" b="0" dirty="0"/>
+              <a:t>）移植驱动程序，特别是磁盘驱动程序以及网卡驱动程序</a:t>
+            </a:r>
+            <a:r>
+              <a:rPr lang="zh-CN" altLang="en-US" b="0" dirty="0" smtClean="0"/>
+              <a:t>。如果</a:t>
+            </a:r>
+            <a:r>
+              <a:rPr lang="zh-CN" altLang="en-US" b="0" dirty="0"/>
+              <a:t>使用</a:t>
+            </a:r>
+            <a:r>
+              <a:rPr lang="en-US" altLang="zh-CN" b="0" dirty="0"/>
+              <a:t>QEMU</a:t>
+            </a:r>
+            <a:r>
+              <a:rPr lang="zh-CN" altLang="en-US" b="0" dirty="0"/>
+              <a:t>进行模拟，则需要实现</a:t>
+            </a:r>
+            <a:r>
+              <a:rPr lang="en-US" altLang="zh-CN" b="0" dirty="0" err="1"/>
+              <a:t>VirtIO</a:t>
+            </a:r>
+            <a:r>
+              <a:rPr lang="zh-CN" altLang="en-US" b="0" dirty="0"/>
+              <a:t>驱动程序；若要运行在真实硬件上，则需要根据硬件说明文档编写或移植相应的驱动程序。</a:t>
+            </a:r>
           </a:p>
         </p:txBody>
       </p:sp>
     </p:spTree>
     <p:extLst>
       <p:ext uri="{BB962C8B-B14F-4D97-AF65-F5344CB8AC3E}">
-        <p14:creationId xmlns:p14="http://schemas.microsoft.com/office/powerpoint/2010/main" val="2591289274"/>
+        <p14:creationId xmlns:p14="http://schemas.microsoft.com/office/powerpoint/2010/main" val="1633317973"/>
       </p:ext>
     </p:extLst>
   </p:cSld>
   <p:clrMapOvr>
     <a:masterClrMapping/>
   </p:clrMapOvr>
+  <p:timing>
+    <p:tnLst>
+      <p:par>
+        <p:cTn id="1" dur="indefinite" restart="never" nodeType="tmRoot"/>
+      </p:par>
+    </p:tnLst>
+  </p:timing>
 </p:sld>
 </file>
 
@@ -5467,7 +5951,7 @@
           <p:cNvPr id="2" name="标题 1">
             <a:extLst>
               <a:ext uri="{FF2B5EF4-FFF2-40B4-BE49-F238E27FC236}">
-                <a16:creationId xmlns:a16="http://schemas.microsoft.com/office/drawing/2014/main" id="{C531DFB6-1B2E-4EE9-BA33-85D4025720E7}"/>
+                <a16:creationId xmlns:a16="http://schemas.microsoft.com/office/drawing/2014/main" xmlns="" id="{6C8CB7DE-C399-4741-8D9D-62410CFB7759}"/>
               </a:ext>
             </a:extLst>
           </p:cNvPr>
@@ -5485,19 +5969,11 @@
           <a:p>
             <a:r>
               <a:rPr lang="en-US" altLang="zh-CN" dirty="0"/>
-              <a:t>8.</a:t>
-            </a:r>
-            <a:r>
-              <a:rPr lang="zh-CN" altLang="en-US" dirty="0"/>
-              <a:t>学习并实践符号化执行方法、</a:t>
-            </a:r>
-            <a:r>
-              <a:rPr lang="en-US" altLang="zh-CN" dirty="0"/>
-              <a:t>Z3</a:t>
-            </a:r>
-            <a:r>
-              <a:rPr lang="zh-CN" altLang="en-US" dirty="0"/>
-              <a:t>求解器 </a:t>
+              <a:t>7.</a:t>
+            </a:r>
+            <a:r>
+              <a:rPr lang="zh-CN" altLang="en-US" dirty="0"/>
+              <a:t>进行性能测试 </a:t>
             </a:r>
             <a:r>
               <a:rPr lang="en-US" altLang="zh-CN" dirty="0"/>
@@ -5523,7 +5999,7 @@
           <p:cNvPr id="3" name="内容占位符 2">
             <a:extLst>
               <a:ext uri="{FF2B5EF4-FFF2-40B4-BE49-F238E27FC236}">
-                <a16:creationId xmlns:a16="http://schemas.microsoft.com/office/drawing/2014/main" id="{931A9D0A-EFF0-40BA-A135-9DFAF933DAFD}"/>
+                <a16:creationId xmlns:a16="http://schemas.microsoft.com/office/drawing/2014/main" xmlns="" id="{8C486641-64D1-482F-8FC8-D18699CB87D5}"/>
               </a:ext>
             </a:extLst>
           </p:cNvPr>
@@ -5536,39 +6012,19 @@
         </p:nvSpPr>
         <p:spPr/>
         <p:txBody>
-          <a:bodyPr/>
+          <a:bodyPr>
+            <a:normAutofit fontScale="70000" lnSpcReduction="20000"/>
+          </a:bodyPr>
           <a:lstStyle/>
           <a:p>
-            <a:r>
-              <a:rPr lang="zh-CN" altLang="en-US" dirty="0"/>
-              <a:t>学习符号化执行方法以及</a:t>
-            </a:r>
-            <a:r>
-              <a:rPr lang="en-US" altLang="zh-CN" dirty="0"/>
-              <a:t>Z3</a:t>
-            </a:r>
-            <a:r>
-              <a:rPr lang="zh-CN" altLang="en-US" dirty="0"/>
-              <a:t>求解器的使用。</a:t>
-            </a:r>
-            <a:endParaRPr lang="en-US" altLang="zh-CN" dirty="0"/>
-          </a:p>
-          <a:p>
-            <a:r>
-              <a:rPr lang="en-US" altLang="zh-CN" dirty="0"/>
-              <a:t>commuter</a:t>
-            </a:r>
-            <a:r>
-              <a:rPr lang="zh-CN" altLang="en-US" dirty="0"/>
-              <a:t>工具使用到了符号化执行方法以及</a:t>
-            </a:r>
-            <a:r>
-              <a:rPr lang="en-US" altLang="zh-CN" dirty="0"/>
-              <a:t>SMT</a:t>
-            </a:r>
-            <a:r>
-              <a:rPr lang="zh-CN" altLang="en-US" dirty="0"/>
-              <a:t>求解器，为了更好地完成</a:t>
+            <a:pPr>
+              <a:lnSpc>
+                <a:spcPct val="170000"/>
+              </a:lnSpc>
+            </a:pPr>
+            <a:r>
+              <a:rPr lang="zh-CN" altLang="en-US" dirty="0"/>
+              <a:t>根据</a:t>
             </a:r>
             <a:r>
               <a:rPr lang="en-US" altLang="zh-CN" dirty="0"/>
@@ -5576,21 +6032,175 @@
             </a:r>
             <a:r>
               <a:rPr lang="zh-CN" altLang="en-US" dirty="0"/>
-              <a:t>的优化，更好地写出接口规范，需要学习这两项内容。</a:t>
-            </a:r>
+              <a:t>论文提出的方法，尝试用</a:t>
+            </a:r>
+            <a:r>
+              <a:rPr lang="en-US" altLang="zh-CN" dirty="0"/>
+              <a:t>sv6</a:t>
+            </a:r>
+            <a:r>
+              <a:rPr lang="zh-CN" altLang="en-US" dirty="0"/>
+              <a:t>与</a:t>
+            </a:r>
+            <a:r>
+              <a:rPr lang="en-US" altLang="zh-CN" dirty="0"/>
+              <a:t>Linux</a:t>
+            </a:r>
+            <a:r>
+              <a:rPr lang="zh-CN" altLang="en-US" dirty="0"/>
+              <a:t>进行性能测试对比。为保证结果真实性，需要使用硬件</a:t>
+            </a:r>
+            <a:r>
+              <a:rPr lang="en-US" altLang="zh-CN" dirty="0"/>
+              <a:t>RV64</a:t>
+            </a:r>
+            <a:r>
+              <a:rPr lang="zh-CN" altLang="en-US" dirty="0" smtClean="0"/>
+              <a:t>。</a:t>
+            </a:r>
+          </a:p>
+          <a:p>
+            <a:pPr>
+              <a:lnSpc>
+                <a:spcPct val="170000"/>
+              </a:lnSpc>
+            </a:pPr>
+            <a:r>
+              <a:rPr lang="en-US" altLang="zh-CN" b="0" dirty="0" err="1" smtClean="0"/>
+              <a:t>HiFive</a:t>
+            </a:r>
+            <a:r>
+              <a:rPr lang="en-US" altLang="zh-CN" b="0" dirty="0" smtClean="0"/>
+              <a:t> </a:t>
+            </a:r>
+            <a:r>
+              <a:rPr lang="en-US" altLang="zh-CN" b="0" dirty="0"/>
+              <a:t>Unleashed</a:t>
+            </a:r>
+            <a:r>
+              <a:rPr lang="zh-CN" altLang="en-US" b="0" dirty="0"/>
+              <a:t>是一个全新的</a:t>
+            </a:r>
+            <a:r>
+              <a:rPr lang="en-US" altLang="zh-CN" b="0" dirty="0"/>
+              <a:t>RV64 SMP</a:t>
+            </a:r>
+            <a:r>
+              <a:rPr lang="zh-CN" altLang="en-US" b="0" dirty="0"/>
+              <a:t>开发板，配置四核</a:t>
+            </a:r>
+            <a:r>
+              <a:rPr lang="en-US" altLang="zh-CN" b="0" dirty="0"/>
+              <a:t>RV64</a:t>
+            </a:r>
+            <a:r>
+              <a:rPr lang="zh-CN" altLang="en-US" b="0" dirty="0"/>
+              <a:t>处理器，最高主频</a:t>
+            </a:r>
+            <a:r>
+              <a:rPr lang="en-US" altLang="zh-CN" b="0" dirty="0"/>
+              <a:t>1.5GHz</a:t>
+            </a:r>
+            <a:r>
+              <a:rPr lang="zh-CN" altLang="en-US" b="0" dirty="0"/>
+              <a:t>，配有</a:t>
+            </a:r>
+            <a:r>
+              <a:rPr lang="en-US" altLang="zh-CN" b="0" dirty="0"/>
+              <a:t>1Gbps</a:t>
+            </a:r>
+            <a:r>
+              <a:rPr lang="zh-CN" altLang="en-US" b="0" dirty="0"/>
+              <a:t>网卡和其他多种实用外设，</a:t>
+            </a:r>
+            <a:r>
+              <a:rPr lang="en-US" altLang="zh-CN" b="0" dirty="0"/>
+              <a:t>[</a:t>
+            </a:r>
+            <a:r>
+              <a:rPr lang="en-US" altLang="zh-CN" b="0" dirty="0" smtClean="0"/>
+              <a:t>1]</a:t>
+            </a:r>
+            <a:r>
+              <a:rPr lang="zh-CN" altLang="en-US" b="0" dirty="0" smtClean="0"/>
+              <a:t>指出</a:t>
+            </a:r>
+            <a:r>
+              <a:rPr lang="zh-CN" altLang="en-US" b="0" dirty="0"/>
+              <a:t>其特权指令集架构版本为</a:t>
+            </a:r>
+            <a:r>
+              <a:rPr lang="en-US" altLang="zh-CN" b="0" dirty="0"/>
+              <a:t>1.10</a:t>
+            </a:r>
+            <a:r>
+              <a:rPr lang="zh-CN" altLang="en-US" b="0" dirty="0"/>
+              <a:t>。此开发板售价为</a:t>
+            </a:r>
+            <a:r>
+              <a:rPr lang="en-US" altLang="zh-CN" b="0" dirty="0"/>
+              <a:t>999</a:t>
+            </a:r>
+            <a:r>
+              <a:rPr lang="zh-CN" altLang="en-US" b="0" dirty="0"/>
+              <a:t>美元，现已隆重发售</a:t>
+            </a:r>
+            <a:r>
+              <a:rPr lang="zh-CN" altLang="en-US" b="0" dirty="0" smtClean="0"/>
+              <a:t>。</a:t>
+            </a:r>
+            <a:endParaRPr lang="en-US" altLang="zh-CN" dirty="0"/>
+          </a:p>
+          <a:p>
+            <a:r>
+              <a:rPr lang="en-US" altLang="zh-CN" b="0" dirty="0"/>
+              <a:t>[1] Freedom </a:t>
+            </a:r>
+            <a:r>
+              <a:rPr lang="en-US" altLang="zh-CN" b="0" dirty="0" smtClean="0"/>
+              <a:t>U540-C000</a:t>
+            </a:r>
+            <a:r>
+              <a:rPr lang="zh-CN" altLang="en-US" b="0" dirty="0"/>
+              <a:t> </a:t>
+            </a:r>
+            <a:r>
+              <a:rPr lang="en-US" altLang="zh-CN" b="0" dirty="0" smtClean="0"/>
+              <a:t>Manual</a:t>
+            </a:r>
+            <a:r>
+              <a:rPr lang="zh-CN" altLang="en-US" b="0" dirty="0" smtClean="0"/>
+              <a:t> </a:t>
+            </a:r>
+            <a:r>
+              <a:rPr lang="en-US" altLang="zh-CN" b="0" dirty="0" smtClean="0"/>
+              <a:t>https</a:t>
+            </a:r>
+            <a:r>
+              <a:rPr lang="en-US" altLang="zh-CN" b="0" dirty="0"/>
+              <a:t>://www.sifive.com/documentation/chips/freedom-u540-c000-manual/</a:t>
+            </a:r>
+            <a:endParaRPr lang="zh-CN" altLang="en-US" b="0" dirty="0"/>
           </a:p>
         </p:txBody>
       </p:sp>
     </p:spTree>
     <p:extLst>
       <p:ext uri="{BB962C8B-B14F-4D97-AF65-F5344CB8AC3E}">
-        <p14:creationId xmlns:p14="http://schemas.microsoft.com/office/powerpoint/2010/main" val="4236536753"/>
+        <p14:creationId xmlns:p14="http://schemas.microsoft.com/office/powerpoint/2010/main" val="2591289274"/>
       </p:ext>
     </p:extLst>
   </p:cSld>
   <p:clrMapOvr>
     <a:masterClrMapping/>
   </p:clrMapOvr>
+  <p:timing>
+    <p:tnLst>
+      <p:par>
+        <p:cTn id="1" dur="indefinite" restart="never" nodeType="tmRoot"/>
+      </p:par>
+    </p:tnLst>
+  </p:timing>
 </p:sld>
 </file>
 
@@ -5616,7 +6226,7 @@
           <p:cNvPr id="2" name="标题 1">
             <a:extLst>
               <a:ext uri="{FF2B5EF4-FFF2-40B4-BE49-F238E27FC236}">
-                <a16:creationId xmlns:a16="http://schemas.microsoft.com/office/drawing/2014/main" id="{C4B04E5C-C6C0-4865-8FEC-A8A5BEC83182}"/>
+                <a16:creationId xmlns:a16="http://schemas.microsoft.com/office/drawing/2014/main" xmlns="" id="{C531DFB6-1B2E-4EE9-BA33-85D4025720E7}"/>
               </a:ext>
             </a:extLst>
           </p:cNvPr>
@@ -5629,20 +6239,37 @@
         </p:nvSpPr>
         <p:spPr/>
         <p:txBody>
-          <a:bodyPr/>
+          <a:bodyPr>
+            <a:normAutofit fontScale="90000"/>
+          </a:bodyPr>
           <a:lstStyle/>
           <a:p>
             <a:r>
               <a:rPr lang="en-US" altLang="zh-CN" dirty="0"/>
-              <a:t>9.</a:t>
-            </a:r>
-            <a:r>
-              <a:rPr lang="zh-CN" altLang="en-US" dirty="0"/>
-              <a:t>优化</a:t>
+              <a:t>8.</a:t>
+            </a:r>
+            <a:r>
+              <a:rPr lang="zh-CN" altLang="en-US" dirty="0"/>
+              <a:t>学习并实践符号化执行方法、</a:t>
             </a:r>
             <a:r>
               <a:rPr lang="en-US" altLang="zh-CN" dirty="0"/>
-              <a:t>sv6 — </a:t>
+              <a:t>Z3</a:t>
+            </a:r>
+            <a:r>
+              <a:rPr lang="zh-CN" altLang="en-US" dirty="0" smtClean="0"/>
+              <a:t>求解器</a:t>
+            </a:r>
+            <a:br>
+              <a:rPr lang="zh-CN" altLang="en-US" dirty="0" smtClean="0"/>
+            </a:br>
+            <a:r>
+              <a:rPr lang="zh-CN" altLang="en-US" dirty="0" smtClean="0"/>
+              <a:t> </a:t>
+            </a:r>
+            <a:r>
+              <a:rPr lang="en-US" altLang="zh-CN" dirty="0"/>
+              <a:t>— </a:t>
             </a:r>
             <a:r>
               <a:rPr lang="zh-CN" altLang="en-US" dirty="0"/>
@@ -5650,7 +6277,7 @@
             </a:r>
             <a:r>
               <a:rPr lang="en-US" altLang="zh-CN" dirty="0"/>
-              <a:t>12</a:t>
+              <a:t>10</a:t>
             </a:r>
             <a:r>
               <a:rPr lang="zh-CN" altLang="en-US" dirty="0"/>
@@ -5664,7 +6291,7 @@
           <p:cNvPr id="3" name="内容占位符 2">
             <a:extLst>
               <a:ext uri="{FF2B5EF4-FFF2-40B4-BE49-F238E27FC236}">
-                <a16:creationId xmlns:a16="http://schemas.microsoft.com/office/drawing/2014/main" id="{F5E02C28-BB22-4FC6-9F7E-F9B7C476717E}"/>
+                <a16:creationId xmlns:a16="http://schemas.microsoft.com/office/drawing/2014/main" xmlns="" id="{931A9D0A-EFF0-40BA-A135-9DFAF933DAFD}"/>
               </a:ext>
             </a:extLst>
           </p:cNvPr>
@@ -5682,30 +6309,42 @@
           <a:p>
             <a:r>
               <a:rPr lang="zh-CN" altLang="en-US" dirty="0"/>
-              <a:t>利用</a:t>
+              <a:t>学习符号化执行方法以及</a:t>
             </a:r>
             <a:r>
               <a:rPr lang="en-US" altLang="zh-CN" dirty="0"/>
+              <a:t>Z3</a:t>
+            </a:r>
+            <a:r>
+              <a:rPr lang="zh-CN" altLang="en-US" dirty="0"/>
+              <a:t>求解器的使用。</a:t>
+            </a:r>
+            <a:endParaRPr lang="en-US" altLang="zh-CN" dirty="0"/>
+          </a:p>
+          <a:p>
+            <a:r>
+              <a:rPr lang="en-US" altLang="zh-CN" b="0" dirty="0"/>
               <a:t>commuter</a:t>
             </a:r>
             <a:r>
-              <a:rPr lang="zh-CN" altLang="en-US" dirty="0"/>
-              <a:t>工具进一步优化</a:t>
-            </a:r>
-            <a:r>
-              <a:rPr lang="en-US" altLang="zh-CN" dirty="0"/>
+              <a:rPr lang="zh-CN" altLang="en-US" b="0" dirty="0"/>
+              <a:t>工具使用到了符号化执行方法以及</a:t>
+            </a:r>
+            <a:r>
+              <a:rPr lang="en-US" altLang="zh-CN" b="0" dirty="0"/>
+              <a:t>SMT</a:t>
+            </a:r>
+            <a:r>
+              <a:rPr lang="zh-CN" altLang="en-US" b="0" dirty="0"/>
+              <a:t>求解器，为了更好地完成</a:t>
+            </a:r>
+            <a:r>
+              <a:rPr lang="en-US" altLang="zh-CN" b="0" dirty="0"/>
               <a:t>sv6</a:t>
             </a:r>
             <a:r>
-              <a:rPr lang="zh-CN" altLang="en-US" dirty="0"/>
-              <a:t>操作系统的一部分，例如网络子模块。</a:t>
-            </a:r>
-            <a:endParaRPr lang="en-US" altLang="zh-CN" dirty="0"/>
-          </a:p>
-          <a:p>
-            <a:r>
-              <a:rPr lang="zh-CN" altLang="en-US" dirty="0"/>
-              <a:t>进一步可以分为接口规范的编写，实现代码的调优等步骤。</a:t>
+              <a:rPr lang="zh-CN" altLang="en-US" b="0" dirty="0"/>
+              <a:t>的优化，更好地写出接口规范，需要学习这两项内容。</a:t>
             </a:r>
           </a:p>
         </p:txBody>
@@ -5713,13 +6352,20 @@
     </p:spTree>
     <p:extLst>
       <p:ext uri="{BB962C8B-B14F-4D97-AF65-F5344CB8AC3E}">
-        <p14:creationId xmlns:p14="http://schemas.microsoft.com/office/powerpoint/2010/main" val="2362831471"/>
+        <p14:creationId xmlns:p14="http://schemas.microsoft.com/office/powerpoint/2010/main" val="4236536753"/>
       </p:ext>
     </p:extLst>
   </p:cSld>
   <p:clrMapOvr>
     <a:masterClrMapping/>
   </p:clrMapOvr>
+  <p:timing>
+    <p:tnLst>
+      <p:par>
+        <p:cTn id="1" dur="indefinite" restart="never" nodeType="tmRoot"/>
+      </p:par>
+    </p:tnLst>
+  </p:timing>
 </p:sld>
 </file>
 
@@ -5745,7 +6391,7 @@
           <p:cNvPr id="2" name="标题 1">
             <a:extLst>
               <a:ext uri="{FF2B5EF4-FFF2-40B4-BE49-F238E27FC236}">
-                <a16:creationId xmlns:a16="http://schemas.microsoft.com/office/drawing/2014/main" id="{0C5131CE-F409-468D-B544-B61E015080D1}"/>
+                <a16:creationId xmlns:a16="http://schemas.microsoft.com/office/drawing/2014/main" xmlns="" id="{C4B04E5C-C6C0-4865-8FEC-A8A5BEC83182}"/>
               </a:ext>
             </a:extLst>
           </p:cNvPr>
@@ -5762,8 +6408,28 @@
           <a:lstStyle/>
           <a:p>
             <a:r>
-              <a:rPr lang="zh-CN" altLang="en-US" dirty="0"/>
-              <a:t>小组分工</a:t>
+              <a:rPr lang="en-US" altLang="zh-CN" dirty="0"/>
+              <a:t>9.</a:t>
+            </a:r>
+            <a:r>
+              <a:rPr lang="zh-CN" altLang="en-US" dirty="0"/>
+              <a:t>优化</a:t>
+            </a:r>
+            <a:r>
+              <a:rPr lang="en-US" altLang="zh-CN" dirty="0"/>
+              <a:t>sv6 — </a:t>
+            </a:r>
+            <a:r>
+              <a:rPr lang="zh-CN" altLang="en-US" dirty="0"/>
+              <a:t>预计第</a:t>
+            </a:r>
+            <a:r>
+              <a:rPr lang="en-US" altLang="zh-CN" dirty="0"/>
+              <a:t>12</a:t>
+            </a:r>
+            <a:r>
+              <a:rPr lang="zh-CN" altLang="en-US" dirty="0"/>
+              <a:t>周周末完成</a:t>
             </a:r>
           </a:p>
         </p:txBody>
@@ -5773,7 +6439,7 @@
           <p:cNvPr id="3" name="内容占位符 2">
             <a:extLst>
               <a:ext uri="{FF2B5EF4-FFF2-40B4-BE49-F238E27FC236}">
-                <a16:creationId xmlns:a16="http://schemas.microsoft.com/office/drawing/2014/main" id="{0858E370-517E-4DAA-9C80-27E2422859BD}"/>
+                <a16:creationId xmlns:a16="http://schemas.microsoft.com/office/drawing/2014/main" xmlns="" id="{F5E02C28-BB22-4FC6-9F7E-F9B7C476717E}"/>
               </a:ext>
             </a:extLst>
           </p:cNvPr>
@@ -5790,47 +6456,31 @@
           <a:lstStyle/>
           <a:p>
             <a:r>
+              <a:rPr lang="zh-CN" altLang="en-US" dirty="0"/>
+              <a:t>利用</a:t>
+            </a:r>
+            <a:r>
+              <a:rPr lang="en-US" altLang="zh-CN" dirty="0"/>
+              <a:t>commuter</a:t>
+            </a:r>
+            <a:r>
+              <a:rPr lang="zh-CN" altLang="en-US" dirty="0"/>
+              <a:t>工具进一步优化</a:t>
+            </a:r>
+            <a:r>
               <a:rPr lang="en-US" altLang="zh-CN" dirty="0"/>
               <a:t>sv6</a:t>
             </a:r>
             <a:r>
               <a:rPr lang="zh-CN" altLang="en-US" dirty="0"/>
-              <a:t>移植</a:t>
-            </a:r>
-            <a:r>
-              <a:rPr lang="en-US" altLang="zh-CN" dirty="0"/>
-              <a:t>RV64 SMP - </a:t>
-            </a:r>
-            <a:r>
-              <a:rPr lang="zh-CN" altLang="en-US" dirty="0"/>
-              <a:t>谭闻德主导，尹宇峰辅助。</a:t>
+              <a:t>操作系统的一部分，例如网络子模块。</a:t>
             </a:r>
             <a:endParaRPr lang="en-US" altLang="zh-CN" dirty="0"/>
           </a:p>
           <a:p>
             <a:r>
-              <a:rPr lang="en-US" altLang="zh-CN" dirty="0"/>
-              <a:t>commuter</a:t>
-            </a:r>
-            <a:r>
-              <a:rPr lang="zh-CN" altLang="en-US" dirty="0"/>
-              <a:t>优化</a:t>
-            </a:r>
-            <a:r>
-              <a:rPr lang="en-US" altLang="zh-CN" dirty="0"/>
-              <a:t>sv6</a:t>
-            </a:r>
-            <a:r>
-              <a:rPr lang="zh-CN" altLang="en-US" dirty="0"/>
-              <a:t>系统子模块 </a:t>
-            </a:r>
-            <a:r>
-              <a:rPr lang="en-US" altLang="zh-CN" dirty="0"/>
-              <a:t>- </a:t>
-            </a:r>
-            <a:r>
-              <a:rPr lang="zh-CN" altLang="en-US" dirty="0"/>
-              <a:t>尹宇峰主导，谭闻德辅助。</a:t>
+              <a:rPr lang="zh-CN" altLang="en-US" b="0" dirty="0"/>
+              <a:t>进一步可以分为接口规范的编写，实现代码的调优等步骤。</a:t>
             </a:r>
           </a:p>
         </p:txBody>
@@ -5838,13 +6488,20 @@
     </p:spTree>
     <p:extLst>
       <p:ext uri="{BB962C8B-B14F-4D97-AF65-F5344CB8AC3E}">
-        <p14:creationId xmlns:p14="http://schemas.microsoft.com/office/powerpoint/2010/main" val="2133374139"/>
+        <p14:creationId xmlns:p14="http://schemas.microsoft.com/office/powerpoint/2010/main" val="2362831471"/>
       </p:ext>
     </p:extLst>
   </p:cSld>
   <p:clrMapOvr>
     <a:masterClrMapping/>
   </p:clrMapOvr>
+  <p:timing>
+    <p:tnLst>
+      <p:par>
+        <p:cTn id="1" dur="indefinite" restart="never" nodeType="tmRoot"/>
+      </p:par>
+    </p:tnLst>
+  </p:timing>
 </p:sld>
 </file>
 
@@ -5870,7 +6527,7 @@
           <p:cNvPr id="2" name="标题 1">
             <a:extLst>
               <a:ext uri="{FF2B5EF4-FFF2-40B4-BE49-F238E27FC236}">
-                <a16:creationId xmlns:a16="http://schemas.microsoft.com/office/drawing/2014/main" id="{82BA21E8-535D-40EE-B64E-336A22A06EE4}"/>
+                <a16:creationId xmlns:a16="http://schemas.microsoft.com/office/drawing/2014/main" xmlns="" id="{D8518262-F5EE-48A3-A28E-A3F7B928C663}"/>
               </a:ext>
             </a:extLst>
           </p:cNvPr>
@@ -5887,8 +6544,16 @@
           <a:lstStyle/>
           <a:p>
             <a:r>
-              <a:rPr lang="zh-CN" altLang="en-US" dirty="0"/>
-              <a:t>已完成工作</a:t>
+              <a:rPr lang="zh-CN" altLang="en-US" dirty="0" smtClean="0"/>
+              <a:t>其他</a:t>
+            </a:r>
+            <a:r>
+              <a:rPr lang="zh-CN" altLang="en-US" dirty="0" smtClean="0"/>
+              <a:t>已</a:t>
+            </a:r>
+            <a:r>
+              <a:rPr lang="zh-CN" altLang="en-US" dirty="0"/>
+              <a:t>完成工作</a:t>
             </a:r>
           </a:p>
         </p:txBody>
@@ -5898,7 +6563,7 @@
           <p:cNvPr id="3" name="内容占位符 2">
             <a:extLst>
               <a:ext uri="{FF2B5EF4-FFF2-40B4-BE49-F238E27FC236}">
-                <a16:creationId xmlns:a16="http://schemas.microsoft.com/office/drawing/2014/main" id="{83CAF544-CAC3-46AA-860A-80FAA3606E7C}"/>
+                <a16:creationId xmlns:a16="http://schemas.microsoft.com/office/drawing/2014/main" xmlns="" id="{915A5C3C-9577-4FD7-87DF-B8635D8697E5}"/>
               </a:ext>
             </a:extLst>
           </p:cNvPr>
@@ -5912,118 +6577,67 @@
         <p:spPr/>
         <p:txBody>
           <a:bodyPr>
-            <a:normAutofit/>
+            <a:normAutofit fontScale="92500" lnSpcReduction="10000"/>
           </a:bodyPr>
           <a:lstStyle/>
           <a:p>
             <a:r>
+              <a:rPr lang="zh-CN" altLang="en-US" dirty="0" smtClean="0"/>
+              <a:t>阅读</a:t>
+            </a:r>
+            <a:r>
+              <a:rPr lang="zh-CN" altLang="en-US" dirty="0"/>
+              <a:t>符号化执行相关文献，初步了解符号化执行工作原理。</a:t>
+            </a:r>
+          </a:p>
+          <a:p>
+            <a:r>
+              <a:rPr lang="zh-CN" altLang="en-US" dirty="0" smtClean="0"/>
+              <a:t>阅读</a:t>
+            </a:r>
+            <a:r>
               <a:rPr lang="en-US" altLang="zh-CN" dirty="0"/>
-              <a:t>1.  </a:t>
-            </a:r>
-            <a:r>
-              <a:rPr lang="zh-CN" altLang="en-US" dirty="0"/>
-              <a:t>构建完成了</a:t>
+              <a:t>commuter</a:t>
+            </a:r>
+            <a:r>
+              <a:rPr lang="zh-CN" altLang="en-US" dirty="0"/>
+              <a:t>相关文献，初步了解</a:t>
             </a:r>
             <a:r>
               <a:rPr lang="en-US" altLang="zh-CN" dirty="0"/>
-              <a:t>RV64</a:t>
-            </a:r>
-            <a:r>
-              <a:rPr lang="zh-CN" altLang="en-US" dirty="0"/>
-              <a:t>的工具链。</a:t>
-            </a:r>
-            <a:endParaRPr lang="en-US" altLang="zh-CN" dirty="0"/>
-          </a:p>
-          <a:p>
+              <a:t>commuter</a:t>
+            </a:r>
+            <a:r>
+              <a:rPr lang="zh-CN" altLang="en-US" dirty="0"/>
+              <a:t>工作原理。</a:t>
+            </a:r>
+          </a:p>
+          <a:p>
+            <a:r>
+              <a:rPr lang="zh-CN" altLang="en-US" dirty="0" smtClean="0"/>
+              <a:t>搭建</a:t>
+            </a:r>
+            <a:r>
+              <a:rPr lang="zh-CN" altLang="en-US" dirty="0"/>
+              <a:t>并重现</a:t>
+            </a:r>
             <a:r>
               <a:rPr lang="en-US" altLang="zh-CN" dirty="0"/>
-              <a:t>2.  </a:t>
-            </a:r>
-            <a:r>
-              <a:rPr lang="zh-CN" altLang="en-US" dirty="0"/>
-              <a:t>在学习</a:t>
-            </a:r>
-            <a:r>
-              <a:rPr lang="en-US" altLang="zh-CN" dirty="0"/>
-              <a:t>RV64</a:t>
-            </a:r>
-            <a:r>
-              <a:rPr lang="zh-CN" altLang="en-US" dirty="0"/>
-              <a:t>指令集的同时，帮助修复</a:t>
-            </a:r>
-            <a:r>
-              <a:rPr lang="en-US" altLang="zh-CN" dirty="0" err="1"/>
-              <a:t>ucore</a:t>
-            </a:r>
-            <a:r>
-              <a:rPr lang="en-US" altLang="zh-CN" dirty="0"/>
-              <a:t> labs RV64</a:t>
-            </a:r>
-            <a:r>
-              <a:rPr lang="zh-CN" altLang="en-US" dirty="0"/>
-              <a:t>移植的</a:t>
-            </a:r>
-            <a:r>
-              <a:rPr lang="en-US" altLang="zh-CN" dirty="0"/>
-              <a:t>2</a:t>
-            </a:r>
-            <a:r>
-              <a:rPr lang="zh-CN" altLang="en-US" dirty="0"/>
-              <a:t>个</a:t>
-            </a:r>
-            <a:r>
-              <a:rPr lang="en-US" altLang="zh-CN" dirty="0"/>
-              <a:t>bug</a:t>
-            </a:r>
-            <a:r>
-              <a:rPr lang="zh-CN" altLang="en-US" dirty="0"/>
-              <a:t>。</a:t>
-            </a:r>
-            <a:endParaRPr lang="en-US" altLang="zh-CN" dirty="0"/>
-          </a:p>
-          <a:p>
-            <a:r>
-              <a:rPr lang="en-US" altLang="zh-CN" dirty="0"/>
-              <a:t>3.  </a:t>
-            </a:r>
-            <a:r>
-              <a:rPr lang="zh-CN" altLang="en-US" dirty="0"/>
-              <a:t>编写了</a:t>
-            </a:r>
-            <a:r>
-              <a:rPr lang="en-US" altLang="zh-CN" dirty="0"/>
-              <a:t>RV64 SMP</a:t>
-            </a:r>
-            <a:r>
-              <a:rPr lang="zh-CN" altLang="en-US" dirty="0"/>
-              <a:t>操作系统的例子，包括</a:t>
-            </a:r>
-            <a:r>
-              <a:rPr lang="en-US" altLang="zh-CN" dirty="0" err="1"/>
-              <a:t>VirtIO</a:t>
-            </a:r>
-            <a:r>
-              <a:rPr lang="zh-CN" altLang="en-US" dirty="0"/>
-              <a:t>驱动的简单例子。</a:t>
-            </a:r>
-            <a:endParaRPr lang="en-US" altLang="zh-CN" dirty="0"/>
-          </a:p>
-          <a:p>
-            <a:r>
-              <a:rPr lang="en-US" altLang="zh-CN" dirty="0"/>
-              <a:t>4.  </a:t>
-            </a:r>
-            <a:r>
-              <a:rPr lang="zh-CN" altLang="en-US" dirty="0"/>
-              <a:t>修复了</a:t>
-            </a:r>
-            <a:r>
-              <a:rPr lang="en-US" altLang="zh-CN" dirty="0"/>
-              <a:t>x86-64</a:t>
-            </a:r>
-            <a:r>
-              <a:rPr lang="zh-CN" altLang="en-US" dirty="0"/>
-              <a:t>平台上原始的</a:t>
+              <a:t>commuter project</a:t>
+            </a:r>
+            <a:r>
+              <a:rPr lang="zh-CN" altLang="en-US" dirty="0"/>
+              <a:t>，生成了测试用例。</a:t>
+            </a:r>
+          </a:p>
+          <a:p>
+            <a:r>
+              <a:rPr lang="zh-CN" altLang="en-US" dirty="0" smtClean="0"/>
+              <a:t>配置</a:t>
+            </a:r>
+            <a:r>
+              <a:rPr lang="zh-CN" altLang="en-US" dirty="0"/>
+              <a:t>完</a:t>
             </a:r>
             <a:r>
               <a:rPr lang="en-US" altLang="zh-CN" dirty="0"/>
@@ -6031,18 +6645,7 @@
             </a:r>
             <a:r>
               <a:rPr lang="zh-CN" altLang="en-US" dirty="0"/>
-              <a:t>，使其可以正常编译及运行。目前不确定现在的修复方案是否有潜在风险。</a:t>
-            </a:r>
-            <a:endParaRPr lang="en-US" altLang="zh-CN" dirty="0"/>
-          </a:p>
-          <a:p>
-            <a:r>
-              <a:rPr lang="en-US" altLang="zh-CN" dirty="0"/>
-              <a:t>5.  </a:t>
-            </a:r>
-            <a:r>
-              <a:rPr lang="zh-CN" altLang="en-US" dirty="0"/>
-              <a:t>开始了</a:t>
+              <a:t>运行环境，使用</a:t>
             </a:r>
             <a:r>
               <a:rPr lang="en-US" altLang="zh-CN" dirty="0"/>
@@ -6050,22 +6653,39 @@
             </a:r>
             <a:r>
               <a:rPr lang="zh-CN" altLang="en-US" dirty="0"/>
-              <a:t>的移植，目前遇到问题（请见下文）。</a:t>
-            </a:r>
-            <a:endParaRPr lang="en-US" altLang="zh-CN" dirty="0"/>
+              <a:t>成功运行</a:t>
+            </a:r>
+            <a:r>
+              <a:rPr lang="en-US" altLang="zh-CN" dirty="0"/>
+              <a:t>commuter</a:t>
+            </a:r>
+            <a:r>
+              <a:rPr lang="zh-CN" altLang="en-US" dirty="0"/>
+              <a:t>生成的测试用例。</a:t>
+            </a:r>
+          </a:p>
+          <a:p>
+            <a:endParaRPr lang="zh-CN" altLang="en-US" dirty="0"/>
           </a:p>
         </p:txBody>
       </p:sp>
     </p:spTree>
     <p:extLst>
       <p:ext uri="{BB962C8B-B14F-4D97-AF65-F5344CB8AC3E}">
-        <p14:creationId xmlns:p14="http://schemas.microsoft.com/office/powerpoint/2010/main" val="1548091592"/>
+        <p14:creationId xmlns:p14="http://schemas.microsoft.com/office/powerpoint/2010/main" val="3053842526"/>
       </p:ext>
     </p:extLst>
   </p:cSld>
   <p:clrMapOvr>
     <a:masterClrMapping/>
   </p:clrMapOvr>
+  <p:timing>
+    <p:tnLst>
+      <p:par>
+        <p:cTn id="1" dur="indefinite" restart="never" nodeType="tmRoot"/>
+      </p:par>
+    </p:tnLst>
+  </p:timing>
 </p:sld>
 </file>
 
@@ -6091,7 +6711,7 @@
           <p:cNvPr id="2" name="标题 1">
             <a:extLst>
               <a:ext uri="{FF2B5EF4-FFF2-40B4-BE49-F238E27FC236}">
-                <a16:creationId xmlns:a16="http://schemas.microsoft.com/office/drawing/2014/main" id="{D8518262-F5EE-48A3-A28E-A3F7B928C663}"/>
+                <a16:creationId xmlns:a16="http://schemas.microsoft.com/office/drawing/2014/main" xmlns="" id="{8700B8F6-4876-4582-892A-9FAC532489AD}"/>
               </a:ext>
             </a:extLst>
           </p:cNvPr>
@@ -6109,8 +6729,21 @@
           <a:p>
             <a:r>
               <a:rPr lang="zh-CN" altLang="en-US" dirty="0"/>
-              <a:t>已完成工作</a:t>
-            </a:r>
+              <a:t>潜在问题分析 </a:t>
+            </a:r>
+            <a:r>
+              <a:rPr lang="en-US" altLang="zh-CN" dirty="0"/>
+              <a:t>- sv6</a:t>
+            </a:r>
+            <a:r>
+              <a:rPr lang="zh-CN" altLang="en-US" dirty="0"/>
+              <a:t>移植</a:t>
+            </a:r>
+            <a:r>
+              <a:rPr lang="en-US" altLang="zh-CN" dirty="0"/>
+              <a:t>RV64 SMP</a:t>
+            </a:r>
+            <a:endParaRPr lang="zh-CN" altLang="en-US" dirty="0"/>
           </a:p>
         </p:txBody>
       </p:sp>
@@ -6119,7 +6752,7 @@
           <p:cNvPr id="3" name="内容占位符 2">
             <a:extLst>
               <a:ext uri="{FF2B5EF4-FFF2-40B4-BE49-F238E27FC236}">
-                <a16:creationId xmlns:a16="http://schemas.microsoft.com/office/drawing/2014/main" id="{915A5C3C-9577-4FD7-87DF-B8635D8697E5}"/>
+                <a16:creationId xmlns:a16="http://schemas.microsoft.com/office/drawing/2014/main" xmlns="" id="{DC473DD2-20CF-4B36-8BB0-D1D3583D9725}"/>
               </a:ext>
             </a:extLst>
           </p:cNvPr>
@@ -6132,111 +6765,125 @@
         </p:nvSpPr>
         <p:spPr/>
         <p:txBody>
-          <a:bodyPr/>
+          <a:bodyPr>
+            <a:normAutofit fontScale="85000" lnSpcReduction="10000"/>
+          </a:bodyPr>
           <a:lstStyle/>
           <a:p>
             <a:r>
-              <a:rPr lang="en-US" altLang="zh-CN" dirty="0"/>
-              <a:t>6.  </a:t>
-            </a:r>
-            <a:r>
-              <a:rPr lang="zh-CN" altLang="en-US" dirty="0"/>
-              <a:t>阅读符号化执行相关文献，初步了解符号化执行工作原理。</a:t>
-            </a:r>
-          </a:p>
-          <a:p>
-            <a:r>
-              <a:rPr lang="en-US" altLang="zh-CN" dirty="0"/>
-              <a:t>7.  </a:t>
-            </a:r>
-            <a:r>
-              <a:rPr lang="zh-CN" altLang="en-US" dirty="0"/>
-              <a:t>阅读</a:t>
-            </a:r>
-            <a:r>
-              <a:rPr lang="en-US" altLang="zh-CN" dirty="0"/>
-              <a:t>commuter</a:t>
-            </a:r>
-            <a:r>
-              <a:rPr lang="zh-CN" altLang="en-US" dirty="0"/>
-              <a:t>相关文献，初步了解</a:t>
-            </a:r>
-            <a:r>
-              <a:rPr lang="en-US" altLang="zh-CN" dirty="0"/>
-              <a:t>commuter</a:t>
-            </a:r>
-            <a:r>
-              <a:rPr lang="zh-CN" altLang="en-US" dirty="0"/>
-              <a:t>工作原理。</a:t>
-            </a:r>
-          </a:p>
-          <a:p>
-            <a:r>
-              <a:rPr lang="en-US" altLang="zh-CN" dirty="0"/>
-              <a:t>8.  </a:t>
-            </a:r>
-            <a:r>
-              <a:rPr lang="zh-CN" altLang="en-US" dirty="0"/>
-              <a:t>搭建并重现</a:t>
-            </a:r>
-            <a:r>
-              <a:rPr lang="en-US" altLang="zh-CN" dirty="0"/>
-              <a:t>commuter project</a:t>
-            </a:r>
-            <a:r>
-              <a:rPr lang="zh-CN" altLang="en-US" dirty="0"/>
-              <a:t>，生成了测试用例。</a:t>
-            </a:r>
-          </a:p>
-          <a:p>
-            <a:r>
-              <a:rPr lang="en-US" altLang="zh-CN" dirty="0"/>
-              <a:t>9.  </a:t>
-            </a:r>
-            <a:r>
-              <a:rPr lang="zh-CN" altLang="en-US" dirty="0"/>
-              <a:t>配置完</a:t>
-            </a:r>
-            <a:r>
-              <a:rPr lang="en-US" altLang="zh-CN" dirty="0"/>
+              <a:rPr lang="en-US" altLang="zh-CN" b="0" dirty="0"/>
+              <a:t>1.  </a:t>
+            </a:r>
+            <a:r>
+              <a:rPr lang="zh-CN" altLang="en-US" b="0" dirty="0"/>
+              <a:t>（已遇到）</a:t>
+            </a:r>
+            <a:r>
+              <a:rPr lang="en-US" altLang="zh-CN" b="0" dirty="0"/>
               <a:t>sv6</a:t>
             </a:r>
             <a:r>
-              <a:rPr lang="zh-CN" altLang="en-US" dirty="0"/>
-              <a:t>运行环境，使用</a:t>
-            </a:r>
-            <a:r>
-              <a:rPr lang="en-US" altLang="zh-CN" dirty="0"/>
+              <a:rPr lang="zh-CN" altLang="en-US" b="0" dirty="0"/>
+              <a:t>大部分代码是</a:t>
+            </a:r>
+            <a:r>
+              <a:rPr lang="en-US" altLang="zh-CN" b="0" dirty="0"/>
+              <a:t>C++</a:t>
+            </a:r>
+            <a:r>
+              <a:rPr lang="zh-CN" altLang="en-US" b="0" dirty="0"/>
+              <a:t>语言写的，而</a:t>
+            </a:r>
+            <a:r>
+              <a:rPr lang="en-US" altLang="zh-CN" b="0" dirty="0"/>
+              <a:t>C++</a:t>
+            </a:r>
+            <a:r>
+              <a:rPr lang="zh-CN" altLang="en-US" b="0" dirty="0"/>
+              <a:t>的运行时环境要求比</a:t>
+            </a:r>
+            <a:r>
+              <a:rPr lang="en-US" altLang="zh-CN" b="0" dirty="0"/>
+              <a:t>C</a:t>
+            </a:r>
+            <a:r>
+              <a:rPr lang="zh-CN" altLang="en-US" b="0" dirty="0"/>
+              <a:t>语言苛刻。目前在移植</a:t>
+            </a:r>
+            <a:r>
+              <a:rPr lang="en-US" altLang="zh-CN" b="0" dirty="0"/>
               <a:t>sv6</a:t>
             </a:r>
             <a:r>
-              <a:rPr lang="zh-CN" altLang="en-US" dirty="0"/>
-              <a:t>成功运行</a:t>
-            </a:r>
-            <a:r>
-              <a:rPr lang="en-US" altLang="zh-CN" dirty="0"/>
-              <a:t>commuter</a:t>
-            </a:r>
-            <a:r>
-              <a:rPr lang="zh-CN" altLang="en-US" dirty="0"/>
-              <a:t>生成的测试用例。</a:t>
-            </a:r>
-          </a:p>
-          <a:p>
-            <a:endParaRPr lang="zh-CN" altLang="en-US" dirty="0"/>
+              <a:rPr lang="zh-CN" altLang="en-US" b="0" dirty="0"/>
+              <a:t>时，遇到了缺少</a:t>
+            </a:r>
+            <a:r>
+              <a:rPr lang="en-US" altLang="zh-CN" b="0" dirty="0" err="1"/>
+              <a:t>libgcc_eh.a</a:t>
+            </a:r>
+            <a:r>
+              <a:rPr lang="zh-CN" altLang="en-US" b="0" dirty="0"/>
+              <a:t>库而无法链接的情况。</a:t>
+            </a:r>
+            <a:endParaRPr lang="en-US" altLang="zh-CN" b="0" dirty="0"/>
+          </a:p>
+          <a:p>
+            <a:r>
+              <a:rPr lang="en-US" altLang="zh-CN" b="0" dirty="0"/>
+              <a:t>2.  RV64</a:t>
+            </a:r>
+            <a:r>
+              <a:rPr lang="zh-CN" altLang="en-US" b="0" dirty="0"/>
+              <a:t>没有</a:t>
+            </a:r>
+            <a:r>
+              <a:rPr lang="en-US" altLang="zh-CN" b="0" dirty="0"/>
+              <a:t>TSS</a:t>
+            </a:r>
+            <a:r>
+              <a:rPr lang="zh-CN" altLang="en-US" b="0" dirty="0"/>
+              <a:t>，需要思考和调研如何保存内核栈基址。</a:t>
+            </a:r>
+            <a:endParaRPr lang="en-US" altLang="zh-CN" b="0" dirty="0"/>
+          </a:p>
+          <a:p>
+            <a:r>
+              <a:rPr lang="en-US" altLang="zh-CN" b="0" dirty="0"/>
+              <a:t>3.  Supervisor</a:t>
+            </a:r>
+            <a:r>
+              <a:rPr lang="zh-CN" altLang="en-US" b="0" dirty="0"/>
+              <a:t>态无法访问</a:t>
+            </a:r>
+            <a:r>
+              <a:rPr lang="en-US" altLang="zh-CN" b="0" dirty="0" err="1"/>
+              <a:t>mhartid</a:t>
+            </a:r>
+            <a:r>
+              <a:rPr lang="zh-CN" altLang="en-US" b="0" dirty="0"/>
+              <a:t>，这个寄存器存放了处理器核的编号，而为了支持多核，需要让操作系统可以访问当前处理器核的编号，从而能够访问处理器特定的数据结构，为此需要将处理器编号存入别处。</a:t>
+            </a:r>
           </a:p>
         </p:txBody>
       </p:sp>
     </p:spTree>
     <p:extLst>
       <p:ext uri="{BB962C8B-B14F-4D97-AF65-F5344CB8AC3E}">
-        <p14:creationId xmlns:p14="http://schemas.microsoft.com/office/powerpoint/2010/main" val="3053842526"/>
+        <p14:creationId xmlns:p14="http://schemas.microsoft.com/office/powerpoint/2010/main" val="3661801045"/>
       </p:ext>
     </p:extLst>
   </p:cSld>
   <p:clrMapOvr>
     <a:masterClrMapping/>
   </p:clrMapOvr>
+  <p:timing>
+    <p:tnLst>
+      <p:par>
+        <p:cTn id="1" dur="indefinite" restart="never" nodeType="tmRoot"/>
+      </p:par>
+    </p:tnLst>
+  </p:timing>
 </p:sld>
 </file>
 
@@ -6262,7 +6909,7 @@
           <p:cNvPr id="2" name="标题 1">
             <a:extLst>
               <a:ext uri="{FF2B5EF4-FFF2-40B4-BE49-F238E27FC236}">
-                <a16:creationId xmlns:a16="http://schemas.microsoft.com/office/drawing/2014/main" id="{8700B8F6-4876-4582-892A-9FAC532489AD}"/>
+                <a16:creationId xmlns:a16="http://schemas.microsoft.com/office/drawing/2014/main" xmlns="" id="{B11BB952-5A0B-4204-9A23-AE98C3EFAE72}"/>
               </a:ext>
             </a:extLst>
           </p:cNvPr>
@@ -6275,7 +6922,9 @@
         </p:nvSpPr>
         <p:spPr/>
         <p:txBody>
-          <a:bodyPr/>
+          <a:bodyPr>
+            <a:normAutofit fontScale="90000"/>
+          </a:bodyPr>
           <a:lstStyle/>
           <a:p>
             <a:r>
@@ -6284,17 +6933,20 @@
             </a:r>
             <a:r>
               <a:rPr lang="en-US" altLang="zh-CN" dirty="0"/>
-              <a:t>- sv6</a:t>
-            </a:r>
-            <a:r>
-              <a:rPr lang="zh-CN" altLang="en-US" dirty="0"/>
-              <a:t>移植</a:t>
+              <a:t>- commuter</a:t>
+            </a:r>
+            <a:r>
+              <a:rPr lang="zh-CN" altLang="en-US" dirty="0"/>
+              <a:t>优化</a:t>
             </a:r>
             <a:r>
               <a:rPr lang="en-US" altLang="zh-CN" dirty="0"/>
-              <a:t>RV64 SMP</a:t>
-            </a:r>
-            <a:endParaRPr lang="zh-CN" altLang="en-US" dirty="0"/>
+              <a:t>sv6</a:t>
+            </a:r>
+            <a:r>
+              <a:rPr lang="zh-CN" altLang="en-US" dirty="0"/>
+              <a:t>系统子模块</a:t>
+            </a:r>
           </a:p>
         </p:txBody>
       </p:sp>
@@ -6303,7 +6955,7 @@
           <p:cNvPr id="3" name="内容占位符 2">
             <a:extLst>
               <a:ext uri="{FF2B5EF4-FFF2-40B4-BE49-F238E27FC236}">
-                <a16:creationId xmlns:a16="http://schemas.microsoft.com/office/drawing/2014/main" id="{DC473DD2-20CF-4B36-8BB0-D1D3583D9725}"/>
+                <a16:creationId xmlns:a16="http://schemas.microsoft.com/office/drawing/2014/main" xmlns="" id="{9D59975D-47ED-407C-B477-7B1D0C172572}"/>
               </a:ext>
             </a:extLst>
           </p:cNvPr>
@@ -6316,102 +6968,72 @@
         </p:nvSpPr>
         <p:spPr/>
         <p:txBody>
-          <a:bodyPr/>
+          <a:bodyPr>
+            <a:normAutofit fontScale="92500" lnSpcReduction="10000"/>
+          </a:bodyPr>
           <a:lstStyle/>
           <a:p>
             <a:r>
-              <a:rPr lang="en-US" altLang="zh-CN" dirty="0"/>
+              <a:rPr lang="en-US" altLang="zh-CN" b="0" dirty="0"/>
               <a:t>1.  </a:t>
             </a:r>
             <a:r>
-              <a:rPr lang="zh-CN" altLang="en-US" dirty="0"/>
-              <a:t>（已遇到）</a:t>
-            </a:r>
-            <a:r>
-              <a:rPr lang="en-US" altLang="zh-CN" dirty="0"/>
+              <a:rPr lang="zh-CN" altLang="en-US" b="0" dirty="0"/>
+              <a:t>如果我们最终选择</a:t>
+            </a:r>
+            <a:r>
+              <a:rPr lang="en-US" altLang="zh-CN" b="0" dirty="0"/>
               <a:t>sv6</a:t>
             </a:r>
             <a:r>
-              <a:rPr lang="zh-CN" altLang="en-US" dirty="0"/>
-              <a:t>大部分代码是</a:t>
-            </a:r>
-            <a:r>
-              <a:rPr lang="en-US" altLang="zh-CN" dirty="0"/>
-              <a:t>C++</a:t>
-            </a:r>
-            <a:r>
-              <a:rPr lang="zh-CN" altLang="en-US" dirty="0"/>
-              <a:t>语言写的，而</a:t>
-            </a:r>
-            <a:r>
-              <a:rPr lang="en-US" altLang="zh-CN" dirty="0"/>
-              <a:t>C++</a:t>
-            </a:r>
-            <a:r>
-              <a:rPr lang="zh-CN" altLang="en-US" dirty="0"/>
-              <a:t>的运行时环境要求比</a:t>
-            </a:r>
-            <a:r>
-              <a:rPr lang="en-US" altLang="zh-CN" dirty="0"/>
-              <a:t>C</a:t>
-            </a:r>
-            <a:r>
-              <a:rPr lang="zh-CN" altLang="en-US" dirty="0"/>
-              <a:t>语言苛刻。目前在移植</a:t>
-            </a:r>
-            <a:r>
-              <a:rPr lang="en-US" altLang="zh-CN" dirty="0"/>
-              <a:t>sv6</a:t>
-            </a:r>
-            <a:r>
-              <a:rPr lang="zh-CN" altLang="en-US" dirty="0"/>
-              <a:t>时，遇到了缺少</a:t>
-            </a:r>
-            <a:r>
-              <a:rPr lang="en-US" altLang="zh-CN" dirty="0" err="1"/>
-              <a:t>libgcc_eh.a</a:t>
-            </a:r>
-            <a:r>
-              <a:rPr lang="zh-CN" altLang="en-US" dirty="0"/>
-              <a:t>库而无法链接的情况。</a:t>
-            </a:r>
-            <a:endParaRPr lang="en-US" altLang="zh-CN" dirty="0"/>
-          </a:p>
-          <a:p>
-            <a:r>
-              <a:rPr lang="en-US" altLang="zh-CN" dirty="0"/>
-              <a:t>2.  RV64</a:t>
-            </a:r>
-            <a:r>
-              <a:rPr lang="zh-CN" altLang="en-US" dirty="0"/>
-              <a:t>没有</a:t>
-            </a:r>
-            <a:r>
-              <a:rPr lang="en-US" altLang="zh-CN" dirty="0"/>
-              <a:t>TSS</a:t>
-            </a:r>
-            <a:r>
-              <a:rPr lang="zh-CN" altLang="en-US" dirty="0"/>
-              <a:t>，需要思考和调研如何保存内核栈基址。</a:t>
-            </a:r>
-            <a:endParaRPr lang="en-US" altLang="zh-CN" dirty="0"/>
-          </a:p>
-          <a:p>
-            <a:r>
-              <a:rPr lang="en-US" altLang="zh-CN" dirty="0"/>
-              <a:t>3.  Supervisor</a:t>
-            </a:r>
-            <a:r>
-              <a:rPr lang="zh-CN" altLang="en-US" dirty="0"/>
-              <a:t>态无法访问</a:t>
-            </a:r>
-            <a:r>
-              <a:rPr lang="en-US" altLang="zh-CN" dirty="0" err="1"/>
-              <a:t>mhartid</a:t>
-            </a:r>
-            <a:r>
-              <a:rPr lang="zh-CN" altLang="en-US" dirty="0"/>
-              <a:t>，这个寄存器存放了处理器核的编号，而为了支持多核，需要让操作系统可以访问当前处理器核的编号，从而能够访问处理器特定的数据结构，为此需要将处理器编号存入别处。</a:t>
+              <a:rPr lang="zh-CN" altLang="en-US" b="0" dirty="0"/>
+              <a:t>的网络子模块优化，我们需要明确并分析</a:t>
+            </a:r>
+            <a:r>
+              <a:rPr lang="en-US" altLang="zh-CN" b="0" dirty="0"/>
+              <a:t>socket</a:t>
+            </a:r>
+            <a:r>
+              <a:rPr lang="zh-CN" altLang="en-US" b="0" dirty="0"/>
+              <a:t>一类系统调用的规范。</a:t>
+            </a:r>
+            <a:endParaRPr lang="en-US" altLang="zh-CN" b="0" dirty="0"/>
+          </a:p>
+          <a:p>
+            <a:r>
+              <a:rPr lang="en-US" altLang="zh-CN" b="0" dirty="0"/>
+              <a:t>2.  commuter</a:t>
+            </a:r>
+            <a:r>
+              <a:rPr lang="zh-CN" altLang="en-US" b="0" dirty="0"/>
+              <a:t>相关文献中的实验部分，使用的服务器是</a:t>
+            </a:r>
+            <a:r>
+              <a:rPr lang="en-US" altLang="zh-CN" b="0" dirty="0"/>
+              <a:t>80</a:t>
+            </a:r>
+            <a:r>
+              <a:rPr lang="zh-CN" altLang="en-US" b="0" dirty="0"/>
+              <a:t>核处理器，而我们并没有如此发达的计算资源，可能需要教学团队给予一定帮助。</a:t>
+            </a:r>
+            <a:endParaRPr lang="en-US" altLang="zh-CN" b="0" dirty="0"/>
+          </a:p>
+          <a:p>
+            <a:r>
+              <a:rPr lang="en-US" altLang="zh-CN" b="0" dirty="0"/>
+              <a:t>3.  </a:t>
+            </a:r>
+            <a:r>
+              <a:rPr lang="zh-CN" altLang="en-US" b="0" dirty="0"/>
+              <a:t>配置</a:t>
+            </a:r>
+            <a:r>
+              <a:rPr lang="en-US" altLang="zh-CN" b="0" dirty="0"/>
+              <a:t>commuter</a:t>
+            </a:r>
+            <a:r>
+              <a:rPr lang="zh-CN" altLang="en-US" b="0" dirty="0"/>
+              <a:t>运行环境成功后，因为安装的库不兼容的原因，导致了我们的虚拟机图形界面崩溃了。</a:t>
             </a:r>
           </a:p>
         </p:txBody>
@@ -6419,13 +7041,20 @@
     </p:spTree>
     <p:extLst>
       <p:ext uri="{BB962C8B-B14F-4D97-AF65-F5344CB8AC3E}">
-        <p14:creationId xmlns:p14="http://schemas.microsoft.com/office/powerpoint/2010/main" val="3661801045"/>
+        <p14:creationId xmlns:p14="http://schemas.microsoft.com/office/powerpoint/2010/main" val="3878108338"/>
       </p:ext>
     </p:extLst>
   </p:cSld>
   <p:clrMapOvr>
     <a:masterClrMapping/>
   </p:clrMapOvr>
+  <p:timing>
+    <p:tnLst>
+      <p:par>
+        <p:cTn id="1" dur="indefinite" restart="never" nodeType="tmRoot"/>
+      </p:par>
+    </p:tnLst>
+  </p:timing>
 </p:sld>
 </file>
 
@@ -6451,7 +7080,7 @@
           <p:cNvPr id="2" name="标题 1">
             <a:extLst>
               <a:ext uri="{FF2B5EF4-FFF2-40B4-BE49-F238E27FC236}">
-                <a16:creationId xmlns:a16="http://schemas.microsoft.com/office/drawing/2014/main" id="{AF4A9058-0A99-4C34-9A1E-866444B016C5}"/>
+                <a16:creationId xmlns:a16="http://schemas.microsoft.com/office/drawing/2014/main" xmlns="" id="{AF4A9058-0A99-4C34-9A1E-866444B016C5}"/>
               </a:ext>
             </a:extLst>
           </p:cNvPr>
@@ -6464,13 +7093,31 @@
         </p:nvSpPr>
         <p:spPr/>
         <p:txBody>
-          <a:bodyPr/>
+          <a:bodyPr>
+            <a:normAutofit/>
+          </a:bodyPr>
           <a:lstStyle/>
           <a:p>
-            <a:r>
-              <a:rPr lang="zh-CN" altLang="en-US" dirty="0"/>
-              <a:t>汇报流程</a:t>
-            </a:r>
+            <a:pPr algn="ctr"/>
+            <a:r>
+              <a:rPr lang="zh-CN" altLang="en-US" sz="4000" b="1" dirty="0">
+                <a:solidFill>
+                  <a:srgbClr val="11576A"/>
+                </a:solidFill>
+                <a:latin typeface="微软雅黑" pitchFamily="34" charset="-122"/>
+                <a:ea typeface="微软雅黑" pitchFamily="34" charset="-122"/>
+                <a:cs typeface="+mn-cs"/>
+              </a:rPr>
+              <a:t>报告流程</a:t>
+            </a:r>
+            <a:endParaRPr lang="zh-CN" altLang="en-US" sz="4000" b="1" dirty="0">
+              <a:solidFill>
+                <a:srgbClr val="11576A"/>
+              </a:solidFill>
+              <a:latin typeface="微软雅黑" pitchFamily="34" charset="-122"/>
+              <a:ea typeface="微软雅黑" pitchFamily="34" charset="-122"/>
+              <a:cs typeface="+mn-cs"/>
+            </a:endParaRPr>
           </a:p>
         </p:txBody>
       </p:sp>
@@ -6479,7 +7126,7 @@
           <p:cNvPr id="3" name="内容占位符 2">
             <a:extLst>
               <a:ext uri="{FF2B5EF4-FFF2-40B4-BE49-F238E27FC236}">
-                <a16:creationId xmlns:a16="http://schemas.microsoft.com/office/drawing/2014/main" id="{72743921-57C6-4090-84A9-CEC673734288}"/>
+                <a16:creationId xmlns:a16="http://schemas.microsoft.com/office/drawing/2014/main" xmlns="" id="{72743921-57C6-4090-84A9-CEC673734288}"/>
               </a:ext>
             </a:extLst>
           </p:cNvPr>
@@ -6492,56 +7139,206 @@
         </p:nvSpPr>
         <p:spPr/>
         <p:txBody>
-          <a:bodyPr/>
+          <a:bodyPr>
+            <a:normAutofit fontScale="92500" lnSpcReduction="20000"/>
+          </a:bodyPr>
           <a:lstStyle/>
           <a:p>
-            <a:r>
-              <a:rPr lang="zh-CN" altLang="en-US" dirty="0"/>
+            <a:pPr>
+              <a:buFont typeface="Wingdings" charset="2"/>
+              <a:buChar char="n"/>
+            </a:pPr>
+            <a:r>
+              <a:rPr lang="zh-CN" altLang="en-US" sz="3600" b="1" dirty="0">
+                <a:solidFill>
+                  <a:srgbClr val="11576A"/>
+                </a:solidFill>
+                <a:latin typeface="微软雅黑" pitchFamily="34" charset="-122"/>
+                <a:ea typeface="微软雅黑" pitchFamily="34" charset="-122"/>
+              </a:rPr>
               <a:t>选题概述</a:t>
             </a:r>
-            <a:endParaRPr lang="en-US" altLang="zh-CN" dirty="0"/>
-          </a:p>
-          <a:p>
-            <a:r>
-              <a:rPr lang="zh-CN" altLang="en-US" dirty="0"/>
+            <a:endParaRPr lang="en-US" altLang="zh-CN" sz="3600" b="1" dirty="0">
+              <a:solidFill>
+                <a:srgbClr val="11576A"/>
+              </a:solidFill>
+              <a:latin typeface="微软雅黑" pitchFamily="34" charset="-122"/>
+              <a:ea typeface="微软雅黑" pitchFamily="34" charset="-122"/>
+            </a:endParaRPr>
+          </a:p>
+          <a:p>
+            <a:pPr>
+              <a:buFont typeface="Wingdings" charset="2"/>
+              <a:buChar char="n"/>
+            </a:pPr>
+            <a:r>
+              <a:rPr lang="zh-CN" altLang="en-US" sz="3600" b="1" dirty="0">
+                <a:solidFill>
+                  <a:srgbClr val="11576A"/>
+                </a:solidFill>
+                <a:latin typeface="微软雅黑" pitchFamily="34" charset="-122"/>
+                <a:ea typeface="微软雅黑" pitchFamily="34" charset="-122"/>
+              </a:rPr>
               <a:t>预期收获</a:t>
             </a:r>
-            <a:endParaRPr lang="en-US" altLang="zh-CN" dirty="0"/>
-          </a:p>
-          <a:p>
-            <a:r>
-              <a:rPr lang="zh-CN" altLang="en-US" dirty="0"/>
-              <a:t>相关工作</a:t>
-            </a:r>
-            <a:endParaRPr lang="en-US" altLang="zh-CN" dirty="0"/>
-          </a:p>
-          <a:p>
-            <a:r>
-              <a:rPr lang="zh-CN" altLang="en-US" dirty="0"/>
-              <a:t>设计方案</a:t>
-            </a:r>
-            <a:endParaRPr lang="en-US" altLang="zh-CN" dirty="0"/>
-          </a:p>
-          <a:p>
-            <a:r>
-              <a:rPr lang="zh-CN" altLang="en-US" dirty="0"/>
-              <a:t>小组分工</a:t>
-            </a:r>
-            <a:endParaRPr lang="en-US" altLang="zh-CN" dirty="0"/>
-          </a:p>
-          <a:p>
-            <a:r>
-              <a:rPr lang="zh-CN" altLang="en-US" dirty="0"/>
-              <a:t>已完成工作</a:t>
-            </a:r>
-            <a:endParaRPr lang="en-US" altLang="zh-CN" dirty="0"/>
-          </a:p>
-          <a:p>
-            <a:r>
-              <a:rPr lang="zh-CN" altLang="en-US" dirty="0"/>
-              <a:t>潜在问题分析</a:t>
-            </a:r>
-            <a:endParaRPr lang="en-US" altLang="zh-CN" dirty="0"/>
+            <a:endParaRPr lang="en-US" altLang="zh-CN" sz="3600" b="1" dirty="0">
+              <a:solidFill>
+                <a:srgbClr val="11576A"/>
+              </a:solidFill>
+              <a:latin typeface="微软雅黑" pitchFamily="34" charset="-122"/>
+              <a:ea typeface="微软雅黑" pitchFamily="34" charset="-122"/>
+            </a:endParaRPr>
+          </a:p>
+          <a:p>
+            <a:pPr>
+              <a:buFont typeface="Wingdings" charset="2"/>
+              <a:buChar char="n"/>
+            </a:pPr>
+            <a:r>
+              <a:rPr lang="zh-CN" altLang="en-US" sz="3600" b="1" dirty="0">
+                <a:solidFill>
+                  <a:srgbClr val="11576A"/>
+                </a:solidFill>
+                <a:latin typeface="微软雅黑" pitchFamily="34" charset="-122"/>
+                <a:ea typeface="微软雅黑" pitchFamily="34" charset="-122"/>
+              </a:rPr>
+              <a:t>相关</a:t>
+            </a:r>
+            <a:r>
+              <a:rPr lang="zh-CN" altLang="en-US" sz="3600" b="1" dirty="0">
+                <a:solidFill>
+                  <a:srgbClr val="11576A"/>
+                </a:solidFill>
+                <a:latin typeface="微软雅黑" pitchFamily="34" charset="-122"/>
+                <a:ea typeface="微软雅黑" pitchFamily="34" charset="-122"/>
+              </a:rPr>
+              <a:t>工作</a:t>
+            </a:r>
+          </a:p>
+          <a:p>
+            <a:pPr>
+              <a:buFont typeface="Wingdings" charset="2"/>
+              <a:buChar char="n"/>
+            </a:pPr>
+            <a:r>
+              <a:rPr lang="zh-CN" altLang="en-US" sz="3600" b="1" dirty="0">
+                <a:solidFill>
+                  <a:srgbClr val="11576A"/>
+                </a:solidFill>
+                <a:latin typeface="微软雅黑" pitchFamily="34" charset="-122"/>
+                <a:ea typeface="微软雅黑" pitchFamily="34" charset="-122"/>
+              </a:rPr>
+              <a:t>小组</a:t>
+            </a:r>
+            <a:r>
+              <a:rPr lang="zh-CN" altLang="en-US" sz="3600" b="1" dirty="0">
+                <a:solidFill>
+                  <a:srgbClr val="11576A"/>
+                </a:solidFill>
+                <a:latin typeface="微软雅黑" pitchFamily="34" charset="-122"/>
+                <a:ea typeface="微软雅黑" pitchFamily="34" charset="-122"/>
+              </a:rPr>
+              <a:t>分工</a:t>
+            </a:r>
+            <a:endParaRPr lang="en-US" altLang="zh-CN" sz="3600" b="1" dirty="0">
+              <a:solidFill>
+                <a:srgbClr val="11576A"/>
+              </a:solidFill>
+              <a:latin typeface="微软雅黑" pitchFamily="34" charset="-122"/>
+              <a:ea typeface="微软雅黑" pitchFamily="34" charset="-122"/>
+            </a:endParaRPr>
+          </a:p>
+          <a:p>
+            <a:pPr>
+              <a:buFont typeface="Wingdings" charset="2"/>
+              <a:buChar char="n"/>
+            </a:pPr>
+            <a:r>
+              <a:rPr lang="zh-CN" altLang="en-US" sz="3600" b="1" dirty="0">
+                <a:solidFill>
+                  <a:srgbClr val="11576A"/>
+                </a:solidFill>
+                <a:latin typeface="微软雅黑" pitchFamily="34" charset="-122"/>
+                <a:ea typeface="微软雅黑" pitchFamily="34" charset="-122"/>
+              </a:rPr>
+              <a:t>设计</a:t>
+            </a:r>
+            <a:r>
+              <a:rPr lang="zh-CN" altLang="en-US" sz="3600" b="1" dirty="0">
+                <a:solidFill>
+                  <a:srgbClr val="11576A"/>
+                </a:solidFill>
+                <a:latin typeface="微软雅黑" pitchFamily="34" charset="-122"/>
+                <a:ea typeface="微软雅黑" pitchFamily="34" charset="-122"/>
+              </a:rPr>
+              <a:t>方案和已完成工作</a:t>
+            </a:r>
+            <a:endParaRPr lang="en-US" altLang="zh-CN" sz="3600" b="1" dirty="0">
+              <a:solidFill>
+                <a:srgbClr val="11576A"/>
+              </a:solidFill>
+              <a:latin typeface="微软雅黑" pitchFamily="34" charset="-122"/>
+              <a:ea typeface="微软雅黑" pitchFamily="34" charset="-122"/>
+            </a:endParaRPr>
+          </a:p>
+          <a:p>
+            <a:pPr>
+              <a:buFont typeface="Wingdings" charset="2"/>
+              <a:buChar char="n"/>
+            </a:pPr>
+            <a:r>
+              <a:rPr lang="zh-CN" altLang="en-US" sz="3600" b="1" dirty="0">
+                <a:solidFill>
+                  <a:srgbClr val="11576A"/>
+                </a:solidFill>
+                <a:latin typeface="微软雅黑" pitchFamily="34" charset="-122"/>
+                <a:ea typeface="微软雅黑" pitchFamily="34" charset="-122"/>
+              </a:rPr>
+              <a:t>其他已</a:t>
+            </a:r>
+            <a:r>
+              <a:rPr lang="zh-CN" altLang="en-US" sz="3600" b="1" dirty="0">
+                <a:solidFill>
+                  <a:srgbClr val="11576A"/>
+                </a:solidFill>
+                <a:latin typeface="微软雅黑" pitchFamily="34" charset="-122"/>
+                <a:ea typeface="微软雅黑" pitchFamily="34" charset="-122"/>
+              </a:rPr>
+              <a:t>完成工作</a:t>
+            </a:r>
+            <a:endParaRPr lang="en-US" altLang="zh-CN" sz="3600" b="1" dirty="0">
+              <a:solidFill>
+                <a:srgbClr val="11576A"/>
+              </a:solidFill>
+              <a:latin typeface="微软雅黑" pitchFamily="34" charset="-122"/>
+              <a:ea typeface="微软雅黑" pitchFamily="34" charset="-122"/>
+            </a:endParaRPr>
+          </a:p>
+          <a:p>
+            <a:pPr>
+              <a:buFont typeface="Wingdings" charset="2"/>
+              <a:buChar char="n"/>
+            </a:pPr>
+            <a:r>
+              <a:rPr lang="zh-CN" altLang="en-US" sz="3600" b="1" dirty="0">
+                <a:solidFill>
+                  <a:srgbClr val="11576A"/>
+                </a:solidFill>
+                <a:latin typeface="微软雅黑" pitchFamily="34" charset="-122"/>
+                <a:ea typeface="微软雅黑" pitchFamily="34" charset="-122"/>
+              </a:rPr>
+              <a:t>潜在问题</a:t>
+            </a:r>
+            <a:r>
+              <a:rPr lang="zh-CN" altLang="en-US" sz="3600" b="1" dirty="0">
+                <a:solidFill>
+                  <a:srgbClr val="11576A"/>
+                </a:solidFill>
+                <a:latin typeface="微软雅黑" pitchFamily="34" charset="-122"/>
+                <a:ea typeface="微软雅黑" pitchFamily="34" charset="-122"/>
+              </a:rPr>
+              <a:t>分析</a:t>
+            </a:r>
           </a:p>
         </p:txBody>
       </p:sp>
@@ -6555,6 +7352,13 @@
   <p:clrMapOvr>
     <a:masterClrMapping/>
   </p:clrMapOvr>
+  <p:timing>
+    <p:tnLst>
+      <p:par>
+        <p:cTn id="1" dur="indefinite" restart="never" nodeType="tmRoot"/>
+      </p:par>
+    </p:tnLst>
+  </p:timing>
 </p:sld>
 </file>
 
@@ -6575,12 +7379,60 @@
           <a:chExt cx="0" cy="0"/>
         </a:xfrm>
       </p:grpSpPr>
+      <p:pic>
+        <p:nvPicPr>
+          <p:cNvPr id="4" name="图片 3" descr="封面.jpg"/>
+          <p:cNvPicPr>
+            <a:picLocks noChangeAspect="1"/>
+          </p:cNvPicPr>
+          <p:nvPr/>
+        </p:nvPicPr>
+        <p:blipFill>
+          <a:blip r:embed="rId2" cstate="print"/>
+          <a:stretch>
+            <a:fillRect/>
+          </a:stretch>
+        </p:blipFill>
+        <p:spPr>
+          <a:xfrm>
+            <a:off x="0" y="1566"/>
+            <a:ext cx="12192000" cy="6858182"/>
+          </a:xfrm>
+          <a:prstGeom prst="rect">
+            <a:avLst/>
+          </a:prstGeom>
+        </p:spPr>
+      </p:pic>
+      <p:pic>
+        <p:nvPicPr>
+          <p:cNvPr id="5" name="图片 4" descr="封面.jpg"/>
+          <p:cNvPicPr>
+            <a:picLocks noChangeAspect="1"/>
+          </p:cNvPicPr>
+          <p:nvPr/>
+        </p:nvPicPr>
+        <p:blipFill>
+          <a:blip r:embed="rId3" cstate="print"/>
+          <a:stretch>
+            <a:fillRect/>
+          </a:stretch>
+        </p:blipFill>
+        <p:spPr>
+          <a:xfrm>
+            <a:off x="463552" y="423066"/>
+            <a:ext cx="4591364" cy="1214446"/>
+          </a:xfrm>
+          <a:prstGeom prst="rect">
+            <a:avLst/>
+          </a:prstGeom>
+        </p:spPr>
+      </p:pic>
       <p:sp>
         <p:nvSpPr>
           <p:cNvPr id="2" name="标题 1">
             <a:extLst>
               <a:ext uri="{FF2B5EF4-FFF2-40B4-BE49-F238E27FC236}">
-                <a16:creationId xmlns:a16="http://schemas.microsoft.com/office/drawing/2014/main" id="{B11BB952-5A0B-4204-9A23-AE98C3EFAE72}"/>
+                <a16:creationId xmlns:a16="http://schemas.microsoft.com/office/drawing/2014/main" xmlns="" id="{1DAB51E8-468B-4288-BC7B-FD3D41CE4EBB}"/>
               </a:ext>
             </a:extLst>
           </p:cNvPr>
@@ -6588,43 +7440,44 @@
             <a:spLocks noGrp="1"/>
           </p:cNvSpPr>
           <p:nvPr>
-            <p:ph type="title"/>
+            <p:ph type="ctrTitle"/>
           </p:nvPr>
         </p:nvSpPr>
         <p:spPr/>
         <p:txBody>
-          <a:bodyPr/>
+          <a:bodyPr>
+            <a:normAutofit/>
+          </a:bodyPr>
           <a:lstStyle/>
           <a:p>
             <a:r>
-              <a:rPr lang="zh-CN" altLang="en-US" dirty="0"/>
-              <a:t>潜在问题分析 </a:t>
-            </a:r>
-            <a:r>
-              <a:rPr lang="en-US" altLang="zh-CN" dirty="0"/>
-              <a:t>- commuter</a:t>
-            </a:r>
-            <a:r>
-              <a:rPr lang="zh-CN" altLang="en-US" dirty="0"/>
-              <a:t>优化</a:t>
-            </a:r>
-            <a:r>
-              <a:rPr lang="en-US" altLang="zh-CN" dirty="0"/>
-              <a:t>sv6</a:t>
-            </a:r>
-            <a:r>
-              <a:rPr lang="zh-CN" altLang="en-US" dirty="0"/>
-              <a:t>系统子模块</a:t>
-            </a:r>
-          </a:p>
-        </p:txBody>
-      </p:sp>
-      <p:sp>
-        <p:nvSpPr>
-          <p:cNvPr id="3" name="内容占位符 2">
+              <a:rPr lang="en-US" altLang="zh-CN" sz="4800" b="1" dirty="0">
+                <a:solidFill>
+                  <a:srgbClr val="11576A"/>
+                </a:solidFill>
+                <a:latin typeface="微软雅黑" pitchFamily="34" charset="-122"/>
+                <a:ea typeface="微软雅黑" pitchFamily="34" charset="-122"/>
+                <a:cs typeface="+mn-cs"/>
+              </a:rPr>
+              <a:t>Thanks!</a:t>
+            </a:r>
+            <a:endParaRPr lang="zh-CN" altLang="en-US" sz="4800" b="1" dirty="0">
+              <a:solidFill>
+                <a:srgbClr val="11576A"/>
+              </a:solidFill>
+              <a:latin typeface="微软雅黑" pitchFamily="34" charset="-122"/>
+              <a:ea typeface="微软雅黑" pitchFamily="34" charset="-122"/>
+              <a:cs typeface="+mn-cs"/>
+            </a:endParaRPr>
+          </a:p>
+        </p:txBody>
+      </p:sp>
+      <p:sp>
+        <p:nvSpPr>
+          <p:cNvPr id="3" name="副标题 2">
             <a:extLst>
               <a:ext uri="{FF2B5EF4-FFF2-40B4-BE49-F238E27FC236}">
-                <a16:creationId xmlns:a16="http://schemas.microsoft.com/office/drawing/2014/main" id="{9D59975D-47ED-407C-B477-7B1D0C172572}"/>
+                <a16:creationId xmlns:a16="http://schemas.microsoft.com/office/drawing/2014/main" xmlns="" id="{4D8617E2-BAE3-42C5-A2D7-0646ABA9E0A3}"/>
               </a:ext>
             </a:extLst>
           </p:cNvPr>
@@ -6632,167 +7485,38 @@
             <a:spLocks noGrp="1"/>
           </p:cNvSpPr>
           <p:nvPr>
-            <p:ph idx="1"/>
-          </p:nvPr>
-        </p:nvSpPr>
-        <p:spPr/>
-        <p:txBody>
-          <a:bodyPr/>
+            <p:ph type="subTitle" idx="1"/>
+          </p:nvPr>
+        </p:nvSpPr>
+        <p:spPr>
+          <a:xfrm>
+            <a:off x="1524000" y="3790722"/>
+            <a:ext cx="9144000" cy="1655763"/>
+          </a:xfrm>
+        </p:spPr>
+        <p:txBody>
+          <a:bodyPr>
+            <a:normAutofit/>
+          </a:bodyPr>
           <a:lstStyle/>
           <a:p>
             <a:r>
-              <a:rPr lang="en-US" altLang="zh-CN" dirty="0"/>
-              <a:t>1.  </a:t>
-            </a:r>
-            <a:r>
-              <a:rPr lang="zh-CN" altLang="en-US" dirty="0"/>
-              <a:t>如果我们最终选择</a:t>
-            </a:r>
-            <a:r>
-              <a:rPr lang="en-US" altLang="zh-CN" dirty="0"/>
-              <a:t>sv6</a:t>
-            </a:r>
-            <a:r>
-              <a:rPr lang="zh-CN" altLang="en-US" dirty="0"/>
-              <a:t>的网络子模块优化，我们需要明确并分析</a:t>
-            </a:r>
-            <a:r>
-              <a:rPr lang="en-US" altLang="zh-CN" dirty="0"/>
-              <a:t>socket</a:t>
-            </a:r>
-            <a:r>
-              <a:rPr lang="zh-CN" altLang="en-US" dirty="0"/>
-              <a:t>一类系统调用的规范。</a:t>
-            </a:r>
-            <a:endParaRPr lang="en-US" altLang="zh-CN" dirty="0"/>
-          </a:p>
-          <a:p>
-            <a:r>
-              <a:rPr lang="en-US" altLang="zh-CN" dirty="0"/>
-              <a:t>2.  commuter</a:t>
-            </a:r>
-            <a:r>
-              <a:rPr lang="zh-CN" altLang="en-US" dirty="0"/>
-              <a:t>相关文献中的实验部分，使用的服务器是</a:t>
-            </a:r>
-            <a:r>
-              <a:rPr lang="en-US" altLang="zh-CN" dirty="0"/>
-              <a:t>80</a:t>
-            </a:r>
-            <a:r>
-              <a:rPr lang="zh-CN" altLang="en-US" dirty="0"/>
-              <a:t>核处理器，而我们并没有如此发达的计算资源，可能需要教学团队给予一定帮助。</a:t>
-            </a:r>
-            <a:endParaRPr lang="en-US" altLang="zh-CN" dirty="0"/>
-          </a:p>
-          <a:p>
-            <a:r>
-              <a:rPr lang="en-US" altLang="zh-CN" dirty="0"/>
-              <a:t>3.  </a:t>
-            </a:r>
-            <a:r>
-              <a:rPr lang="zh-CN" altLang="en-US" dirty="0"/>
-              <a:t>配置</a:t>
-            </a:r>
-            <a:r>
-              <a:rPr lang="en-US" altLang="zh-CN" dirty="0"/>
-              <a:t>commuter</a:t>
-            </a:r>
-            <a:r>
-              <a:rPr lang="zh-CN" altLang="en-US" dirty="0"/>
-              <a:t>运行环境成功后，因为安装的库不兼容的原因，导致了我们的虚拟机图形界面崩溃了。</a:t>
-            </a:r>
-          </a:p>
-        </p:txBody>
-      </p:sp>
-    </p:spTree>
-    <p:extLst>
-      <p:ext uri="{BB962C8B-B14F-4D97-AF65-F5344CB8AC3E}">
-        <p14:creationId xmlns:p14="http://schemas.microsoft.com/office/powerpoint/2010/main" val="3878108338"/>
-      </p:ext>
-    </p:extLst>
-  </p:cSld>
-  <p:clrMapOvr>
-    <a:masterClrMapping/>
-  </p:clrMapOvr>
-</p:sld>
-</file>
-
-<file path=ppt/slides/slide21.xml><?xml version="1.0" encoding="utf-8"?>
-<p:sld xmlns:a="http://schemas.openxmlformats.org/drawingml/2006/main" xmlns:r="http://schemas.openxmlformats.org/officeDocument/2006/relationships" xmlns:p="http://schemas.openxmlformats.org/presentationml/2006/main">
-  <p:cSld>
-    <p:spTree>
-      <p:nvGrpSpPr>
-        <p:cNvPr id="1" name=""/>
-        <p:cNvGrpSpPr/>
-        <p:nvPr/>
-      </p:nvGrpSpPr>
-      <p:grpSpPr>
-        <a:xfrm>
-          <a:off x="0" y="0"/>
-          <a:ext cx="0" cy="0"/>
-          <a:chOff x="0" y="0"/>
-          <a:chExt cx="0" cy="0"/>
-        </a:xfrm>
-      </p:grpSpPr>
-      <p:sp>
-        <p:nvSpPr>
-          <p:cNvPr id="2" name="标题 1">
-            <a:extLst>
-              <a:ext uri="{FF2B5EF4-FFF2-40B4-BE49-F238E27FC236}">
-                <a16:creationId xmlns:a16="http://schemas.microsoft.com/office/drawing/2014/main" id="{1DAB51E8-468B-4288-BC7B-FD3D41CE4EBB}"/>
-              </a:ext>
-            </a:extLst>
-          </p:cNvPr>
-          <p:cNvSpPr>
-            <a:spLocks noGrp="1"/>
-          </p:cNvSpPr>
-          <p:nvPr>
-            <p:ph type="ctrTitle"/>
-          </p:nvPr>
-        </p:nvSpPr>
-        <p:spPr/>
-        <p:txBody>
-          <a:bodyPr/>
-          <a:lstStyle/>
-          <a:p>
-            <a:r>
-              <a:rPr lang="en-US" altLang="zh-CN" dirty="0"/>
-              <a:t>Thanks</a:t>
-            </a:r>
-            <a:r>
-              <a:rPr lang="zh-CN" altLang="en-US" dirty="0"/>
-              <a:t>！</a:t>
-            </a:r>
-          </a:p>
-        </p:txBody>
-      </p:sp>
-      <p:sp>
-        <p:nvSpPr>
-          <p:cNvPr id="3" name="副标题 2">
-            <a:extLst>
-              <a:ext uri="{FF2B5EF4-FFF2-40B4-BE49-F238E27FC236}">
-                <a16:creationId xmlns:a16="http://schemas.microsoft.com/office/drawing/2014/main" id="{4D8617E2-BAE3-42C5-A2D7-0646ABA9E0A3}"/>
-              </a:ext>
-            </a:extLst>
-          </p:cNvPr>
-          <p:cNvSpPr>
-            <a:spLocks noGrp="1"/>
-          </p:cNvSpPr>
-          <p:nvPr>
-            <p:ph type="subTitle" idx="1"/>
-          </p:nvPr>
-        </p:nvSpPr>
-        <p:spPr/>
-        <p:txBody>
-          <a:bodyPr/>
-          <a:lstStyle/>
-          <a:p>
-            <a:r>
-              <a:rPr lang="en-US" altLang="zh-CN" dirty="0"/>
+              <a:rPr lang="en-US" altLang="zh-CN" sz="3000" b="1" dirty="0">
+                <a:solidFill>
+                  <a:srgbClr val="11576A"/>
+                </a:solidFill>
+                <a:latin typeface="微软雅黑" pitchFamily="34" charset="-122"/>
+                <a:ea typeface="微软雅黑" pitchFamily="34" charset="-122"/>
+              </a:rPr>
               <a:t>Q &amp; A</a:t>
             </a:r>
-            <a:endParaRPr lang="zh-CN" altLang="en-US" dirty="0"/>
+            <a:endParaRPr lang="zh-CN" altLang="en-US" sz="3000" b="1" dirty="0">
+              <a:solidFill>
+                <a:srgbClr val="11576A"/>
+              </a:solidFill>
+              <a:latin typeface="微软雅黑" pitchFamily="34" charset="-122"/>
+              <a:ea typeface="微软雅黑" pitchFamily="34" charset="-122"/>
+            </a:endParaRPr>
           </a:p>
         </p:txBody>
       </p:sp>
@@ -6806,6 +7530,218 @@
   <p:clrMapOvr>
     <a:masterClrMapping/>
   </p:clrMapOvr>
+  <p:timing>
+    <p:tnLst>
+      <p:par>
+        <p:cTn id="1" dur="indefinite" restart="never" nodeType="tmRoot">
+          <p:childTnLst>
+            <p:seq concurrent="1" nextAc="seek">
+              <p:cTn id="2" dur="indefinite" nodeType="mainSeq">
+                <p:childTnLst>
+                  <p:par>
+                    <p:cTn id="3" fill="hold">
+                      <p:stCondLst>
+                        <p:cond delay="indefinite"/>
+                        <p:cond evt="onBegin" delay="0">
+                          <p:tn val="2"/>
+                        </p:cond>
+                      </p:stCondLst>
+                      <p:childTnLst>
+                        <p:par>
+                          <p:cTn id="4" fill="hold">
+                            <p:stCondLst>
+                              <p:cond delay="0"/>
+                            </p:stCondLst>
+                            <p:childTnLst>
+                              <p:par>
+                                <p:cTn id="5" presetID="10" presetClass="exit" presetSubtype="0" fill="hold" nodeType="withEffect">
+                                  <p:stCondLst>
+                                    <p:cond delay="0"/>
+                                  </p:stCondLst>
+                                  <p:childTnLst>
+                                    <p:animEffect transition="out" filter="fade">
+                                      <p:cBhvr>
+                                        <p:cTn id="6" dur="500"/>
+                                        <p:tgtEl>
+                                          <p:spTgt spid="4"/>
+                                        </p:tgtEl>
+                                      </p:cBhvr>
+                                    </p:animEffect>
+                                    <p:set>
+                                      <p:cBhvr>
+                                        <p:cTn id="7" dur="1" fill="hold">
+                                          <p:stCondLst>
+                                            <p:cond delay="499"/>
+                                          </p:stCondLst>
+                                        </p:cTn>
+                                        <p:tgtEl>
+                                          <p:spTgt spid="4"/>
+                                        </p:tgtEl>
+                                        <p:attrNameLst>
+                                          <p:attrName>style.visibility</p:attrName>
+                                        </p:attrNameLst>
+                                      </p:cBhvr>
+                                      <p:to>
+                                        <p:strVal val="hidden"/>
+                                      </p:to>
+                                    </p:set>
+                                  </p:childTnLst>
+                                </p:cTn>
+                              </p:par>
+                            </p:childTnLst>
+                          </p:cTn>
+                        </p:par>
+                      </p:childTnLst>
+                    </p:cTn>
+                  </p:par>
+                  <p:par>
+                    <p:cTn id="8" fill="hold">
+                      <p:stCondLst>
+                        <p:cond delay="indefinite"/>
+                      </p:stCondLst>
+                      <p:childTnLst>
+                        <p:par>
+                          <p:cTn id="9" fill="hold">
+                            <p:stCondLst>
+                              <p:cond delay="0"/>
+                            </p:stCondLst>
+                            <p:childTnLst>
+                              <p:par>
+                                <p:cTn id="10" presetID="23" presetClass="exit" presetSubtype="16" fill="hold" nodeType="clickEffect">
+                                  <p:stCondLst>
+                                    <p:cond delay="0"/>
+                                  </p:stCondLst>
+                                  <p:childTnLst>
+                                    <p:anim calcmode="lin" valueType="num">
+                                      <p:cBhvr>
+                                        <p:cTn id="11" dur="500"/>
+                                        <p:tgtEl>
+                                          <p:spTgt spid="5"/>
+                                        </p:tgtEl>
+                                        <p:attrNameLst>
+                                          <p:attrName>ppt_w</p:attrName>
+                                        </p:attrNameLst>
+                                      </p:cBhvr>
+                                      <p:tavLst>
+                                        <p:tav tm="0">
+                                          <p:val>
+                                            <p:strVal val="ppt_w"/>
+                                          </p:val>
+                                        </p:tav>
+                                        <p:tav tm="100000">
+                                          <p:val>
+                                            <p:strVal val="4*ppt_w"/>
+                                          </p:val>
+                                        </p:tav>
+                                      </p:tavLst>
+                                    </p:anim>
+                                    <p:anim calcmode="lin" valueType="num">
+                                      <p:cBhvr>
+                                        <p:cTn id="12" dur="500"/>
+                                        <p:tgtEl>
+                                          <p:spTgt spid="5"/>
+                                        </p:tgtEl>
+                                        <p:attrNameLst>
+                                          <p:attrName>ppt_h</p:attrName>
+                                        </p:attrNameLst>
+                                      </p:cBhvr>
+                                      <p:tavLst>
+                                        <p:tav tm="0">
+                                          <p:val>
+                                            <p:strVal val="ppt_h"/>
+                                          </p:val>
+                                        </p:tav>
+                                        <p:tav tm="100000">
+                                          <p:val>
+                                            <p:strVal val="4*ppt_h"/>
+                                          </p:val>
+                                        </p:tav>
+                                      </p:tavLst>
+                                    </p:anim>
+                                    <p:set>
+                                      <p:cBhvr>
+                                        <p:cTn id="13" dur="1" fill="hold">
+                                          <p:stCondLst>
+                                            <p:cond delay="499"/>
+                                          </p:stCondLst>
+                                        </p:cTn>
+                                        <p:tgtEl>
+                                          <p:spTgt spid="5"/>
+                                        </p:tgtEl>
+                                        <p:attrNameLst>
+                                          <p:attrName>style.visibility</p:attrName>
+                                        </p:attrNameLst>
+                                      </p:cBhvr>
+                                      <p:to>
+                                        <p:strVal val="hidden"/>
+                                      </p:to>
+                                    </p:set>
+                                  </p:childTnLst>
+                                </p:cTn>
+                              </p:par>
+                              <p:par>
+                                <p:cTn id="14" presetID="10" presetClass="exit" presetSubtype="0" fill="hold" nodeType="withEffect">
+                                  <p:stCondLst>
+                                    <p:cond delay="0"/>
+                                  </p:stCondLst>
+                                  <p:childTnLst>
+                                    <p:animEffect transition="out" filter="fade">
+                                      <p:cBhvr>
+                                        <p:cTn id="15" dur="500"/>
+                                        <p:tgtEl>
+                                          <p:spTgt spid="5"/>
+                                        </p:tgtEl>
+                                      </p:cBhvr>
+                                    </p:animEffect>
+                                    <p:set>
+                                      <p:cBhvr>
+                                        <p:cTn id="16" dur="1" fill="hold">
+                                          <p:stCondLst>
+                                            <p:cond delay="499"/>
+                                          </p:stCondLst>
+                                        </p:cTn>
+                                        <p:tgtEl>
+                                          <p:spTgt spid="5"/>
+                                        </p:tgtEl>
+                                        <p:attrNameLst>
+                                          <p:attrName>style.visibility</p:attrName>
+                                        </p:attrNameLst>
+                                      </p:cBhvr>
+                                      <p:to>
+                                        <p:strVal val="hidden"/>
+                                      </p:to>
+                                    </p:set>
+                                  </p:childTnLst>
+                                </p:cTn>
+                              </p:par>
+                            </p:childTnLst>
+                          </p:cTn>
+                        </p:par>
+                      </p:childTnLst>
+                    </p:cTn>
+                  </p:par>
+                </p:childTnLst>
+              </p:cTn>
+              <p:prevCondLst>
+                <p:cond evt="onPrev" delay="0">
+                  <p:tgtEl>
+                    <p:sldTgt/>
+                  </p:tgtEl>
+                </p:cond>
+              </p:prevCondLst>
+              <p:nextCondLst>
+                <p:cond evt="onNext" delay="0">
+                  <p:tgtEl>
+                    <p:sldTgt/>
+                  </p:tgtEl>
+                </p:cond>
+              </p:nextCondLst>
+            </p:seq>
+          </p:childTnLst>
+        </p:cTn>
+      </p:par>
+    </p:tnLst>
+  </p:timing>
 </p:sld>
 </file>
 
@@ -6831,7 +7767,7 @@
           <p:cNvPr id="2" name="标题 1">
             <a:extLst>
               <a:ext uri="{FF2B5EF4-FFF2-40B4-BE49-F238E27FC236}">
-                <a16:creationId xmlns:a16="http://schemas.microsoft.com/office/drawing/2014/main" id="{B7F27D61-C7B7-4164-82D0-4F7D56D360F4}"/>
+                <a16:creationId xmlns:a16="http://schemas.microsoft.com/office/drawing/2014/main" xmlns="" id="{B7F27D61-C7B7-4164-82D0-4F7D56D360F4}"/>
               </a:ext>
             </a:extLst>
           </p:cNvPr>
@@ -6859,7 +7795,7 @@
           <p:cNvPr id="3" name="内容占位符 2">
             <a:extLst>
               <a:ext uri="{FF2B5EF4-FFF2-40B4-BE49-F238E27FC236}">
-                <a16:creationId xmlns:a16="http://schemas.microsoft.com/office/drawing/2014/main" id="{52E57387-6F0C-496C-9655-45DED2B76AB2}"/>
+                <a16:creationId xmlns:a16="http://schemas.microsoft.com/office/drawing/2014/main" xmlns="" id="{52E57387-6F0C-496C-9655-45DED2B76AB2}"/>
               </a:ext>
             </a:extLst>
           </p:cNvPr>
@@ -6876,54 +7812,78 @@
           <a:lstStyle/>
           <a:p>
             <a:r>
-              <a:rPr lang="zh-CN" altLang="en-US" b="1" dirty="0"/>
+              <a:rPr lang="zh-CN" altLang="en-US" b="1" dirty="0" smtClean="0"/>
               <a:t>移植</a:t>
             </a:r>
             <a:r>
-              <a:rPr lang="zh-CN" altLang="en-US" dirty="0"/>
-              <a:t>：将</a:t>
-            </a:r>
-            <a:r>
-              <a:rPr lang="en-US" altLang="zh-CN" dirty="0"/>
+              <a:rPr lang="zh-CN" altLang="en-US" sz="3200" dirty="0" smtClean="0"/>
+              <a:t>：</a:t>
+            </a:r>
+            <a:r>
+              <a:rPr lang="zh-CN" altLang="en-US" sz="3200" dirty="0" smtClean="0"/>
+              <a:t>将</a:t>
+            </a:r>
+            <a:r>
+              <a:rPr lang="en-US" altLang="zh-CN" sz="3200" dirty="0"/>
               <a:t>sv6</a:t>
             </a:r>
             <a:r>
-              <a:rPr lang="zh-CN" altLang="en-US" dirty="0"/>
+              <a:rPr lang="zh-CN" altLang="en-US" sz="3200" dirty="0"/>
               <a:t>操作系统从</a:t>
             </a:r>
             <a:r>
-              <a:rPr lang="en-US" altLang="zh-CN" dirty="0"/>
+              <a:rPr lang="en-US" altLang="zh-CN" sz="3200" dirty="0"/>
               <a:t>x86-64</a:t>
             </a:r>
             <a:r>
-              <a:rPr lang="zh-CN" altLang="en-US" dirty="0"/>
+              <a:rPr lang="zh-CN" altLang="en-US" sz="3200" dirty="0"/>
               <a:t>移植到</a:t>
             </a:r>
             <a:r>
-              <a:rPr lang="en-US" altLang="zh-CN" dirty="0"/>
+              <a:rPr lang="en-US" altLang="zh-CN" sz="3200" dirty="0"/>
               <a:t>RISC-V 64</a:t>
             </a:r>
             <a:r>
-              <a:rPr lang="zh-CN" altLang="en-US" dirty="0"/>
-              <a:t>位（以下简称</a:t>
-            </a:r>
-            <a:r>
-              <a:rPr lang="en-US" altLang="zh-CN" dirty="0"/>
+              <a:rPr lang="zh-CN" altLang="en-US" sz="3200" dirty="0" smtClean="0"/>
+              <a:t>位（</a:t>
+            </a:r>
+            <a:r>
+              <a:rPr lang="zh-CN" altLang="en-US" sz="3200" dirty="0" smtClean="0"/>
+              <a:t>后面</a:t>
+            </a:r>
+            <a:r>
+              <a:rPr lang="zh-CN" altLang="en-US" sz="3200" dirty="0" smtClean="0"/>
+              <a:t>简称</a:t>
+            </a:r>
+            <a:r>
+              <a:rPr lang="en-US" altLang="zh-CN" sz="3200" dirty="0"/>
               <a:t>RV64</a:t>
             </a:r>
             <a:r>
-              <a:rPr lang="zh-CN" altLang="en-US" dirty="0"/>
-              <a:t>）对称多处理器（以下简称</a:t>
-            </a:r>
-            <a:r>
-              <a:rPr lang="en-US" altLang="zh-CN" dirty="0"/>
+              <a:rPr lang="zh-CN" altLang="en-US" sz="3200" dirty="0"/>
+              <a:t>）对称多处理器</a:t>
+            </a:r>
+            <a:r>
+              <a:rPr lang="zh-CN" altLang="en-US" sz="3200" dirty="0" smtClean="0"/>
+              <a:t>（</a:t>
+            </a:r>
+            <a:r>
+              <a:rPr lang="zh-CN" altLang="en-US" sz="3200" dirty="0" smtClean="0"/>
+              <a:t>后面</a:t>
+            </a:r>
+            <a:r>
+              <a:rPr lang="zh-CN" altLang="en-US" sz="3200" dirty="0" smtClean="0"/>
+              <a:t>简称</a:t>
+            </a:r>
+            <a:r>
+              <a:rPr lang="en-US" altLang="zh-CN" sz="3200" dirty="0"/>
               <a:t>SMP</a:t>
             </a:r>
             <a:r>
-              <a:rPr lang="zh-CN" altLang="en-US" dirty="0"/>
+              <a:rPr lang="zh-CN" altLang="en-US" sz="3200" dirty="0"/>
               <a:t>）环境。</a:t>
             </a:r>
-            <a:endParaRPr lang="en-US" altLang="zh-CN" dirty="0"/>
+            <a:endParaRPr lang="en-US" altLang="zh-CN" sz="3200" dirty="0"/>
           </a:p>
           <a:p>
             <a:r>
@@ -6931,23 +7891,23 @@
               <a:t>优化</a:t>
             </a:r>
             <a:r>
-              <a:rPr lang="zh-CN" altLang="en-US" dirty="0"/>
+              <a:rPr lang="zh-CN" altLang="en-US" sz="3200" dirty="0"/>
               <a:t>：利用</a:t>
             </a:r>
             <a:r>
-              <a:rPr lang="en-US" altLang="zh-CN" dirty="0"/>
+              <a:rPr lang="en-US" altLang="zh-CN" sz="3200" dirty="0"/>
               <a:t>commuter</a:t>
             </a:r>
             <a:r>
-              <a:rPr lang="zh-CN" altLang="en-US" dirty="0"/>
+              <a:rPr lang="zh-CN" altLang="en-US" sz="3200" dirty="0"/>
               <a:t>工具进一步优化</a:t>
             </a:r>
             <a:r>
-              <a:rPr lang="en-US" altLang="zh-CN" dirty="0"/>
+              <a:rPr lang="en-US" altLang="zh-CN" sz="3200" dirty="0"/>
               <a:t>sv6</a:t>
             </a:r>
             <a:r>
-              <a:rPr lang="zh-CN" altLang="en-US" dirty="0"/>
+              <a:rPr lang="zh-CN" altLang="en-US" sz="3200" dirty="0"/>
               <a:t>操作系统的一部分，例如网络子模块。</a:t>
             </a:r>
           </a:p>
@@ -6963,6 +7923,13 @@
   <p:clrMapOvr>
     <a:masterClrMapping/>
   </p:clrMapOvr>
+  <p:timing>
+    <p:tnLst>
+      <p:par>
+        <p:cTn id="1" dur="indefinite" restart="never" nodeType="tmRoot"/>
+      </p:par>
+    </p:tnLst>
+  </p:timing>
 </p:sld>
 </file>
 
@@ -6988,7 +7955,7 @@
           <p:cNvPr id="2" name="标题 1">
             <a:extLst>
               <a:ext uri="{FF2B5EF4-FFF2-40B4-BE49-F238E27FC236}">
-                <a16:creationId xmlns:a16="http://schemas.microsoft.com/office/drawing/2014/main" id="{7343F9DE-B517-4351-9269-8D1C6D59A4A5}"/>
+                <a16:creationId xmlns:a16="http://schemas.microsoft.com/office/drawing/2014/main" xmlns="" id="{7343F9DE-B517-4351-9269-8D1C6D59A4A5}"/>
               </a:ext>
             </a:extLst>
           </p:cNvPr>
@@ -7016,7 +7983,7 @@
           <p:cNvPr id="3" name="内容占位符 2">
             <a:extLst>
               <a:ext uri="{FF2B5EF4-FFF2-40B4-BE49-F238E27FC236}">
-                <a16:creationId xmlns:a16="http://schemas.microsoft.com/office/drawing/2014/main" id="{215190A6-310F-44FD-A35A-B64FEFA31FDD}"/>
+                <a16:creationId xmlns:a16="http://schemas.microsoft.com/office/drawing/2014/main" xmlns="" id="{215190A6-310F-44FD-A35A-B64FEFA31FDD}"/>
               </a:ext>
             </a:extLst>
           </p:cNvPr>
@@ -7029,7 +7996,9 @@
         </p:nvSpPr>
         <p:spPr/>
         <p:txBody>
-          <a:bodyPr/>
+          <a:bodyPr>
+            <a:normAutofit lnSpcReduction="10000"/>
+          </a:bodyPr>
           <a:lstStyle/>
           <a:p>
             <a:r>
@@ -7089,8 +8058,19 @@
               <a:t>以及</a:t>
             </a:r>
             <a:r>
-              <a:rPr lang="en-US" altLang="zh-CN" dirty="0"/>
+              <a:rPr lang="en-US" altLang="zh-CN" dirty="0" smtClean="0"/>
               <a:t>commuter</a:t>
+            </a:r>
+            <a:endParaRPr lang="zh-CN" altLang="en-US" dirty="0" smtClean="0"/>
+          </a:p>
+          <a:p>
+            <a:r>
+              <a:rPr lang="zh-CN" altLang="en-US" dirty="0" smtClean="0"/>
+              <a:t>深入理解</a:t>
+            </a:r>
+            <a:r>
+              <a:rPr lang="en-US" altLang="zh-CN" dirty="0" smtClean="0"/>
+              <a:t>socket</a:t>
             </a:r>
             <a:endParaRPr lang="zh-CN" altLang="en-US" dirty="0"/>
           </a:p>
@@ -7106,6 +8086,13 @@
   <p:clrMapOvr>
     <a:masterClrMapping/>
   </p:clrMapOvr>
+  <p:timing>
+    <p:tnLst>
+      <p:par>
+        <p:cTn id="1" dur="indefinite" restart="never" nodeType="tmRoot"/>
+      </p:par>
+    </p:tnLst>
+  </p:timing>
 </p:sld>
 </file>
 
@@ -7131,7 +8118,7 @@
           <p:cNvPr id="2" name="标题 1">
             <a:extLst>
               <a:ext uri="{FF2B5EF4-FFF2-40B4-BE49-F238E27FC236}">
-                <a16:creationId xmlns:a16="http://schemas.microsoft.com/office/drawing/2014/main" id="{E01F3731-792A-46FA-ACC4-898B8D097AA7}"/>
+                <a16:creationId xmlns:a16="http://schemas.microsoft.com/office/drawing/2014/main" xmlns="" id="{E01F3731-792A-46FA-ACC4-898B8D097AA7}"/>
               </a:ext>
             </a:extLst>
           </p:cNvPr>
@@ -7159,7 +8146,7 @@
           <p:cNvPr id="3" name="内容占位符 2">
             <a:extLst>
               <a:ext uri="{FF2B5EF4-FFF2-40B4-BE49-F238E27FC236}">
-                <a16:creationId xmlns:a16="http://schemas.microsoft.com/office/drawing/2014/main" id="{6C1C851E-FC8E-4C35-AF0D-A1B5970D1633}"/>
+                <a16:creationId xmlns:a16="http://schemas.microsoft.com/office/drawing/2014/main" xmlns="" id="{6C1C851E-FC8E-4C35-AF0D-A1B5970D1633}"/>
               </a:ext>
             </a:extLst>
           </p:cNvPr>
@@ -7223,6 +8210,13 @@
   <p:clrMapOvr>
     <a:masterClrMapping/>
   </p:clrMapOvr>
+  <p:timing>
+    <p:tnLst>
+      <p:par>
+        <p:cTn id="1" dur="indefinite" restart="never" nodeType="tmRoot"/>
+      </p:par>
+    </p:tnLst>
+  </p:timing>
 </p:sld>
 </file>
 
@@ -7248,7 +8242,7 @@
           <p:cNvPr id="2" name="标题 1">
             <a:extLst>
               <a:ext uri="{FF2B5EF4-FFF2-40B4-BE49-F238E27FC236}">
-                <a16:creationId xmlns:a16="http://schemas.microsoft.com/office/drawing/2014/main" id="{F5B41FB3-3891-47F7-9461-39E387FDC4DD}"/>
+                <a16:creationId xmlns:a16="http://schemas.microsoft.com/office/drawing/2014/main" xmlns="" id="{0C5131CE-F409-468D-B544-B61E015080D1}"/>
               </a:ext>
             </a:extLst>
           </p:cNvPr>
@@ -7266,7 +8260,7 @@
           <a:p>
             <a:r>
               <a:rPr lang="zh-CN" altLang="en-US" dirty="0"/>
-              <a:t>设计方案</a:t>
+              <a:t>小组分工</a:t>
             </a:r>
           </a:p>
         </p:txBody>
@@ -7276,7 +8270,7 @@
           <p:cNvPr id="3" name="内容占位符 2">
             <a:extLst>
               <a:ext uri="{FF2B5EF4-FFF2-40B4-BE49-F238E27FC236}">
-                <a16:creationId xmlns:a16="http://schemas.microsoft.com/office/drawing/2014/main" id="{B9B8775A-FD20-4245-8EF2-2535F72877AA}"/>
+                <a16:creationId xmlns:a16="http://schemas.microsoft.com/office/drawing/2014/main" xmlns="" id="{0858E370-517E-4DAA-9C80-27E2422859BD}"/>
               </a:ext>
             </a:extLst>
           </p:cNvPr>
@@ -7289,37 +8283,91 @@
         </p:nvSpPr>
         <p:spPr/>
         <p:txBody>
-          <a:bodyPr>
-            <a:normAutofit/>
-          </a:bodyPr>
+          <a:bodyPr/>
           <a:lstStyle/>
           <a:p>
             <a:r>
-              <a:rPr lang="zh-CN" altLang="en-US" dirty="0"/>
-              <a:t>我们将分为</a:t>
-            </a:r>
-            <a:r>
               <a:rPr lang="en-US" altLang="zh-CN" dirty="0"/>
-              <a:t>9</a:t>
-            </a:r>
-            <a:r>
-              <a:rPr lang="zh-CN" altLang="en-US" dirty="0"/>
-              <a:t>个步骤分阶段进行</a:t>
-            </a:r>
-            <a:endParaRPr lang="en-US" altLang="zh-CN" dirty="0"/>
+              <a:t>sv6</a:t>
+            </a:r>
+            <a:r>
+              <a:rPr lang="zh-CN" altLang="en-US" dirty="0"/>
+              <a:t>移植</a:t>
+            </a:r>
+            <a:r>
+              <a:rPr lang="en-US" altLang="zh-CN" dirty="0"/>
+              <a:t>RV64 </a:t>
+            </a:r>
+            <a:r>
+              <a:rPr lang="en-US" altLang="zh-CN" dirty="0" smtClean="0"/>
+              <a:t>SMP</a:t>
+            </a:r>
+            <a:endParaRPr lang="zh-CN" altLang="en-US" dirty="0" smtClean="0"/>
+          </a:p>
+          <a:p>
+            <a:pPr lvl="1"/>
+            <a:r>
+              <a:rPr lang="zh-CN" altLang="en-US" b="0" dirty="0" smtClean="0"/>
+              <a:t>谭闻德</a:t>
+            </a:r>
+            <a:r>
+              <a:rPr lang="zh-CN" altLang="en-US" b="0" dirty="0"/>
+              <a:t>主导，尹宇峰辅助。</a:t>
+            </a:r>
+            <a:endParaRPr lang="en-US" altLang="zh-CN" b="0" dirty="0"/>
+          </a:p>
+          <a:p>
+            <a:r>
+              <a:rPr lang="en-US" altLang="zh-CN" dirty="0"/>
+              <a:t>commuter</a:t>
+            </a:r>
+            <a:r>
+              <a:rPr lang="zh-CN" altLang="en-US" dirty="0"/>
+              <a:t>优化</a:t>
+            </a:r>
+            <a:r>
+              <a:rPr lang="en-US" altLang="zh-CN" dirty="0"/>
+              <a:t>sv6</a:t>
+            </a:r>
+            <a:r>
+              <a:rPr lang="zh-CN" altLang="en-US" dirty="0"/>
+              <a:t>系统子</a:t>
+            </a:r>
+            <a:r>
+              <a:rPr lang="zh-CN" altLang="en-US" dirty="0" smtClean="0"/>
+              <a:t>模块</a:t>
+            </a:r>
+          </a:p>
+          <a:p>
+            <a:pPr lvl="1"/>
+            <a:r>
+              <a:rPr lang="zh-CN" altLang="en-US" b="0" dirty="0" smtClean="0"/>
+              <a:t>尹宇峰</a:t>
+            </a:r>
+            <a:r>
+              <a:rPr lang="zh-CN" altLang="en-US" b="0" dirty="0"/>
+              <a:t>主导，谭闻德辅助。</a:t>
+            </a:r>
           </a:p>
         </p:txBody>
       </p:sp>
     </p:spTree>
     <p:extLst>
       <p:ext uri="{BB962C8B-B14F-4D97-AF65-F5344CB8AC3E}">
-        <p14:creationId xmlns:p14="http://schemas.microsoft.com/office/powerpoint/2010/main" val="2665330854"/>
+        <p14:creationId xmlns:p14="http://schemas.microsoft.com/office/powerpoint/2010/main" val="2133374139"/>
       </p:ext>
     </p:extLst>
   </p:cSld>
   <p:clrMapOvr>
     <a:masterClrMapping/>
   </p:clrMapOvr>
+  <p:timing>
+    <p:tnLst>
+      <p:par>
+        <p:cTn id="1" dur="indefinite" restart="never" nodeType="tmRoot"/>
+      </p:par>
+    </p:tnLst>
+  </p:timing>
 </p:sld>
 </file>
 
@@ -7345,7 +8393,7 @@
           <p:cNvPr id="2" name="标题 1">
             <a:extLst>
               <a:ext uri="{FF2B5EF4-FFF2-40B4-BE49-F238E27FC236}">
-                <a16:creationId xmlns:a16="http://schemas.microsoft.com/office/drawing/2014/main" id="{D51145BD-2969-4325-9EF1-FB4F42BE3E11}"/>
+                <a16:creationId xmlns:a16="http://schemas.microsoft.com/office/drawing/2014/main" xmlns="" id="{F5B41FB3-3891-47F7-9461-39E387FDC4DD}"/>
               </a:ext>
             </a:extLst>
           </p:cNvPr>
@@ -7362,22 +8410,18 @@
           <a:lstStyle/>
           <a:p>
             <a:r>
-              <a:rPr lang="en-US" altLang="zh-CN" dirty="0"/>
-              <a:t>1. </a:t>
-            </a:r>
-            <a:r>
-              <a:rPr lang="zh-CN" altLang="en-US" dirty="0"/>
-              <a:t>准备开发环境 </a:t>
-            </a:r>
-            <a:r>
-              <a:rPr lang="en-US" altLang="zh-CN" dirty="0"/>
-              <a:t>— </a:t>
-            </a:r>
-            <a:r>
-              <a:rPr lang="zh-CN" altLang="en-US" dirty="0"/>
-              <a:t>已完成</a:t>
-            </a:r>
-            <a:endParaRPr lang="en-US" altLang="zh-CN" dirty="0"/>
+              <a:rPr lang="zh-CN" altLang="en-US" dirty="0"/>
+              <a:t>设计</a:t>
+            </a:r>
+            <a:r>
+              <a:rPr lang="zh-CN" altLang="en-US" dirty="0" smtClean="0"/>
+              <a:t>方案</a:t>
+            </a:r>
+            <a:r>
+              <a:rPr lang="zh-CN" altLang="en-US" dirty="0" smtClean="0"/>
+              <a:t>和已完成工作</a:t>
+            </a:r>
+            <a:endParaRPr lang="zh-CN" altLang="en-US" dirty="0"/>
           </a:p>
         </p:txBody>
       </p:sp>
@@ -7386,7 +8430,7 @@
           <p:cNvPr id="3" name="内容占位符 2">
             <a:extLst>
               <a:ext uri="{FF2B5EF4-FFF2-40B4-BE49-F238E27FC236}">
-                <a16:creationId xmlns:a16="http://schemas.microsoft.com/office/drawing/2014/main" id="{109D1A46-7755-484D-A035-33D06B3F9213}"/>
+                <a16:creationId xmlns:a16="http://schemas.microsoft.com/office/drawing/2014/main" xmlns="" id="{B9B8775A-FD20-4245-8EF2-2535F72877AA}"/>
               </a:ext>
             </a:extLst>
           </p:cNvPr>
@@ -7399,69 +8443,48 @@
         </p:nvSpPr>
         <p:spPr/>
         <p:txBody>
-          <a:bodyPr/>
+          <a:bodyPr>
+            <a:normAutofit/>
+          </a:bodyPr>
           <a:lstStyle/>
           <a:p>
             <a:r>
               <a:rPr lang="zh-CN" altLang="en-US" dirty="0"/>
-              <a:t>把</a:t>
+              <a:t>我们将分为</a:t>
             </a:r>
             <a:r>
               <a:rPr lang="en-US" altLang="zh-CN" dirty="0"/>
-              <a:t>RV64 SMP</a:t>
-            </a:r>
-            <a:r>
-              <a:rPr lang="zh-CN" altLang="en-US" dirty="0"/>
-              <a:t>的工具链，包括编译器</a:t>
-            </a:r>
-            <a:r>
-              <a:rPr lang="en-US" altLang="zh-CN" dirty="0"/>
-              <a:t>GCC</a:t>
-            </a:r>
-            <a:r>
-              <a:rPr lang="zh-CN" altLang="en-US" dirty="0"/>
-              <a:t>、模拟器</a:t>
-            </a:r>
-            <a:r>
-              <a:rPr lang="en-US" altLang="zh-CN" dirty="0"/>
-              <a:t>QEMU</a:t>
-            </a:r>
-            <a:r>
-              <a:rPr lang="zh-CN" altLang="en-US" dirty="0"/>
-              <a:t>等环境准备好。</a:t>
+              <a:t>9</a:t>
+            </a:r>
+            <a:r>
+              <a:rPr lang="zh-CN" altLang="en-US" dirty="0"/>
+              <a:t>个步骤分阶段</a:t>
+            </a:r>
+            <a:r>
+              <a:rPr lang="zh-CN" altLang="en-US" dirty="0" smtClean="0"/>
+              <a:t>进行。</a:t>
             </a:r>
             <a:endParaRPr lang="en-US" altLang="zh-CN" dirty="0"/>
-          </a:p>
-          <a:p>
-            <a:r>
-              <a:rPr lang="zh-CN" altLang="en-US" dirty="0"/>
-              <a:t>这是基础性的工作，为进行</a:t>
-            </a:r>
-            <a:r>
-              <a:rPr lang="en-US" altLang="zh-CN" dirty="0"/>
-              <a:t>RV64</a:t>
-            </a:r>
-            <a:r>
-              <a:rPr lang="zh-CN" altLang="en-US" dirty="0"/>
-              <a:t>的开发，必不可少。</a:t>
-            </a:r>
-            <a:endParaRPr lang="en-US" altLang="zh-CN" dirty="0"/>
-          </a:p>
-          <a:p>
-            <a:endParaRPr lang="zh-CN" altLang="en-US" dirty="0"/>
           </a:p>
         </p:txBody>
       </p:sp>
     </p:spTree>
     <p:extLst>
       <p:ext uri="{BB962C8B-B14F-4D97-AF65-F5344CB8AC3E}">
-        <p14:creationId xmlns:p14="http://schemas.microsoft.com/office/powerpoint/2010/main" val="77566580"/>
+        <p14:creationId xmlns:p14="http://schemas.microsoft.com/office/powerpoint/2010/main" val="2665330854"/>
       </p:ext>
     </p:extLst>
   </p:cSld>
   <p:clrMapOvr>
     <a:masterClrMapping/>
   </p:clrMapOvr>
+  <p:timing>
+    <p:tnLst>
+      <p:par>
+        <p:cTn id="1" dur="indefinite" restart="never" nodeType="tmRoot"/>
+      </p:par>
+    </p:tnLst>
+  </p:timing>
 </p:sld>
 </file>
 
@@ -7487,7 +8510,7 @@
           <p:cNvPr id="2" name="标题 1">
             <a:extLst>
               <a:ext uri="{FF2B5EF4-FFF2-40B4-BE49-F238E27FC236}">
-                <a16:creationId xmlns:a16="http://schemas.microsoft.com/office/drawing/2014/main" id="{E4586F33-F057-4457-A100-26D03C5938D2}"/>
+                <a16:creationId xmlns:a16="http://schemas.microsoft.com/office/drawing/2014/main" xmlns="" id="{D51145BD-2969-4325-9EF1-FB4F42BE3E11}"/>
               </a:ext>
             </a:extLst>
           </p:cNvPr>
@@ -7505,20 +8528,21 @@
           <a:p>
             <a:r>
               <a:rPr lang="en-US" altLang="zh-CN" dirty="0"/>
-              <a:t>2. </a:t>
-            </a:r>
-            <a:r>
-              <a:rPr lang="zh-CN" altLang="en-US" dirty="0"/>
-              <a:t>学习</a:t>
+              <a:t>1. </a:t>
+            </a:r>
+            <a:r>
+              <a:rPr lang="zh-CN" altLang="en-US" dirty="0"/>
+              <a:t>准备开发环境 </a:t>
             </a:r>
             <a:r>
               <a:rPr lang="en-US" altLang="zh-CN" dirty="0"/>
-              <a:t>RV64 — </a:t>
+              <a:t>— </a:t>
             </a:r>
             <a:r>
               <a:rPr lang="zh-CN" altLang="en-US" dirty="0"/>
               <a:t>已完成</a:t>
             </a:r>
+            <a:endParaRPr lang="en-US" altLang="zh-CN" dirty="0"/>
           </a:p>
         </p:txBody>
       </p:sp>
@@ -7527,7 +8551,7 @@
           <p:cNvPr id="3" name="内容占位符 2">
             <a:extLst>
               <a:ext uri="{FF2B5EF4-FFF2-40B4-BE49-F238E27FC236}">
-                <a16:creationId xmlns:a16="http://schemas.microsoft.com/office/drawing/2014/main" id="{A46DA01C-B994-4F05-8E43-DA92F4E4D542}"/>
+                <a16:creationId xmlns:a16="http://schemas.microsoft.com/office/drawing/2014/main" xmlns="" id="{109D1A46-7755-484D-A035-33D06B3F9213}"/>
               </a:ext>
             </a:extLst>
           </p:cNvPr>
@@ -7545,44 +8569,71 @@
           <a:p>
             <a:r>
               <a:rPr lang="zh-CN" altLang="en-US" dirty="0"/>
-              <a:t>学习</a:t>
+              <a:t>把</a:t>
             </a:r>
             <a:r>
               <a:rPr lang="en-US" altLang="zh-CN" dirty="0"/>
+              <a:t>RV64 SMP</a:t>
+            </a:r>
+            <a:r>
+              <a:rPr lang="zh-CN" altLang="en-US" dirty="0"/>
+              <a:t>的工具链，包括编译器</a:t>
+            </a:r>
+            <a:r>
+              <a:rPr lang="en-US" altLang="zh-CN" dirty="0"/>
+              <a:t>GCC</a:t>
+            </a:r>
+            <a:r>
+              <a:rPr lang="zh-CN" altLang="en-US" dirty="0"/>
+              <a:t>、模拟器</a:t>
+            </a:r>
+            <a:r>
+              <a:rPr lang="en-US" altLang="zh-CN" dirty="0"/>
+              <a:t>QEMU</a:t>
+            </a:r>
+            <a:r>
+              <a:rPr lang="zh-CN" altLang="en-US" dirty="0"/>
+              <a:t>等环境准备好。</a:t>
+            </a:r>
+            <a:endParaRPr lang="en-US" altLang="zh-CN" dirty="0"/>
+          </a:p>
+          <a:p>
+            <a:r>
+              <a:rPr lang="zh-CN" altLang="en-US" b="0" dirty="0"/>
+              <a:t>这是基础性的工作，为进行</a:t>
+            </a:r>
+            <a:r>
+              <a:rPr lang="en-US" altLang="zh-CN" b="0" dirty="0"/>
               <a:t>RV64</a:t>
             </a:r>
             <a:r>
-              <a:rPr lang="zh-CN" altLang="en-US" dirty="0"/>
-              <a:t>用户态指令集架构和特权指令集架构。</a:t>
-            </a:r>
-            <a:endParaRPr lang="en-US" altLang="zh-CN" dirty="0"/>
-          </a:p>
-          <a:p>
-            <a:r>
-              <a:rPr lang="zh-CN" altLang="en-US" dirty="0"/>
-              <a:t>这也是基础性的工作，为进行</a:t>
-            </a:r>
-            <a:r>
-              <a:rPr lang="en-US" altLang="zh-CN" dirty="0"/>
-              <a:t>RV64</a:t>
-            </a:r>
-            <a:r>
-              <a:rPr lang="zh-CN" altLang="en-US" dirty="0"/>
+              <a:rPr lang="zh-CN" altLang="en-US" b="0" dirty="0"/>
               <a:t>的开发，必不可少。</a:t>
             </a:r>
+            <a:endParaRPr lang="en-US" altLang="zh-CN" b="0" dirty="0"/>
+          </a:p>
+          <a:p>
+            <a:endParaRPr lang="zh-CN" altLang="en-US" dirty="0"/>
           </a:p>
         </p:txBody>
       </p:sp>
     </p:spTree>
     <p:extLst>
       <p:ext uri="{BB962C8B-B14F-4D97-AF65-F5344CB8AC3E}">
-        <p14:creationId xmlns:p14="http://schemas.microsoft.com/office/powerpoint/2010/main" val="3349959372"/>
+        <p14:creationId xmlns:p14="http://schemas.microsoft.com/office/powerpoint/2010/main" val="77566580"/>
       </p:ext>
     </p:extLst>
   </p:cSld>
   <p:clrMapOvr>
     <a:masterClrMapping/>
   </p:clrMapOvr>
+  <p:timing>
+    <p:tnLst>
+      <p:par>
+        <p:cTn id="1" dur="indefinite" restart="never" nodeType="tmRoot"/>
+      </p:par>
+    </p:tnLst>
+  </p:timing>
 </p:sld>
 </file>
 
@@ -7608,7 +8659,7 @@
           <p:cNvPr id="2" name="标题 1">
             <a:extLst>
               <a:ext uri="{FF2B5EF4-FFF2-40B4-BE49-F238E27FC236}">
-                <a16:creationId xmlns:a16="http://schemas.microsoft.com/office/drawing/2014/main" id="{6574E422-76EE-4C88-BB7D-937A4B1A9138}"/>
+                <a16:creationId xmlns:a16="http://schemas.microsoft.com/office/drawing/2014/main" xmlns="" id="{E4586F33-F057-4457-A100-26D03C5938D2}"/>
               </a:ext>
             </a:extLst>
           </p:cNvPr>
@@ -7626,15 +8677,15 @@
           <a:p>
             <a:r>
               <a:rPr lang="en-US" altLang="zh-CN" dirty="0"/>
-              <a:t>3. </a:t>
-            </a:r>
-            <a:r>
-              <a:rPr lang="zh-CN" altLang="en-US" dirty="0"/>
-              <a:t>动手实践</a:t>
+              <a:t>2. </a:t>
+            </a:r>
+            <a:r>
+              <a:rPr lang="zh-CN" altLang="en-US" dirty="0"/>
+              <a:t>学习</a:t>
             </a:r>
             <a:r>
               <a:rPr lang="en-US" altLang="zh-CN" dirty="0"/>
-              <a:t>RV64 SMP — </a:t>
+              <a:t>RV64 — </a:t>
             </a:r>
             <a:r>
               <a:rPr lang="zh-CN" altLang="en-US" dirty="0"/>
@@ -7648,7 +8699,7 @@
           <p:cNvPr id="3" name="内容占位符 2">
             <a:extLst>
               <a:ext uri="{FF2B5EF4-FFF2-40B4-BE49-F238E27FC236}">
-                <a16:creationId xmlns:a16="http://schemas.microsoft.com/office/drawing/2014/main" id="{4DF120F4-6DFD-46FF-87F2-3C0FF4DEA595}"/>
+                <a16:creationId xmlns:a16="http://schemas.microsoft.com/office/drawing/2014/main" xmlns="" id="{A46DA01C-B994-4F05-8E43-DA92F4E4D542}"/>
               </a:ext>
             </a:extLst>
           </p:cNvPr>
@@ -7661,79 +8712,126 @@
         </p:nvSpPr>
         <p:spPr/>
         <p:txBody>
-          <a:bodyPr/>
+          <a:bodyPr>
+            <a:normAutofit fontScale="92500"/>
+          </a:bodyPr>
           <a:lstStyle/>
           <a:p>
             <a:r>
               <a:rPr lang="zh-CN" altLang="en-US" dirty="0"/>
-              <a:t>基于</a:t>
+              <a:t>学习</a:t>
+            </a:r>
+            <a:r>
+              <a:rPr lang="en-US" altLang="zh-CN" dirty="0"/>
+              <a:t>RV64</a:t>
+            </a:r>
+            <a:r>
+              <a:rPr lang="zh-CN" altLang="en-US" dirty="0"/>
+              <a:t>用户态指令集架构和特权指令集架构。</a:t>
+            </a:r>
+            <a:endParaRPr lang="en-US" altLang="zh-CN" dirty="0"/>
+          </a:p>
+          <a:p>
+            <a:r>
+              <a:rPr lang="zh-CN" altLang="en-US" b="0" dirty="0"/>
+              <a:t>这也是基础性的工作，为进行</a:t>
+            </a:r>
+            <a:r>
+              <a:rPr lang="en-US" altLang="zh-CN" b="0" dirty="0"/>
+              <a:t>RV64</a:t>
+            </a:r>
+            <a:r>
+              <a:rPr lang="zh-CN" altLang="en-US" b="0" dirty="0"/>
+              <a:t>的开发，必不可少</a:t>
+            </a:r>
+            <a:r>
+              <a:rPr lang="zh-CN" altLang="en-US" b="0" dirty="0" smtClean="0"/>
+              <a:t>。</a:t>
+            </a:r>
+          </a:p>
+          <a:p>
+            <a:pPr marL="0" indent="0">
+              <a:buNone/>
+            </a:pPr>
+            <a:endParaRPr lang="zh-CN" altLang="en-US" dirty="0" smtClean="0"/>
+          </a:p>
+          <a:p>
+            <a:r>
+              <a:rPr lang="zh-CN" altLang="en-US" dirty="0" smtClean="0"/>
+              <a:t>在</a:t>
+            </a:r>
+            <a:r>
+              <a:rPr lang="zh-CN" altLang="en-US" dirty="0"/>
+              <a:t>学习</a:t>
+            </a:r>
+            <a:r>
+              <a:rPr lang="en-US" altLang="zh-CN" dirty="0"/>
+              <a:t>RV64</a:t>
+            </a:r>
+            <a:r>
+              <a:rPr lang="zh-CN" altLang="en-US" dirty="0"/>
+              <a:t>指令集的同时，帮助修复</a:t>
             </a:r>
             <a:r>
               <a:rPr lang="en-US" altLang="zh-CN" dirty="0" err="1"/>
-              <a:t>bbl</a:t>
-            </a:r>
-            <a:r>
-              <a:rPr lang="zh-CN" altLang="en-US" dirty="0"/>
-              <a:t>编写几个</a:t>
+              <a:t>ucore</a:t>
             </a:r>
             <a:r>
               <a:rPr lang="en-US" altLang="zh-CN" dirty="0"/>
-              <a:t>RV64 SMP</a:t>
-            </a:r>
-            <a:r>
-              <a:rPr lang="zh-CN" altLang="en-US" dirty="0"/>
-              <a:t>的小例子，注重</a:t>
+              <a:t> labs RV64</a:t>
+            </a:r>
+            <a:r>
+              <a:rPr lang="zh-CN" altLang="en-US" dirty="0"/>
+              <a:t>移植的</a:t>
             </a:r>
             <a:r>
               <a:rPr lang="en-US" altLang="zh-CN" dirty="0"/>
-              <a:t>SMP</a:t>
-            </a:r>
-            <a:r>
-              <a:rPr lang="zh-CN" altLang="en-US" dirty="0"/>
-              <a:t>的启动以及管理。这个环节旨在熟悉</a:t>
+              <a:t>2</a:t>
+            </a:r>
+            <a:r>
+              <a:rPr lang="zh-CN" altLang="en-US" dirty="0"/>
+              <a:t>个</a:t>
             </a:r>
             <a:r>
               <a:rPr lang="en-US" altLang="zh-CN" dirty="0"/>
-              <a:t>RV64 SMP</a:t>
-            </a:r>
-            <a:r>
-              <a:rPr lang="zh-CN" altLang="en-US" dirty="0"/>
-              <a:t>的一些关键性问题，例如谁负责启动</a:t>
-            </a:r>
-            <a:r>
-              <a:rPr lang="en-US" altLang="zh-CN" dirty="0"/>
-              <a:t>AP</a:t>
-            </a:r>
-            <a:r>
-              <a:rPr lang="zh-CN" altLang="en-US" dirty="0"/>
-              <a:t>（除了启动处理器之外的处理器核心），启动</a:t>
-            </a:r>
-            <a:r>
-              <a:rPr lang="en-US" altLang="zh-CN" dirty="0"/>
-              <a:t>AP</a:t>
-            </a:r>
-            <a:r>
-              <a:rPr lang="zh-CN" altLang="en-US" dirty="0"/>
-              <a:t>后的状态如何设置等。</a:t>
-            </a:r>
+              <a:t>bug</a:t>
+            </a:r>
+            <a:r>
+              <a:rPr lang="zh-CN" altLang="en-US" dirty="0" smtClean="0"/>
+              <a:t>。</a:t>
+            </a:r>
+          </a:p>
+          <a:p>
+            <a:r>
+              <a:rPr lang="zh-CN" altLang="en-US" dirty="0" smtClean="0"/>
+              <a:t>之后遇到问题，可以进一步查阅文档。</a:t>
+            </a:r>
+            <a:endParaRPr lang="en-US" altLang="zh-CN" dirty="0"/>
           </a:p>
         </p:txBody>
       </p:sp>
     </p:spTree>
     <p:extLst>
       <p:ext uri="{BB962C8B-B14F-4D97-AF65-F5344CB8AC3E}">
-        <p14:creationId xmlns:p14="http://schemas.microsoft.com/office/powerpoint/2010/main" val="3921915252"/>
+        <p14:creationId xmlns:p14="http://schemas.microsoft.com/office/powerpoint/2010/main" val="3349959372"/>
       </p:ext>
     </p:extLst>
   </p:cSld>
   <p:clrMapOvr>
     <a:masterClrMapping/>
   </p:clrMapOvr>
+  <p:timing>
+    <p:tnLst>
+      <p:par>
+        <p:cTn id="1" dur="indefinite" restart="never" nodeType="tmRoot"/>
+      </p:par>
+    </p:tnLst>
+  </p:timing>
 </p:sld>
 </file>
 
 <file path=ppt/theme/theme1.xml><?xml version="1.0" encoding="utf-8"?>
-<a:theme xmlns:a="http://schemas.openxmlformats.org/drawingml/2006/main" name="Office 主题​​">
+<a:theme xmlns:a="http://schemas.openxmlformats.org/drawingml/2006/main" name="os">
   <a:themeElements>
     <a:clrScheme name="Office">
       <a:dk1>
@@ -7749,7 +8847,7 @@
         <a:srgbClr val="E7E6E6"/>
       </a:lt2>
       <a:accent1>
-        <a:srgbClr val="4472C4"/>
+        <a:srgbClr val="5B9BD5"/>
       </a:accent1>
       <a:accent2>
         <a:srgbClr val="ED7D31"/>
@@ -7761,7 +8859,7 @@
         <a:srgbClr val="FFC000"/>
       </a:accent4>
       <a:accent5>
-        <a:srgbClr val="5B9BD5"/>
+        <a:srgbClr val="4472C4"/>
       </a:accent5>
       <a:accent6>
         <a:srgbClr val="70AD47"/>
@@ -7775,12 +8873,12 @@
     </a:clrScheme>
     <a:fontScheme name="Office">
       <a:majorFont>
-        <a:latin typeface="等线 Light" panose="020F0302020204030204"/>
+        <a:latin typeface="Calibri Light" panose="020F0302020204030204"/>
         <a:ea typeface=""/>
         <a:cs typeface=""/>
-        <a:font script="Jpan" typeface="游ゴシック Light"/>
+        <a:font script="Jpan" typeface="ＭＳ Ｐゴシック"/>
         <a:font script="Hang" typeface="맑은 고딕"/>
-        <a:font script="Hans" typeface="等线 Light"/>
+        <a:font script="Hans" typeface="宋体"/>
         <a:font script="Hant" typeface="新細明體"/>
         <a:font script="Arab" typeface="Times New Roman"/>
         <a:font script="Hebr" typeface="Times New Roman"/>
@@ -7808,31 +8906,14 @@
         <a:font script="Viet" typeface="Times New Roman"/>
         <a:font script="Uigh" typeface="Microsoft Uighur"/>
         <a:font script="Geor" typeface="Sylfaen"/>
-        <a:font script="Armn" typeface="Arial"/>
-        <a:font script="Bugi" typeface="Leelawadee UI"/>
-        <a:font script="Bopo" typeface="Microsoft JhengHei"/>
-        <a:font script="Java" typeface="Javanese Text"/>
-        <a:font script="Lisu" typeface="Segoe UI"/>
-        <a:font script="Mymr" typeface="Myanmar Text"/>
-        <a:font script="Nkoo" typeface="Ebrima"/>
-        <a:font script="Olck" typeface="Nirmala UI"/>
-        <a:font script="Osma" typeface="Ebrima"/>
-        <a:font script="Phag" typeface="Phagspa"/>
-        <a:font script="Syrn" typeface="Estrangelo Edessa"/>
-        <a:font script="Syrj" typeface="Estrangelo Edessa"/>
-        <a:font script="Syre" typeface="Estrangelo Edessa"/>
-        <a:font script="Sora" typeface="Nirmala UI"/>
-        <a:font script="Tale" typeface="Microsoft Tai Le"/>
-        <a:font script="Talu" typeface="Microsoft New Tai Lue"/>
-        <a:font script="Tfng" typeface="Ebrima"/>
       </a:majorFont>
       <a:minorFont>
-        <a:latin typeface="等线" panose="020F0502020204030204"/>
+        <a:latin typeface="Calibri" panose="020F0502020204030204"/>
         <a:ea typeface=""/>
         <a:cs typeface=""/>
-        <a:font script="Jpan" typeface="游ゴシック"/>
+        <a:font script="Jpan" typeface="ＭＳ Ｐゴシック"/>
         <a:font script="Hang" typeface="맑은 고딕"/>
-        <a:font script="Hans" typeface="等线"/>
+        <a:font script="Hans" typeface="宋体"/>
         <a:font script="Hant" typeface="新細明體"/>
         <a:font script="Arab" typeface="Arial"/>
         <a:font script="Hebr" typeface="Arial"/>
@@ -7860,23 +8941,6 @@
         <a:font script="Viet" typeface="Arial"/>
         <a:font script="Uigh" typeface="Microsoft Uighur"/>
         <a:font script="Geor" typeface="Sylfaen"/>
-        <a:font script="Armn" typeface="Arial"/>
-        <a:font script="Bugi" typeface="Leelawadee UI"/>
-        <a:font script="Bopo" typeface="Microsoft JhengHei"/>
-        <a:font script="Java" typeface="Javanese Text"/>
-        <a:font script="Lisu" typeface="Segoe UI"/>
-        <a:font script="Mymr" typeface="Myanmar Text"/>
-        <a:font script="Nkoo" typeface="Ebrima"/>
-        <a:font script="Olck" typeface="Nirmala UI"/>
-        <a:font script="Osma" typeface="Ebrima"/>
-        <a:font script="Phag" typeface="Phagspa"/>
-        <a:font script="Syrn" typeface="Estrangelo Edessa"/>
-        <a:font script="Syrj" typeface="Estrangelo Edessa"/>
-        <a:font script="Syre" typeface="Estrangelo Edessa"/>
-        <a:font script="Sora" typeface="Nirmala UI"/>
-        <a:font script="Tale" typeface="Microsoft Tai Le"/>
-        <a:font script="Talu" typeface="Microsoft New Tai Lue"/>
-        <a:font script="Tfng" typeface="Ebrima"/>
       </a:minorFont>
     </a:fontScheme>
     <a:fmtScheme name="Office">
@@ -8021,7 +9085,7 @@
   <a:extraClrSchemeLst/>
   <a:extLst>
     <a:ext uri="{05A4C25C-085E-4340-85A3-A5531E510DB2}">
-      <thm15:themeFamily xmlns:thm15="http://schemas.microsoft.com/office/thememl/2012/main" name="Office Theme" id="{62F939B6-93AF-4DB8-9C6B-D6C7DFDC589F}" vid="{4A3C46E8-61CC-4603-A589-7422A47A8E4A}"/>
+      <thm15:themeFamily xmlns:thm15="http://schemas.microsoft.com/office/thememl/2012/main" name="os" id="{D632855B-6C78-314C-A4F4-5F7F79E390FA}" vid="{43A6DC61-3A81-A94F-A193-57230E66C683}"/>
     </a:ext>
   </a:extLst>
 </a:theme>
